--- a/inst/r4proteomics_slides.pptx
+++ b/inst/r4proteomics_slides.pptx
@@ -13,9 +13,9 @@
     <p:sldId id="257" r:id="rId4"/>
     <p:sldId id="262" r:id="rId5"/>
     <p:sldId id="258" r:id="rId6"/>
-    <p:sldId id="259" r:id="rId7"/>
-    <p:sldId id="261" r:id="rId8"/>
-    <p:sldId id="260" r:id="rId9"/>
+    <p:sldId id="263" r:id="rId7"/>
+    <p:sldId id="264" r:id="rId8"/>
+    <p:sldId id="266" r:id="rId9"/>
   </p:sldIdLst>
   <p:sldSz cx="12192000" cy="6858000"/>
   <p:notesSz cx="6858000" cy="9144000"/>
@@ -120,11 +120,11 @@
         <p14:section name="Day 0" id="{1D16D1DA-ACAD-4E10-B283-AADBC3F5CDBD}">
           <p14:sldIdLst>
             <p14:sldId id="256"/>
+            <p14:sldId id="257"/>
           </p14:sldIdLst>
         </p14:section>
         <p14:section name="Day 1" id="{DDFC6817-248C-4506-BF7B-72F113843825}">
           <p14:sldIdLst>
-            <p14:sldId id="257"/>
             <p14:sldId id="262"/>
           </p14:sldIdLst>
         </p14:section>
@@ -135,17 +135,17 @@
         </p14:section>
         <p14:section name="Day 3" id="{DBDF1725-7FEC-4A1C-9869-445A2D466A1E}">
           <p14:sldIdLst>
-            <p14:sldId id="259"/>
+            <p14:sldId id="263"/>
           </p14:sldIdLst>
         </p14:section>
         <p14:section name="Day 4" id="{FCD4091A-B4AF-4ABB-B2D5-ACF1733E43E6}">
           <p14:sldIdLst>
-            <p14:sldId id="261"/>
+            <p14:sldId id="264"/>
           </p14:sldIdLst>
         </p14:section>
         <p14:section name="Day 5" id="{0AEBB606-CEA4-4116-A7BE-9F75C924F278}">
           <p14:sldIdLst>
-            <p14:sldId id="260"/>
+            <p14:sldId id="266"/>
           </p14:sldIdLst>
         </p14:section>
       </p14:sectionLst>
@@ -9165,7 +9165,7 @@
           <p:spPr>
             <a:xfrm>
               <a:off x="624078" y="270357"/>
-              <a:ext cx="5154930" cy="672235"/>
+              <a:ext cx="5154930" cy="465127"/>
             </a:xfrm>
             <a:prstGeom prst="rect">
               <a:avLst/>
@@ -9184,13 +9184,20 @@
                 </a:lnSpc>
               </a:pPr>
               <a:r>
-                <a:rPr lang="en-US" sz="2800" dirty="0">
+                <a:rPr lang="en-US" b="1" dirty="0">
                   <a:latin typeface="Fira Sans" panose="020B0503050000020004" pitchFamily="34" charset="0"/>
                   <a:hlinkClick r:id="rId2" action="ppaction://hlinkfile"/>
                 </a:rPr>
-                <a:t>Introduction to R and RStudio</a:t>
-              </a:r>
-              <a:endParaRPr lang="en-US" sz="4000" b="0" i="0" dirty="0">
+                <a:t>Introduction</a:t>
+              </a:r>
+              <a:r>
+                <a:rPr lang="en-US" dirty="0">
+                  <a:latin typeface="Fira Sans" panose="020B0503050000020004" pitchFamily="34" charset="0"/>
+                  <a:hlinkClick r:id="rId2" action="ppaction://hlinkfile"/>
+                </a:rPr>
+                <a:t> to R and RStudio</a:t>
+              </a:r>
+              <a:endParaRPr lang="en-US" sz="2800" b="0" i="0" dirty="0">
                 <a:solidFill>
                   <a:srgbClr val="1A292C"/>
                 </a:solidFill>
@@ -9455,6 +9462,471 @@
           <a:chExt cx="0" cy="0"/>
         </a:xfrm>
       </p:grpSpPr>
+      <p:grpSp>
+        <p:nvGrpSpPr>
+          <p:cNvPr id="4" name="Group 3">
+            <a:extLst>
+              <a:ext uri="{FF2B5EF4-FFF2-40B4-BE49-F238E27FC236}">
+                <a16:creationId xmlns:a16="http://schemas.microsoft.com/office/drawing/2014/main" id="{5BE1D3DC-971B-B0DF-DBB6-45FEE40D080A}"/>
+              </a:ext>
+            </a:extLst>
+          </p:cNvPr>
+          <p:cNvGrpSpPr/>
+          <p:nvPr/>
+        </p:nvGrpSpPr>
+        <p:grpSpPr>
+          <a:xfrm>
+            <a:off x="493777" y="270357"/>
+            <a:ext cx="5529072" cy="4426674"/>
+            <a:chOff x="624078" y="270357"/>
+            <a:chExt cx="5154930" cy="4426674"/>
+          </a:xfrm>
+        </p:grpSpPr>
+        <p:sp>
+          <p:nvSpPr>
+            <p:cNvPr id="5" name="TextBox 4">
+              <a:extLst>
+                <a:ext uri="{FF2B5EF4-FFF2-40B4-BE49-F238E27FC236}">
+                  <a16:creationId xmlns:a16="http://schemas.microsoft.com/office/drawing/2014/main" id="{9E41810A-413B-5C95-6A7F-334486213768}"/>
+                </a:ext>
+              </a:extLst>
+            </p:cNvPr>
+            <p:cNvSpPr txBox="1"/>
+            <p:nvPr/>
+          </p:nvSpPr>
+          <p:spPr>
+            <a:xfrm>
+              <a:off x="624078" y="1369582"/>
+              <a:ext cx="5154930" cy="3327449"/>
+            </a:xfrm>
+            <a:prstGeom prst="rect">
+              <a:avLst/>
+            </a:prstGeom>
+            <a:noFill/>
+          </p:spPr>
+          <p:txBody>
+            <a:bodyPr wrap="square">
+              <a:spAutoFit/>
+            </a:bodyPr>
+            <a:lstStyle/>
+            <a:p>
+              <a:pPr algn="l">
+                <a:lnSpc>
+                  <a:spcPct val="150000"/>
+                </a:lnSpc>
+                <a:buNone/>
+              </a:pPr>
+              <a:r>
+                <a:rPr lang="en-US" b="1" i="0" dirty="0">
+                  <a:solidFill>
+                    <a:srgbClr val="212529"/>
+                  </a:solidFill>
+                  <a:effectLst/>
+                  <a:latin typeface="Fira Sans" panose="020B0503050000020004" pitchFamily="34" charset="0"/>
+                </a:rPr>
+                <a:t>Learning Objectives:</a:t>
+              </a:r>
+            </a:p>
+            <a:p>
+              <a:pPr algn="l">
+                <a:lnSpc>
+                  <a:spcPct val="150000"/>
+                </a:lnSpc>
+                <a:buNone/>
+              </a:pPr>
+              <a:r>
+                <a:rPr lang="en-US" b="0" i="0" dirty="0">
+                  <a:solidFill>
+                    <a:srgbClr val="212529"/>
+                  </a:solidFill>
+                  <a:effectLst/>
+                  <a:latin typeface="Fira Sans" panose="020B0503050000020004" pitchFamily="34" charset="0"/>
+                </a:rPr>
+                <a:t>By the end of Day 2, you will be able to:</a:t>
+              </a:r>
+            </a:p>
+            <a:p>
+              <a:pPr marL="285750" indent="-285750">
+                <a:lnSpc>
+                  <a:spcPct val="150000"/>
+                </a:lnSpc>
+                <a:buFont typeface="Arial" panose="020B0604020202020204" pitchFamily="34" charset="0"/>
+                <a:buChar char="•"/>
+              </a:pPr>
+              <a:r>
+                <a:rPr lang="en-US" dirty="0">
+                  <a:latin typeface="Fira Sans" panose="020B0503050000020004" pitchFamily="34" charset="0"/>
+                </a:rPr>
+                <a:t>Module 1: Treat Proteomic Data</a:t>
+              </a:r>
+            </a:p>
+            <a:p>
+              <a:pPr marL="742950" lvl="1" indent="-285750">
+                <a:lnSpc>
+                  <a:spcPct val="150000"/>
+                </a:lnSpc>
+                <a:buFont typeface="Arial" panose="020B0604020202020204" pitchFamily="34" charset="0"/>
+                <a:buChar char="•"/>
+              </a:pPr>
+              <a:r>
+                <a:rPr lang="en-US" sz="1600" dirty="0">
+                  <a:latin typeface="Fira Sans" panose="020B0503050000020004" pitchFamily="34" charset="0"/>
+                </a:rPr>
+                <a:t>From Mass Spectrometry to Quantified Proteins</a:t>
+              </a:r>
+            </a:p>
+            <a:p>
+              <a:pPr marL="742950" lvl="1" indent="-285750">
+                <a:lnSpc>
+                  <a:spcPct val="150000"/>
+                </a:lnSpc>
+                <a:buFont typeface="Arial" panose="020B0604020202020204" pitchFamily="34" charset="0"/>
+                <a:buChar char="•"/>
+              </a:pPr>
+              <a:r>
+                <a:rPr lang="en-US" sz="1600" dirty="0">
+                  <a:latin typeface="Fira Sans" panose="020B0503050000020004" pitchFamily="34" charset="0"/>
+                </a:rPr>
+                <a:t>Structure of Proteomic Data Matrices</a:t>
+              </a:r>
+            </a:p>
+            <a:p>
+              <a:pPr marL="742950" lvl="1" indent="-285750">
+                <a:lnSpc>
+                  <a:spcPct val="150000"/>
+                </a:lnSpc>
+                <a:buFont typeface="Arial" panose="020B0604020202020204" pitchFamily="34" charset="0"/>
+                <a:buChar char="•"/>
+              </a:pPr>
+              <a:r>
+                <a:rPr lang="en-GB" sz="1600" dirty="0">
+                  <a:latin typeface="Fira Sans" panose="020B0503050000020004" pitchFamily="34" charset="0"/>
+                </a:rPr>
+                <a:t>Understanding Your Data</a:t>
+              </a:r>
+            </a:p>
+            <a:p>
+              <a:pPr marL="285750" indent="-285750">
+                <a:lnSpc>
+                  <a:spcPct val="150000"/>
+                </a:lnSpc>
+                <a:buFont typeface="Arial" panose="020B0604020202020204" pitchFamily="34" charset="0"/>
+                <a:buChar char="•"/>
+              </a:pPr>
+              <a:r>
+                <a:rPr lang="en-US" dirty="0">
+                  <a:latin typeface="Fira Sans" panose="020B0503050000020004" pitchFamily="34" charset="0"/>
+                </a:rPr>
+                <a:t>Module 2: Initial Quality Control</a:t>
+              </a:r>
+            </a:p>
+            <a:p>
+              <a:pPr marL="285750" indent="-285750">
+                <a:lnSpc>
+                  <a:spcPct val="150000"/>
+                </a:lnSpc>
+                <a:buFont typeface="Arial" panose="020B0604020202020204" pitchFamily="34" charset="0"/>
+                <a:buChar char="•"/>
+              </a:pPr>
+              <a:r>
+                <a:rPr lang="en-US" dirty="0">
+                  <a:latin typeface="Fira Sans" panose="020B0503050000020004" pitchFamily="34" charset="0"/>
+                </a:rPr>
+                <a:t>Module 3: Exploratory Data Analysis (EDA)</a:t>
+              </a:r>
+            </a:p>
+          </p:txBody>
+        </p:sp>
+        <p:sp>
+          <p:nvSpPr>
+            <p:cNvPr id="6" name="TextBox 5">
+              <a:extLst>
+                <a:ext uri="{FF2B5EF4-FFF2-40B4-BE49-F238E27FC236}">
+                  <a16:creationId xmlns:a16="http://schemas.microsoft.com/office/drawing/2014/main" id="{3EBB60C9-97D8-D5BB-9F1B-78D33A52D8AF}"/>
+                </a:ext>
+              </a:extLst>
+            </p:cNvPr>
+            <p:cNvSpPr txBox="1"/>
+            <p:nvPr/>
+          </p:nvSpPr>
+          <p:spPr>
+            <a:xfrm>
+              <a:off x="624078" y="270357"/>
+              <a:ext cx="5154930" cy="465127"/>
+            </a:xfrm>
+            <a:prstGeom prst="rect">
+              <a:avLst/>
+            </a:prstGeom>
+            <a:noFill/>
+          </p:spPr>
+          <p:txBody>
+            <a:bodyPr wrap="square">
+              <a:spAutoFit/>
+            </a:bodyPr>
+            <a:lstStyle/>
+            <a:p>
+              <a:pPr>
+                <a:lnSpc>
+                  <a:spcPct val="150000"/>
+                </a:lnSpc>
+              </a:pPr>
+              <a:r>
+                <a:rPr lang="en-US" b="1" u="sng" dirty="0">
+                  <a:latin typeface="Fira Sans" panose="020B0503050000020004" pitchFamily="34" charset="0"/>
+                  <a:hlinkClick r:id="rId2" action="ppaction://hlinkfile"/>
+                </a:rPr>
+                <a:t>Introduction to Proteomic Data &amp; Quality Control</a:t>
+              </a:r>
+              <a:endParaRPr lang="en-US" sz="4000" b="0" i="0" dirty="0">
+                <a:solidFill>
+                  <a:srgbClr val="1A292C"/>
+                </a:solidFill>
+                <a:effectLst/>
+                <a:latin typeface="Fira Sans" panose="020B0503050000020004" pitchFamily="34" charset="0"/>
+              </a:endParaRPr>
+            </a:p>
+          </p:txBody>
+        </p:sp>
+      </p:grpSp>
+      <p:grpSp>
+        <p:nvGrpSpPr>
+          <p:cNvPr id="7" name="Group 6">
+            <a:extLst>
+              <a:ext uri="{FF2B5EF4-FFF2-40B4-BE49-F238E27FC236}">
+                <a16:creationId xmlns:a16="http://schemas.microsoft.com/office/drawing/2014/main" id="{8F352149-06AE-19E8-6A8C-8577B9412E81}"/>
+              </a:ext>
+            </a:extLst>
+          </p:cNvPr>
+          <p:cNvGrpSpPr/>
+          <p:nvPr/>
+        </p:nvGrpSpPr>
+        <p:grpSpPr>
+          <a:xfrm>
+            <a:off x="6169152" y="270357"/>
+            <a:ext cx="5946648" cy="4886416"/>
+            <a:chOff x="624078" y="270357"/>
+            <a:chExt cx="5869258" cy="4886416"/>
+          </a:xfrm>
+        </p:grpSpPr>
+        <p:sp>
+          <p:nvSpPr>
+            <p:cNvPr id="8" name="TextBox 7">
+              <a:extLst>
+                <a:ext uri="{FF2B5EF4-FFF2-40B4-BE49-F238E27FC236}">
+                  <a16:creationId xmlns:a16="http://schemas.microsoft.com/office/drawing/2014/main" id="{46DFDA27-2473-25EF-0AD6-F620E47A52CC}"/>
+                </a:ext>
+              </a:extLst>
+            </p:cNvPr>
+            <p:cNvSpPr txBox="1"/>
+            <p:nvPr/>
+          </p:nvSpPr>
+          <p:spPr>
+            <a:xfrm>
+              <a:off x="624078" y="1369582"/>
+              <a:ext cx="5869258" cy="3787191"/>
+            </a:xfrm>
+            <a:prstGeom prst="rect">
+              <a:avLst/>
+            </a:prstGeom>
+            <a:noFill/>
+          </p:spPr>
+          <p:txBody>
+            <a:bodyPr wrap="square">
+              <a:spAutoFit/>
+            </a:bodyPr>
+            <a:lstStyle/>
+            <a:p>
+              <a:pPr>
+                <a:lnSpc>
+                  <a:spcPct val="150000"/>
+                </a:lnSpc>
+              </a:pPr>
+              <a:r>
+                <a:rPr lang="en-GB" dirty="0">
+                  <a:latin typeface="Fira Sans" panose="020B0503050000020004" pitchFamily="34" charset="0"/>
+                </a:rPr>
+                <a:t>Today you learned:</a:t>
+              </a:r>
+            </a:p>
+            <a:p>
+              <a:pPr marL="285750" indent="-285750">
+                <a:lnSpc>
+                  <a:spcPct val="150000"/>
+                </a:lnSpc>
+                <a:buFont typeface="Arial" panose="020B0604020202020204" pitchFamily="34" charset="0"/>
+                <a:buChar char="•"/>
+              </a:pPr>
+              <a:r>
+                <a:rPr lang="en-GB" dirty="0">
+                  <a:latin typeface="Fira Sans" panose="020B0503050000020004" pitchFamily="34" charset="0"/>
+                </a:rPr>
+                <a:t>✓ Structure of proteomic data matrices</a:t>
+              </a:r>
+            </a:p>
+            <a:p>
+              <a:pPr marL="285750" indent="-285750">
+                <a:lnSpc>
+                  <a:spcPct val="150000"/>
+                </a:lnSpc>
+                <a:buFont typeface="Arial" panose="020B0604020202020204" pitchFamily="34" charset="0"/>
+                <a:buChar char="•"/>
+              </a:pPr>
+              <a:r>
+                <a:rPr lang="en-GB" dirty="0">
+                  <a:latin typeface="Fira Sans" panose="020B0503050000020004" pitchFamily="34" charset="0"/>
+                </a:rPr>
+                <a:t>✓ Common data quality issues (</a:t>
+              </a:r>
+              <a:r>
+                <a:rPr lang="en-GB" b="1" dirty="0">
+                  <a:latin typeface="Fira Sans" panose="020B0503050000020004" pitchFamily="34" charset="0"/>
+                </a:rPr>
+                <a:t>missing values, outliers, batch effects</a:t>
+              </a:r>
+              <a:r>
+                <a:rPr lang="en-GB" dirty="0">
+                  <a:latin typeface="Fira Sans" panose="020B0503050000020004" pitchFamily="34" charset="0"/>
+                </a:rPr>
+                <a:t>)</a:t>
+              </a:r>
+            </a:p>
+            <a:p>
+              <a:pPr marL="285750" indent="-285750">
+                <a:lnSpc>
+                  <a:spcPct val="150000"/>
+                </a:lnSpc>
+                <a:buFont typeface="Arial" panose="020B0604020202020204" pitchFamily="34" charset="0"/>
+                <a:buChar char="•"/>
+              </a:pPr>
+              <a:r>
+                <a:rPr lang="en-GB" dirty="0">
+                  <a:latin typeface="Fira Sans" panose="020B0503050000020004" pitchFamily="34" charset="0"/>
+                </a:rPr>
+                <a:t>✓ Quality control </a:t>
+              </a:r>
+              <a:r>
+                <a:rPr lang="en-GB" b="1" dirty="0">
+                  <a:latin typeface="Fira Sans" panose="020B0503050000020004" pitchFamily="34" charset="0"/>
+                </a:rPr>
+                <a:t>visualization</a:t>
+              </a:r>
+              <a:r>
+                <a:rPr lang="en-GB" dirty="0">
+                  <a:latin typeface="Fira Sans" panose="020B0503050000020004" pitchFamily="34" charset="0"/>
+                </a:rPr>
+                <a:t> techniques (</a:t>
+              </a:r>
+              <a:r>
+                <a:rPr lang="en-US" dirty="0">
+                  <a:solidFill>
+                    <a:srgbClr val="212529"/>
+                  </a:solidFill>
+                  <a:latin typeface="Fira Sans" panose="020B0503050000020004" pitchFamily="34" charset="0"/>
+                </a:rPr>
+                <a:t>PCA, boxplots, and heatmaps)</a:t>
+              </a:r>
+            </a:p>
+            <a:p>
+              <a:pPr marL="285750" indent="-285750">
+                <a:lnSpc>
+                  <a:spcPct val="150000"/>
+                </a:lnSpc>
+                <a:buFont typeface="Arial" panose="020B0604020202020204" pitchFamily="34" charset="0"/>
+                <a:buChar char="•"/>
+              </a:pPr>
+              <a:r>
+                <a:rPr lang="en-US" dirty="0">
+                  <a:solidFill>
+                    <a:srgbClr val="212529"/>
+                  </a:solidFill>
+                  <a:latin typeface="Fira Sans" panose="020B0503050000020004" pitchFamily="34" charset="0"/>
+                </a:rPr>
+                <a:t>Conduct exploratory data analysis (EDA)</a:t>
+              </a:r>
+              <a:endParaRPr lang="en-GB" dirty="0">
+                <a:latin typeface="Fira Sans" panose="020B0503050000020004" pitchFamily="34" charset="0"/>
+              </a:endParaRPr>
+            </a:p>
+            <a:p>
+              <a:pPr marL="285750" indent="-285750">
+                <a:lnSpc>
+                  <a:spcPct val="150000"/>
+                </a:lnSpc>
+                <a:buFont typeface="Arial" panose="020B0604020202020204" pitchFamily="34" charset="0"/>
+                <a:buChar char="•"/>
+              </a:pPr>
+              <a:r>
+                <a:rPr lang="en-GB" dirty="0">
+                  <a:latin typeface="Fira Sans" panose="020B0503050000020004" pitchFamily="34" charset="0"/>
+                </a:rPr>
+                <a:t>✓ Exploratory data analysis methods</a:t>
+              </a:r>
+            </a:p>
+            <a:p>
+              <a:pPr marL="285750" indent="-285750">
+                <a:lnSpc>
+                  <a:spcPct val="150000"/>
+                </a:lnSpc>
+                <a:buFont typeface="Arial" panose="020B0604020202020204" pitchFamily="34" charset="0"/>
+                <a:buChar char="•"/>
+              </a:pPr>
+              <a:r>
+                <a:rPr lang="en-GB" dirty="0">
+                  <a:latin typeface="Fira Sans" panose="020B0503050000020004" pitchFamily="34" charset="0"/>
+                </a:rPr>
+                <a:t>✓ Sample correlation and clustering</a:t>
+              </a:r>
+            </a:p>
+          </p:txBody>
+        </p:sp>
+        <p:sp>
+          <p:nvSpPr>
+            <p:cNvPr id="9" name="TextBox 8">
+              <a:extLst>
+                <a:ext uri="{FF2B5EF4-FFF2-40B4-BE49-F238E27FC236}">
+                  <a16:creationId xmlns:a16="http://schemas.microsoft.com/office/drawing/2014/main" id="{C2F47AD5-8550-4A89-A148-B2E533BED619}"/>
+                </a:ext>
+              </a:extLst>
+            </p:cNvPr>
+            <p:cNvSpPr txBox="1"/>
+            <p:nvPr/>
+          </p:nvSpPr>
+          <p:spPr>
+            <a:xfrm>
+              <a:off x="624078" y="270357"/>
+              <a:ext cx="5154930" cy="672235"/>
+            </a:xfrm>
+            <a:prstGeom prst="rect">
+              <a:avLst/>
+            </a:prstGeom>
+            <a:noFill/>
+          </p:spPr>
+          <p:txBody>
+            <a:bodyPr wrap="square">
+              <a:spAutoFit/>
+            </a:bodyPr>
+            <a:lstStyle/>
+            <a:p>
+              <a:pPr algn="l">
+                <a:lnSpc>
+                  <a:spcPct val="150000"/>
+                </a:lnSpc>
+                <a:buNone/>
+              </a:pPr>
+              <a:r>
+                <a:rPr lang="en-US" sz="2800" b="0" i="0" dirty="0">
+                  <a:solidFill>
+                    <a:srgbClr val="1A292C"/>
+                  </a:solidFill>
+                  <a:effectLst/>
+                  <a:latin typeface="Fira Sans" panose="020B0503050000020004" pitchFamily="34" charset="0"/>
+                </a:rPr>
+                <a:t>Day 2 Summary</a:t>
+              </a:r>
+            </a:p>
+          </p:txBody>
+        </p:sp>
+      </p:grpSp>
     </p:spTree>
     <p:extLst>
       <p:ext uri="{BB962C8B-B14F-4D97-AF65-F5344CB8AC3E}">
@@ -9473,7 +9945,13 @@
   <p:cSld>
     <p:spTree>
       <p:nvGrpSpPr>
-        <p:cNvPr id="1" name=""/>
+        <p:cNvPr id="1" name="">
+          <a:extLst>
+            <a:ext uri="{FF2B5EF4-FFF2-40B4-BE49-F238E27FC236}">
+              <a16:creationId xmlns:a16="http://schemas.microsoft.com/office/drawing/2014/main" id="{AC0EF8CE-D733-4D7D-285E-20951FEEB015}"/>
+            </a:ext>
+          </a:extLst>
+        </p:cNvPr>
         <p:cNvGrpSpPr/>
         <p:nvPr/>
       </p:nvGrpSpPr>
@@ -9485,10 +9963,461 @@
           <a:chExt cx="0" cy="0"/>
         </a:xfrm>
       </p:grpSpPr>
+      <p:grpSp>
+        <p:nvGrpSpPr>
+          <p:cNvPr id="4" name="Group 3">
+            <a:extLst>
+              <a:ext uri="{FF2B5EF4-FFF2-40B4-BE49-F238E27FC236}">
+                <a16:creationId xmlns:a16="http://schemas.microsoft.com/office/drawing/2014/main" id="{D7368535-A238-3DDB-D876-E02FD3651AE2}"/>
+              </a:ext>
+            </a:extLst>
+          </p:cNvPr>
+          <p:cNvGrpSpPr/>
+          <p:nvPr/>
+        </p:nvGrpSpPr>
+        <p:grpSpPr>
+          <a:xfrm>
+            <a:off x="493777" y="270357"/>
+            <a:ext cx="5529072" cy="3229103"/>
+            <a:chOff x="624078" y="270357"/>
+            <a:chExt cx="5154930" cy="3229103"/>
+          </a:xfrm>
+        </p:grpSpPr>
+        <p:sp>
+          <p:nvSpPr>
+            <p:cNvPr id="5" name="TextBox 4">
+              <a:extLst>
+                <a:ext uri="{FF2B5EF4-FFF2-40B4-BE49-F238E27FC236}">
+                  <a16:creationId xmlns:a16="http://schemas.microsoft.com/office/drawing/2014/main" id="{4315CE10-0707-081B-4479-B1A2A38C4D8E}"/>
+                </a:ext>
+              </a:extLst>
+            </p:cNvPr>
+            <p:cNvSpPr txBox="1"/>
+            <p:nvPr/>
+          </p:nvSpPr>
+          <p:spPr>
+            <a:xfrm>
+              <a:off x="624078" y="1369582"/>
+              <a:ext cx="5154930" cy="2129878"/>
+            </a:xfrm>
+            <a:prstGeom prst="rect">
+              <a:avLst/>
+            </a:prstGeom>
+            <a:noFill/>
+          </p:spPr>
+          <p:txBody>
+            <a:bodyPr wrap="square">
+              <a:spAutoFit/>
+            </a:bodyPr>
+            <a:lstStyle/>
+            <a:p>
+              <a:pPr algn="l">
+                <a:lnSpc>
+                  <a:spcPct val="150000"/>
+                </a:lnSpc>
+                <a:buNone/>
+              </a:pPr>
+              <a:r>
+                <a:rPr lang="en-US" b="1" i="0" dirty="0">
+                  <a:solidFill>
+                    <a:srgbClr val="212529"/>
+                  </a:solidFill>
+                  <a:effectLst/>
+                  <a:latin typeface="Fira Sans" panose="020B0503050000020004" pitchFamily="34" charset="0"/>
+                </a:rPr>
+                <a:t>Learning Objectives:</a:t>
+              </a:r>
+            </a:p>
+            <a:p>
+              <a:pPr algn="l">
+                <a:lnSpc>
+                  <a:spcPct val="150000"/>
+                </a:lnSpc>
+                <a:buNone/>
+              </a:pPr>
+              <a:r>
+                <a:rPr lang="en-US" b="0" i="0" dirty="0">
+                  <a:solidFill>
+                    <a:srgbClr val="212529"/>
+                  </a:solidFill>
+                  <a:effectLst/>
+                  <a:latin typeface="Fira Sans" panose="020B0503050000020004" pitchFamily="34" charset="0"/>
+                </a:rPr>
+                <a:t>By the end of Day 3, you will be able to perform:</a:t>
+              </a:r>
+            </a:p>
+            <a:p>
+              <a:pPr marL="285750" indent="-285750">
+                <a:lnSpc>
+                  <a:spcPct val="150000"/>
+                </a:lnSpc>
+                <a:buFont typeface="Arial" panose="020B0604020202020204" pitchFamily="34" charset="0"/>
+                <a:buChar char="•"/>
+              </a:pPr>
+              <a:r>
+                <a:rPr lang="en-GB" dirty="0">
+                  <a:latin typeface="Fira Sans" panose="020B0503050000020004" pitchFamily="34" charset="0"/>
+                </a:rPr>
+                <a:t>Module 1: Data Preprocessing</a:t>
+              </a:r>
+            </a:p>
+            <a:p>
+              <a:pPr marL="285750" indent="-285750">
+                <a:lnSpc>
+                  <a:spcPct val="150000"/>
+                </a:lnSpc>
+                <a:buFont typeface="Arial" panose="020B0604020202020204" pitchFamily="34" charset="0"/>
+                <a:buChar char="•"/>
+              </a:pPr>
+              <a:r>
+                <a:rPr lang="en-GB" dirty="0">
+                  <a:latin typeface="Fira Sans" panose="020B0503050000020004" pitchFamily="34" charset="0"/>
+                </a:rPr>
+                <a:t>Module 2: Batch Effect Correction</a:t>
+              </a:r>
+            </a:p>
+            <a:p>
+              <a:pPr marL="285750" indent="-285750">
+                <a:lnSpc>
+                  <a:spcPct val="150000"/>
+                </a:lnSpc>
+                <a:buFont typeface="Arial" panose="020B0604020202020204" pitchFamily="34" charset="0"/>
+                <a:buChar char="•"/>
+              </a:pPr>
+              <a:r>
+                <a:rPr lang="en-GB" dirty="0">
+                  <a:latin typeface="Fira Sans" panose="020B0503050000020004" pitchFamily="34" charset="0"/>
+                </a:rPr>
+                <a:t>Module 3: Differential Expression Analysis</a:t>
+              </a:r>
+            </a:p>
+          </p:txBody>
+        </p:sp>
+        <p:sp>
+          <p:nvSpPr>
+            <p:cNvPr id="6" name="TextBox 5">
+              <a:extLst>
+                <a:ext uri="{FF2B5EF4-FFF2-40B4-BE49-F238E27FC236}">
+                  <a16:creationId xmlns:a16="http://schemas.microsoft.com/office/drawing/2014/main" id="{E3EF09D1-D6C3-5A0A-3C90-15D8172E0C84}"/>
+                </a:ext>
+              </a:extLst>
+            </p:cNvPr>
+            <p:cNvSpPr txBox="1"/>
+            <p:nvPr/>
+          </p:nvSpPr>
+          <p:spPr>
+            <a:xfrm>
+              <a:off x="624078" y="270357"/>
+              <a:ext cx="5154930" cy="465064"/>
+            </a:xfrm>
+            <a:prstGeom prst="rect">
+              <a:avLst/>
+            </a:prstGeom>
+            <a:noFill/>
+          </p:spPr>
+          <p:txBody>
+            <a:bodyPr wrap="square">
+              <a:spAutoFit/>
+            </a:bodyPr>
+            <a:lstStyle/>
+            <a:p>
+              <a:pPr>
+                <a:lnSpc>
+                  <a:spcPct val="150000"/>
+                </a:lnSpc>
+              </a:pPr>
+              <a:r>
+                <a:rPr lang="en-GB" b="1" u="sng" dirty="0">
+                  <a:latin typeface="Fira Sans" panose="020B0503050000020004" pitchFamily="34" charset="0"/>
+                  <a:hlinkClick r:id="rId2" action="ppaction://hlinkfile"/>
+                </a:rPr>
+                <a:t>Preprocessing and Differential Expression</a:t>
+              </a:r>
+              <a:endParaRPr lang="en-US" sz="4400" b="0" i="0" dirty="0">
+                <a:solidFill>
+                  <a:srgbClr val="1A292C"/>
+                </a:solidFill>
+                <a:effectLst/>
+                <a:latin typeface="Fira Sans" panose="020B0503050000020004" pitchFamily="34" charset="0"/>
+              </a:endParaRPr>
+            </a:p>
+          </p:txBody>
+        </p:sp>
+      </p:grpSp>
+      <p:grpSp>
+        <p:nvGrpSpPr>
+          <p:cNvPr id="7" name="Group 6">
+            <a:extLst>
+              <a:ext uri="{FF2B5EF4-FFF2-40B4-BE49-F238E27FC236}">
+                <a16:creationId xmlns:a16="http://schemas.microsoft.com/office/drawing/2014/main" id="{D8BF47EB-5D25-7980-17B5-9826F098B01D}"/>
+              </a:ext>
+            </a:extLst>
+          </p:cNvPr>
+          <p:cNvGrpSpPr/>
+          <p:nvPr/>
+        </p:nvGrpSpPr>
+        <p:grpSpPr>
+          <a:xfrm>
+            <a:off x="6169152" y="270357"/>
+            <a:ext cx="5946648" cy="4886416"/>
+            <a:chOff x="624078" y="270357"/>
+            <a:chExt cx="5869258" cy="4886416"/>
+          </a:xfrm>
+        </p:grpSpPr>
+        <p:sp>
+          <p:nvSpPr>
+            <p:cNvPr id="8" name="TextBox 7">
+              <a:extLst>
+                <a:ext uri="{FF2B5EF4-FFF2-40B4-BE49-F238E27FC236}">
+                  <a16:creationId xmlns:a16="http://schemas.microsoft.com/office/drawing/2014/main" id="{CB8F76C9-3560-34EE-B3A9-E22A7DC9FF7B}"/>
+                </a:ext>
+              </a:extLst>
+            </p:cNvPr>
+            <p:cNvSpPr txBox="1"/>
+            <p:nvPr/>
+          </p:nvSpPr>
+          <p:spPr>
+            <a:xfrm>
+              <a:off x="624078" y="1369582"/>
+              <a:ext cx="5869258" cy="3787191"/>
+            </a:xfrm>
+            <a:prstGeom prst="rect">
+              <a:avLst/>
+            </a:prstGeom>
+            <a:noFill/>
+          </p:spPr>
+          <p:txBody>
+            <a:bodyPr wrap="square">
+              <a:spAutoFit/>
+            </a:bodyPr>
+            <a:lstStyle/>
+            <a:p>
+              <a:pPr>
+                <a:lnSpc>
+                  <a:spcPct val="150000"/>
+                </a:lnSpc>
+              </a:pPr>
+              <a:r>
+                <a:rPr lang="en-GB" dirty="0">
+                  <a:latin typeface="Fira Sans" panose="020B0503050000020004" pitchFamily="34" charset="0"/>
+                </a:rPr>
+                <a:t>Today you learned:</a:t>
+              </a:r>
+            </a:p>
+            <a:p>
+              <a:pPr marL="285750" indent="-285750">
+                <a:lnSpc>
+                  <a:spcPct val="150000"/>
+                </a:lnSpc>
+                <a:buFont typeface="Arial" panose="020B0604020202020204" pitchFamily="34" charset="0"/>
+                <a:buChar char="•"/>
+              </a:pPr>
+              <a:r>
+                <a:rPr lang="en-GB" dirty="0">
+                  <a:latin typeface="Fira Sans" panose="020B0503050000020004" pitchFamily="34" charset="0"/>
+                </a:rPr>
+                <a:t>✓ </a:t>
+              </a:r>
+              <a:r>
+                <a:rPr lang="en-US" dirty="0">
+                  <a:solidFill>
+                    <a:srgbClr val="212529"/>
+                  </a:solidFill>
+                  <a:latin typeface="Fira Sans" panose="020B0503050000020004" pitchFamily="34" charset="0"/>
+                </a:rPr>
+                <a:t>Apply different normalization methods to proteomic data</a:t>
+              </a:r>
+            </a:p>
+            <a:p>
+              <a:pPr marL="285750" indent="-285750">
+                <a:lnSpc>
+                  <a:spcPct val="150000"/>
+                </a:lnSpc>
+                <a:buFont typeface="Arial" panose="020B0604020202020204" pitchFamily="34" charset="0"/>
+                <a:buChar char="•"/>
+              </a:pPr>
+              <a:r>
+                <a:rPr lang="en-GB" dirty="0">
+                  <a:latin typeface="Fira Sans" panose="020B0503050000020004" pitchFamily="34" charset="0"/>
+                </a:rPr>
+                <a:t>✓ </a:t>
+              </a:r>
+              <a:r>
+                <a:rPr lang="en-US" dirty="0">
+                  <a:solidFill>
+                    <a:srgbClr val="212529"/>
+                  </a:solidFill>
+                  <a:latin typeface="Fira Sans" panose="020B0503050000020004" pitchFamily="34" charset="0"/>
+                </a:rPr>
+                <a:t>Perform batch effect correction</a:t>
+              </a:r>
+            </a:p>
+            <a:p>
+              <a:pPr marL="285750" indent="-285750">
+                <a:lnSpc>
+                  <a:spcPct val="150000"/>
+                </a:lnSpc>
+                <a:buFont typeface="Arial" panose="020B0604020202020204" pitchFamily="34" charset="0"/>
+                <a:buChar char="•"/>
+              </a:pPr>
+              <a:r>
+                <a:rPr lang="en-GB" dirty="0">
+                  <a:latin typeface="Fira Sans" panose="020B0503050000020004" pitchFamily="34" charset="0"/>
+                </a:rPr>
+                <a:t>✓ </a:t>
+              </a:r>
+              <a:r>
+                <a:rPr lang="en-US" dirty="0">
+                  <a:solidFill>
+                    <a:srgbClr val="212529"/>
+                  </a:solidFill>
+                  <a:latin typeface="Fira Sans" panose="020B0503050000020004" pitchFamily="34" charset="0"/>
+                </a:rPr>
+                <a:t>Conduct differential expression analysis using `</a:t>
+              </a:r>
+              <a:r>
+                <a:rPr lang="en-US" dirty="0" err="1">
+                  <a:solidFill>
+                    <a:srgbClr val="212529"/>
+                  </a:solidFill>
+                  <a:latin typeface="Fira Sans" panose="020B0503050000020004" pitchFamily="34" charset="0"/>
+                </a:rPr>
+                <a:t>limma</a:t>
+              </a:r>
+              <a:r>
+                <a:rPr lang="en-US" dirty="0">
+                  <a:solidFill>
+                    <a:srgbClr val="212529"/>
+                  </a:solidFill>
+                  <a:latin typeface="Fira Sans" panose="020B0503050000020004" pitchFamily="34" charset="0"/>
+                </a:rPr>
+                <a:t>`</a:t>
+              </a:r>
+            </a:p>
+            <a:p>
+              <a:pPr marL="285750" indent="-285750">
+                <a:lnSpc>
+                  <a:spcPct val="150000"/>
+                </a:lnSpc>
+                <a:buFont typeface="Arial" panose="020B0604020202020204" pitchFamily="34" charset="0"/>
+                <a:buChar char="•"/>
+              </a:pPr>
+              <a:r>
+                <a:rPr lang="en-GB" dirty="0">
+                  <a:latin typeface="Fira Sans" panose="020B0503050000020004" pitchFamily="34" charset="0"/>
+                </a:rPr>
+                <a:t>✓ </a:t>
+              </a:r>
+              <a:r>
+                <a:rPr lang="en-US" dirty="0">
+                  <a:solidFill>
+                    <a:srgbClr val="212529"/>
+                  </a:solidFill>
+                  <a:latin typeface="Fira Sans" panose="020B0503050000020004" pitchFamily="34" charset="0"/>
+                </a:rPr>
+                <a:t>Interpret and visualize differential expression results</a:t>
+              </a:r>
+            </a:p>
+            <a:p>
+              <a:pPr marL="285750" indent="-285750">
+                <a:lnSpc>
+                  <a:spcPct val="150000"/>
+                </a:lnSpc>
+                <a:buFont typeface="Arial" panose="020B0604020202020204" pitchFamily="34" charset="0"/>
+                <a:buChar char="•"/>
+              </a:pPr>
+              <a:r>
+                <a:rPr lang="en-GB" dirty="0">
+                  <a:latin typeface="Fira Sans" panose="020B0503050000020004" pitchFamily="34" charset="0"/>
+                </a:rPr>
+                <a:t>✓ </a:t>
+              </a:r>
+              <a:r>
+                <a:rPr lang="en-US" dirty="0">
+                  <a:solidFill>
+                    <a:srgbClr val="212529"/>
+                  </a:solidFill>
+                  <a:latin typeface="Fira Sans" panose="020B0503050000020004" pitchFamily="34" charset="0"/>
+                </a:rPr>
+                <a:t>Create volcano plots and MA plots</a:t>
+              </a:r>
+              <a:endParaRPr lang="en-US" dirty="0">
+                <a:latin typeface="Fira Sans" panose="020B0503050000020004" pitchFamily="34" charset="0"/>
+              </a:endParaRPr>
+            </a:p>
+          </p:txBody>
+        </p:sp>
+        <p:sp>
+          <p:nvSpPr>
+            <p:cNvPr id="9" name="TextBox 8">
+              <a:extLst>
+                <a:ext uri="{FF2B5EF4-FFF2-40B4-BE49-F238E27FC236}">
+                  <a16:creationId xmlns:a16="http://schemas.microsoft.com/office/drawing/2014/main" id="{8979BF9D-074F-C8EF-EDAF-419880F72D38}"/>
+                </a:ext>
+              </a:extLst>
+            </p:cNvPr>
+            <p:cNvSpPr txBox="1"/>
+            <p:nvPr/>
+          </p:nvSpPr>
+          <p:spPr>
+            <a:xfrm>
+              <a:off x="624078" y="270357"/>
+              <a:ext cx="5154930" cy="672235"/>
+            </a:xfrm>
+            <a:prstGeom prst="rect">
+              <a:avLst/>
+            </a:prstGeom>
+            <a:noFill/>
+          </p:spPr>
+          <p:txBody>
+            <a:bodyPr wrap="square">
+              <a:spAutoFit/>
+            </a:bodyPr>
+            <a:lstStyle/>
+            <a:p>
+              <a:pPr algn="l">
+                <a:lnSpc>
+                  <a:spcPct val="150000"/>
+                </a:lnSpc>
+                <a:buNone/>
+              </a:pPr>
+              <a:r>
+                <a:rPr lang="en-US" sz="2800" b="0" i="0" dirty="0">
+                  <a:solidFill>
+                    <a:srgbClr val="1A292C"/>
+                  </a:solidFill>
+                  <a:effectLst/>
+                  <a:latin typeface="Fira Sans" panose="020B0503050000020004" pitchFamily="34" charset="0"/>
+                </a:rPr>
+                <a:t>Day </a:t>
+              </a:r>
+              <a:r>
+                <a:rPr lang="en-US" sz="2800" dirty="0">
+                  <a:solidFill>
+                    <a:srgbClr val="1A292C"/>
+                  </a:solidFill>
+                  <a:latin typeface="Fira Sans" panose="020B0503050000020004" pitchFamily="34" charset="0"/>
+                </a:rPr>
+                <a:t>3</a:t>
+              </a:r>
+              <a:r>
+                <a:rPr lang="en-US" sz="2800" b="0" i="0" dirty="0">
+                  <a:solidFill>
+                    <a:srgbClr val="1A292C"/>
+                  </a:solidFill>
+                  <a:effectLst/>
+                  <a:latin typeface="Fira Sans" panose="020B0503050000020004" pitchFamily="34" charset="0"/>
+                </a:rPr>
+                <a:t> Summary</a:t>
+              </a:r>
+            </a:p>
+          </p:txBody>
+        </p:sp>
+      </p:grpSp>
     </p:spTree>
     <p:extLst>
       <p:ext uri="{BB962C8B-B14F-4D97-AF65-F5344CB8AC3E}">
-        <p14:creationId xmlns:p14="http://schemas.microsoft.com/office/powerpoint/2010/main" val="1539743464"/>
+        <p14:creationId xmlns:p14="http://schemas.microsoft.com/office/powerpoint/2010/main" val="226909757"/>
       </p:ext>
     </p:extLst>
   </p:cSld>
@@ -9503,7 +10432,13 @@
   <p:cSld>
     <p:spTree>
       <p:nvGrpSpPr>
-        <p:cNvPr id="1" name=""/>
+        <p:cNvPr id="1" name="">
+          <a:extLst>
+            <a:ext uri="{FF2B5EF4-FFF2-40B4-BE49-F238E27FC236}">
+              <a16:creationId xmlns:a16="http://schemas.microsoft.com/office/drawing/2014/main" id="{11EB15CF-E6DA-FCC8-5AFE-97D63C8A9D89}"/>
+            </a:ext>
+          </a:extLst>
+        </p:cNvPr>
         <p:cNvGrpSpPr/>
         <p:nvPr/>
       </p:nvGrpSpPr>
@@ -9515,10 +10450,343 @@
           <a:chExt cx="0" cy="0"/>
         </a:xfrm>
       </p:grpSpPr>
+      <p:grpSp>
+        <p:nvGrpSpPr>
+          <p:cNvPr id="4" name="Group 3">
+            <a:extLst>
+              <a:ext uri="{FF2B5EF4-FFF2-40B4-BE49-F238E27FC236}">
+                <a16:creationId xmlns:a16="http://schemas.microsoft.com/office/drawing/2014/main" id="{0EB5BCAA-00E9-2D81-592C-971F28D67D2A}"/>
+              </a:ext>
+            </a:extLst>
+          </p:cNvPr>
+          <p:cNvGrpSpPr/>
+          <p:nvPr/>
+        </p:nvGrpSpPr>
+        <p:grpSpPr>
+          <a:xfrm>
+            <a:off x="493777" y="270357"/>
+            <a:ext cx="5529072" cy="2810847"/>
+            <a:chOff x="624078" y="270357"/>
+            <a:chExt cx="5154930" cy="2810847"/>
+          </a:xfrm>
+        </p:grpSpPr>
+        <p:sp>
+          <p:nvSpPr>
+            <p:cNvPr id="5" name="TextBox 4">
+              <a:extLst>
+                <a:ext uri="{FF2B5EF4-FFF2-40B4-BE49-F238E27FC236}">
+                  <a16:creationId xmlns:a16="http://schemas.microsoft.com/office/drawing/2014/main" id="{411EBA82-F3AE-35F8-E43F-DB7CB82228C8}"/>
+                </a:ext>
+              </a:extLst>
+            </p:cNvPr>
+            <p:cNvSpPr txBox="1"/>
+            <p:nvPr/>
+          </p:nvSpPr>
+          <p:spPr>
+            <a:xfrm>
+              <a:off x="624078" y="1369582"/>
+              <a:ext cx="5154930" cy="1711622"/>
+            </a:xfrm>
+            <a:prstGeom prst="rect">
+              <a:avLst/>
+            </a:prstGeom>
+            <a:noFill/>
+          </p:spPr>
+          <p:txBody>
+            <a:bodyPr wrap="square">
+              <a:spAutoFit/>
+            </a:bodyPr>
+            <a:lstStyle/>
+            <a:p>
+              <a:pPr algn="l">
+                <a:lnSpc>
+                  <a:spcPct val="150000"/>
+                </a:lnSpc>
+                <a:buNone/>
+              </a:pPr>
+              <a:r>
+                <a:rPr lang="en-US" b="1" i="0" dirty="0">
+                  <a:solidFill>
+                    <a:srgbClr val="212529"/>
+                  </a:solidFill>
+                  <a:effectLst/>
+                  <a:latin typeface="Fira Sans" panose="020B0503050000020004" pitchFamily="34" charset="0"/>
+                </a:rPr>
+                <a:t>Learning Objectives:</a:t>
+              </a:r>
+            </a:p>
+            <a:p>
+              <a:pPr algn="l">
+                <a:lnSpc>
+                  <a:spcPct val="150000"/>
+                </a:lnSpc>
+                <a:buNone/>
+              </a:pPr>
+              <a:r>
+                <a:rPr lang="en-US" b="0" i="0" dirty="0">
+                  <a:solidFill>
+                    <a:srgbClr val="212529"/>
+                  </a:solidFill>
+                  <a:effectLst/>
+                  <a:latin typeface="Fira Sans" panose="020B0503050000020004" pitchFamily="34" charset="0"/>
+                </a:rPr>
+                <a:t>By the end of Day 4, you will be able to perform:</a:t>
+              </a:r>
+            </a:p>
+            <a:p>
+              <a:pPr marL="285750" indent="-285750">
+                <a:lnSpc>
+                  <a:spcPct val="150000"/>
+                </a:lnSpc>
+                <a:buFont typeface="Arial" panose="020B0604020202020204" pitchFamily="34" charset="0"/>
+                <a:buChar char="•"/>
+              </a:pPr>
+              <a:r>
+                <a:rPr lang="en-GB" dirty="0">
+                  <a:latin typeface="Fira Sans" panose="020B0503050000020004" pitchFamily="34" charset="0"/>
+                </a:rPr>
+                <a:t>Module 1: Functional Enrichment &amp; GSEA</a:t>
+              </a:r>
+            </a:p>
+            <a:p>
+              <a:pPr marL="285750" indent="-285750">
+                <a:lnSpc>
+                  <a:spcPct val="150000"/>
+                </a:lnSpc>
+                <a:buFont typeface="Arial" panose="020B0604020202020204" pitchFamily="34" charset="0"/>
+                <a:buChar char="•"/>
+              </a:pPr>
+              <a:r>
+                <a:rPr lang="en-GB" dirty="0">
+                  <a:latin typeface="Fira Sans" panose="020B0503050000020004" pitchFamily="34" charset="0"/>
+                </a:rPr>
+                <a:t>Module 2: Public Data integration</a:t>
+              </a:r>
+            </a:p>
+          </p:txBody>
+        </p:sp>
+        <p:sp>
+          <p:nvSpPr>
+            <p:cNvPr id="6" name="TextBox 5">
+              <a:extLst>
+                <a:ext uri="{FF2B5EF4-FFF2-40B4-BE49-F238E27FC236}">
+                  <a16:creationId xmlns:a16="http://schemas.microsoft.com/office/drawing/2014/main" id="{8747D1AC-ED87-36D8-2225-32CE7A87D3E1}"/>
+                </a:ext>
+              </a:extLst>
+            </p:cNvPr>
+            <p:cNvSpPr txBox="1"/>
+            <p:nvPr/>
+          </p:nvSpPr>
+          <p:spPr>
+            <a:xfrm>
+              <a:off x="624078" y="270357"/>
+              <a:ext cx="5154930" cy="465064"/>
+            </a:xfrm>
+            <a:prstGeom prst="rect">
+              <a:avLst/>
+            </a:prstGeom>
+            <a:noFill/>
+          </p:spPr>
+          <p:txBody>
+            <a:bodyPr wrap="square">
+              <a:spAutoFit/>
+            </a:bodyPr>
+            <a:lstStyle/>
+            <a:p>
+              <a:pPr>
+                <a:lnSpc>
+                  <a:spcPct val="150000"/>
+                </a:lnSpc>
+              </a:pPr>
+              <a:r>
+                <a:rPr lang="en-US" b="1" dirty="0">
+                  <a:latin typeface="Fira Sans" panose="020B0503050000020004" pitchFamily="34" charset="0"/>
+                  <a:hlinkClick r:id="rId2" action="ppaction://hlinkfile"/>
+                </a:rPr>
+                <a:t>Functional Analysis, Longitudinal &amp; Public Data</a:t>
+              </a:r>
+              <a:endParaRPr lang="en-US" sz="4400" b="0" i="0" dirty="0">
+                <a:solidFill>
+                  <a:srgbClr val="1A292C"/>
+                </a:solidFill>
+                <a:effectLst/>
+                <a:latin typeface="Fira Sans" panose="020B0503050000020004" pitchFamily="34" charset="0"/>
+              </a:endParaRPr>
+            </a:p>
+          </p:txBody>
+        </p:sp>
+      </p:grpSp>
+      <p:grpSp>
+        <p:nvGrpSpPr>
+          <p:cNvPr id="7" name="Group 6">
+            <a:extLst>
+              <a:ext uri="{FF2B5EF4-FFF2-40B4-BE49-F238E27FC236}">
+                <a16:creationId xmlns:a16="http://schemas.microsoft.com/office/drawing/2014/main" id="{8B61908C-E107-33B9-0723-A58D5516E8DB}"/>
+              </a:ext>
+            </a:extLst>
+          </p:cNvPr>
+          <p:cNvGrpSpPr/>
+          <p:nvPr/>
+        </p:nvGrpSpPr>
+        <p:grpSpPr>
+          <a:xfrm>
+            <a:off x="6169152" y="270357"/>
+            <a:ext cx="5946648" cy="2811040"/>
+            <a:chOff x="624078" y="270357"/>
+            <a:chExt cx="5869258" cy="2811040"/>
+          </a:xfrm>
+        </p:grpSpPr>
+        <p:sp>
+          <p:nvSpPr>
+            <p:cNvPr id="8" name="TextBox 7">
+              <a:extLst>
+                <a:ext uri="{FF2B5EF4-FFF2-40B4-BE49-F238E27FC236}">
+                  <a16:creationId xmlns:a16="http://schemas.microsoft.com/office/drawing/2014/main" id="{C5C63589-B290-AA70-03AA-45F8C2D4CDE3}"/>
+                </a:ext>
+              </a:extLst>
+            </p:cNvPr>
+            <p:cNvSpPr txBox="1"/>
+            <p:nvPr/>
+          </p:nvSpPr>
+          <p:spPr>
+            <a:xfrm>
+              <a:off x="624078" y="1369582"/>
+              <a:ext cx="5869258" cy="1711815"/>
+            </a:xfrm>
+            <a:prstGeom prst="rect">
+              <a:avLst/>
+            </a:prstGeom>
+            <a:noFill/>
+          </p:spPr>
+          <p:txBody>
+            <a:bodyPr wrap="square">
+              <a:spAutoFit/>
+            </a:bodyPr>
+            <a:lstStyle/>
+            <a:p>
+              <a:pPr>
+                <a:lnSpc>
+                  <a:spcPct val="150000"/>
+                </a:lnSpc>
+              </a:pPr>
+              <a:r>
+                <a:rPr lang="en-GB" dirty="0">
+                  <a:latin typeface="Fira Sans" panose="020B0503050000020004" pitchFamily="34" charset="0"/>
+                </a:rPr>
+                <a:t>Today you learned:</a:t>
+              </a:r>
+            </a:p>
+            <a:p>
+              <a:pPr>
+                <a:lnSpc>
+                  <a:spcPct val="150000"/>
+                </a:lnSpc>
+              </a:pPr>
+              <a:r>
+                <a:rPr lang="en-GB" dirty="0">
+                  <a:latin typeface="Fira Sans" panose="020B0503050000020004" pitchFamily="34" charset="0"/>
+                </a:rPr>
+                <a:t>✓ </a:t>
+              </a:r>
+              <a:r>
+                <a:rPr lang="en-US" dirty="0">
+                  <a:latin typeface="Fira Sans" panose="020B0503050000020004" pitchFamily="34" charset="0"/>
+                </a:rPr>
+                <a:t>Interpret DE results biologically</a:t>
+              </a:r>
+            </a:p>
+            <a:p>
+              <a:pPr>
+                <a:lnSpc>
+                  <a:spcPct val="150000"/>
+                </a:lnSpc>
+              </a:pPr>
+              <a:r>
+                <a:rPr lang="en-GB" dirty="0">
+                  <a:latin typeface="Fira Sans" panose="020B0503050000020004" pitchFamily="34" charset="0"/>
+                </a:rPr>
+                <a:t>✓ </a:t>
+              </a:r>
+              <a:r>
+                <a:rPr lang="en-US" dirty="0">
+                  <a:latin typeface="Fira Sans" panose="020B0503050000020004" pitchFamily="34" charset="0"/>
+                </a:rPr>
+                <a:t>Explore longitudinal trajectories</a:t>
+              </a:r>
+            </a:p>
+            <a:p>
+              <a:pPr>
+                <a:lnSpc>
+                  <a:spcPct val="150000"/>
+                </a:lnSpc>
+              </a:pPr>
+              <a:r>
+                <a:rPr lang="en-GB" dirty="0">
+                  <a:latin typeface="Fira Sans" panose="020B0503050000020004" pitchFamily="34" charset="0"/>
+                </a:rPr>
+                <a:t>✓ </a:t>
+              </a:r>
+              <a:r>
+                <a:rPr lang="en-US" dirty="0">
+                  <a:latin typeface="Fira Sans" panose="020B0503050000020004" pitchFamily="34" charset="0"/>
+                </a:rPr>
+                <a:t>Work with public datasets</a:t>
+              </a:r>
+            </a:p>
+          </p:txBody>
+        </p:sp>
+        <p:sp>
+          <p:nvSpPr>
+            <p:cNvPr id="9" name="TextBox 8">
+              <a:extLst>
+                <a:ext uri="{FF2B5EF4-FFF2-40B4-BE49-F238E27FC236}">
+                  <a16:creationId xmlns:a16="http://schemas.microsoft.com/office/drawing/2014/main" id="{DAF0B2C5-393B-8A0D-E03C-9202C77693A7}"/>
+                </a:ext>
+              </a:extLst>
+            </p:cNvPr>
+            <p:cNvSpPr txBox="1"/>
+            <p:nvPr/>
+          </p:nvSpPr>
+          <p:spPr>
+            <a:xfrm>
+              <a:off x="624078" y="270357"/>
+              <a:ext cx="5154930" cy="672235"/>
+            </a:xfrm>
+            <a:prstGeom prst="rect">
+              <a:avLst/>
+            </a:prstGeom>
+            <a:noFill/>
+          </p:spPr>
+          <p:txBody>
+            <a:bodyPr wrap="square">
+              <a:spAutoFit/>
+            </a:bodyPr>
+            <a:lstStyle/>
+            <a:p>
+              <a:pPr algn="l">
+                <a:lnSpc>
+                  <a:spcPct val="150000"/>
+                </a:lnSpc>
+                <a:buNone/>
+              </a:pPr>
+              <a:r>
+                <a:rPr lang="en-US" sz="2800" b="0" i="0" dirty="0">
+                  <a:solidFill>
+                    <a:srgbClr val="1A292C"/>
+                  </a:solidFill>
+                  <a:effectLst/>
+                  <a:latin typeface="Fira Sans" panose="020B0503050000020004" pitchFamily="34" charset="0"/>
+                </a:rPr>
+                <a:t>Day 4 Summary</a:t>
+              </a:r>
+            </a:p>
+          </p:txBody>
+        </p:sp>
+      </p:grpSp>
     </p:spTree>
     <p:extLst>
       <p:ext uri="{BB962C8B-B14F-4D97-AF65-F5344CB8AC3E}">
-        <p14:creationId xmlns:p14="http://schemas.microsoft.com/office/powerpoint/2010/main" val="1444824505"/>
+        <p14:creationId xmlns:p14="http://schemas.microsoft.com/office/powerpoint/2010/main" val="2175383292"/>
       </p:ext>
     </p:extLst>
   </p:cSld>
@@ -9533,7 +10801,13 @@
   <p:cSld>
     <p:spTree>
       <p:nvGrpSpPr>
-        <p:cNvPr id="1" name=""/>
+        <p:cNvPr id="1" name="">
+          <a:extLst>
+            <a:ext uri="{FF2B5EF4-FFF2-40B4-BE49-F238E27FC236}">
+              <a16:creationId xmlns:a16="http://schemas.microsoft.com/office/drawing/2014/main" id="{7BE73B58-32F8-5A8B-62B2-B2EA29E1E6D3}"/>
+            </a:ext>
+          </a:extLst>
+        </p:cNvPr>
         <p:cNvGrpSpPr/>
         <p:nvPr/>
       </p:nvGrpSpPr>
@@ -9545,10 +10819,466 @@
           <a:chExt cx="0" cy="0"/>
         </a:xfrm>
       </p:grpSpPr>
+      <p:grpSp>
+        <p:nvGrpSpPr>
+          <p:cNvPr id="4" name="Group 3">
+            <a:extLst>
+              <a:ext uri="{FF2B5EF4-FFF2-40B4-BE49-F238E27FC236}">
+                <a16:creationId xmlns:a16="http://schemas.microsoft.com/office/drawing/2014/main" id="{65856232-84D3-1727-8C54-CBB27D4D50E8}"/>
+              </a:ext>
+            </a:extLst>
+          </p:cNvPr>
+          <p:cNvGrpSpPr/>
+          <p:nvPr/>
+        </p:nvGrpSpPr>
+        <p:grpSpPr>
+          <a:xfrm>
+            <a:off x="493777" y="270357"/>
+            <a:ext cx="5529072" cy="5677914"/>
+            <a:chOff x="624078" y="270357"/>
+            <a:chExt cx="5154930" cy="5677914"/>
+          </a:xfrm>
+        </p:grpSpPr>
+        <p:sp>
+          <p:nvSpPr>
+            <p:cNvPr id="5" name="TextBox 4">
+              <a:extLst>
+                <a:ext uri="{FF2B5EF4-FFF2-40B4-BE49-F238E27FC236}">
+                  <a16:creationId xmlns:a16="http://schemas.microsoft.com/office/drawing/2014/main" id="{91A67873-3E2F-11B9-25B3-69B32E10E0AC}"/>
+                </a:ext>
+              </a:extLst>
+            </p:cNvPr>
+            <p:cNvSpPr txBox="1"/>
+            <p:nvPr/>
+          </p:nvSpPr>
+          <p:spPr>
+            <a:xfrm>
+              <a:off x="624078" y="1369582"/>
+              <a:ext cx="5154930" cy="4578689"/>
+            </a:xfrm>
+            <a:prstGeom prst="rect">
+              <a:avLst/>
+            </a:prstGeom>
+            <a:noFill/>
+          </p:spPr>
+          <p:txBody>
+            <a:bodyPr wrap="square">
+              <a:spAutoFit/>
+            </a:bodyPr>
+            <a:lstStyle/>
+            <a:p>
+              <a:pPr algn="l">
+                <a:lnSpc>
+                  <a:spcPct val="150000"/>
+                </a:lnSpc>
+                <a:buNone/>
+              </a:pPr>
+              <a:r>
+                <a:rPr lang="en-GB" b="1" i="0" dirty="0">
+                  <a:solidFill>
+                    <a:srgbClr val="212529"/>
+                  </a:solidFill>
+                  <a:effectLst/>
+                  <a:latin typeface="Fira Sans" panose="020B0503050000020004" pitchFamily="34" charset="0"/>
+                </a:rPr>
+                <a:t>Modules</a:t>
+              </a:r>
+            </a:p>
+            <a:p>
+              <a:pPr marL="285750" indent="-285750" algn="l">
+                <a:lnSpc>
+                  <a:spcPct val="150000"/>
+                </a:lnSpc>
+                <a:buFont typeface="Wingdings" panose="05000000000000000000" pitchFamily="2" charset="2"/>
+                <a:buChar char="q"/>
+              </a:pPr>
+              <a:r>
+                <a:rPr lang="en-GB" b="0" i="0" dirty="0">
+                  <a:solidFill>
+                    <a:srgbClr val="212529"/>
+                  </a:solidFill>
+                  <a:effectLst/>
+                  <a:latin typeface="Fira Sans" panose="020B0503050000020004" pitchFamily="34" charset="0"/>
+                </a:rPr>
+                <a:t>Full Analysis Pipeline</a:t>
+              </a:r>
+            </a:p>
+            <a:p>
+              <a:pPr marL="285750" indent="-285750" algn="l">
+                <a:lnSpc>
+                  <a:spcPct val="150000"/>
+                </a:lnSpc>
+                <a:buFont typeface="Arial" panose="020B0604020202020204" pitchFamily="34" charset="0"/>
+                <a:buChar char="•"/>
+              </a:pPr>
+              <a:r>
+                <a:rPr lang="en-GB" sz="1600" b="0" i="0" dirty="0">
+                  <a:solidFill>
+                    <a:srgbClr val="212529"/>
+                  </a:solidFill>
+                  <a:effectLst/>
+                  <a:latin typeface="Fira Sans" panose="020B0503050000020004" pitchFamily="34" charset="0"/>
+                </a:rPr>
+                <a:t>From QC → normalization → DE → functional → longitudinal (if relevant).</a:t>
+              </a:r>
+              <a:br>
+                <a:rPr lang="en-GB" b="0" i="0" dirty="0">
+                  <a:solidFill>
+                    <a:srgbClr val="212529"/>
+                  </a:solidFill>
+                  <a:effectLst/>
+                  <a:latin typeface="Fira Sans" panose="020B0503050000020004" pitchFamily="34" charset="0"/>
+                </a:rPr>
+              </a:br>
+              <a:r>
+                <a:rPr lang="en-GB" sz="1200" b="0" i="0" dirty="0">
+                  <a:solidFill>
+                    <a:srgbClr val="212529"/>
+                  </a:solidFill>
+                  <a:effectLst/>
+                  <a:latin typeface="Fira Sans" panose="020B0503050000020004" pitchFamily="34" charset="0"/>
+                </a:rPr>
+                <a:t>Run through all steps on a provided dataset (or participants’ data).</a:t>
+              </a:r>
+            </a:p>
+            <a:p>
+              <a:pPr marL="285750" indent="-285750" algn="l">
+                <a:lnSpc>
+                  <a:spcPct val="150000"/>
+                </a:lnSpc>
+                <a:buFont typeface="Wingdings" panose="05000000000000000000" pitchFamily="2" charset="2"/>
+                <a:buChar char="q"/>
+              </a:pPr>
+              <a:r>
+                <a:rPr lang="en-GB" b="0" i="0" dirty="0">
+                  <a:solidFill>
+                    <a:srgbClr val="212529"/>
+                  </a:solidFill>
+                  <a:effectLst/>
+                  <a:latin typeface="Fira Sans" panose="020B0503050000020004" pitchFamily="34" charset="0"/>
+                </a:rPr>
+                <a:t>Group Discussion &amp; Interpretation</a:t>
+              </a:r>
+            </a:p>
+            <a:p>
+              <a:pPr marL="285750" indent="-285750" algn="l">
+                <a:lnSpc>
+                  <a:spcPct val="150000"/>
+                </a:lnSpc>
+                <a:buFont typeface="Arial" panose="020B0604020202020204" pitchFamily="34" charset="0"/>
+                <a:buChar char="•"/>
+              </a:pPr>
+              <a:r>
+                <a:rPr lang="en-GB" sz="1600" b="0" i="0" dirty="0">
+                  <a:solidFill>
+                    <a:srgbClr val="212529"/>
+                  </a:solidFill>
+                  <a:effectLst/>
+                  <a:latin typeface="Fira Sans" panose="020B0503050000020004" pitchFamily="34" charset="0"/>
+                </a:rPr>
+                <a:t>Interpret results, compare across participants, discuss limitations, challenges, possible variations.</a:t>
+              </a:r>
+            </a:p>
+            <a:p>
+              <a:pPr marL="285750" indent="-285750" algn="l">
+                <a:lnSpc>
+                  <a:spcPct val="150000"/>
+                </a:lnSpc>
+                <a:buFont typeface="Wingdings" panose="05000000000000000000" pitchFamily="2" charset="2"/>
+                <a:buChar char="q"/>
+              </a:pPr>
+              <a:r>
+                <a:rPr lang="en-GB" b="0" i="0" dirty="0">
+                  <a:solidFill>
+                    <a:srgbClr val="212529"/>
+                  </a:solidFill>
+                  <a:effectLst/>
+                  <a:latin typeface="Fira Sans" panose="020B0503050000020004" pitchFamily="34" charset="0"/>
+                </a:rPr>
+                <a:t>Presentation &amp; Reporting</a:t>
+              </a:r>
+            </a:p>
+            <a:p>
+              <a:pPr marL="285750" indent="-285750" algn="l">
+                <a:lnSpc>
+                  <a:spcPct val="150000"/>
+                </a:lnSpc>
+                <a:buFont typeface="Arial" panose="020B0604020202020204" pitchFamily="34" charset="0"/>
+                <a:buChar char="•"/>
+              </a:pPr>
+              <a:r>
+                <a:rPr lang="en-GB" sz="1600" b="0" i="0" dirty="0">
+                  <a:solidFill>
+                    <a:srgbClr val="212529"/>
+                  </a:solidFill>
+                  <a:effectLst/>
+                  <a:latin typeface="Fira Sans" panose="020B0503050000020004" pitchFamily="34" charset="0"/>
+                </a:rPr>
+                <a:t>Generate basic report/graphics (ggplot2), integrate into R Markdown / html / PDF.</a:t>
+              </a:r>
+              <a:br>
+                <a:rPr lang="en-GB" sz="1600" b="0" i="0" dirty="0">
+                  <a:solidFill>
+                    <a:srgbClr val="212529"/>
+                  </a:solidFill>
+                  <a:effectLst/>
+                  <a:latin typeface="Fira Sans" panose="020B0503050000020004" pitchFamily="34" charset="0"/>
+                </a:rPr>
+              </a:br>
+              <a:r>
+                <a:rPr lang="en-GB" sz="1600" b="0" i="0" dirty="0">
+                  <a:solidFill>
+                    <a:srgbClr val="212529"/>
+                  </a:solidFill>
+                  <a:effectLst/>
+                  <a:latin typeface="Fira Sans" panose="020B0503050000020004" pitchFamily="34" charset="0"/>
+                </a:rPr>
+                <a:t>Provide guidance for next steps.</a:t>
+              </a:r>
+            </a:p>
+          </p:txBody>
+        </p:sp>
+        <p:sp>
+          <p:nvSpPr>
+            <p:cNvPr id="6" name="TextBox 5">
+              <a:extLst>
+                <a:ext uri="{FF2B5EF4-FFF2-40B4-BE49-F238E27FC236}">
+                  <a16:creationId xmlns:a16="http://schemas.microsoft.com/office/drawing/2014/main" id="{5182F423-B178-6D5E-07FE-6572830A50C3}"/>
+                </a:ext>
+              </a:extLst>
+            </p:cNvPr>
+            <p:cNvSpPr txBox="1"/>
+            <p:nvPr/>
+          </p:nvSpPr>
+          <p:spPr>
+            <a:xfrm>
+              <a:off x="624078" y="270357"/>
+              <a:ext cx="5154930" cy="465064"/>
+            </a:xfrm>
+            <a:prstGeom prst="rect">
+              <a:avLst/>
+            </a:prstGeom>
+            <a:noFill/>
+          </p:spPr>
+          <p:txBody>
+            <a:bodyPr wrap="square">
+              <a:spAutoFit/>
+            </a:bodyPr>
+            <a:lstStyle/>
+            <a:p>
+              <a:pPr>
+                <a:lnSpc>
+                  <a:spcPct val="150000"/>
+                </a:lnSpc>
+              </a:pPr>
+              <a:r>
+                <a:rPr lang="en-GB" b="1" u="sng" dirty="0">
+                  <a:latin typeface="Fira Sans" panose="020B0503050000020004" pitchFamily="34" charset="0"/>
+                  <a:hlinkClick r:id="rId2" action="ppaction://hlinkfile"/>
+                </a:rPr>
+                <a:t>Application on Real Data</a:t>
+              </a:r>
+              <a:endParaRPr lang="en-US" sz="4400" b="0" i="0" dirty="0">
+                <a:solidFill>
+                  <a:srgbClr val="1A292C"/>
+                </a:solidFill>
+                <a:effectLst/>
+                <a:latin typeface="Fira Sans" panose="020B0503050000020004" pitchFamily="34" charset="0"/>
+              </a:endParaRPr>
+            </a:p>
+          </p:txBody>
+        </p:sp>
+      </p:grpSp>
+      <p:grpSp>
+        <p:nvGrpSpPr>
+          <p:cNvPr id="7" name="Group 6">
+            <a:extLst>
+              <a:ext uri="{FF2B5EF4-FFF2-40B4-BE49-F238E27FC236}">
+                <a16:creationId xmlns:a16="http://schemas.microsoft.com/office/drawing/2014/main" id="{45B53B61-64C3-6CF1-C7B7-04EA0D82DD1D}"/>
+              </a:ext>
+            </a:extLst>
+          </p:cNvPr>
+          <p:cNvGrpSpPr/>
+          <p:nvPr/>
+        </p:nvGrpSpPr>
+        <p:grpSpPr>
+          <a:xfrm>
+            <a:off x="6169152" y="270357"/>
+            <a:ext cx="5946648" cy="2808924"/>
+            <a:chOff x="624078" y="270357"/>
+            <a:chExt cx="5869258" cy="2808924"/>
+          </a:xfrm>
+        </p:grpSpPr>
+        <p:sp>
+          <p:nvSpPr>
+            <p:cNvPr id="8" name="TextBox 7">
+              <a:extLst>
+                <a:ext uri="{FF2B5EF4-FFF2-40B4-BE49-F238E27FC236}">
+                  <a16:creationId xmlns:a16="http://schemas.microsoft.com/office/drawing/2014/main" id="{1BA4D673-2AFB-8626-2E84-D6A4F1C1E624}"/>
+                </a:ext>
+              </a:extLst>
+            </p:cNvPr>
+            <p:cNvSpPr txBox="1"/>
+            <p:nvPr/>
+          </p:nvSpPr>
+          <p:spPr>
+            <a:xfrm>
+              <a:off x="624078" y="1369582"/>
+              <a:ext cx="5869258" cy="1709699"/>
+            </a:xfrm>
+            <a:prstGeom prst="rect">
+              <a:avLst/>
+            </a:prstGeom>
+            <a:noFill/>
+          </p:spPr>
+          <p:txBody>
+            <a:bodyPr wrap="square">
+              <a:spAutoFit/>
+            </a:bodyPr>
+            <a:lstStyle/>
+            <a:p>
+              <a:pPr>
+                <a:lnSpc>
+                  <a:spcPct val="150000"/>
+                </a:lnSpc>
+              </a:pPr>
+              <a:r>
+                <a:rPr lang="en-GB" dirty="0">
+                  <a:latin typeface="Fira Sans" panose="020B0503050000020004" pitchFamily="34" charset="0"/>
+                </a:rPr>
+                <a:t>Today you learned:</a:t>
+              </a:r>
+            </a:p>
+            <a:p>
+              <a:pPr>
+                <a:lnSpc>
+                  <a:spcPct val="150000"/>
+                </a:lnSpc>
+              </a:pPr>
+              <a:r>
+                <a:rPr lang="en-GB" dirty="0">
+                  <a:latin typeface="Fira Sans" panose="020B0503050000020004" pitchFamily="34" charset="0"/>
+                </a:rPr>
+                <a:t>✓ </a:t>
+              </a:r>
+              <a:r>
+                <a:rPr lang="en-US" dirty="0">
+                  <a:latin typeface="Fira Sans" panose="020B0503050000020004" pitchFamily="34" charset="0"/>
+                </a:rPr>
+                <a:t>Apply full workflow to real or internal dataset</a:t>
+              </a:r>
+            </a:p>
+            <a:p>
+              <a:pPr>
+                <a:lnSpc>
+                  <a:spcPct val="150000"/>
+                </a:lnSpc>
+              </a:pPr>
+              <a:r>
+                <a:rPr lang="en-GB" dirty="0">
+                  <a:latin typeface="Fira Sans" panose="020B0503050000020004" pitchFamily="34" charset="0"/>
+                </a:rPr>
+                <a:t>✓ </a:t>
+              </a:r>
+              <a:r>
+                <a:rPr lang="en-US" dirty="0">
+                  <a:latin typeface="Fira Sans" panose="020B0503050000020004" pitchFamily="34" charset="0"/>
+                </a:rPr>
+                <a:t>Interpret results in biological context</a:t>
+              </a:r>
+            </a:p>
+            <a:p>
+              <a:pPr>
+                <a:lnSpc>
+                  <a:spcPct val="150000"/>
+                </a:lnSpc>
+              </a:pPr>
+              <a:r>
+                <a:rPr lang="en-GB" dirty="0">
+                  <a:latin typeface="Fira Sans" panose="020B0503050000020004" pitchFamily="34" charset="0"/>
+                </a:rPr>
+                <a:t>✓ </a:t>
+              </a:r>
+              <a:r>
+                <a:rPr lang="en-US" dirty="0">
+                  <a:latin typeface="Fira Sans" panose="020B0503050000020004" pitchFamily="34" charset="0"/>
+                </a:rPr>
+                <a:t>Troubleshoot and discuss</a:t>
+              </a:r>
+            </a:p>
+          </p:txBody>
+        </p:sp>
+        <p:sp>
+          <p:nvSpPr>
+            <p:cNvPr id="9" name="TextBox 8">
+              <a:extLst>
+                <a:ext uri="{FF2B5EF4-FFF2-40B4-BE49-F238E27FC236}">
+                  <a16:creationId xmlns:a16="http://schemas.microsoft.com/office/drawing/2014/main" id="{70FB6393-4146-87E5-C61E-159BF2FED89A}"/>
+                </a:ext>
+              </a:extLst>
+            </p:cNvPr>
+            <p:cNvSpPr txBox="1"/>
+            <p:nvPr/>
+          </p:nvSpPr>
+          <p:spPr>
+            <a:xfrm>
+              <a:off x="624078" y="270357"/>
+              <a:ext cx="5154930" cy="672235"/>
+            </a:xfrm>
+            <a:prstGeom prst="rect">
+              <a:avLst/>
+            </a:prstGeom>
+            <a:noFill/>
+          </p:spPr>
+          <p:txBody>
+            <a:bodyPr wrap="square">
+              <a:spAutoFit/>
+            </a:bodyPr>
+            <a:lstStyle/>
+            <a:p>
+              <a:pPr algn="l">
+                <a:lnSpc>
+                  <a:spcPct val="150000"/>
+                </a:lnSpc>
+                <a:buNone/>
+              </a:pPr>
+              <a:r>
+                <a:rPr lang="en-US" sz="2800" b="0" i="0" dirty="0">
+                  <a:solidFill>
+                    <a:srgbClr val="1A292C"/>
+                  </a:solidFill>
+                  <a:effectLst/>
+                  <a:latin typeface="Fira Sans" panose="020B0503050000020004" pitchFamily="34" charset="0"/>
+                </a:rPr>
+                <a:t>Day </a:t>
+              </a:r>
+              <a:r>
+                <a:rPr lang="en-US" sz="2800" dirty="0">
+                  <a:solidFill>
+                    <a:srgbClr val="1A292C"/>
+                  </a:solidFill>
+                  <a:latin typeface="Fira Sans" panose="020B0503050000020004" pitchFamily="34" charset="0"/>
+                </a:rPr>
+                <a:t>5</a:t>
+              </a:r>
+              <a:r>
+                <a:rPr lang="en-US" sz="2800" b="0" i="0" dirty="0">
+                  <a:solidFill>
+                    <a:srgbClr val="1A292C"/>
+                  </a:solidFill>
+                  <a:effectLst/>
+                  <a:latin typeface="Fira Sans" panose="020B0503050000020004" pitchFamily="34" charset="0"/>
+                </a:rPr>
+                <a:t> Summary</a:t>
+              </a:r>
+            </a:p>
+          </p:txBody>
+        </p:sp>
+      </p:grpSp>
     </p:spTree>
     <p:extLst>
       <p:ext uri="{BB962C8B-B14F-4D97-AF65-F5344CB8AC3E}">
-        <p14:creationId xmlns:p14="http://schemas.microsoft.com/office/powerpoint/2010/main" val="3071097272"/>
+        <p14:creationId xmlns:p14="http://schemas.microsoft.com/office/powerpoint/2010/main" val="1977686079"/>
       </p:ext>
     </p:extLst>
   </p:cSld>

--- a/inst/r4proteomics_slides.pptx
+++ b/inst/r4proteomics_slides.pptx
@@ -6739,7 +6739,7 @@
           <a:p>
             <a:pPr algn="ctr"/>
             <a:endParaRPr lang="en-GB" dirty="0">
-              <a:latin typeface="Arial" panose="020B0604020202020204" pitchFamily="34" charset="0"/>
+              <a:latin typeface="Fira Sans" panose="020B0503050000020004" pitchFamily="34" charset="0"/>
               <a:cs typeface="Arial" panose="020B0604020202020204" pitchFamily="34" charset="0"/>
             </a:endParaRPr>
           </a:p>
@@ -6915,7 +6915,7 @@
               <a:p>
                 <a:pPr algn="ctr"/>
                 <a:endParaRPr lang="en-GB" sz="1600">
-                  <a:latin typeface="Arial" panose="020B0604020202020204" pitchFamily="34" charset="0"/>
+                  <a:latin typeface="Fira Sans" panose="020B0503050000020004" pitchFamily="34" charset="0"/>
                   <a:cs typeface="Arial" panose="020B0604020202020204" pitchFamily="34" charset="0"/>
                 </a:endParaRPr>
               </a:p>
@@ -6967,7 +6967,7 @@
               <a:p>
                 <a:pPr algn="ctr"/>
                 <a:endParaRPr lang="en-GB" sz="1600" dirty="0">
-                  <a:latin typeface="Arial" panose="020B0604020202020204" pitchFamily="34" charset="0"/>
+                  <a:latin typeface="Fira Sans" panose="020B0503050000020004" pitchFamily="34" charset="0"/>
                   <a:cs typeface="Arial" panose="020B0604020202020204" pitchFamily="34" charset="0"/>
                 </a:endParaRPr>
               </a:p>
@@ -7024,7 +7024,7 @@
                   <a:solidFill>
                     <a:schemeClr val="tx1"/>
                   </a:solidFill>
-                  <a:latin typeface="Arial" panose="020B0604020202020204" pitchFamily="34" charset="0"/>
+                  <a:latin typeface="Fira Sans" panose="020B0503050000020004" pitchFamily="34" charset="0"/>
                   <a:cs typeface="Arial" panose="020B0604020202020204" pitchFamily="34" charset="0"/>
                 </a:rPr>
                 <a:t>Day Course 1</a:t>
@@ -7033,7 +7033,7 @@
                 <a:solidFill>
                   <a:schemeClr val="tx1"/>
                 </a:solidFill>
-                <a:latin typeface="Arial" panose="020B0604020202020204" pitchFamily="34" charset="0"/>
+                <a:latin typeface="Fira Sans" panose="020B0503050000020004" pitchFamily="34" charset="0"/>
                 <a:cs typeface="Arial" panose="020B0604020202020204" pitchFamily="34" charset="0"/>
               </a:endParaRPr>
             </a:p>
@@ -7072,7 +7072,7 @@
                   <a:solidFill>
                     <a:schemeClr val="bg1"/>
                   </a:solidFill>
-                  <a:latin typeface="Arial" panose="020B0604020202020204" pitchFamily="34" charset="0"/>
+                  <a:latin typeface="Fira Sans" panose="020B0503050000020004" pitchFamily="34" charset="0"/>
                   <a:cs typeface="Arial" panose="020B0604020202020204" pitchFamily="34" charset="0"/>
                 </a:rPr>
                 <a:t>Introduction to R and RStudio</a:t>
@@ -7081,7 +7081,7 @@
                 <a:solidFill>
                   <a:schemeClr val="bg1"/>
                 </a:solidFill>
-                <a:latin typeface="Arial" panose="020B0604020202020204" pitchFamily="34" charset="0"/>
+                <a:latin typeface="Fira Sans" panose="020B0503050000020004" pitchFamily="34" charset="0"/>
                 <a:cs typeface="Arial" panose="020B0604020202020204" pitchFamily="34" charset="0"/>
               </a:endParaRPr>
             </a:p>
@@ -7169,7 +7169,7 @@
               <a:p>
                 <a:pPr algn="ctr"/>
                 <a:endParaRPr lang="en-GB" sz="1600">
-                  <a:latin typeface="Arial" panose="020B0604020202020204" pitchFamily="34" charset="0"/>
+                  <a:latin typeface="Fira Sans" panose="020B0503050000020004" pitchFamily="34" charset="0"/>
                   <a:cs typeface="Arial" panose="020B0604020202020204" pitchFamily="34" charset="0"/>
                 </a:endParaRPr>
               </a:p>
@@ -7221,7 +7221,7 @@
               <a:p>
                 <a:pPr algn="ctr"/>
                 <a:endParaRPr lang="en-GB" sz="1600" dirty="0">
-                  <a:latin typeface="Arial" panose="020B0604020202020204" pitchFamily="34" charset="0"/>
+                  <a:latin typeface="Fira Sans" panose="020B0503050000020004" pitchFamily="34" charset="0"/>
                   <a:cs typeface="Arial" panose="020B0604020202020204" pitchFamily="34" charset="0"/>
                 </a:endParaRPr>
               </a:p>
@@ -7278,7 +7278,7 @@
                   <a:solidFill>
                     <a:schemeClr val="tx1"/>
                   </a:solidFill>
-                  <a:latin typeface="Arial" panose="020B0604020202020204" pitchFamily="34" charset="0"/>
+                  <a:latin typeface="Fira Sans" panose="020B0503050000020004" pitchFamily="34" charset="0"/>
                   <a:cs typeface="Arial" panose="020B0604020202020204" pitchFamily="34" charset="0"/>
                 </a:rPr>
                 <a:t>Day Course 2</a:t>
@@ -7287,7 +7287,7 @@
                 <a:solidFill>
                   <a:schemeClr val="tx1"/>
                 </a:solidFill>
-                <a:latin typeface="Arial" panose="020B0604020202020204" pitchFamily="34" charset="0"/>
+                <a:latin typeface="Fira Sans" panose="020B0503050000020004" pitchFamily="34" charset="0"/>
                 <a:cs typeface="Arial" panose="020B0604020202020204" pitchFamily="34" charset="0"/>
               </a:endParaRPr>
             </a:p>
@@ -7326,7 +7326,7 @@
                   <a:solidFill>
                     <a:schemeClr val="bg1"/>
                   </a:solidFill>
-                  <a:latin typeface="Arial" panose="020B0604020202020204" pitchFamily="34" charset="0"/>
+                  <a:latin typeface="Fira Sans" panose="020B0503050000020004" pitchFamily="34" charset="0"/>
                   <a:cs typeface="Arial" panose="020B0604020202020204" pitchFamily="34" charset="0"/>
                 </a:rPr>
                 <a:t>Applying Statistics  and Core Data science Techniques in Proteomics</a:t>
@@ -7335,7 +7335,7 @@
                 <a:solidFill>
                   <a:schemeClr val="bg1"/>
                 </a:solidFill>
-                <a:latin typeface="Arial" panose="020B0604020202020204" pitchFamily="34" charset="0"/>
+                <a:latin typeface="Fira Sans" panose="020B0503050000020004" pitchFamily="34" charset="0"/>
                 <a:cs typeface="Arial" panose="020B0604020202020204" pitchFamily="34" charset="0"/>
               </a:endParaRPr>
             </a:p>
@@ -7423,7 +7423,7 @@
               <a:p>
                 <a:pPr algn="ctr"/>
                 <a:endParaRPr lang="en-GB" sz="1600">
-                  <a:latin typeface="Arial" panose="020B0604020202020204" pitchFamily="34" charset="0"/>
+                  <a:latin typeface="Fira Sans" panose="020B0503050000020004" pitchFamily="34" charset="0"/>
                   <a:cs typeface="Arial" panose="020B0604020202020204" pitchFamily="34" charset="0"/>
                 </a:endParaRPr>
               </a:p>
@@ -7475,7 +7475,7 @@
               <a:p>
                 <a:pPr algn="ctr"/>
                 <a:endParaRPr lang="en-GB" sz="1600" dirty="0">
-                  <a:latin typeface="Arial" panose="020B0604020202020204" pitchFamily="34" charset="0"/>
+                  <a:latin typeface="Fira Sans" panose="020B0503050000020004" pitchFamily="34" charset="0"/>
                   <a:cs typeface="Arial" panose="020B0604020202020204" pitchFamily="34" charset="0"/>
                 </a:endParaRPr>
               </a:p>
@@ -7532,7 +7532,7 @@
                   <a:solidFill>
                     <a:schemeClr val="tx1"/>
                   </a:solidFill>
-                  <a:latin typeface="Arial" panose="020B0604020202020204" pitchFamily="34" charset="0"/>
+                  <a:latin typeface="Fira Sans" panose="020B0503050000020004" pitchFamily="34" charset="0"/>
                   <a:cs typeface="Arial" panose="020B0604020202020204" pitchFamily="34" charset="0"/>
                 </a:rPr>
                 <a:t>Day Course 3</a:t>
@@ -7541,7 +7541,7 @@
                 <a:solidFill>
                   <a:schemeClr val="tx1"/>
                 </a:solidFill>
-                <a:latin typeface="Arial" panose="020B0604020202020204" pitchFamily="34" charset="0"/>
+                <a:latin typeface="Fira Sans" panose="020B0503050000020004" pitchFamily="34" charset="0"/>
                 <a:cs typeface="Arial" panose="020B0604020202020204" pitchFamily="34" charset="0"/>
               </a:endParaRPr>
             </a:p>
@@ -7580,7 +7580,7 @@
                   <a:solidFill>
                     <a:schemeClr val="bg1"/>
                   </a:solidFill>
-                  <a:latin typeface="Arial" panose="020B0604020202020204" pitchFamily="34" charset="0"/>
+                  <a:latin typeface="Fira Sans" panose="020B0503050000020004" pitchFamily="34" charset="0"/>
                   <a:cs typeface="Arial" panose="020B0604020202020204" pitchFamily="34" charset="0"/>
                 </a:rPr>
                 <a:t>Quality Control, Preprocessing and Differential Expression</a:t>
@@ -7589,7 +7589,7 @@
                 <a:solidFill>
                   <a:schemeClr val="bg1"/>
                 </a:solidFill>
-                <a:latin typeface="Arial" panose="020B0604020202020204" pitchFamily="34" charset="0"/>
+                <a:latin typeface="Fira Sans" panose="020B0503050000020004" pitchFamily="34" charset="0"/>
                 <a:cs typeface="Arial" panose="020B0604020202020204" pitchFamily="34" charset="0"/>
               </a:endParaRPr>
             </a:p>
@@ -7677,7 +7677,7 @@
               <a:p>
                 <a:pPr algn="ctr"/>
                 <a:endParaRPr lang="en-GB" sz="1600">
-                  <a:latin typeface="Arial" panose="020B0604020202020204" pitchFamily="34" charset="0"/>
+                  <a:latin typeface="Fira Sans" panose="020B0503050000020004" pitchFamily="34" charset="0"/>
                   <a:cs typeface="Arial" panose="020B0604020202020204" pitchFamily="34" charset="0"/>
                 </a:endParaRPr>
               </a:p>
@@ -7729,7 +7729,7 @@
               <a:p>
                 <a:pPr algn="ctr"/>
                 <a:endParaRPr lang="en-GB" sz="1600" dirty="0">
-                  <a:latin typeface="Arial" panose="020B0604020202020204" pitchFamily="34" charset="0"/>
+                  <a:latin typeface="Fira Sans" panose="020B0503050000020004" pitchFamily="34" charset="0"/>
                   <a:cs typeface="Arial" panose="020B0604020202020204" pitchFamily="34" charset="0"/>
                 </a:endParaRPr>
               </a:p>
@@ -7786,7 +7786,7 @@
                   <a:solidFill>
                     <a:schemeClr val="tx1"/>
                   </a:solidFill>
-                  <a:latin typeface="Arial" panose="020B0604020202020204" pitchFamily="34" charset="0"/>
+                  <a:latin typeface="Fira Sans" panose="020B0503050000020004" pitchFamily="34" charset="0"/>
                   <a:cs typeface="Arial" panose="020B0604020202020204" pitchFamily="34" charset="0"/>
                 </a:rPr>
                 <a:t>Day Course 4</a:t>
@@ -7795,7 +7795,7 @@
                 <a:solidFill>
                   <a:schemeClr val="tx1"/>
                 </a:solidFill>
-                <a:latin typeface="Arial" panose="020B0604020202020204" pitchFamily="34" charset="0"/>
+                <a:latin typeface="Fira Sans" panose="020B0503050000020004" pitchFamily="34" charset="0"/>
                 <a:cs typeface="Arial" panose="020B0604020202020204" pitchFamily="34" charset="0"/>
               </a:endParaRPr>
             </a:p>
@@ -7834,7 +7834,7 @@
                   <a:solidFill>
                     <a:schemeClr val="bg1"/>
                   </a:solidFill>
-                  <a:latin typeface="Arial" panose="020B0604020202020204" pitchFamily="34" charset="0"/>
+                  <a:latin typeface="Fira Sans" panose="020B0503050000020004" pitchFamily="34" charset="0"/>
                   <a:cs typeface="Arial" panose="020B0604020202020204" pitchFamily="34" charset="0"/>
                 </a:rPr>
                 <a:t>Functional Analysis, Longitudinal &amp; Public Data</a:t>
@@ -7843,7 +7843,7 @@
                 <a:solidFill>
                   <a:schemeClr val="bg1"/>
                 </a:solidFill>
-                <a:latin typeface="Arial" panose="020B0604020202020204" pitchFamily="34" charset="0"/>
+                <a:latin typeface="Fira Sans" panose="020B0503050000020004" pitchFamily="34" charset="0"/>
                 <a:cs typeface="Arial" panose="020B0604020202020204" pitchFamily="34" charset="0"/>
               </a:endParaRPr>
             </a:p>
@@ -7931,7 +7931,7 @@
               <a:p>
                 <a:pPr algn="ctr"/>
                 <a:endParaRPr lang="en-GB" sz="1600">
-                  <a:latin typeface="Arial" panose="020B0604020202020204" pitchFamily="34" charset="0"/>
+                  <a:latin typeface="Fira Sans" panose="020B0503050000020004" pitchFamily="34" charset="0"/>
                   <a:cs typeface="Arial" panose="020B0604020202020204" pitchFamily="34" charset="0"/>
                 </a:endParaRPr>
               </a:p>
@@ -7983,7 +7983,7 @@
               <a:p>
                 <a:pPr algn="ctr"/>
                 <a:endParaRPr lang="en-GB" sz="1600" dirty="0">
-                  <a:latin typeface="Arial" panose="020B0604020202020204" pitchFamily="34" charset="0"/>
+                  <a:latin typeface="Fira Sans" panose="020B0503050000020004" pitchFamily="34" charset="0"/>
                   <a:cs typeface="Arial" panose="020B0604020202020204" pitchFamily="34" charset="0"/>
                 </a:endParaRPr>
               </a:p>
@@ -8040,7 +8040,7 @@
                   <a:solidFill>
                     <a:schemeClr val="tx1"/>
                   </a:solidFill>
-                  <a:latin typeface="Arial" panose="020B0604020202020204" pitchFamily="34" charset="0"/>
+                  <a:latin typeface="Fira Sans" panose="020B0503050000020004" pitchFamily="34" charset="0"/>
                   <a:cs typeface="Arial" panose="020B0604020202020204" pitchFamily="34" charset="0"/>
                 </a:rPr>
                 <a:t>Day Course 5</a:t>
@@ -8049,7 +8049,7 @@
                 <a:solidFill>
                   <a:schemeClr val="tx1"/>
                 </a:solidFill>
-                <a:latin typeface="Arial" panose="020B0604020202020204" pitchFamily="34" charset="0"/>
+                <a:latin typeface="Fira Sans" panose="020B0503050000020004" pitchFamily="34" charset="0"/>
                 <a:cs typeface="Arial" panose="020B0604020202020204" pitchFamily="34" charset="0"/>
               </a:endParaRPr>
             </a:p>
@@ -8088,7 +8088,7 @@
                   <a:solidFill>
                     <a:schemeClr val="bg1"/>
                   </a:solidFill>
-                  <a:latin typeface="Arial" panose="020B0604020202020204" pitchFamily="34" charset="0"/>
+                  <a:latin typeface="Fira Sans" panose="020B0503050000020004" pitchFamily="34" charset="0"/>
                   <a:cs typeface="Arial" panose="020B0604020202020204" pitchFamily="34" charset="0"/>
                 </a:rPr>
                 <a:t>Application on Real Data, Advanced techniques, solving problems with supervised learning + Exploring future direction of proteomics</a:t>
@@ -8097,7 +8097,7 @@
                 <a:solidFill>
                   <a:schemeClr val="bg1"/>
                 </a:solidFill>
-                <a:latin typeface="Arial" panose="020B0604020202020204" pitchFamily="34" charset="0"/>
+                <a:latin typeface="Fira Sans" panose="020B0503050000020004" pitchFamily="34" charset="0"/>
                 <a:cs typeface="Arial" panose="020B0604020202020204" pitchFamily="34" charset="0"/>
               </a:endParaRPr>
             </a:p>
@@ -8134,27 +8134,27 @@
           <a:p>
             <a:r>
               <a:rPr lang="en-US" dirty="0">
-                <a:latin typeface="Arial" panose="020B0604020202020204" pitchFamily="34" charset="0"/>
+                <a:latin typeface="Fira Sans" panose="020B0503050000020004" pitchFamily="34" charset="0"/>
                 <a:cs typeface="Arial" panose="020B0604020202020204" pitchFamily="34" charset="0"/>
               </a:rPr>
               <a:t>In-person: </a:t>
             </a:r>
             <a:r>
               <a:rPr lang="en-US" i="1" dirty="0">
-                <a:latin typeface="Arial" panose="020B0604020202020204" pitchFamily="34" charset="0"/>
+                <a:latin typeface="Fira Sans" panose="020B0503050000020004" pitchFamily="34" charset="0"/>
                 <a:cs typeface="Arial" panose="020B0604020202020204" pitchFamily="34" charset="0"/>
               </a:rPr>
               <a:t>r4proteomics</a:t>
             </a:r>
             <a:r>
               <a:rPr lang="en-US" dirty="0">
-                <a:latin typeface="Arial" panose="020B0604020202020204" pitchFamily="34" charset="0"/>
+                <a:latin typeface="Fira Sans" panose="020B0503050000020004" pitchFamily="34" charset="0"/>
                 <a:cs typeface="Arial" panose="020B0604020202020204" pitchFamily="34" charset="0"/>
               </a:rPr>
               <a:t> training</a:t>
             </a:r>
             <a:endParaRPr lang="en-GB" dirty="0">
-              <a:latin typeface="Arial" panose="020B0604020202020204" pitchFamily="34" charset="0"/>
+              <a:latin typeface="Fira Sans" panose="020B0503050000020004" pitchFamily="34" charset="0"/>
               <a:cs typeface="Arial" panose="020B0604020202020204" pitchFamily="34" charset="0"/>
             </a:endParaRPr>
           </a:p>
@@ -8190,41 +8190,41 @@
           <a:p>
             <a:r>
               <a:rPr lang="en-US" sz="2400" dirty="0">
-                <a:latin typeface="Arial" panose="020B0604020202020204" pitchFamily="34" charset="0"/>
+                <a:latin typeface="Fira Sans" panose="020B0503050000020004" pitchFamily="34" charset="0"/>
                 <a:cs typeface="Arial" panose="020B0604020202020204" pitchFamily="34" charset="0"/>
               </a:rPr>
               <a:t>A </a:t>
             </a:r>
             <a:r>
               <a:rPr lang="en-US" sz="2400" b="1" dirty="0">
-                <a:latin typeface="Arial" panose="020B0604020202020204" pitchFamily="34" charset="0"/>
+                <a:latin typeface="Fira Sans" panose="020B0503050000020004" pitchFamily="34" charset="0"/>
                 <a:cs typeface="Arial" panose="020B0604020202020204" pitchFamily="34" charset="0"/>
               </a:rPr>
               <a:t>5-day training</a:t>
             </a:r>
             <a:r>
               <a:rPr lang="en-US" sz="2400" dirty="0">
-                <a:latin typeface="Arial" panose="020B0604020202020204" pitchFamily="34" charset="0"/>
+                <a:latin typeface="Fira Sans" panose="020B0503050000020004" pitchFamily="34" charset="0"/>
                 <a:cs typeface="Arial" panose="020B0604020202020204" pitchFamily="34" charset="0"/>
               </a:rPr>
               <a:t> on proteomics data analysis using </a:t>
             </a:r>
             <a:r>
               <a:rPr lang="en-US" sz="2400" b="1" dirty="0">
-                <a:latin typeface="Arial" panose="020B0604020202020204" pitchFamily="34" charset="0"/>
+                <a:latin typeface="Fira Sans" panose="020B0503050000020004" pitchFamily="34" charset="0"/>
                 <a:cs typeface="Arial" panose="020B0604020202020204" pitchFamily="34" charset="0"/>
               </a:rPr>
               <a:t>R</a:t>
             </a:r>
             <a:r>
               <a:rPr lang="en-US" sz="2400" dirty="0">
-                <a:latin typeface="Arial" panose="020B0604020202020204" pitchFamily="34" charset="0"/>
+                <a:latin typeface="Fira Sans" panose="020B0503050000020004" pitchFamily="34" charset="0"/>
                 <a:cs typeface="Arial" panose="020B0604020202020204" pitchFamily="34" charset="0"/>
               </a:rPr>
               <a:t>.</a:t>
             </a:r>
             <a:endParaRPr lang="en-GB" sz="2400" dirty="0">
-              <a:latin typeface="Arial" panose="020B0604020202020204" pitchFamily="34" charset="0"/>
+              <a:latin typeface="Fira Sans" panose="020B0503050000020004" pitchFamily="34" charset="0"/>
               <a:cs typeface="Arial" panose="020B0604020202020204" pitchFamily="34" charset="0"/>
             </a:endParaRPr>
           </a:p>
@@ -8260,21 +8260,21 @@
           <a:p>
             <a:r>
               <a:rPr lang="en-US" sz="1600" dirty="0">
-                <a:latin typeface="Arial" panose="020B0604020202020204" pitchFamily="34" charset="0"/>
+                <a:latin typeface="Fira Sans" panose="020B0503050000020004" pitchFamily="34" charset="0"/>
                 <a:cs typeface="Arial" panose="020B0604020202020204" pitchFamily="34" charset="0"/>
               </a:rPr>
               <a:t>Supporting materials available on: </a:t>
             </a:r>
             <a:r>
               <a:rPr lang="en-GB" sz="1600" dirty="0">
-                <a:latin typeface="Arial" panose="020B0604020202020204" pitchFamily="34" charset="0"/>
+                <a:latin typeface="Fira Sans" panose="020B0503050000020004" pitchFamily="34" charset="0"/>
                 <a:cs typeface="Arial" panose="020B0604020202020204" pitchFamily="34" charset="0"/>
                 <a:hlinkClick r:id="rId2"/>
               </a:rPr>
               <a:t>Welcome | r4proteomics</a:t>
             </a:r>
             <a:endParaRPr lang="en-GB" sz="1600" dirty="0">
-              <a:latin typeface="Arial" panose="020B0604020202020204" pitchFamily="34" charset="0"/>
+              <a:latin typeface="Fira Sans" panose="020B0503050000020004" pitchFamily="34" charset="0"/>
               <a:cs typeface="Arial" panose="020B0604020202020204" pitchFamily="34" charset="0"/>
             </a:endParaRPr>
           </a:p>
@@ -8310,7 +8310,7 @@
           <a:p>
             <a:r>
               <a:rPr lang="en-GB" sz="1600" dirty="0">
-                <a:latin typeface="Arial" panose="020B0604020202020204" pitchFamily="34" charset="0"/>
+                <a:latin typeface="Fira Sans" panose="020B0503050000020004" pitchFamily="34" charset="0"/>
                 <a:cs typeface="Arial" panose="020B0604020202020204" pitchFamily="34" charset="0"/>
               </a:rPr>
               <a:t>written by: </a:t>
@@ -8319,14 +8319,14 @@
           <a:p>
             <a:r>
               <a:rPr lang="en-GB" sz="1600" b="1" dirty="0">
-                <a:latin typeface="Arial" panose="020B0604020202020204" pitchFamily="34" charset="0"/>
+                <a:latin typeface="Fira Sans" panose="020B0503050000020004" pitchFamily="34" charset="0"/>
                 <a:cs typeface="Arial" panose="020B0604020202020204" pitchFamily="34" charset="0"/>
               </a:rPr>
               <a:t>Miguel CASANOVA</a:t>
             </a:r>
             <a:r>
               <a:rPr lang="en-GB" sz="1600" dirty="0">
-                <a:latin typeface="Arial" panose="020B0604020202020204" pitchFamily="34" charset="0"/>
+                <a:latin typeface="Fira Sans" panose="020B0503050000020004" pitchFamily="34" charset="0"/>
                 <a:cs typeface="Arial" panose="020B0604020202020204" pitchFamily="34" charset="0"/>
               </a:rPr>
               <a:t>, PhD &amp; </a:t>
@@ -8335,7 +8335,7 @@
           <a:p>
             <a:r>
               <a:rPr lang="en-GB" sz="1600" b="1" dirty="0">
-                <a:latin typeface="Arial" panose="020B0604020202020204" pitchFamily="34" charset="0"/>
+                <a:latin typeface="Fira Sans" panose="020B0503050000020004" pitchFamily="34" charset="0"/>
                 <a:cs typeface="Arial" panose="020B0604020202020204" pitchFamily="34" charset="0"/>
               </a:rPr>
               <a:t>Dany MUKESHA</a:t>

--- a/inst/r4proteomics_slides.pptx
+++ b/inst/r4proteomics_slides.pptx
@@ -265,7 +265,7 @@
           <a:p>
             <a:fld id="{8026D668-90A6-4547-97E8-9A0A42296A1B}" type="datetimeFigureOut">
               <a:rPr lang="en-GB" smtClean="0"/>
-              <a:t>23/10/2025</a:t>
+              <a:t>04/11/2025</a:t>
             </a:fld>
             <a:endParaRPr lang="en-GB"/>
           </a:p>
@@ -523,7 +523,7 @@
           <a:p>
             <a:fld id="{3B761CF2-C4C9-4DEE-8992-FAB361DB7BD4}" type="datetimeFigureOut">
               <a:rPr lang="en-GB" smtClean="0"/>
-              <a:t>23/10/2025</a:t>
+              <a:t>04/11/2025</a:t>
             </a:fld>
             <a:endParaRPr lang="en-GB"/>
           </a:p>
@@ -721,7 +721,7 @@
           <a:p>
             <a:fld id="{3B761CF2-C4C9-4DEE-8992-FAB361DB7BD4}" type="datetimeFigureOut">
               <a:rPr lang="en-GB" smtClean="0"/>
-              <a:t>23/10/2025</a:t>
+              <a:t>04/11/2025</a:t>
             </a:fld>
             <a:endParaRPr lang="en-GB"/>
           </a:p>
@@ -929,7 +929,7 @@
           <a:p>
             <a:fld id="{3B761CF2-C4C9-4DEE-8992-FAB361DB7BD4}" type="datetimeFigureOut">
               <a:rPr lang="en-GB" smtClean="0"/>
-              <a:t>23/10/2025</a:t>
+              <a:t>04/11/2025</a:t>
             </a:fld>
             <a:endParaRPr lang="en-GB"/>
           </a:p>
@@ -1133,7 +1133,7 @@
           <a:p>
             <a:fld id="{033ADCF0-A78D-4AB5-8D9E-D2EFF7703854}" type="datetimeFigureOut">
               <a:rPr lang="en-GB" smtClean="0"/>
-              <a:t>23/10/2025</a:t>
+              <a:t>04/11/2025</a:t>
             </a:fld>
             <a:endParaRPr lang="en-GB"/>
           </a:p>
@@ -1307,7 +1307,7 @@
           <a:p>
             <a:fld id="{033ADCF0-A78D-4AB5-8D9E-D2EFF7703854}" type="datetimeFigureOut">
               <a:rPr lang="en-GB" smtClean="0"/>
-              <a:t>23/10/2025</a:t>
+              <a:t>04/11/2025</a:t>
             </a:fld>
             <a:endParaRPr lang="en-GB"/>
           </a:p>
@@ -1557,7 +1557,7 @@
           <a:p>
             <a:fld id="{033ADCF0-A78D-4AB5-8D9E-D2EFF7703854}" type="datetimeFigureOut">
               <a:rPr lang="en-GB" smtClean="0"/>
-              <a:t>23/10/2025</a:t>
+              <a:t>04/11/2025</a:t>
             </a:fld>
             <a:endParaRPr lang="en-GB"/>
           </a:p>
@@ -1793,7 +1793,7 @@
           <a:p>
             <a:fld id="{033ADCF0-A78D-4AB5-8D9E-D2EFF7703854}" type="datetimeFigureOut">
               <a:rPr lang="en-GB" smtClean="0"/>
-              <a:t>23/10/2025</a:t>
+              <a:t>04/11/2025</a:t>
             </a:fld>
             <a:endParaRPr lang="en-GB"/>
           </a:p>
@@ -2164,7 +2164,7 @@
           <a:p>
             <a:fld id="{033ADCF0-A78D-4AB5-8D9E-D2EFF7703854}" type="datetimeFigureOut">
               <a:rPr lang="en-GB" smtClean="0"/>
-              <a:t>23/10/2025</a:t>
+              <a:t>04/11/2025</a:t>
             </a:fld>
             <a:endParaRPr lang="en-GB"/>
           </a:p>
@@ -2286,7 +2286,7 @@
           <a:p>
             <a:fld id="{033ADCF0-A78D-4AB5-8D9E-D2EFF7703854}" type="datetimeFigureOut">
               <a:rPr lang="en-GB" smtClean="0"/>
-              <a:t>23/10/2025</a:t>
+              <a:t>04/11/2025</a:t>
             </a:fld>
             <a:endParaRPr lang="en-GB"/>
           </a:p>
@@ -2385,7 +2385,7 @@
           <a:p>
             <a:fld id="{033ADCF0-A78D-4AB5-8D9E-D2EFF7703854}" type="datetimeFigureOut">
               <a:rPr lang="en-GB" smtClean="0"/>
-              <a:t>23/10/2025</a:t>
+              <a:t>04/11/2025</a:t>
             </a:fld>
             <a:endParaRPr lang="en-GB"/>
           </a:p>
@@ -2682,7 +2682,7 @@
           <a:p>
             <a:fld id="{033ADCF0-A78D-4AB5-8D9E-D2EFF7703854}" type="datetimeFigureOut">
               <a:rPr lang="en-GB" smtClean="0"/>
-              <a:t>23/10/2025</a:t>
+              <a:t>04/11/2025</a:t>
             </a:fld>
             <a:endParaRPr lang="en-GB"/>
           </a:p>
@@ -2888,7 +2888,7 @@
           <a:p>
             <a:fld id="{3B761CF2-C4C9-4DEE-8992-FAB361DB7BD4}" type="datetimeFigureOut">
               <a:rPr lang="en-GB" smtClean="0"/>
-              <a:t>23/10/2025</a:t>
+              <a:t>04/11/2025</a:t>
             </a:fld>
             <a:endParaRPr lang="en-GB"/>
           </a:p>
@@ -3157,7 +3157,7 @@
           <a:p>
             <a:fld id="{033ADCF0-A78D-4AB5-8D9E-D2EFF7703854}" type="datetimeFigureOut">
               <a:rPr lang="en-GB" smtClean="0"/>
-              <a:t>23/10/2025</a:t>
+              <a:t>04/11/2025</a:t>
             </a:fld>
             <a:endParaRPr lang="en-GB"/>
           </a:p>
@@ -3347,7 +3347,7 @@
           <a:p>
             <a:fld id="{033ADCF0-A78D-4AB5-8D9E-D2EFF7703854}" type="datetimeFigureOut">
               <a:rPr lang="en-GB" smtClean="0"/>
-              <a:t>23/10/2025</a:t>
+              <a:t>04/11/2025</a:t>
             </a:fld>
             <a:endParaRPr lang="en-GB"/>
           </a:p>
@@ -3527,7 +3527,7 @@
           <a:p>
             <a:fld id="{033ADCF0-A78D-4AB5-8D9E-D2EFF7703854}" type="datetimeFigureOut">
               <a:rPr lang="en-GB" smtClean="0"/>
-              <a:t>23/10/2025</a:t>
+              <a:t>04/11/2025</a:t>
             </a:fld>
             <a:endParaRPr lang="en-GB"/>
           </a:p>
@@ -3656,7 +3656,7 @@
           <a:p>
             <a:fld id="{033ADCF0-A78D-4AB5-8D9E-D2EFF7703854}" type="datetimeFigureOut">
               <a:rPr lang="en-GB" smtClean="0"/>
-              <a:t>23/10/2025</a:t>
+              <a:t>04/11/2025</a:t>
             </a:fld>
             <a:endParaRPr lang="en-GB"/>
           </a:p>
@@ -3935,7 +3935,7 @@
           <a:p>
             <a:fld id="{3B761CF2-C4C9-4DEE-8992-FAB361DB7BD4}" type="datetimeFigureOut">
               <a:rPr lang="en-GB" smtClean="0"/>
-              <a:t>23/10/2025</a:t>
+              <a:t>04/11/2025</a:t>
             </a:fld>
             <a:endParaRPr lang="en-GB"/>
           </a:p>
@@ -4200,7 +4200,7 @@
           <a:p>
             <a:fld id="{3B761CF2-C4C9-4DEE-8992-FAB361DB7BD4}" type="datetimeFigureOut">
               <a:rPr lang="en-GB" smtClean="0"/>
-              <a:t>23/10/2025</a:t>
+              <a:t>04/11/2025</a:t>
             </a:fld>
             <a:endParaRPr lang="en-GB"/>
           </a:p>
@@ -4612,7 +4612,7 @@
           <a:p>
             <a:fld id="{3B761CF2-C4C9-4DEE-8992-FAB361DB7BD4}" type="datetimeFigureOut">
               <a:rPr lang="en-GB" smtClean="0"/>
-              <a:t>23/10/2025</a:t>
+              <a:t>04/11/2025</a:t>
             </a:fld>
             <a:endParaRPr lang="en-GB"/>
           </a:p>
@@ -4753,7 +4753,7 @@
           <a:p>
             <a:fld id="{3B761CF2-C4C9-4DEE-8992-FAB361DB7BD4}" type="datetimeFigureOut">
               <a:rPr lang="en-GB" smtClean="0"/>
-              <a:t>23/10/2025</a:t>
+              <a:t>04/11/2025</a:t>
             </a:fld>
             <a:endParaRPr lang="en-GB"/>
           </a:p>
@@ -4866,7 +4866,7 @@
           <a:p>
             <a:fld id="{3B761CF2-C4C9-4DEE-8992-FAB361DB7BD4}" type="datetimeFigureOut">
               <a:rPr lang="en-GB" smtClean="0"/>
-              <a:t>23/10/2025</a:t>
+              <a:t>04/11/2025</a:t>
             </a:fld>
             <a:endParaRPr lang="en-GB"/>
           </a:p>
@@ -5177,7 +5177,7 @@
           <a:p>
             <a:fld id="{3B761CF2-C4C9-4DEE-8992-FAB361DB7BD4}" type="datetimeFigureOut">
               <a:rPr lang="en-GB" smtClean="0"/>
-              <a:t>23/10/2025</a:t>
+              <a:t>04/11/2025</a:t>
             </a:fld>
             <a:endParaRPr lang="en-GB"/>
           </a:p>
@@ -5465,7 +5465,7 @@
           <a:p>
             <a:fld id="{3B761CF2-C4C9-4DEE-8992-FAB361DB7BD4}" type="datetimeFigureOut">
               <a:rPr lang="en-GB" smtClean="0"/>
-              <a:t>23/10/2025</a:t>
+              <a:t>04/11/2025</a:t>
             </a:fld>
             <a:endParaRPr lang="en-GB"/>
           </a:p>
@@ -5706,7 +5706,7 @@
           <a:p>
             <a:fld id="{3B761CF2-C4C9-4DEE-8992-FAB361DB7BD4}" type="datetimeFigureOut">
               <a:rPr lang="en-GB" smtClean="0"/>
-              <a:t>23/10/2025</a:t>
+              <a:t>04/11/2025</a:t>
             </a:fld>
             <a:endParaRPr lang="en-GB"/>
           </a:p>
@@ -6274,7 +6274,7 @@
           <a:p>
             <a:fld id="{3B761CF2-C4C9-4DEE-8992-FAB361DB7BD4}" type="datetimeFigureOut">
               <a:rPr lang="en-GB" smtClean="0"/>
-              <a:t>23/10/2025</a:t>
+              <a:t>04/11/2025</a:t>
             </a:fld>
             <a:endParaRPr lang="en-GB"/>
           </a:p>
@@ -9060,7 +9060,7 @@
                   <a:effectLst/>
                   <a:latin typeface="Fira Sans" panose="020B0503050000020004" pitchFamily="34" charset="0"/>
                 </a:rPr>
-                <a:t>Advantages:</a:t>
+                <a:t>Agendas:</a:t>
               </a:r>
               <a:endParaRPr lang="en-US" b="0" i="0" dirty="0">
                 <a:solidFill>
@@ -9265,7 +9265,7 @@
                 <a:rPr lang="en-GB" dirty="0">
                   <a:latin typeface="Fira Sans" panose="020B0503050000020004" pitchFamily="34" charset="0"/>
                 </a:rPr>
-                <a:t>Today you learned:</a:t>
+                <a:t>Today you will learn:</a:t>
               </a:r>
             </a:p>
             <a:p>
@@ -9745,7 +9745,7 @@
                 <a:rPr lang="en-GB" dirty="0">
                   <a:latin typeface="Fira Sans" panose="020B0503050000020004" pitchFamily="34" charset="0"/>
                 </a:rPr>
-                <a:t>Today you learned:</a:t>
+                <a:t>Today you will learn:</a:t>
               </a:r>
             </a:p>
             <a:p>
@@ -10904,7 +10904,7 @@
               </a:r>
             </a:p>
             <a:p>
-              <a:pPr marL="285750" indent="-285750" algn="l">
+              <a:pPr marL="285750" indent="-182880" algn="l">
                 <a:lnSpc>
                   <a:spcPct val="150000"/>
                 </a:lnSpc>
@@ -10961,7 +10961,7 @@
               </a:r>
             </a:p>
             <a:p>
-              <a:pPr marL="285750" indent="-285750" algn="l">
+              <a:pPr marL="285750" indent="-182880" algn="l">
                 <a:lnSpc>
                   <a:spcPct val="150000"/>
                 </a:lnSpc>
@@ -10999,7 +10999,7 @@
               </a:r>
             </a:p>
             <a:p>
-              <a:pPr marL="285750" indent="-285750" algn="l">
+              <a:pPr marL="285750" indent="-182880" algn="l">
                 <a:lnSpc>
                   <a:spcPct val="150000"/>
                 </a:lnSpc>

--- a/inst/r4proteomics_slides.pptx
+++ b/inst/r4proteomics_slides.pptx
@@ -6,16 +6,25 @@
     <p:sldMasterId id="2147483685" r:id="rId2"/>
   </p:sldMasterIdLst>
   <p:handoutMasterIdLst>
-    <p:handoutMasterId r:id="rId10"/>
+    <p:handoutMasterId r:id="rId19"/>
   </p:handoutMasterIdLst>
   <p:sldIdLst>
     <p:sldId id="256" r:id="rId3"/>
-    <p:sldId id="257" r:id="rId4"/>
-    <p:sldId id="262" r:id="rId5"/>
-    <p:sldId id="258" r:id="rId6"/>
-    <p:sldId id="263" r:id="rId7"/>
-    <p:sldId id="264" r:id="rId8"/>
-    <p:sldId id="266" r:id="rId9"/>
+    <p:sldId id="269" r:id="rId4"/>
+    <p:sldId id="270" r:id="rId5"/>
+    <p:sldId id="271" r:id="rId6"/>
+    <p:sldId id="272" r:id="rId7"/>
+    <p:sldId id="273" r:id="rId8"/>
+    <p:sldId id="274" r:id="rId9"/>
+    <p:sldId id="275" r:id="rId10"/>
+    <p:sldId id="276" r:id="rId11"/>
+    <p:sldId id="277" r:id="rId12"/>
+    <p:sldId id="257" r:id="rId13"/>
+    <p:sldId id="262" r:id="rId14"/>
+    <p:sldId id="258" r:id="rId15"/>
+    <p:sldId id="263" r:id="rId16"/>
+    <p:sldId id="264" r:id="rId17"/>
+    <p:sldId id="266" r:id="rId18"/>
   </p:sldIdLst>
   <p:sldSz cx="12192000" cy="6858000"/>
   <p:notesSz cx="6858000" cy="9144000"/>
@@ -120,6 +129,23 @@
         <p14:section name="Day 0" id="{1D16D1DA-ACAD-4E10-B283-AADBC3F5CDBD}">
           <p14:sldIdLst>
             <p14:sldId id="256"/>
+          </p14:sldIdLst>
+        </p14:section>
+        <p14:section name="Introduction to Proteomics" id="{009DB6D5-D618-4EE1-9400-4D6CB9DB5524}">
+          <p14:sldIdLst>
+            <p14:sldId id="269"/>
+            <p14:sldId id="270"/>
+            <p14:sldId id="271"/>
+            <p14:sldId id="272"/>
+            <p14:sldId id="273"/>
+            <p14:sldId id="274"/>
+            <p14:sldId id="275"/>
+            <p14:sldId id="276"/>
+            <p14:sldId id="277"/>
+          </p14:sldIdLst>
+        </p14:section>
+        <p14:section name="R for Proteomics" id="{BE54181E-1A31-4CBB-9345-522D443F5CD2}">
+          <p14:sldIdLst>
             <p14:sldId id="257"/>
           </p14:sldIdLst>
         </p14:section>
@@ -265,7 +291,7 @@
           <a:p>
             <a:fld id="{8026D668-90A6-4547-97E8-9A0A42296A1B}" type="datetimeFigureOut">
               <a:rPr lang="en-GB" smtClean="0"/>
-              <a:t>04/11/2025</a:t>
+              <a:t>20/11/2025</a:t>
             </a:fld>
             <a:endParaRPr lang="en-GB"/>
           </a:p>
@@ -523,7 +549,7 @@
           <a:p>
             <a:fld id="{3B761CF2-C4C9-4DEE-8992-FAB361DB7BD4}" type="datetimeFigureOut">
               <a:rPr lang="en-GB" smtClean="0"/>
-              <a:t>04/11/2025</a:t>
+              <a:t>20/11/2025</a:t>
             </a:fld>
             <a:endParaRPr lang="en-GB"/>
           </a:p>
@@ -721,7 +747,7 @@
           <a:p>
             <a:fld id="{3B761CF2-C4C9-4DEE-8992-FAB361DB7BD4}" type="datetimeFigureOut">
               <a:rPr lang="en-GB" smtClean="0"/>
-              <a:t>04/11/2025</a:t>
+              <a:t>20/11/2025</a:t>
             </a:fld>
             <a:endParaRPr lang="en-GB"/>
           </a:p>
@@ -929,7 +955,7 @@
           <a:p>
             <a:fld id="{3B761CF2-C4C9-4DEE-8992-FAB361DB7BD4}" type="datetimeFigureOut">
               <a:rPr lang="en-GB" smtClean="0"/>
-              <a:t>04/11/2025</a:t>
+              <a:t>20/11/2025</a:t>
             </a:fld>
             <a:endParaRPr lang="en-GB"/>
           </a:p>
@@ -1133,7 +1159,7 @@
           <a:p>
             <a:fld id="{033ADCF0-A78D-4AB5-8D9E-D2EFF7703854}" type="datetimeFigureOut">
               <a:rPr lang="en-GB" smtClean="0"/>
-              <a:t>04/11/2025</a:t>
+              <a:t>20/11/2025</a:t>
             </a:fld>
             <a:endParaRPr lang="en-GB"/>
           </a:p>
@@ -1307,7 +1333,7 @@
           <a:p>
             <a:fld id="{033ADCF0-A78D-4AB5-8D9E-D2EFF7703854}" type="datetimeFigureOut">
               <a:rPr lang="en-GB" smtClean="0"/>
-              <a:t>04/11/2025</a:t>
+              <a:t>20/11/2025</a:t>
             </a:fld>
             <a:endParaRPr lang="en-GB"/>
           </a:p>
@@ -1557,7 +1583,7 @@
           <a:p>
             <a:fld id="{033ADCF0-A78D-4AB5-8D9E-D2EFF7703854}" type="datetimeFigureOut">
               <a:rPr lang="en-GB" smtClean="0"/>
-              <a:t>04/11/2025</a:t>
+              <a:t>20/11/2025</a:t>
             </a:fld>
             <a:endParaRPr lang="en-GB"/>
           </a:p>
@@ -1793,7 +1819,7 @@
           <a:p>
             <a:fld id="{033ADCF0-A78D-4AB5-8D9E-D2EFF7703854}" type="datetimeFigureOut">
               <a:rPr lang="en-GB" smtClean="0"/>
-              <a:t>04/11/2025</a:t>
+              <a:t>20/11/2025</a:t>
             </a:fld>
             <a:endParaRPr lang="en-GB"/>
           </a:p>
@@ -2164,7 +2190,7 @@
           <a:p>
             <a:fld id="{033ADCF0-A78D-4AB5-8D9E-D2EFF7703854}" type="datetimeFigureOut">
               <a:rPr lang="en-GB" smtClean="0"/>
-              <a:t>04/11/2025</a:t>
+              <a:t>20/11/2025</a:t>
             </a:fld>
             <a:endParaRPr lang="en-GB"/>
           </a:p>
@@ -2286,7 +2312,7 @@
           <a:p>
             <a:fld id="{033ADCF0-A78D-4AB5-8D9E-D2EFF7703854}" type="datetimeFigureOut">
               <a:rPr lang="en-GB" smtClean="0"/>
-              <a:t>04/11/2025</a:t>
+              <a:t>20/11/2025</a:t>
             </a:fld>
             <a:endParaRPr lang="en-GB"/>
           </a:p>
@@ -2385,7 +2411,7 @@
           <a:p>
             <a:fld id="{033ADCF0-A78D-4AB5-8D9E-D2EFF7703854}" type="datetimeFigureOut">
               <a:rPr lang="en-GB" smtClean="0"/>
-              <a:t>04/11/2025</a:t>
+              <a:t>20/11/2025</a:t>
             </a:fld>
             <a:endParaRPr lang="en-GB"/>
           </a:p>
@@ -2682,7 +2708,7 @@
           <a:p>
             <a:fld id="{033ADCF0-A78D-4AB5-8D9E-D2EFF7703854}" type="datetimeFigureOut">
               <a:rPr lang="en-GB" smtClean="0"/>
-              <a:t>04/11/2025</a:t>
+              <a:t>20/11/2025</a:t>
             </a:fld>
             <a:endParaRPr lang="en-GB"/>
           </a:p>
@@ -2888,7 +2914,7 @@
           <a:p>
             <a:fld id="{3B761CF2-C4C9-4DEE-8992-FAB361DB7BD4}" type="datetimeFigureOut">
               <a:rPr lang="en-GB" smtClean="0"/>
-              <a:t>04/11/2025</a:t>
+              <a:t>20/11/2025</a:t>
             </a:fld>
             <a:endParaRPr lang="en-GB"/>
           </a:p>
@@ -3157,7 +3183,7 @@
           <a:p>
             <a:fld id="{033ADCF0-A78D-4AB5-8D9E-D2EFF7703854}" type="datetimeFigureOut">
               <a:rPr lang="en-GB" smtClean="0"/>
-              <a:t>04/11/2025</a:t>
+              <a:t>20/11/2025</a:t>
             </a:fld>
             <a:endParaRPr lang="en-GB"/>
           </a:p>
@@ -3347,7 +3373,7 @@
           <a:p>
             <a:fld id="{033ADCF0-A78D-4AB5-8D9E-D2EFF7703854}" type="datetimeFigureOut">
               <a:rPr lang="en-GB" smtClean="0"/>
-              <a:t>04/11/2025</a:t>
+              <a:t>20/11/2025</a:t>
             </a:fld>
             <a:endParaRPr lang="en-GB"/>
           </a:p>
@@ -3527,7 +3553,7 @@
           <a:p>
             <a:fld id="{033ADCF0-A78D-4AB5-8D9E-D2EFF7703854}" type="datetimeFigureOut">
               <a:rPr lang="en-GB" smtClean="0"/>
-              <a:t>04/11/2025</a:t>
+              <a:t>20/11/2025</a:t>
             </a:fld>
             <a:endParaRPr lang="en-GB"/>
           </a:p>
@@ -3656,7 +3682,7 @@
           <a:p>
             <a:fld id="{033ADCF0-A78D-4AB5-8D9E-D2EFF7703854}" type="datetimeFigureOut">
               <a:rPr lang="en-GB" smtClean="0"/>
-              <a:t>04/11/2025</a:t>
+              <a:t>20/11/2025</a:t>
             </a:fld>
             <a:endParaRPr lang="en-GB"/>
           </a:p>
@@ -3935,7 +3961,7 @@
           <a:p>
             <a:fld id="{3B761CF2-C4C9-4DEE-8992-FAB361DB7BD4}" type="datetimeFigureOut">
               <a:rPr lang="en-GB" smtClean="0"/>
-              <a:t>04/11/2025</a:t>
+              <a:t>20/11/2025</a:t>
             </a:fld>
             <a:endParaRPr lang="en-GB"/>
           </a:p>
@@ -4200,7 +4226,7 @@
           <a:p>
             <a:fld id="{3B761CF2-C4C9-4DEE-8992-FAB361DB7BD4}" type="datetimeFigureOut">
               <a:rPr lang="en-GB" smtClean="0"/>
-              <a:t>04/11/2025</a:t>
+              <a:t>20/11/2025</a:t>
             </a:fld>
             <a:endParaRPr lang="en-GB"/>
           </a:p>
@@ -4612,7 +4638,7 @@
           <a:p>
             <a:fld id="{3B761CF2-C4C9-4DEE-8992-FAB361DB7BD4}" type="datetimeFigureOut">
               <a:rPr lang="en-GB" smtClean="0"/>
-              <a:t>04/11/2025</a:t>
+              <a:t>20/11/2025</a:t>
             </a:fld>
             <a:endParaRPr lang="en-GB"/>
           </a:p>
@@ -4753,7 +4779,7 @@
           <a:p>
             <a:fld id="{3B761CF2-C4C9-4DEE-8992-FAB361DB7BD4}" type="datetimeFigureOut">
               <a:rPr lang="en-GB" smtClean="0"/>
-              <a:t>04/11/2025</a:t>
+              <a:t>20/11/2025</a:t>
             </a:fld>
             <a:endParaRPr lang="en-GB"/>
           </a:p>
@@ -4866,7 +4892,7 @@
           <a:p>
             <a:fld id="{3B761CF2-C4C9-4DEE-8992-FAB361DB7BD4}" type="datetimeFigureOut">
               <a:rPr lang="en-GB" smtClean="0"/>
-              <a:t>04/11/2025</a:t>
+              <a:t>20/11/2025</a:t>
             </a:fld>
             <a:endParaRPr lang="en-GB"/>
           </a:p>
@@ -5177,7 +5203,7 @@
           <a:p>
             <a:fld id="{3B761CF2-C4C9-4DEE-8992-FAB361DB7BD4}" type="datetimeFigureOut">
               <a:rPr lang="en-GB" smtClean="0"/>
-              <a:t>04/11/2025</a:t>
+              <a:t>20/11/2025</a:t>
             </a:fld>
             <a:endParaRPr lang="en-GB"/>
           </a:p>
@@ -5465,7 +5491,7 @@
           <a:p>
             <a:fld id="{3B761CF2-C4C9-4DEE-8992-FAB361DB7BD4}" type="datetimeFigureOut">
               <a:rPr lang="en-GB" smtClean="0"/>
-              <a:t>04/11/2025</a:t>
+              <a:t>20/11/2025</a:t>
             </a:fld>
             <a:endParaRPr lang="en-GB"/>
           </a:p>
@@ -5706,7 +5732,7 @@
           <a:p>
             <a:fld id="{3B761CF2-C4C9-4DEE-8992-FAB361DB7BD4}" type="datetimeFigureOut">
               <a:rPr lang="en-GB" smtClean="0"/>
-              <a:t>04/11/2025</a:t>
+              <a:t>20/11/2025</a:t>
             </a:fld>
             <a:endParaRPr lang="en-GB"/>
           </a:p>
@@ -6274,7 +6300,7 @@
           <a:p>
             <a:fld id="{3B761CF2-C4C9-4DEE-8992-FAB361DB7BD4}" type="datetimeFigureOut">
               <a:rPr lang="en-GB" smtClean="0"/>
-              <a:t>04/11/2025</a:t>
+              <a:t>20/11/2025</a:t>
             </a:fld>
             <a:endParaRPr lang="en-GB"/>
           </a:p>
@@ -8356,7 +8382,526 @@
 </p:sld>
 </file>
 
-<file path=ppt/slides/slide2.xml><?xml version="1.0" encoding="utf-8"?>
+<file path=ppt/slides/slide10.xml><?xml version="1.0" encoding="utf-8"?>
+<p:sld xmlns:a="http://schemas.openxmlformats.org/drawingml/2006/main" xmlns:r="http://schemas.openxmlformats.org/officeDocument/2006/relationships" xmlns:p="http://schemas.openxmlformats.org/presentationml/2006/main">
+  <p:cSld>
+    <p:spTree>
+      <p:nvGrpSpPr>
+        <p:cNvPr id="1" name="">
+          <a:extLst>
+            <a:ext uri="{FF2B5EF4-FFF2-40B4-BE49-F238E27FC236}">
+              <a16:creationId xmlns:a16="http://schemas.microsoft.com/office/drawing/2014/main" id="{FE9E40F3-4B6A-65E1-1A7F-58CA6C6CD996}"/>
+            </a:ext>
+          </a:extLst>
+        </p:cNvPr>
+        <p:cNvGrpSpPr/>
+        <p:nvPr/>
+      </p:nvGrpSpPr>
+      <p:grpSpPr>
+        <a:xfrm>
+          <a:off x="0" y="0"/>
+          <a:ext cx="0" cy="0"/>
+          <a:chOff x="0" y="0"/>
+          <a:chExt cx="0" cy="0"/>
+        </a:xfrm>
+      </p:grpSpPr>
+      <p:grpSp>
+        <p:nvGrpSpPr>
+          <p:cNvPr id="8" name="Group 7">
+            <a:extLst>
+              <a:ext uri="{FF2B5EF4-FFF2-40B4-BE49-F238E27FC236}">
+                <a16:creationId xmlns:a16="http://schemas.microsoft.com/office/drawing/2014/main" id="{362E2AAB-0C37-B276-0A4E-37E8E133295A}"/>
+              </a:ext>
+            </a:extLst>
+          </p:cNvPr>
+          <p:cNvGrpSpPr/>
+          <p:nvPr/>
+        </p:nvGrpSpPr>
+        <p:grpSpPr>
+          <a:xfrm>
+            <a:off x="493776" y="270357"/>
+            <a:ext cx="9729216" cy="4469378"/>
+            <a:chOff x="624077" y="270357"/>
+            <a:chExt cx="9070858" cy="4469378"/>
+          </a:xfrm>
+        </p:grpSpPr>
+        <p:sp>
+          <p:nvSpPr>
+            <p:cNvPr id="3" name="TextBox 2">
+              <a:extLst>
+                <a:ext uri="{FF2B5EF4-FFF2-40B4-BE49-F238E27FC236}">
+                  <a16:creationId xmlns:a16="http://schemas.microsoft.com/office/drawing/2014/main" id="{0AB5C63C-D031-D34E-81B9-91F7A6D90EA7}"/>
+                </a:ext>
+              </a:extLst>
+            </p:cNvPr>
+            <p:cNvSpPr txBox="1"/>
+            <p:nvPr/>
+          </p:nvSpPr>
+          <p:spPr>
+            <a:xfrm>
+              <a:off x="624078" y="1369582"/>
+              <a:ext cx="5089570" cy="3370153"/>
+            </a:xfrm>
+            <a:prstGeom prst="rect">
+              <a:avLst/>
+            </a:prstGeom>
+            <a:noFill/>
+          </p:spPr>
+          <p:txBody>
+            <a:bodyPr wrap="square">
+              <a:spAutoFit/>
+            </a:bodyPr>
+            <a:lstStyle/>
+            <a:p>
+              <a:pPr>
+                <a:spcAft>
+                  <a:spcPts val="600"/>
+                </a:spcAft>
+              </a:pPr>
+              <a:r>
+                <a:rPr lang="en-US" b="1" i="0" dirty="0">
+                  <a:solidFill>
+                    <a:srgbClr val="000000"/>
+                  </a:solidFill>
+                  <a:effectLst/>
+                  <a:latin typeface="Fira Sans" panose="020F0502020204030204" pitchFamily="34" charset="0"/>
+                </a:rPr>
+                <a:t>Challenges</a:t>
+              </a:r>
+            </a:p>
+            <a:p>
+              <a:pPr marL="342900" indent="-342900">
+                <a:spcAft>
+                  <a:spcPts val="600"/>
+                </a:spcAft>
+                <a:buFont typeface="Arial" panose="020B0604020202020204" pitchFamily="34" charset="0"/>
+                <a:buChar char="•"/>
+              </a:pPr>
+              <a:r>
+                <a:rPr lang="en-US" b="1" i="0" dirty="0">
+                  <a:solidFill>
+                    <a:srgbClr val="000000"/>
+                  </a:solidFill>
+                  <a:effectLst/>
+                  <a:latin typeface="Fira Sans" panose="020F0502020204030204" pitchFamily="34" charset="0"/>
+                </a:rPr>
+                <a:t>Dynamic Range: </a:t>
+              </a:r>
+              <a:r>
+                <a:rPr lang="en-US" i="0" dirty="0">
+                  <a:solidFill>
+                    <a:srgbClr val="000000"/>
+                  </a:solidFill>
+                  <a:effectLst/>
+                  <a:latin typeface="Fira Sans" panose="020F0502020204030204" pitchFamily="34" charset="0"/>
+                </a:rPr>
+                <a:t>Proteins exist in vastly different concentrations (up to 12 orders of magnitude). Low-abundance regulatory proteins are difficult to detect.</a:t>
+              </a:r>
+            </a:p>
+            <a:p>
+              <a:pPr marL="342900" indent="-342900">
+                <a:spcAft>
+                  <a:spcPts val="600"/>
+                </a:spcAft>
+                <a:buFont typeface="Arial" panose="020B0604020202020204" pitchFamily="34" charset="0"/>
+                <a:buChar char="•"/>
+              </a:pPr>
+              <a:r>
+                <a:rPr lang="en-US" b="1" i="0" dirty="0">
+                  <a:solidFill>
+                    <a:srgbClr val="000000"/>
+                  </a:solidFill>
+                  <a:effectLst/>
+                  <a:latin typeface="Fira Sans" panose="020F0502020204030204" pitchFamily="34" charset="0"/>
+                </a:rPr>
+                <a:t>Complexity: </a:t>
+              </a:r>
+              <a:r>
+                <a:rPr lang="en-US" i="0" dirty="0">
+                  <a:solidFill>
+                    <a:srgbClr val="000000"/>
+                  </a:solidFill>
+                  <a:effectLst/>
+                  <a:latin typeface="Fira Sans" panose="020F0502020204030204" pitchFamily="34" charset="0"/>
+                </a:rPr>
+                <a:t>The sheer number of isoforms, modifications, and protein-protein interactions complicates analysis.</a:t>
+              </a:r>
+            </a:p>
+            <a:p>
+              <a:pPr marL="342900" indent="-342900">
+                <a:spcAft>
+                  <a:spcPts val="600"/>
+                </a:spcAft>
+                <a:buFont typeface="Arial" panose="020B0604020202020204" pitchFamily="34" charset="0"/>
+                <a:buChar char="•"/>
+              </a:pPr>
+              <a:r>
+                <a:rPr lang="en-US" b="1" i="0" dirty="0">
+                  <a:solidFill>
+                    <a:srgbClr val="000000"/>
+                  </a:solidFill>
+                  <a:effectLst/>
+                  <a:latin typeface="Fira Sans" panose="020F0502020204030204" pitchFamily="34" charset="0"/>
+                </a:rPr>
+                <a:t>Throughput: </a:t>
+              </a:r>
+              <a:r>
+                <a:rPr lang="en-US" i="0" dirty="0">
+                  <a:solidFill>
+                    <a:srgbClr val="000000"/>
+                  </a:solidFill>
+                  <a:effectLst/>
+                  <a:latin typeface="Fira Sans" panose="020F0502020204030204" pitchFamily="34" charset="0"/>
+                </a:rPr>
+                <a:t>Sample preparation and data processing remain time-consuming bottlenecks.</a:t>
+              </a:r>
+            </a:p>
+          </p:txBody>
+        </p:sp>
+        <p:sp>
+          <p:nvSpPr>
+            <p:cNvPr id="5" name="TextBox 4">
+              <a:extLst>
+                <a:ext uri="{FF2B5EF4-FFF2-40B4-BE49-F238E27FC236}">
+                  <a16:creationId xmlns:a16="http://schemas.microsoft.com/office/drawing/2014/main" id="{78D0889E-89DA-658E-E1C6-C7636C8B09B0}"/>
+                </a:ext>
+              </a:extLst>
+            </p:cNvPr>
+            <p:cNvSpPr txBox="1"/>
+            <p:nvPr/>
+          </p:nvSpPr>
+          <p:spPr>
+            <a:xfrm>
+              <a:off x="624077" y="270357"/>
+              <a:ext cx="9070858" cy="523220"/>
+            </a:xfrm>
+            <a:prstGeom prst="rect">
+              <a:avLst/>
+            </a:prstGeom>
+            <a:noFill/>
+          </p:spPr>
+          <p:txBody>
+            <a:bodyPr wrap="square">
+              <a:spAutoFit/>
+            </a:bodyPr>
+            <a:lstStyle/>
+            <a:p>
+              <a:pPr algn="l">
+                <a:buNone/>
+              </a:pPr>
+              <a:r>
+                <a:rPr lang="en-US" sz="2800" b="0" i="0" dirty="0">
+                  <a:solidFill>
+                    <a:srgbClr val="1A292C"/>
+                  </a:solidFill>
+                  <a:effectLst/>
+                  <a:latin typeface="Fira Sans" panose="020F0502020204030204" pitchFamily="34" charset="0"/>
+                </a:rPr>
+                <a:t>Challenges and Future Directions</a:t>
+              </a:r>
+            </a:p>
+          </p:txBody>
+        </p:sp>
+      </p:grpSp>
+      <p:sp>
+        <p:nvSpPr>
+          <p:cNvPr id="11" name="TextBox 10">
+            <a:extLst>
+              <a:ext uri="{FF2B5EF4-FFF2-40B4-BE49-F238E27FC236}">
+                <a16:creationId xmlns:a16="http://schemas.microsoft.com/office/drawing/2014/main" id="{B4F43ED4-BFEF-7148-8910-BC9AD265E694}"/>
+              </a:ext>
+            </a:extLst>
+          </p:cNvPr>
+          <p:cNvSpPr txBox="1"/>
+          <p:nvPr/>
+        </p:nvSpPr>
+        <p:spPr>
+          <a:xfrm>
+            <a:off x="6169152" y="270357"/>
+            <a:ext cx="5222901" cy="672235"/>
+          </a:xfrm>
+          <a:prstGeom prst="rect">
+            <a:avLst/>
+          </a:prstGeom>
+          <a:noFill/>
+        </p:spPr>
+        <p:txBody>
+          <a:bodyPr wrap="square">
+            <a:spAutoFit/>
+          </a:bodyPr>
+          <a:lstStyle/>
+          <a:p>
+            <a:pPr algn="l">
+              <a:lnSpc>
+                <a:spcPct val="150000"/>
+              </a:lnSpc>
+              <a:buNone/>
+            </a:pPr>
+            <a:endParaRPr lang="en-US" sz="2800" b="0" i="0" dirty="0">
+              <a:solidFill>
+                <a:srgbClr val="1A292C"/>
+              </a:solidFill>
+              <a:effectLst/>
+              <a:latin typeface="Fira Sans" panose="020F0502020204030204" pitchFamily="34" charset="0"/>
+            </a:endParaRPr>
+          </a:p>
+        </p:txBody>
+      </p:sp>
+      <p:sp>
+        <p:nvSpPr>
+          <p:cNvPr id="4" name="TextBox 3">
+            <a:extLst>
+              <a:ext uri="{FF2B5EF4-FFF2-40B4-BE49-F238E27FC236}">
+                <a16:creationId xmlns:a16="http://schemas.microsoft.com/office/drawing/2014/main" id="{3B5B62C5-10C5-FBEE-86CF-A650552BFD7A}"/>
+              </a:ext>
+            </a:extLst>
+          </p:cNvPr>
+          <p:cNvSpPr txBox="1"/>
+          <p:nvPr/>
+        </p:nvSpPr>
+        <p:spPr>
+          <a:xfrm>
+            <a:off x="585216" y="5397149"/>
+            <a:ext cx="8019288" cy="646331"/>
+          </a:xfrm>
+          <a:prstGeom prst="rect">
+            <a:avLst/>
+          </a:prstGeom>
+          <a:noFill/>
+        </p:spPr>
+        <p:txBody>
+          <a:bodyPr wrap="square">
+            <a:spAutoFit/>
+          </a:bodyPr>
+          <a:lstStyle/>
+          <a:p>
+            <a:r>
+              <a:rPr lang="en-US" dirty="0"/>
+              <a:t>For introduction to the core concepts, you may find this video useful: </a:t>
+            </a:r>
+            <a:r>
+              <a:rPr lang="en-US" dirty="0">
+                <a:hlinkClick r:id="rId2"/>
+              </a:rPr>
+              <a:t>Introduction to Proteomics | 2021 EMSL Summer School</a:t>
+            </a:r>
+            <a:r>
+              <a:rPr lang="en-US" dirty="0"/>
+              <a:t>.</a:t>
+            </a:r>
+            <a:endParaRPr lang="en-GB" dirty="0"/>
+          </a:p>
+        </p:txBody>
+      </p:sp>
+      <p:sp>
+        <p:nvSpPr>
+          <p:cNvPr id="10" name="TextBox 9">
+            <a:extLst>
+              <a:ext uri="{FF2B5EF4-FFF2-40B4-BE49-F238E27FC236}">
+                <a16:creationId xmlns:a16="http://schemas.microsoft.com/office/drawing/2014/main" id="{FAEDDA7A-C70B-084D-441C-A0C56C2CA1D9}"/>
+              </a:ext>
+            </a:extLst>
+          </p:cNvPr>
+          <p:cNvSpPr txBox="1"/>
+          <p:nvPr/>
+        </p:nvSpPr>
+        <p:spPr>
+          <a:xfrm>
+            <a:off x="6169152" y="1369582"/>
+            <a:ext cx="5928360" cy="3093154"/>
+          </a:xfrm>
+          <a:prstGeom prst="rect">
+            <a:avLst/>
+          </a:prstGeom>
+          <a:noFill/>
+        </p:spPr>
+        <p:txBody>
+          <a:bodyPr wrap="square">
+            <a:spAutoFit/>
+          </a:bodyPr>
+          <a:lstStyle/>
+          <a:p>
+            <a:pPr marR="0" lvl="0" algn="l" defTabSz="914400" rtl="0" eaLnBrk="1" fontAlgn="auto" latinLnBrk="0" hangingPunct="1">
+              <a:lnSpc>
+                <a:spcPct val="100000"/>
+              </a:lnSpc>
+              <a:spcBef>
+                <a:spcPts val="0"/>
+              </a:spcBef>
+              <a:spcAft>
+                <a:spcPts val="600"/>
+              </a:spcAft>
+              <a:buClrTx/>
+              <a:buSzTx/>
+              <a:tabLst/>
+              <a:defRPr/>
+            </a:pPr>
+            <a:r>
+              <a:rPr kumimoji="0" lang="en-US" sz="1800" b="1" i="0" u="none" strike="noStrike" kern="1200" cap="none" spc="0" normalizeH="0" baseline="0" noProof="0" dirty="0">
+                <a:ln>
+                  <a:noFill/>
+                </a:ln>
+                <a:solidFill>
+                  <a:srgbClr val="000000"/>
+                </a:solidFill>
+                <a:effectLst/>
+                <a:uLnTx/>
+                <a:uFillTx/>
+                <a:latin typeface="Fira Sans" panose="020F0502020204030204" pitchFamily="34" charset="0"/>
+                <a:ea typeface="+mn-ea"/>
+                <a:cs typeface="+mn-cs"/>
+              </a:rPr>
+              <a:t>Future Directions</a:t>
+            </a:r>
+          </a:p>
+          <a:p>
+            <a:pPr marL="342900" indent="-342900">
+              <a:spcAft>
+                <a:spcPts val="600"/>
+              </a:spcAft>
+              <a:buFont typeface="Arial" panose="020B0604020202020204" pitchFamily="34" charset="0"/>
+              <a:buChar char="•"/>
+              <a:defRPr/>
+            </a:pPr>
+            <a:r>
+              <a:rPr kumimoji="0" lang="en-US" b="1" i="0" u="none" strike="noStrike" kern="1200" cap="none" spc="0" normalizeH="0" baseline="0" noProof="0" dirty="0">
+                <a:ln>
+                  <a:noFill/>
+                </a:ln>
+                <a:solidFill>
+                  <a:srgbClr val="000000"/>
+                </a:solidFill>
+                <a:effectLst/>
+                <a:uLnTx/>
+                <a:uFillTx/>
+                <a:latin typeface="Fira Sans" panose="020F0502020204030204" pitchFamily="34" charset="0"/>
+                <a:ea typeface="+mn-ea"/>
+                <a:cs typeface="+mn-cs"/>
+              </a:rPr>
+              <a:t>Targeted Proteomics (PRM/SRM): </a:t>
+            </a:r>
+            <a:r>
+              <a:rPr kumimoji="0" lang="en-US" b="0" i="0" u="none" strike="noStrike" kern="1200" cap="none" spc="0" normalizeH="0" baseline="0" noProof="0" dirty="0">
+                <a:ln>
+                  <a:noFill/>
+                </a:ln>
+                <a:solidFill>
+                  <a:srgbClr val="000000"/>
+                </a:solidFill>
+                <a:effectLst/>
+                <a:uLnTx/>
+                <a:uFillTx/>
+                <a:latin typeface="Fira Sans" panose="020F0502020204030204" pitchFamily="34" charset="0"/>
+                <a:ea typeface="+mn-ea"/>
+                <a:cs typeface="+mn-cs"/>
+              </a:rPr>
+              <a:t>Highly accurate quantification of a small, predefined set of proteins.</a:t>
+            </a:r>
+          </a:p>
+          <a:p>
+            <a:pPr marL="342900" indent="-342900">
+              <a:spcAft>
+                <a:spcPts val="600"/>
+              </a:spcAft>
+              <a:buFont typeface="Arial" panose="020B0604020202020204" pitchFamily="34" charset="0"/>
+              <a:buChar char="•"/>
+              <a:defRPr/>
+            </a:pPr>
+            <a:r>
+              <a:rPr kumimoji="0" lang="en-US" b="1" i="0" u="none" strike="noStrike" kern="1200" cap="none" spc="0" normalizeH="0" baseline="0" noProof="0" dirty="0">
+                <a:ln>
+                  <a:noFill/>
+                </a:ln>
+                <a:solidFill>
+                  <a:srgbClr val="000000"/>
+                </a:solidFill>
+                <a:effectLst/>
+                <a:uLnTx/>
+                <a:uFillTx/>
+                <a:latin typeface="Fira Sans" panose="020F0502020204030204" pitchFamily="34" charset="0"/>
+                <a:ea typeface="+mn-ea"/>
+                <a:cs typeface="+mn-cs"/>
+              </a:rPr>
+              <a:t>Single-Cell Proteomics: </a:t>
+            </a:r>
+            <a:r>
+              <a:rPr kumimoji="0" lang="en-US" b="0" i="0" u="none" strike="noStrike" kern="1200" cap="none" spc="0" normalizeH="0" baseline="0" noProof="0" dirty="0">
+                <a:ln>
+                  <a:noFill/>
+                </a:ln>
+                <a:solidFill>
+                  <a:srgbClr val="000000"/>
+                </a:solidFill>
+                <a:effectLst/>
+                <a:uLnTx/>
+                <a:uFillTx/>
+                <a:latin typeface="Fira Sans" panose="020F0502020204030204" pitchFamily="34" charset="0"/>
+                <a:ea typeface="+mn-ea"/>
+                <a:cs typeface="+mn-cs"/>
+              </a:rPr>
+              <a:t>Analyzing the protein content of individual cells to understand heterogeneity in tissues.</a:t>
+            </a:r>
+          </a:p>
+          <a:p>
+            <a:pPr marL="342900" indent="-342900">
+              <a:spcAft>
+                <a:spcPts val="600"/>
+              </a:spcAft>
+              <a:buFont typeface="Arial" panose="020B0604020202020204" pitchFamily="34" charset="0"/>
+              <a:buChar char="•"/>
+              <a:defRPr/>
+            </a:pPr>
+            <a:r>
+              <a:rPr kumimoji="0" lang="en-US" b="1" i="0" u="none" strike="noStrike" kern="1200" cap="none" spc="0" normalizeH="0" baseline="0" noProof="0" dirty="0">
+                <a:ln>
+                  <a:noFill/>
+                </a:ln>
+                <a:solidFill>
+                  <a:srgbClr val="000000"/>
+                </a:solidFill>
+                <a:effectLst/>
+                <a:uLnTx/>
+                <a:uFillTx/>
+                <a:latin typeface="Fira Sans" panose="020F0502020204030204" pitchFamily="34" charset="0"/>
+                <a:ea typeface="+mn-ea"/>
+                <a:cs typeface="+mn-cs"/>
+              </a:rPr>
+              <a:t>Data Integration: </a:t>
+            </a:r>
+            <a:r>
+              <a:rPr kumimoji="0" lang="en-US" b="0" i="0" u="none" strike="noStrike" kern="1200" cap="none" spc="0" normalizeH="0" baseline="0" noProof="0" dirty="0">
+                <a:ln>
+                  <a:noFill/>
+                </a:ln>
+                <a:solidFill>
+                  <a:srgbClr val="000000"/>
+                </a:solidFill>
+                <a:effectLst/>
+                <a:uLnTx/>
+                <a:uFillTx/>
+                <a:latin typeface="Fira Sans" panose="020F0502020204030204" pitchFamily="34" charset="0"/>
+                <a:ea typeface="+mn-ea"/>
+                <a:cs typeface="+mn-cs"/>
+              </a:rPr>
+              <a:t>Merging proteomics data with genomics and metabolomics data for a complete system-wide picture (System Biology).</a:t>
+            </a:r>
+          </a:p>
+        </p:txBody>
+      </p:sp>
+    </p:spTree>
+    <p:extLst>
+      <p:ext uri="{BB962C8B-B14F-4D97-AF65-F5344CB8AC3E}">
+        <p14:creationId xmlns:p14="http://schemas.microsoft.com/office/powerpoint/2010/main" val="3822102628"/>
+      </p:ext>
+    </p:extLst>
+  </p:cSld>
+  <p:clrMapOvr>
+    <a:masterClrMapping/>
+  </p:clrMapOvr>
+</p:sld>
+</file>
+
+<file path=ppt/slides/slide11.xml><?xml version="1.0" encoding="utf-8"?>
 <p:sld xmlns:a="http://schemas.openxmlformats.org/drawingml/2006/main" xmlns:r="http://schemas.openxmlformats.org/officeDocument/2006/relationships" xmlns:p="http://schemas.openxmlformats.org/presentationml/2006/main">
   <p:cSld>
     <p:spTree>
@@ -8981,7 +9526,7 @@
 </p:sld>
 </file>
 
-<file path=ppt/slides/slide3.xml><?xml version="1.0" encoding="utf-8"?>
+<file path=ppt/slides/slide12.xml><?xml version="1.0" encoding="utf-8"?>
 <p:sld xmlns:a="http://schemas.openxmlformats.org/drawingml/2006/main" xmlns:r="http://schemas.openxmlformats.org/officeDocument/2006/relationships" xmlns:p="http://schemas.openxmlformats.org/presentationml/2006/main">
   <p:cSld>
     <p:spTree>
@@ -9445,7 +9990,7 @@
 </p:sld>
 </file>
 
-<file path=ppt/slides/slide4.xml><?xml version="1.0" encoding="utf-8"?>
+<file path=ppt/slides/slide13.xml><?xml version="1.0" encoding="utf-8"?>
 <p:sld xmlns:a="http://schemas.openxmlformats.org/drawingml/2006/main" xmlns:r="http://schemas.openxmlformats.org/officeDocument/2006/relationships" xmlns:p="http://schemas.openxmlformats.org/presentationml/2006/main">
   <p:cSld>
     <p:spTree>
@@ -9940,7 +10485,7 @@
 </p:sld>
 </file>
 
-<file path=ppt/slides/slide5.xml><?xml version="1.0" encoding="utf-8"?>
+<file path=ppt/slides/slide14.xml><?xml version="1.0" encoding="utf-8"?>
 <p:sld xmlns:a="http://schemas.openxmlformats.org/drawingml/2006/main" xmlns:r="http://schemas.openxmlformats.org/officeDocument/2006/relationships" xmlns:p="http://schemas.openxmlformats.org/presentationml/2006/main">
   <p:cSld>
     <p:spTree>
@@ -10427,7 +10972,7 @@
 </p:sld>
 </file>
 
-<file path=ppt/slides/slide6.xml><?xml version="1.0" encoding="utf-8"?>
+<file path=ppt/slides/slide15.xml><?xml version="1.0" encoding="utf-8"?>
 <p:sld xmlns:a="http://schemas.openxmlformats.org/drawingml/2006/main" xmlns:r="http://schemas.openxmlformats.org/officeDocument/2006/relationships" xmlns:p="http://schemas.openxmlformats.org/presentationml/2006/main">
   <p:cSld>
     <p:spTree>
@@ -10796,7 +11341,7 @@
 </p:sld>
 </file>
 
-<file path=ppt/slides/slide7.xml><?xml version="1.0" encoding="utf-8"?>
+<file path=ppt/slides/slide16.xml><?xml version="1.0" encoding="utf-8"?>
 <p:sld xmlns:a="http://schemas.openxmlformats.org/drawingml/2006/main" xmlns:r="http://schemas.openxmlformats.org/officeDocument/2006/relationships" xmlns:p="http://schemas.openxmlformats.org/presentationml/2006/main">
   <p:cSld>
     <p:spTree>
@@ -11279,6 +11824,4506 @@
     <p:extLst>
       <p:ext uri="{BB962C8B-B14F-4D97-AF65-F5344CB8AC3E}">
         <p14:creationId xmlns:p14="http://schemas.microsoft.com/office/powerpoint/2010/main" val="1977686079"/>
+      </p:ext>
+    </p:extLst>
+  </p:cSld>
+  <p:clrMapOvr>
+    <a:masterClrMapping/>
+  </p:clrMapOvr>
+</p:sld>
+</file>
+
+<file path=ppt/slides/slide2.xml><?xml version="1.0" encoding="utf-8"?>
+<p:sld xmlns:a="http://schemas.openxmlformats.org/drawingml/2006/main" xmlns:r="http://schemas.openxmlformats.org/officeDocument/2006/relationships" xmlns:p="http://schemas.openxmlformats.org/presentationml/2006/main">
+  <p:cSld>
+    <p:spTree>
+      <p:nvGrpSpPr>
+        <p:cNvPr id="1" name="">
+          <a:extLst>
+            <a:ext uri="{FF2B5EF4-FFF2-40B4-BE49-F238E27FC236}">
+              <a16:creationId xmlns:a16="http://schemas.microsoft.com/office/drawing/2014/main" id="{E33935DA-D8F6-7F15-8D5B-043761D12896}"/>
+            </a:ext>
+          </a:extLst>
+        </p:cNvPr>
+        <p:cNvGrpSpPr/>
+        <p:nvPr/>
+      </p:nvGrpSpPr>
+      <p:grpSpPr>
+        <a:xfrm>
+          <a:off x="0" y="0"/>
+          <a:ext cx="0" cy="0"/>
+          <a:chOff x="0" y="0"/>
+          <a:chExt cx="0" cy="0"/>
+        </a:xfrm>
+      </p:grpSpPr>
+      <p:grpSp>
+        <p:nvGrpSpPr>
+          <p:cNvPr id="8" name="Group 7">
+            <a:extLst>
+              <a:ext uri="{FF2B5EF4-FFF2-40B4-BE49-F238E27FC236}">
+                <a16:creationId xmlns:a16="http://schemas.microsoft.com/office/drawing/2014/main" id="{C3750B68-637C-C5F2-FC29-4389140D957B}"/>
+              </a:ext>
+            </a:extLst>
+          </p:cNvPr>
+          <p:cNvGrpSpPr/>
+          <p:nvPr/>
+        </p:nvGrpSpPr>
+        <p:grpSpPr>
+          <a:xfrm>
+            <a:off x="493776" y="270357"/>
+            <a:ext cx="8366759" cy="5042227"/>
+            <a:chOff x="624077" y="270357"/>
+            <a:chExt cx="7800596" cy="5042227"/>
+          </a:xfrm>
+        </p:grpSpPr>
+        <p:sp>
+          <p:nvSpPr>
+            <p:cNvPr id="3" name="TextBox 2">
+              <a:extLst>
+                <a:ext uri="{FF2B5EF4-FFF2-40B4-BE49-F238E27FC236}">
+                  <a16:creationId xmlns:a16="http://schemas.microsoft.com/office/drawing/2014/main" id="{61A50992-8086-C255-B20E-5F8837D9DA27}"/>
+                </a:ext>
+              </a:extLst>
+            </p:cNvPr>
+            <p:cNvSpPr txBox="1"/>
+            <p:nvPr/>
+          </p:nvSpPr>
+          <p:spPr>
+            <a:xfrm>
+              <a:off x="624078" y="1369582"/>
+              <a:ext cx="5154930" cy="3943002"/>
+            </a:xfrm>
+            <a:prstGeom prst="rect">
+              <a:avLst/>
+            </a:prstGeom>
+            <a:noFill/>
+          </p:spPr>
+          <p:txBody>
+            <a:bodyPr wrap="square">
+              <a:spAutoFit/>
+            </a:bodyPr>
+            <a:lstStyle/>
+            <a:p>
+              <a:pPr algn="l">
+                <a:lnSpc>
+                  <a:spcPct val="150000"/>
+                </a:lnSpc>
+                <a:spcAft>
+                  <a:spcPts val="600"/>
+                </a:spcAft>
+                <a:buNone/>
+              </a:pPr>
+              <a:r>
+                <a:rPr lang="en-US" b="1" i="0" dirty="0">
+                  <a:solidFill>
+                    <a:srgbClr val="000000"/>
+                  </a:solidFill>
+                  <a:effectLst/>
+                  <a:latin typeface="Fira Sans" panose="020F0502020204030204" pitchFamily="34" charset="0"/>
+                </a:rPr>
+                <a:t>The Proteome</a:t>
+              </a:r>
+            </a:p>
+            <a:p>
+              <a:pPr marL="285750" indent="-285750" algn="l">
+                <a:lnSpc>
+                  <a:spcPct val="150000"/>
+                </a:lnSpc>
+                <a:spcAft>
+                  <a:spcPts val="600"/>
+                </a:spcAft>
+                <a:buFont typeface="Arial" panose="020B0604020202020204" pitchFamily="34" charset="0"/>
+                <a:buChar char="•"/>
+              </a:pPr>
+              <a:r>
+                <a:rPr lang="en-US" b="1" i="0" dirty="0">
+                  <a:solidFill>
+                    <a:srgbClr val="000000"/>
+                  </a:solidFill>
+                  <a:effectLst/>
+                  <a:latin typeface="Fira Sans" panose="020F0502020204030204" pitchFamily="34" charset="0"/>
+                </a:rPr>
+                <a:t>Definition: </a:t>
+              </a:r>
+              <a:r>
+                <a:rPr lang="en-US" i="0" dirty="0">
+                  <a:solidFill>
+                    <a:srgbClr val="000000"/>
+                  </a:solidFill>
+                  <a:effectLst/>
+                  <a:latin typeface="Fira Sans" panose="020F0502020204030204" pitchFamily="34" charset="0"/>
+                </a:rPr>
+                <a:t>The entire complement of </a:t>
+              </a:r>
+              <a:r>
+                <a:rPr lang="en-US" b="1" i="0" dirty="0">
+                  <a:solidFill>
+                    <a:srgbClr val="000000"/>
+                  </a:solidFill>
+                  <a:effectLst/>
+                  <a:latin typeface="Fira Sans" panose="020F0502020204030204" pitchFamily="34" charset="0"/>
+                </a:rPr>
+                <a:t>proteins</a:t>
+              </a:r>
+              <a:r>
+                <a:rPr lang="en-US" i="0" dirty="0">
+                  <a:solidFill>
+                    <a:srgbClr val="000000"/>
+                  </a:solidFill>
+                  <a:effectLst/>
+                  <a:latin typeface="Fira Sans" panose="020F0502020204030204" pitchFamily="34" charset="0"/>
+                </a:rPr>
+                <a:t> expressed by a cell, tissue, or organism at a particular time, under specific conditions. </a:t>
+              </a:r>
+            </a:p>
+            <a:p>
+              <a:pPr marL="285750" indent="-285750" algn="l">
+                <a:lnSpc>
+                  <a:spcPct val="150000"/>
+                </a:lnSpc>
+                <a:spcAft>
+                  <a:spcPts val="600"/>
+                </a:spcAft>
+                <a:buFont typeface="Arial" panose="020B0604020202020204" pitchFamily="34" charset="0"/>
+                <a:buChar char="•"/>
+              </a:pPr>
+              <a:r>
+                <a:rPr lang="en-US" b="1" i="0" dirty="0">
+                  <a:solidFill>
+                    <a:srgbClr val="000000"/>
+                  </a:solidFill>
+                  <a:effectLst/>
+                  <a:latin typeface="Fira Sans" panose="020F0502020204030204" pitchFamily="34" charset="0"/>
+                </a:rPr>
+                <a:t>Dynamic Nature: </a:t>
+              </a:r>
+              <a:r>
+                <a:rPr lang="en-US" i="0" dirty="0">
+                  <a:solidFill>
+                    <a:srgbClr val="000000"/>
+                  </a:solidFill>
+                  <a:effectLst/>
+                  <a:latin typeface="Fira Sans" panose="020F0502020204030204" pitchFamily="34" charset="0"/>
+                </a:rPr>
+                <a:t>Unlike the </a:t>
+              </a:r>
+              <a:r>
+                <a:rPr lang="en-US" b="1" i="0" dirty="0">
+                  <a:solidFill>
+                    <a:srgbClr val="000000"/>
+                  </a:solidFill>
+                  <a:effectLst/>
+                  <a:latin typeface="Fira Sans" panose="020F0502020204030204" pitchFamily="34" charset="0"/>
+                </a:rPr>
+                <a:t>genome</a:t>
+              </a:r>
+              <a:r>
+                <a:rPr lang="en-US" i="0" dirty="0">
+                  <a:solidFill>
+                    <a:srgbClr val="000000"/>
+                  </a:solidFill>
+                  <a:effectLst/>
+                  <a:latin typeface="Fira Sans" panose="020F0502020204030204" pitchFamily="34" charset="0"/>
+                </a:rPr>
+                <a:t> (which is relatively static), the proteome is highly dynamic, fluctuating rapidly in response to environmental stimuli, cell cycle stage, and disease state.</a:t>
+              </a:r>
+            </a:p>
+          </p:txBody>
+        </p:sp>
+        <p:sp>
+          <p:nvSpPr>
+            <p:cNvPr id="5" name="TextBox 4">
+              <a:extLst>
+                <a:ext uri="{FF2B5EF4-FFF2-40B4-BE49-F238E27FC236}">
+                  <a16:creationId xmlns:a16="http://schemas.microsoft.com/office/drawing/2014/main" id="{E5AE06FD-1EA2-945F-48CA-0068FDEF4E49}"/>
+                </a:ext>
+              </a:extLst>
+            </p:cNvPr>
+            <p:cNvSpPr txBox="1"/>
+            <p:nvPr/>
+          </p:nvSpPr>
+          <p:spPr>
+            <a:xfrm>
+              <a:off x="624077" y="270357"/>
+              <a:ext cx="7800596" cy="523220"/>
+            </a:xfrm>
+            <a:prstGeom prst="rect">
+              <a:avLst/>
+            </a:prstGeom>
+            <a:noFill/>
+          </p:spPr>
+          <p:txBody>
+            <a:bodyPr wrap="square">
+              <a:spAutoFit/>
+            </a:bodyPr>
+            <a:lstStyle/>
+            <a:p>
+              <a:pPr algn="l">
+                <a:buNone/>
+              </a:pPr>
+              <a:r>
+                <a:rPr lang="en-US" sz="2800" b="0" i="0" dirty="0">
+                  <a:solidFill>
+                    <a:srgbClr val="1A292C"/>
+                  </a:solidFill>
+                  <a:effectLst/>
+                  <a:latin typeface="Fira Sans" panose="020F0502020204030204" pitchFamily="34" charset="0"/>
+                </a:rPr>
+                <a:t>Introduction to the Proteome and Proteomics</a:t>
+              </a:r>
+            </a:p>
+          </p:txBody>
+        </p:sp>
+      </p:grpSp>
+      <p:grpSp>
+        <p:nvGrpSpPr>
+          <p:cNvPr id="9" name="Group 8">
+            <a:extLst>
+              <a:ext uri="{FF2B5EF4-FFF2-40B4-BE49-F238E27FC236}">
+                <a16:creationId xmlns:a16="http://schemas.microsoft.com/office/drawing/2014/main" id="{25210272-5E23-833B-0B85-59B8C9223EFD}"/>
+              </a:ext>
+            </a:extLst>
+          </p:cNvPr>
+          <p:cNvGrpSpPr/>
+          <p:nvPr/>
+        </p:nvGrpSpPr>
+        <p:grpSpPr>
+          <a:xfrm>
+            <a:off x="6169152" y="270357"/>
+            <a:ext cx="5946648" cy="4057342"/>
+            <a:chOff x="624078" y="270357"/>
+            <a:chExt cx="5869258" cy="4057342"/>
+          </a:xfrm>
+        </p:grpSpPr>
+        <p:sp>
+          <p:nvSpPr>
+            <p:cNvPr id="10" name="TextBox 9">
+              <a:extLst>
+                <a:ext uri="{FF2B5EF4-FFF2-40B4-BE49-F238E27FC236}">
+                  <a16:creationId xmlns:a16="http://schemas.microsoft.com/office/drawing/2014/main" id="{0847023A-EED8-B1A6-4C53-C8A9DF6124E0}"/>
+                </a:ext>
+              </a:extLst>
+            </p:cNvPr>
+            <p:cNvSpPr txBox="1"/>
+            <p:nvPr/>
+          </p:nvSpPr>
+          <p:spPr>
+            <a:xfrm>
+              <a:off x="624078" y="1369582"/>
+              <a:ext cx="5869258" cy="2958117"/>
+            </a:xfrm>
+            <a:prstGeom prst="rect">
+              <a:avLst/>
+            </a:prstGeom>
+            <a:noFill/>
+          </p:spPr>
+          <p:txBody>
+            <a:bodyPr wrap="square">
+              <a:spAutoFit/>
+            </a:bodyPr>
+            <a:lstStyle/>
+            <a:p>
+              <a:pPr>
+                <a:lnSpc>
+                  <a:spcPct val="150000"/>
+                </a:lnSpc>
+              </a:pPr>
+              <a:r>
+                <a:rPr lang="en-US" b="1" dirty="0">
+                  <a:solidFill>
+                    <a:srgbClr val="000000"/>
+                  </a:solidFill>
+                  <a:latin typeface="Fira Sans" panose="020B0503050000020004" pitchFamily="34" charset="0"/>
+                </a:rPr>
+                <a:t>Proteomics</a:t>
+              </a:r>
+            </a:p>
+            <a:p>
+              <a:pPr marL="285750" indent="-285750">
+                <a:lnSpc>
+                  <a:spcPct val="150000"/>
+                </a:lnSpc>
+                <a:buFont typeface="Arial" panose="020B0604020202020204" pitchFamily="34" charset="0"/>
+                <a:buChar char="•"/>
+              </a:pPr>
+              <a:r>
+                <a:rPr lang="en-US" b="1" dirty="0">
+                  <a:solidFill>
+                    <a:srgbClr val="000000"/>
+                  </a:solidFill>
+                  <a:latin typeface="Fira Sans" panose="020B0503050000020004" pitchFamily="34" charset="0"/>
+                </a:rPr>
+                <a:t>Definition: </a:t>
+              </a:r>
+              <a:r>
+                <a:rPr lang="en-US" dirty="0">
+                  <a:solidFill>
+                    <a:srgbClr val="000000"/>
+                  </a:solidFill>
+                  <a:latin typeface="Fira Sans" panose="020B0503050000020004" pitchFamily="34" charset="0"/>
+                </a:rPr>
+                <a:t>The large-scale study of the proteome, including the </a:t>
+              </a:r>
+              <a:r>
+                <a:rPr lang="en-US" b="1" dirty="0">
+                  <a:solidFill>
+                    <a:srgbClr val="000000"/>
+                  </a:solidFill>
+                  <a:latin typeface="Fira Sans" panose="020B0503050000020004" pitchFamily="34" charset="0"/>
+                </a:rPr>
+                <a:t>expression, structure, function, interactions, </a:t>
+              </a:r>
+              <a:r>
+                <a:rPr lang="en-US" dirty="0">
+                  <a:solidFill>
+                    <a:srgbClr val="000000"/>
+                  </a:solidFill>
+                  <a:latin typeface="Fira Sans" panose="020B0503050000020004" pitchFamily="34" charset="0"/>
+                </a:rPr>
+                <a:t>and </a:t>
+              </a:r>
+              <a:r>
+                <a:rPr lang="en-US" b="1" dirty="0">
+                  <a:solidFill>
+                    <a:srgbClr val="000000"/>
+                  </a:solidFill>
+                  <a:latin typeface="Fira Sans" panose="020B0503050000020004" pitchFamily="34" charset="0"/>
+                </a:rPr>
+                <a:t>modifications of proteins</a:t>
+              </a:r>
+              <a:r>
+                <a:rPr lang="en-US" dirty="0">
+                  <a:solidFill>
+                    <a:srgbClr val="000000"/>
+                  </a:solidFill>
+                  <a:latin typeface="Fira Sans" panose="020B0503050000020004" pitchFamily="34" charset="0"/>
+                </a:rPr>
+                <a:t>.</a:t>
+              </a:r>
+            </a:p>
+            <a:p>
+              <a:pPr marL="285750" indent="-285750">
+                <a:lnSpc>
+                  <a:spcPct val="150000"/>
+                </a:lnSpc>
+                <a:buFont typeface="Arial" panose="020B0604020202020204" pitchFamily="34" charset="0"/>
+                <a:buChar char="•"/>
+              </a:pPr>
+              <a:r>
+                <a:rPr lang="en-US" b="1" dirty="0">
+                  <a:solidFill>
+                    <a:srgbClr val="000000"/>
+                  </a:solidFill>
+                  <a:latin typeface="Fira Sans" panose="020B0503050000020004" pitchFamily="34" charset="0"/>
+                </a:rPr>
+                <a:t>Goal: </a:t>
+              </a:r>
+              <a:r>
+                <a:rPr lang="en-US" dirty="0">
+                  <a:solidFill>
+                    <a:srgbClr val="000000"/>
+                  </a:solidFill>
+                  <a:latin typeface="Fira Sans" panose="020B0503050000020004" pitchFamily="34" charset="0"/>
+                </a:rPr>
+                <a:t>To provide a holistic, functional understanding of biological systems that cannot be achieved by studying DNA or RNA alone.</a:t>
+              </a:r>
+            </a:p>
+          </p:txBody>
+        </p:sp>
+        <p:sp>
+          <p:nvSpPr>
+            <p:cNvPr id="11" name="TextBox 10">
+              <a:extLst>
+                <a:ext uri="{FF2B5EF4-FFF2-40B4-BE49-F238E27FC236}">
+                  <a16:creationId xmlns:a16="http://schemas.microsoft.com/office/drawing/2014/main" id="{8B5AAA06-1A16-B640-709E-EA14E0072BB4}"/>
+                </a:ext>
+              </a:extLst>
+            </p:cNvPr>
+            <p:cNvSpPr txBox="1"/>
+            <p:nvPr/>
+          </p:nvSpPr>
+          <p:spPr>
+            <a:xfrm>
+              <a:off x="624078" y="270357"/>
+              <a:ext cx="5154930" cy="672235"/>
+            </a:xfrm>
+            <a:prstGeom prst="rect">
+              <a:avLst/>
+            </a:prstGeom>
+            <a:noFill/>
+          </p:spPr>
+          <p:txBody>
+            <a:bodyPr wrap="square">
+              <a:spAutoFit/>
+            </a:bodyPr>
+            <a:lstStyle/>
+            <a:p>
+              <a:pPr algn="l">
+                <a:lnSpc>
+                  <a:spcPct val="150000"/>
+                </a:lnSpc>
+                <a:buNone/>
+              </a:pPr>
+              <a:endParaRPr lang="en-US" sz="2800" b="0" i="0" dirty="0">
+                <a:solidFill>
+                  <a:srgbClr val="1A292C"/>
+                </a:solidFill>
+                <a:effectLst/>
+                <a:latin typeface="Fira Sans" panose="020F0502020204030204" pitchFamily="34" charset="0"/>
+              </a:endParaRPr>
+            </a:p>
+          </p:txBody>
+        </p:sp>
+      </p:grpSp>
+      <p:sp>
+        <p:nvSpPr>
+          <p:cNvPr id="2" name="TextBox 1">
+            <a:extLst>
+              <a:ext uri="{FF2B5EF4-FFF2-40B4-BE49-F238E27FC236}">
+                <a16:creationId xmlns:a16="http://schemas.microsoft.com/office/drawing/2014/main" id="{EA36B0F0-B1AF-69D3-77EB-59D71AFA75AD}"/>
+              </a:ext>
+            </a:extLst>
+          </p:cNvPr>
+          <p:cNvSpPr txBox="1"/>
+          <p:nvPr/>
+        </p:nvSpPr>
+        <p:spPr>
+          <a:xfrm>
+            <a:off x="493776" y="5739574"/>
+            <a:ext cx="9747504" cy="402995"/>
+          </a:xfrm>
+          <a:prstGeom prst="rect">
+            <a:avLst/>
+          </a:prstGeom>
+          <a:noFill/>
+        </p:spPr>
+        <p:txBody>
+          <a:bodyPr wrap="square">
+            <a:spAutoFit/>
+          </a:bodyPr>
+          <a:lstStyle/>
+          <a:p>
+            <a:pPr marL="91440" lvl="1">
+              <a:lnSpc>
+                <a:spcPct val="150000"/>
+              </a:lnSpc>
+            </a:pPr>
+            <a:r>
+              <a:rPr lang="en-US" sz="1500" i="1" dirty="0">
+                <a:solidFill>
+                  <a:srgbClr val="000000"/>
+                </a:solidFill>
+                <a:latin typeface="Fira Sans" panose="020B0503050000020004" pitchFamily="34" charset="0"/>
+              </a:rPr>
+              <a:t>Changes in </a:t>
+            </a:r>
+            <a:r>
+              <a:rPr lang="en-US" sz="1500" b="1" i="1" dirty="0">
+                <a:solidFill>
+                  <a:srgbClr val="000000"/>
+                </a:solidFill>
+                <a:latin typeface="Fira Sans" panose="020B0503050000020004" pitchFamily="34" charset="0"/>
+              </a:rPr>
+              <a:t>mRNA</a:t>
+            </a:r>
+            <a:r>
+              <a:rPr lang="en-US" sz="1500" i="1" dirty="0">
+                <a:solidFill>
+                  <a:srgbClr val="000000"/>
+                </a:solidFill>
+                <a:latin typeface="Fira Sans" panose="020B0503050000020004" pitchFamily="34" charset="0"/>
+              </a:rPr>
+              <a:t> </a:t>
+            </a:r>
+            <a:r>
+              <a:rPr lang="en-US" sz="1500" b="1" i="1" dirty="0">
+                <a:solidFill>
+                  <a:srgbClr val="000000"/>
+                </a:solidFill>
+                <a:latin typeface="Fira Sans" panose="020B0503050000020004" pitchFamily="34" charset="0"/>
+              </a:rPr>
+              <a:t>expression</a:t>
+            </a:r>
+            <a:r>
+              <a:rPr lang="en-US" sz="1500" i="1" dirty="0">
+                <a:solidFill>
+                  <a:srgbClr val="000000"/>
+                </a:solidFill>
+                <a:latin typeface="Fira Sans" panose="020B0503050000020004" pitchFamily="34" charset="0"/>
+              </a:rPr>
+              <a:t> rarely perfectly correlate with changes in </a:t>
+            </a:r>
+            <a:r>
+              <a:rPr lang="en-US" sz="1500" b="1" i="1" dirty="0">
+                <a:solidFill>
+                  <a:srgbClr val="000000"/>
+                </a:solidFill>
+                <a:latin typeface="Fira Sans" panose="020B0503050000020004" pitchFamily="34" charset="0"/>
+              </a:rPr>
+              <a:t>protein function or abundance.</a:t>
+            </a:r>
+          </a:p>
+        </p:txBody>
+      </p:sp>
+    </p:spTree>
+    <p:extLst>
+      <p:ext uri="{BB962C8B-B14F-4D97-AF65-F5344CB8AC3E}">
+        <p14:creationId xmlns:p14="http://schemas.microsoft.com/office/powerpoint/2010/main" val="1928302665"/>
+      </p:ext>
+    </p:extLst>
+  </p:cSld>
+  <p:clrMapOvr>
+    <a:masterClrMapping/>
+  </p:clrMapOvr>
+</p:sld>
+</file>
+
+<file path=ppt/slides/slide3.xml><?xml version="1.0" encoding="utf-8"?>
+<p:sld xmlns:a="http://schemas.openxmlformats.org/drawingml/2006/main" xmlns:r="http://schemas.openxmlformats.org/officeDocument/2006/relationships" xmlns:p="http://schemas.openxmlformats.org/presentationml/2006/main">
+  <p:cSld>
+    <p:spTree>
+      <p:nvGrpSpPr>
+        <p:cNvPr id="1" name="">
+          <a:extLst>
+            <a:ext uri="{FF2B5EF4-FFF2-40B4-BE49-F238E27FC236}">
+              <a16:creationId xmlns:a16="http://schemas.microsoft.com/office/drawing/2014/main" id="{B3B04044-DBF9-041B-50E1-B4DA9077B448}"/>
+            </a:ext>
+          </a:extLst>
+        </p:cNvPr>
+        <p:cNvGrpSpPr/>
+        <p:nvPr/>
+      </p:nvGrpSpPr>
+      <p:grpSpPr>
+        <a:xfrm>
+          <a:off x="0" y="0"/>
+          <a:ext cx="0" cy="0"/>
+          <a:chOff x="0" y="0"/>
+          <a:chExt cx="0" cy="0"/>
+        </a:xfrm>
+      </p:grpSpPr>
+      <p:sp>
+        <p:nvSpPr>
+          <p:cNvPr id="5" name="TextBox 4">
+            <a:extLst>
+              <a:ext uri="{FF2B5EF4-FFF2-40B4-BE49-F238E27FC236}">
+                <a16:creationId xmlns:a16="http://schemas.microsoft.com/office/drawing/2014/main" id="{CD777F88-CDC2-EC0B-0458-F8B34A4DD222}"/>
+              </a:ext>
+            </a:extLst>
+          </p:cNvPr>
+          <p:cNvSpPr txBox="1"/>
+          <p:nvPr/>
+        </p:nvSpPr>
+        <p:spPr>
+          <a:xfrm>
+            <a:off x="493776" y="270357"/>
+            <a:ext cx="8366759" cy="523220"/>
+          </a:xfrm>
+          <a:prstGeom prst="rect">
+            <a:avLst/>
+          </a:prstGeom>
+          <a:noFill/>
+        </p:spPr>
+        <p:txBody>
+          <a:bodyPr wrap="square">
+            <a:spAutoFit/>
+          </a:bodyPr>
+          <a:lstStyle/>
+          <a:p>
+            <a:pPr algn="l">
+              <a:buNone/>
+            </a:pPr>
+            <a:r>
+              <a:rPr lang="en-US" sz="2800" b="0" i="0" dirty="0">
+                <a:solidFill>
+                  <a:srgbClr val="1A292C"/>
+                </a:solidFill>
+                <a:effectLst/>
+                <a:latin typeface="Fira Sans" panose="020F0502020204030204" pitchFamily="34" charset="0"/>
+              </a:rPr>
+              <a:t>Why Study Proteins? (The Complexity Gap)</a:t>
+            </a:r>
+          </a:p>
+        </p:txBody>
+      </p:sp>
+      <p:sp>
+        <p:nvSpPr>
+          <p:cNvPr id="11" name="TextBox 10">
+            <a:extLst>
+              <a:ext uri="{FF2B5EF4-FFF2-40B4-BE49-F238E27FC236}">
+                <a16:creationId xmlns:a16="http://schemas.microsoft.com/office/drawing/2014/main" id="{A5EC7B7A-CD7F-963A-C3E4-507D25F72B86}"/>
+              </a:ext>
+            </a:extLst>
+          </p:cNvPr>
+          <p:cNvSpPr txBox="1"/>
+          <p:nvPr/>
+        </p:nvSpPr>
+        <p:spPr>
+          <a:xfrm>
+            <a:off x="6169152" y="270357"/>
+            <a:ext cx="5222901" cy="672235"/>
+          </a:xfrm>
+          <a:prstGeom prst="rect">
+            <a:avLst/>
+          </a:prstGeom>
+          <a:noFill/>
+        </p:spPr>
+        <p:txBody>
+          <a:bodyPr wrap="square">
+            <a:spAutoFit/>
+          </a:bodyPr>
+          <a:lstStyle/>
+          <a:p>
+            <a:pPr algn="l">
+              <a:lnSpc>
+                <a:spcPct val="150000"/>
+              </a:lnSpc>
+              <a:buNone/>
+            </a:pPr>
+            <a:endParaRPr lang="en-US" sz="2800" b="0" i="0" dirty="0">
+              <a:solidFill>
+                <a:srgbClr val="1A292C"/>
+              </a:solidFill>
+              <a:effectLst/>
+              <a:latin typeface="Fira Sans" panose="020F0502020204030204" pitchFamily="34" charset="0"/>
+            </a:endParaRPr>
+          </a:p>
+        </p:txBody>
+      </p:sp>
+      <p:graphicFrame>
+        <p:nvGraphicFramePr>
+          <p:cNvPr id="13" name="Table 12">
+            <a:extLst>
+              <a:ext uri="{FF2B5EF4-FFF2-40B4-BE49-F238E27FC236}">
+                <a16:creationId xmlns:a16="http://schemas.microsoft.com/office/drawing/2014/main" id="{6FE75EC5-CD74-CF0B-58DA-55AAD68850CA}"/>
+              </a:ext>
+            </a:extLst>
+          </p:cNvPr>
+          <p:cNvGraphicFramePr>
+            <a:graphicFrameLocks noGrp="1"/>
+          </p:cNvGraphicFramePr>
+          <p:nvPr>
+            <p:extLst>
+              <p:ext uri="{D42A27DB-BD31-4B8C-83A1-F6EECF244321}">
+                <p14:modId xmlns:p14="http://schemas.microsoft.com/office/powerpoint/2010/main" val="3687336058"/>
+              </p:ext>
+            </p:extLst>
+          </p:nvPr>
+        </p:nvGraphicFramePr>
+        <p:xfrm>
+          <a:off x="838200" y="1216152"/>
+          <a:ext cx="10783824" cy="4263421"/>
+        </p:xfrm>
+        <a:graphic>
+          <a:graphicData uri="http://schemas.openxmlformats.org/drawingml/2006/table">
+            <a:tbl>
+              <a:tblPr/>
+              <a:tblGrid>
+                <a:gridCol w="2462784">
+                  <a:extLst>
+                    <a:ext uri="{9D8B030D-6E8A-4147-A177-3AD203B41FA5}">
+                      <a16:colId xmlns:a16="http://schemas.microsoft.com/office/drawing/2014/main" val="659332361"/>
+                    </a:ext>
+                  </a:extLst>
+                </a:gridCol>
+                <a:gridCol w="3483864">
+                  <a:extLst>
+                    <a:ext uri="{9D8B030D-6E8A-4147-A177-3AD203B41FA5}">
+                      <a16:colId xmlns:a16="http://schemas.microsoft.com/office/drawing/2014/main" val="3942756304"/>
+                    </a:ext>
+                  </a:extLst>
+                </a:gridCol>
+                <a:gridCol w="4837176">
+                  <a:extLst>
+                    <a:ext uri="{9D8B030D-6E8A-4147-A177-3AD203B41FA5}">
+                      <a16:colId xmlns:a16="http://schemas.microsoft.com/office/drawing/2014/main" val="3866461926"/>
+                    </a:ext>
+                  </a:extLst>
+                </a:gridCol>
+              </a:tblGrid>
+              <a:tr h="615339">
+                <a:tc>
+                  <a:txBody>
+                    <a:bodyPr/>
+                    <a:lstStyle/>
+                    <a:p>
+                      <a:pPr rtl="0">
+                        <a:buNone/>
+                      </a:pPr>
+                      <a:r>
+                        <a:rPr lang="en-GB" sz="1600" b="1" dirty="0">
+                          <a:solidFill>
+                            <a:srgbClr val="1B1C1D"/>
+                          </a:solidFill>
+                          <a:effectLst/>
+                          <a:latin typeface="Fira Sans" panose="020B0503050000020004" pitchFamily="34" charset="0"/>
+                        </a:rPr>
+                        <a:t>Feature</a:t>
+                      </a:r>
+                      <a:endParaRPr lang="en-GB" sz="1600" dirty="0">
+                        <a:solidFill>
+                          <a:srgbClr val="1B1C1D"/>
+                        </a:solidFill>
+                        <a:effectLst/>
+                        <a:latin typeface="Fira Sans" panose="020B0503050000020004" pitchFamily="34" charset="0"/>
+                      </a:endParaRPr>
+                    </a:p>
+                  </a:txBody>
+                  <a:tcPr marL="114300" marR="114300" marT="76200" marB="76200" anchor="ctr">
+                    <a:lnL w="9525" cap="flat" cmpd="sng" algn="ctr">
+                      <a:solidFill>
+                        <a:schemeClr val="bg1"/>
+                      </a:solidFill>
+                      <a:prstDash val="solid"/>
+                      <a:round/>
+                      <a:headEnd type="none" w="med" len="med"/>
+                      <a:tailEnd type="none" w="med" len="med"/>
+                    </a:lnL>
+                    <a:lnR w="9525" cap="flat" cmpd="sng" algn="ctr">
+                      <a:solidFill>
+                        <a:schemeClr val="bg1"/>
+                      </a:solidFill>
+                      <a:prstDash val="solid"/>
+                      <a:round/>
+                      <a:headEnd type="none" w="med" len="med"/>
+                      <a:tailEnd type="none" w="med" len="med"/>
+                    </a:lnR>
+                    <a:lnT w="9525" cap="flat" cmpd="sng" algn="ctr">
+                      <a:solidFill>
+                        <a:schemeClr val="bg1"/>
+                      </a:solidFill>
+                      <a:prstDash val="solid"/>
+                      <a:round/>
+                      <a:headEnd type="none" w="med" len="med"/>
+                      <a:tailEnd type="none" w="med" len="med"/>
+                    </a:lnT>
+                    <a:lnB w="12700" cap="flat" cmpd="sng" algn="ctr">
+                      <a:solidFill>
+                        <a:schemeClr val="tx1"/>
+                      </a:solidFill>
+                      <a:prstDash val="solid"/>
+                      <a:round/>
+                      <a:headEnd type="none" w="med" len="med"/>
+                      <a:tailEnd type="none" w="med" len="med"/>
+                    </a:lnB>
+                    <a:noFill/>
+                  </a:tcPr>
+                </a:tc>
+                <a:tc>
+                  <a:txBody>
+                    <a:bodyPr/>
+                    <a:lstStyle/>
+                    <a:p>
+                      <a:pPr rtl="0">
+                        <a:buNone/>
+                      </a:pPr>
+                      <a:r>
+                        <a:rPr lang="en-GB" sz="1600" b="1" dirty="0">
+                          <a:solidFill>
+                            <a:srgbClr val="1B1C1D"/>
+                          </a:solidFill>
+                          <a:effectLst/>
+                          <a:latin typeface="Fira Sans" panose="020B0503050000020004" pitchFamily="34" charset="0"/>
+                        </a:rPr>
+                        <a:t>Genomics/Transcriptomics</a:t>
+                      </a:r>
+                      <a:endParaRPr lang="en-GB" sz="1600" dirty="0">
+                        <a:solidFill>
+                          <a:srgbClr val="1B1C1D"/>
+                        </a:solidFill>
+                        <a:effectLst/>
+                        <a:latin typeface="Fira Sans" panose="020B0503050000020004" pitchFamily="34" charset="0"/>
+                      </a:endParaRPr>
+                    </a:p>
+                  </a:txBody>
+                  <a:tcPr marL="114300" marR="114300" marT="76200" marB="76200" anchor="ctr">
+                    <a:lnL w="9525" cap="flat" cmpd="sng" algn="ctr">
+                      <a:solidFill>
+                        <a:schemeClr val="bg1"/>
+                      </a:solidFill>
+                      <a:prstDash val="solid"/>
+                      <a:round/>
+                      <a:headEnd type="none" w="med" len="med"/>
+                      <a:tailEnd type="none" w="med" len="med"/>
+                    </a:lnL>
+                    <a:lnR w="9525" cap="flat" cmpd="sng" algn="ctr">
+                      <a:solidFill>
+                        <a:schemeClr val="bg1"/>
+                      </a:solidFill>
+                      <a:prstDash val="solid"/>
+                      <a:round/>
+                      <a:headEnd type="none" w="med" len="med"/>
+                      <a:tailEnd type="none" w="med" len="med"/>
+                    </a:lnR>
+                    <a:lnT w="9525" cap="flat" cmpd="sng" algn="ctr">
+                      <a:solidFill>
+                        <a:schemeClr val="bg1"/>
+                      </a:solidFill>
+                      <a:prstDash val="solid"/>
+                      <a:round/>
+                      <a:headEnd type="none" w="med" len="med"/>
+                      <a:tailEnd type="none" w="med" len="med"/>
+                    </a:lnT>
+                    <a:lnB w="12700" cap="flat" cmpd="sng" algn="ctr">
+                      <a:solidFill>
+                        <a:schemeClr val="tx1"/>
+                      </a:solidFill>
+                      <a:prstDash val="solid"/>
+                      <a:round/>
+                      <a:headEnd type="none" w="med" len="med"/>
+                      <a:tailEnd type="none" w="med" len="med"/>
+                    </a:lnB>
+                    <a:noFill/>
+                  </a:tcPr>
+                </a:tc>
+                <a:tc>
+                  <a:txBody>
+                    <a:bodyPr/>
+                    <a:lstStyle/>
+                    <a:p>
+                      <a:pPr rtl="0">
+                        <a:buNone/>
+                      </a:pPr>
+                      <a:r>
+                        <a:rPr lang="en-GB" sz="1600" b="1" dirty="0">
+                          <a:solidFill>
+                            <a:srgbClr val="1B1C1D"/>
+                          </a:solidFill>
+                          <a:effectLst/>
+                          <a:latin typeface="Fira Sans" panose="020B0503050000020004" pitchFamily="34" charset="0"/>
+                        </a:rPr>
+                        <a:t>Proteomics</a:t>
+                      </a:r>
+                      <a:endParaRPr lang="en-GB" sz="1600" dirty="0">
+                        <a:solidFill>
+                          <a:srgbClr val="1B1C1D"/>
+                        </a:solidFill>
+                        <a:effectLst/>
+                        <a:latin typeface="Fira Sans" panose="020B0503050000020004" pitchFamily="34" charset="0"/>
+                      </a:endParaRPr>
+                    </a:p>
+                  </a:txBody>
+                  <a:tcPr marL="114300" marR="114300" marT="76200" marB="76200" anchor="ctr">
+                    <a:lnL w="9525" cap="flat" cmpd="sng" algn="ctr">
+                      <a:solidFill>
+                        <a:schemeClr val="bg1"/>
+                      </a:solidFill>
+                      <a:prstDash val="solid"/>
+                      <a:round/>
+                      <a:headEnd type="none" w="med" len="med"/>
+                      <a:tailEnd type="none" w="med" len="med"/>
+                    </a:lnL>
+                    <a:lnR w="9525" cap="flat" cmpd="sng" algn="ctr">
+                      <a:solidFill>
+                        <a:schemeClr val="bg1"/>
+                      </a:solidFill>
+                      <a:prstDash val="solid"/>
+                      <a:round/>
+                      <a:headEnd type="none" w="med" len="med"/>
+                      <a:tailEnd type="none" w="med" len="med"/>
+                    </a:lnR>
+                    <a:lnT w="9525" cap="flat" cmpd="sng" algn="ctr">
+                      <a:solidFill>
+                        <a:schemeClr val="bg1"/>
+                      </a:solidFill>
+                      <a:prstDash val="solid"/>
+                      <a:round/>
+                      <a:headEnd type="none" w="med" len="med"/>
+                      <a:tailEnd type="none" w="med" len="med"/>
+                    </a:lnT>
+                    <a:lnB w="12700" cap="flat" cmpd="sng" algn="ctr">
+                      <a:solidFill>
+                        <a:schemeClr val="tx1"/>
+                      </a:solidFill>
+                      <a:prstDash val="solid"/>
+                      <a:round/>
+                      <a:headEnd type="none" w="med" len="med"/>
+                      <a:tailEnd type="none" w="med" len="med"/>
+                    </a:lnB>
+                    <a:noFill/>
+                  </a:tcPr>
+                </a:tc>
+                <a:extLst>
+                  <a:ext uri="{0D108BD9-81ED-4DB2-BD59-A6C34878D82A}">
+                    <a16:rowId xmlns:a16="http://schemas.microsoft.com/office/drawing/2014/main" val="3819896938"/>
+                  </a:ext>
+                </a:extLst>
+              </a:tr>
+              <a:tr h="615339">
+                <a:tc>
+                  <a:txBody>
+                    <a:bodyPr/>
+                    <a:lstStyle/>
+                    <a:p>
+                      <a:pPr rtl="0">
+                        <a:buNone/>
+                      </a:pPr>
+                      <a:r>
+                        <a:rPr lang="en-GB" sz="1600" b="1">
+                          <a:solidFill>
+                            <a:srgbClr val="1B1C1D"/>
+                          </a:solidFill>
+                          <a:effectLst/>
+                          <a:latin typeface="Fira Sans" panose="020B0503050000020004" pitchFamily="34" charset="0"/>
+                        </a:rPr>
+                        <a:t>Analyte</a:t>
+                      </a:r>
+                      <a:endParaRPr lang="en-GB" sz="1600">
+                        <a:solidFill>
+                          <a:srgbClr val="1B1C1D"/>
+                        </a:solidFill>
+                        <a:effectLst/>
+                        <a:latin typeface="Fira Sans" panose="020B0503050000020004" pitchFamily="34" charset="0"/>
+                      </a:endParaRPr>
+                    </a:p>
+                  </a:txBody>
+                  <a:tcPr marL="114300" marR="114300" marT="76200" marB="76200" anchor="ctr">
+                    <a:lnL w="9525" cap="flat" cmpd="sng" algn="ctr">
+                      <a:solidFill>
+                        <a:schemeClr val="bg1"/>
+                      </a:solidFill>
+                      <a:prstDash val="solid"/>
+                      <a:round/>
+                      <a:headEnd type="none" w="med" len="med"/>
+                      <a:tailEnd type="none" w="med" len="med"/>
+                    </a:lnL>
+                    <a:lnR w="9525" cap="flat" cmpd="sng" algn="ctr">
+                      <a:solidFill>
+                        <a:schemeClr val="bg1"/>
+                      </a:solidFill>
+                      <a:prstDash val="solid"/>
+                      <a:round/>
+                      <a:headEnd type="none" w="med" len="med"/>
+                      <a:tailEnd type="none" w="med" len="med"/>
+                    </a:lnR>
+                    <a:lnT w="12700" cap="flat" cmpd="sng" algn="ctr">
+                      <a:solidFill>
+                        <a:schemeClr val="tx1"/>
+                      </a:solidFill>
+                      <a:prstDash val="solid"/>
+                      <a:round/>
+                      <a:headEnd type="none" w="med" len="med"/>
+                      <a:tailEnd type="none" w="med" len="med"/>
+                    </a:lnT>
+                    <a:lnB w="9525" cap="flat" cmpd="sng" algn="ctr">
+                      <a:solidFill>
+                        <a:schemeClr val="bg1"/>
+                      </a:solidFill>
+                      <a:prstDash val="solid"/>
+                      <a:round/>
+                      <a:headEnd type="none" w="med" len="med"/>
+                      <a:tailEnd type="none" w="med" len="med"/>
+                    </a:lnB>
+                    <a:noFill/>
+                  </a:tcPr>
+                </a:tc>
+                <a:tc>
+                  <a:txBody>
+                    <a:bodyPr/>
+                    <a:lstStyle/>
+                    <a:p>
+                      <a:pPr rtl="0">
+                        <a:buNone/>
+                      </a:pPr>
+                      <a:r>
+                        <a:rPr lang="en-GB" sz="1600" dirty="0">
+                          <a:solidFill>
+                            <a:srgbClr val="1B1C1D"/>
+                          </a:solidFill>
+                          <a:effectLst/>
+                          <a:latin typeface="Fira Sans" panose="020B0503050000020004" pitchFamily="34" charset="0"/>
+                        </a:rPr>
+                        <a:t>DNA/RNA (genes/transcripts)</a:t>
+                      </a:r>
+                    </a:p>
+                  </a:txBody>
+                  <a:tcPr marL="114300" marR="114300" marT="76200" marB="76200" anchor="ctr">
+                    <a:lnL w="9525" cap="flat" cmpd="sng" algn="ctr">
+                      <a:solidFill>
+                        <a:schemeClr val="bg1"/>
+                      </a:solidFill>
+                      <a:prstDash val="solid"/>
+                      <a:round/>
+                      <a:headEnd type="none" w="med" len="med"/>
+                      <a:tailEnd type="none" w="med" len="med"/>
+                    </a:lnL>
+                    <a:lnR w="9525" cap="flat" cmpd="sng" algn="ctr">
+                      <a:solidFill>
+                        <a:schemeClr val="bg1"/>
+                      </a:solidFill>
+                      <a:prstDash val="solid"/>
+                      <a:round/>
+                      <a:headEnd type="none" w="med" len="med"/>
+                      <a:tailEnd type="none" w="med" len="med"/>
+                    </a:lnR>
+                    <a:lnT w="12700" cap="flat" cmpd="sng" algn="ctr">
+                      <a:solidFill>
+                        <a:schemeClr val="tx1"/>
+                      </a:solidFill>
+                      <a:prstDash val="solid"/>
+                      <a:round/>
+                      <a:headEnd type="none" w="med" len="med"/>
+                      <a:tailEnd type="none" w="med" len="med"/>
+                    </a:lnT>
+                    <a:lnB w="9525" cap="flat" cmpd="sng" algn="ctr">
+                      <a:solidFill>
+                        <a:schemeClr val="bg1"/>
+                      </a:solidFill>
+                      <a:prstDash val="solid"/>
+                      <a:round/>
+                      <a:headEnd type="none" w="med" len="med"/>
+                      <a:tailEnd type="none" w="med" len="med"/>
+                    </a:lnB>
+                    <a:noFill/>
+                  </a:tcPr>
+                </a:tc>
+                <a:tc>
+                  <a:txBody>
+                    <a:bodyPr/>
+                    <a:lstStyle/>
+                    <a:p>
+                      <a:pPr rtl="0">
+                        <a:buNone/>
+                      </a:pPr>
+                      <a:r>
+                        <a:rPr lang="en-GB" sz="1600" b="1">
+                          <a:solidFill>
+                            <a:srgbClr val="1B1C1D"/>
+                          </a:solidFill>
+                          <a:effectLst/>
+                          <a:latin typeface="Fira Sans" panose="020B0503050000020004" pitchFamily="34" charset="0"/>
+                        </a:rPr>
+                        <a:t>Proteins</a:t>
+                      </a:r>
+                      <a:r>
+                        <a:rPr lang="en-GB" sz="1600">
+                          <a:solidFill>
+                            <a:srgbClr val="1B1C1D"/>
+                          </a:solidFill>
+                          <a:effectLst/>
+                          <a:latin typeface="Fira Sans" panose="020B0503050000020004" pitchFamily="34" charset="0"/>
+                        </a:rPr>
+                        <a:t> (functional molecules)</a:t>
+                      </a:r>
+                    </a:p>
+                  </a:txBody>
+                  <a:tcPr marL="114300" marR="114300" marT="76200" marB="76200" anchor="ctr">
+                    <a:lnL w="9525" cap="flat" cmpd="sng" algn="ctr">
+                      <a:solidFill>
+                        <a:schemeClr val="bg1"/>
+                      </a:solidFill>
+                      <a:prstDash val="solid"/>
+                      <a:round/>
+                      <a:headEnd type="none" w="med" len="med"/>
+                      <a:tailEnd type="none" w="med" len="med"/>
+                    </a:lnL>
+                    <a:lnR w="9525" cap="flat" cmpd="sng" algn="ctr">
+                      <a:solidFill>
+                        <a:schemeClr val="bg1"/>
+                      </a:solidFill>
+                      <a:prstDash val="solid"/>
+                      <a:round/>
+                      <a:headEnd type="none" w="med" len="med"/>
+                      <a:tailEnd type="none" w="med" len="med"/>
+                    </a:lnR>
+                    <a:lnT w="12700" cap="flat" cmpd="sng" algn="ctr">
+                      <a:solidFill>
+                        <a:schemeClr val="tx1"/>
+                      </a:solidFill>
+                      <a:prstDash val="solid"/>
+                      <a:round/>
+                      <a:headEnd type="none" w="med" len="med"/>
+                      <a:tailEnd type="none" w="med" len="med"/>
+                    </a:lnT>
+                    <a:lnB w="9525" cap="flat" cmpd="sng" algn="ctr">
+                      <a:solidFill>
+                        <a:schemeClr val="bg1"/>
+                      </a:solidFill>
+                      <a:prstDash val="solid"/>
+                      <a:round/>
+                      <a:headEnd type="none" w="med" len="med"/>
+                      <a:tailEnd type="none" w="med" len="med"/>
+                    </a:lnB>
+                    <a:noFill/>
+                  </a:tcPr>
+                </a:tc>
+                <a:extLst>
+                  <a:ext uri="{0D108BD9-81ED-4DB2-BD59-A6C34878D82A}">
+                    <a16:rowId xmlns:a16="http://schemas.microsoft.com/office/drawing/2014/main" val="1886096751"/>
+                  </a:ext>
+                </a:extLst>
+              </a:tr>
+              <a:tr h="615339">
+                <a:tc>
+                  <a:txBody>
+                    <a:bodyPr/>
+                    <a:lstStyle/>
+                    <a:p>
+                      <a:pPr rtl="0">
+                        <a:buNone/>
+                      </a:pPr>
+                      <a:r>
+                        <a:rPr lang="en-GB" sz="1600" b="1">
+                          <a:solidFill>
+                            <a:srgbClr val="1B1C1D"/>
+                          </a:solidFill>
+                          <a:effectLst/>
+                          <a:latin typeface="Fira Sans" panose="020B0503050000020004" pitchFamily="34" charset="0"/>
+                        </a:rPr>
+                        <a:t>Complexity</a:t>
+                      </a:r>
+                      <a:endParaRPr lang="en-GB" sz="1600">
+                        <a:solidFill>
+                          <a:srgbClr val="1B1C1D"/>
+                        </a:solidFill>
+                        <a:effectLst/>
+                        <a:latin typeface="Fira Sans" panose="020B0503050000020004" pitchFamily="34" charset="0"/>
+                      </a:endParaRPr>
+                    </a:p>
+                  </a:txBody>
+                  <a:tcPr marL="114300" marR="114300" marT="76200" marB="76200" anchor="ctr">
+                    <a:lnL w="9525" cap="flat" cmpd="sng" algn="ctr">
+                      <a:solidFill>
+                        <a:schemeClr val="bg1"/>
+                      </a:solidFill>
+                      <a:prstDash val="solid"/>
+                      <a:round/>
+                      <a:headEnd type="none" w="med" len="med"/>
+                      <a:tailEnd type="none" w="med" len="med"/>
+                    </a:lnL>
+                    <a:lnR w="9525" cap="flat" cmpd="sng" algn="ctr">
+                      <a:solidFill>
+                        <a:schemeClr val="bg1"/>
+                      </a:solidFill>
+                      <a:prstDash val="solid"/>
+                      <a:round/>
+                      <a:headEnd type="none" w="med" len="med"/>
+                      <a:tailEnd type="none" w="med" len="med"/>
+                    </a:lnR>
+                    <a:lnT w="9525" cap="flat" cmpd="sng" algn="ctr">
+                      <a:solidFill>
+                        <a:schemeClr val="bg1"/>
+                      </a:solidFill>
+                      <a:prstDash val="solid"/>
+                      <a:round/>
+                      <a:headEnd type="none" w="med" len="med"/>
+                      <a:tailEnd type="none" w="med" len="med"/>
+                    </a:lnT>
+                    <a:lnB w="9525" cap="flat" cmpd="sng" algn="ctr">
+                      <a:solidFill>
+                        <a:schemeClr val="bg1"/>
+                      </a:solidFill>
+                      <a:prstDash val="solid"/>
+                      <a:round/>
+                      <a:headEnd type="none" w="med" len="med"/>
+                      <a:tailEnd type="none" w="med" len="med"/>
+                    </a:lnB>
+                    <a:noFill/>
+                  </a:tcPr>
+                </a:tc>
+                <a:tc>
+                  <a:txBody>
+                    <a:bodyPr/>
+                    <a:lstStyle/>
+                    <a:p>
+                      <a:pPr rtl="0">
+                        <a:buNone/>
+                      </a:pPr>
+                      <a:r>
+                        <a:rPr lang="en-GB" sz="1600">
+                          <a:solidFill>
+                            <a:srgbClr val="1B1C1D"/>
+                          </a:solidFill>
+                          <a:effectLst/>
+                          <a:latin typeface="Fira Sans" panose="020B0503050000020004" pitchFamily="34" charset="0"/>
+                        </a:rPr>
+                        <a:t>Relatively simple (linear sequence)</a:t>
+                      </a:r>
+                    </a:p>
+                  </a:txBody>
+                  <a:tcPr marL="114300" marR="114300" marT="76200" marB="76200" anchor="ctr">
+                    <a:lnL w="9525" cap="flat" cmpd="sng" algn="ctr">
+                      <a:solidFill>
+                        <a:schemeClr val="bg1"/>
+                      </a:solidFill>
+                      <a:prstDash val="solid"/>
+                      <a:round/>
+                      <a:headEnd type="none" w="med" len="med"/>
+                      <a:tailEnd type="none" w="med" len="med"/>
+                    </a:lnL>
+                    <a:lnR w="9525" cap="flat" cmpd="sng" algn="ctr">
+                      <a:solidFill>
+                        <a:schemeClr val="bg1"/>
+                      </a:solidFill>
+                      <a:prstDash val="solid"/>
+                      <a:round/>
+                      <a:headEnd type="none" w="med" len="med"/>
+                      <a:tailEnd type="none" w="med" len="med"/>
+                    </a:lnR>
+                    <a:lnT w="9525" cap="flat" cmpd="sng" algn="ctr">
+                      <a:solidFill>
+                        <a:schemeClr val="bg1"/>
+                      </a:solidFill>
+                      <a:prstDash val="solid"/>
+                      <a:round/>
+                      <a:headEnd type="none" w="med" len="med"/>
+                      <a:tailEnd type="none" w="med" len="med"/>
+                    </a:lnT>
+                    <a:lnB w="9525" cap="flat" cmpd="sng" algn="ctr">
+                      <a:solidFill>
+                        <a:schemeClr val="bg1"/>
+                      </a:solidFill>
+                      <a:prstDash val="solid"/>
+                      <a:round/>
+                      <a:headEnd type="none" w="med" len="med"/>
+                      <a:tailEnd type="none" w="med" len="med"/>
+                    </a:lnB>
+                    <a:noFill/>
+                  </a:tcPr>
+                </a:tc>
+                <a:tc>
+                  <a:txBody>
+                    <a:bodyPr/>
+                    <a:lstStyle/>
+                    <a:p>
+                      <a:pPr rtl="0">
+                        <a:buNone/>
+                      </a:pPr>
+                      <a:r>
+                        <a:rPr lang="en-GB" sz="1600" b="1">
+                          <a:solidFill>
+                            <a:srgbClr val="1B1C1D"/>
+                          </a:solidFill>
+                          <a:effectLst/>
+                          <a:latin typeface="Fira Sans" panose="020B0503050000020004" pitchFamily="34" charset="0"/>
+                        </a:rPr>
+                        <a:t>Extremely Complex</a:t>
+                      </a:r>
+                      <a:endParaRPr lang="en-GB" sz="1600">
+                        <a:solidFill>
+                          <a:srgbClr val="1B1C1D"/>
+                        </a:solidFill>
+                        <a:effectLst/>
+                        <a:latin typeface="Fira Sans" panose="020B0503050000020004" pitchFamily="34" charset="0"/>
+                      </a:endParaRPr>
+                    </a:p>
+                  </a:txBody>
+                  <a:tcPr marL="114300" marR="114300" marT="76200" marB="76200" anchor="ctr">
+                    <a:lnL w="9525" cap="flat" cmpd="sng" algn="ctr">
+                      <a:solidFill>
+                        <a:schemeClr val="bg1"/>
+                      </a:solidFill>
+                      <a:prstDash val="solid"/>
+                      <a:round/>
+                      <a:headEnd type="none" w="med" len="med"/>
+                      <a:tailEnd type="none" w="med" len="med"/>
+                    </a:lnL>
+                    <a:lnR w="9525" cap="flat" cmpd="sng" algn="ctr">
+                      <a:solidFill>
+                        <a:schemeClr val="bg1"/>
+                      </a:solidFill>
+                      <a:prstDash val="solid"/>
+                      <a:round/>
+                      <a:headEnd type="none" w="med" len="med"/>
+                      <a:tailEnd type="none" w="med" len="med"/>
+                    </a:lnR>
+                    <a:lnT w="9525" cap="flat" cmpd="sng" algn="ctr">
+                      <a:solidFill>
+                        <a:schemeClr val="bg1"/>
+                      </a:solidFill>
+                      <a:prstDash val="solid"/>
+                      <a:round/>
+                      <a:headEnd type="none" w="med" len="med"/>
+                      <a:tailEnd type="none" w="med" len="med"/>
+                    </a:lnT>
+                    <a:lnB w="9525" cap="flat" cmpd="sng" algn="ctr">
+                      <a:solidFill>
+                        <a:schemeClr val="bg1"/>
+                      </a:solidFill>
+                      <a:prstDash val="solid"/>
+                      <a:round/>
+                      <a:headEnd type="none" w="med" len="med"/>
+                      <a:tailEnd type="none" w="med" len="med"/>
+                    </a:lnB>
+                    <a:noFill/>
+                  </a:tcPr>
+                </a:tc>
+                <a:extLst>
+                  <a:ext uri="{0D108BD9-81ED-4DB2-BD59-A6C34878D82A}">
+                    <a16:rowId xmlns:a16="http://schemas.microsoft.com/office/drawing/2014/main" val="4206388566"/>
+                  </a:ext>
+                </a:extLst>
+              </a:tr>
+              <a:tr h="615339">
+                <a:tc>
+                  <a:txBody>
+                    <a:bodyPr/>
+                    <a:lstStyle/>
+                    <a:p>
+                      <a:pPr rtl="0">
+                        <a:buNone/>
+                      </a:pPr>
+                      <a:r>
+                        <a:rPr lang="en-GB" sz="1600" b="1">
+                          <a:solidFill>
+                            <a:srgbClr val="1B1C1D"/>
+                          </a:solidFill>
+                          <a:effectLst/>
+                          <a:latin typeface="Fira Sans" panose="020B0503050000020004" pitchFamily="34" charset="0"/>
+                        </a:rPr>
+                        <a:t>Protein Count</a:t>
+                      </a:r>
+                      <a:endParaRPr lang="en-GB" sz="1600">
+                        <a:solidFill>
+                          <a:srgbClr val="1B1C1D"/>
+                        </a:solidFill>
+                        <a:effectLst/>
+                        <a:latin typeface="Fira Sans" panose="020B0503050000020004" pitchFamily="34" charset="0"/>
+                      </a:endParaRPr>
+                    </a:p>
+                  </a:txBody>
+                  <a:tcPr marL="114300" marR="114300" marT="76200" marB="76200" anchor="ctr">
+                    <a:lnL w="9525" cap="flat" cmpd="sng" algn="ctr">
+                      <a:solidFill>
+                        <a:schemeClr val="bg1"/>
+                      </a:solidFill>
+                      <a:prstDash val="solid"/>
+                      <a:round/>
+                      <a:headEnd type="none" w="med" len="med"/>
+                      <a:tailEnd type="none" w="med" len="med"/>
+                    </a:lnL>
+                    <a:lnR w="9525" cap="flat" cmpd="sng" algn="ctr">
+                      <a:solidFill>
+                        <a:schemeClr val="bg1"/>
+                      </a:solidFill>
+                      <a:prstDash val="solid"/>
+                      <a:round/>
+                      <a:headEnd type="none" w="med" len="med"/>
+                      <a:tailEnd type="none" w="med" len="med"/>
+                    </a:lnR>
+                    <a:lnT w="9525" cap="flat" cmpd="sng" algn="ctr">
+                      <a:solidFill>
+                        <a:schemeClr val="bg1"/>
+                      </a:solidFill>
+                      <a:prstDash val="solid"/>
+                      <a:round/>
+                      <a:headEnd type="none" w="med" len="med"/>
+                      <a:tailEnd type="none" w="med" len="med"/>
+                    </a:lnT>
+                    <a:lnB w="9525" cap="flat" cmpd="sng" algn="ctr">
+                      <a:solidFill>
+                        <a:schemeClr val="bg1"/>
+                      </a:solidFill>
+                      <a:prstDash val="solid"/>
+                      <a:round/>
+                      <a:headEnd type="none" w="med" len="med"/>
+                      <a:tailEnd type="none" w="med" len="med"/>
+                    </a:lnB>
+                    <a:noFill/>
+                  </a:tcPr>
+                </a:tc>
+                <a:tc>
+                  <a:txBody>
+                    <a:bodyPr/>
+                    <a:lstStyle/>
+                    <a:p>
+                      <a:pPr rtl="0">
+                        <a:buNone/>
+                      </a:pPr>
+                      <a:r>
+                        <a:rPr lang="en-GB" sz="1600">
+                          <a:solidFill>
+                            <a:srgbClr val="1B1C1D"/>
+                          </a:solidFill>
+                          <a:effectLst/>
+                          <a:latin typeface="Fira Sans" panose="020B0503050000020004" pitchFamily="34" charset="0"/>
+                        </a:rPr>
+                        <a:t>~20,000 human genes</a:t>
+                      </a:r>
+                    </a:p>
+                  </a:txBody>
+                  <a:tcPr marL="114300" marR="114300" marT="76200" marB="76200" anchor="ctr">
+                    <a:lnL w="9525" cap="flat" cmpd="sng" algn="ctr">
+                      <a:solidFill>
+                        <a:schemeClr val="bg1"/>
+                      </a:solidFill>
+                      <a:prstDash val="solid"/>
+                      <a:round/>
+                      <a:headEnd type="none" w="med" len="med"/>
+                      <a:tailEnd type="none" w="med" len="med"/>
+                    </a:lnL>
+                    <a:lnR w="9525" cap="flat" cmpd="sng" algn="ctr">
+                      <a:solidFill>
+                        <a:schemeClr val="bg1"/>
+                      </a:solidFill>
+                      <a:prstDash val="solid"/>
+                      <a:round/>
+                      <a:headEnd type="none" w="med" len="med"/>
+                      <a:tailEnd type="none" w="med" len="med"/>
+                    </a:lnR>
+                    <a:lnT w="9525" cap="flat" cmpd="sng" algn="ctr">
+                      <a:solidFill>
+                        <a:schemeClr val="bg1"/>
+                      </a:solidFill>
+                      <a:prstDash val="solid"/>
+                      <a:round/>
+                      <a:headEnd type="none" w="med" len="med"/>
+                      <a:tailEnd type="none" w="med" len="med"/>
+                    </a:lnT>
+                    <a:lnB w="9525" cap="flat" cmpd="sng" algn="ctr">
+                      <a:solidFill>
+                        <a:schemeClr val="bg1"/>
+                      </a:solidFill>
+                      <a:prstDash val="solid"/>
+                      <a:round/>
+                      <a:headEnd type="none" w="med" len="med"/>
+                      <a:tailEnd type="none" w="med" len="med"/>
+                    </a:lnB>
+                    <a:noFill/>
+                  </a:tcPr>
+                </a:tc>
+                <a:tc>
+                  <a:txBody>
+                    <a:bodyPr/>
+                    <a:lstStyle/>
+                    <a:p>
+                      <a:pPr rtl="0">
+                        <a:buNone/>
+                      </a:pPr>
+                      <a:r>
+                        <a:rPr lang="en-GB" sz="1600" b="1" dirty="0">
+                          <a:solidFill>
+                            <a:srgbClr val="1B1C1D"/>
+                          </a:solidFill>
+                          <a:effectLst/>
+                          <a:latin typeface="Fira Sans" panose="020B0503050000020004" pitchFamily="34" charset="0"/>
+                        </a:rPr>
+                        <a:t>&gt;1,000,000</a:t>
+                      </a:r>
+                      <a:r>
+                        <a:rPr lang="en-GB" sz="1600" dirty="0">
+                          <a:solidFill>
+                            <a:srgbClr val="1B1C1D"/>
+                          </a:solidFill>
+                          <a:effectLst/>
+                          <a:latin typeface="Fira Sans" panose="020B0503050000020004" pitchFamily="34" charset="0"/>
+                        </a:rPr>
+                        <a:t> distinct protein species</a:t>
+                      </a:r>
+                    </a:p>
+                  </a:txBody>
+                  <a:tcPr marL="114300" marR="114300" marT="76200" marB="76200" anchor="ctr">
+                    <a:lnL w="9525" cap="flat" cmpd="sng" algn="ctr">
+                      <a:solidFill>
+                        <a:schemeClr val="bg1"/>
+                      </a:solidFill>
+                      <a:prstDash val="solid"/>
+                      <a:round/>
+                      <a:headEnd type="none" w="med" len="med"/>
+                      <a:tailEnd type="none" w="med" len="med"/>
+                    </a:lnL>
+                    <a:lnR w="9525" cap="flat" cmpd="sng" algn="ctr">
+                      <a:solidFill>
+                        <a:schemeClr val="bg1"/>
+                      </a:solidFill>
+                      <a:prstDash val="solid"/>
+                      <a:round/>
+                      <a:headEnd type="none" w="med" len="med"/>
+                      <a:tailEnd type="none" w="med" len="med"/>
+                    </a:lnR>
+                    <a:lnT w="9525" cap="flat" cmpd="sng" algn="ctr">
+                      <a:solidFill>
+                        <a:schemeClr val="bg1"/>
+                      </a:solidFill>
+                      <a:prstDash val="solid"/>
+                      <a:round/>
+                      <a:headEnd type="none" w="med" len="med"/>
+                      <a:tailEnd type="none" w="med" len="med"/>
+                    </a:lnT>
+                    <a:lnB w="9525" cap="flat" cmpd="sng" algn="ctr">
+                      <a:solidFill>
+                        <a:schemeClr val="bg1"/>
+                      </a:solidFill>
+                      <a:prstDash val="solid"/>
+                      <a:round/>
+                      <a:headEnd type="none" w="med" len="med"/>
+                      <a:tailEnd type="none" w="med" len="med"/>
+                    </a:lnB>
+                    <a:noFill/>
+                  </a:tcPr>
+                </a:tc>
+                <a:extLst>
+                  <a:ext uri="{0D108BD9-81ED-4DB2-BD59-A6C34878D82A}">
+                    <a16:rowId xmlns:a16="http://schemas.microsoft.com/office/drawing/2014/main" val="3463085833"/>
+                  </a:ext>
+                </a:extLst>
+              </a:tr>
+              <a:tr h="1802065">
+                <a:tc>
+                  <a:txBody>
+                    <a:bodyPr/>
+                    <a:lstStyle/>
+                    <a:p>
+                      <a:pPr rtl="0">
+                        <a:buNone/>
+                      </a:pPr>
+                      <a:r>
+                        <a:rPr lang="en-GB" sz="1600" b="1" dirty="0">
+                          <a:solidFill>
+                            <a:srgbClr val="1B1C1D"/>
+                          </a:solidFill>
+                          <a:effectLst/>
+                          <a:latin typeface="Fira Sans" panose="020B0503050000020004" pitchFamily="34" charset="0"/>
+                        </a:rPr>
+                        <a:t>Regulation</a:t>
+                      </a:r>
+                      <a:endParaRPr lang="en-GB" sz="1600" dirty="0">
+                        <a:solidFill>
+                          <a:srgbClr val="1B1C1D"/>
+                        </a:solidFill>
+                        <a:effectLst/>
+                        <a:latin typeface="Fira Sans" panose="020B0503050000020004" pitchFamily="34" charset="0"/>
+                      </a:endParaRPr>
+                    </a:p>
+                  </a:txBody>
+                  <a:tcPr marL="114300" marR="114300" marT="76200" marB="76200" anchor="ctr">
+                    <a:lnL w="9525" cap="flat" cmpd="sng" algn="ctr">
+                      <a:solidFill>
+                        <a:schemeClr val="bg1"/>
+                      </a:solidFill>
+                      <a:prstDash val="solid"/>
+                      <a:round/>
+                      <a:headEnd type="none" w="med" len="med"/>
+                      <a:tailEnd type="none" w="med" len="med"/>
+                    </a:lnL>
+                    <a:lnR w="9525" cap="flat" cmpd="sng" algn="ctr">
+                      <a:solidFill>
+                        <a:schemeClr val="bg1"/>
+                      </a:solidFill>
+                      <a:prstDash val="solid"/>
+                      <a:round/>
+                      <a:headEnd type="none" w="med" len="med"/>
+                      <a:tailEnd type="none" w="med" len="med"/>
+                    </a:lnR>
+                    <a:lnT w="9525" cap="flat" cmpd="sng" algn="ctr">
+                      <a:solidFill>
+                        <a:schemeClr val="bg1"/>
+                      </a:solidFill>
+                      <a:prstDash val="solid"/>
+                      <a:round/>
+                      <a:headEnd type="none" w="med" len="med"/>
+                      <a:tailEnd type="none" w="med" len="med"/>
+                    </a:lnT>
+                    <a:lnB w="9525" cap="flat" cmpd="sng" algn="ctr">
+                      <a:solidFill>
+                        <a:schemeClr val="bg1"/>
+                      </a:solidFill>
+                      <a:prstDash val="solid"/>
+                      <a:round/>
+                      <a:headEnd type="none" w="med" len="med"/>
+                      <a:tailEnd type="none" w="med" len="med"/>
+                    </a:lnB>
+                    <a:noFill/>
+                  </a:tcPr>
+                </a:tc>
+                <a:tc>
+                  <a:txBody>
+                    <a:bodyPr/>
+                    <a:lstStyle/>
+                    <a:p>
+                      <a:pPr rtl="0">
+                        <a:buNone/>
+                      </a:pPr>
+                      <a:r>
+                        <a:rPr lang="en-US" sz="1600">
+                          <a:solidFill>
+                            <a:srgbClr val="1B1C1D"/>
+                          </a:solidFill>
+                          <a:effectLst/>
+                          <a:latin typeface="Fira Sans" panose="020B0503050000020004" pitchFamily="34" charset="0"/>
+                        </a:rPr>
+                        <a:t>Does not account for PTMs, splicing, or localization.</a:t>
+                      </a:r>
+                    </a:p>
+                  </a:txBody>
+                  <a:tcPr marL="114300" marR="114300" marT="76200" marB="76200" anchor="ctr">
+                    <a:lnL w="9525" cap="flat" cmpd="sng" algn="ctr">
+                      <a:solidFill>
+                        <a:schemeClr val="bg1"/>
+                      </a:solidFill>
+                      <a:prstDash val="solid"/>
+                      <a:round/>
+                      <a:headEnd type="none" w="med" len="med"/>
+                      <a:tailEnd type="none" w="med" len="med"/>
+                    </a:lnL>
+                    <a:lnR w="9525" cap="flat" cmpd="sng" algn="ctr">
+                      <a:solidFill>
+                        <a:schemeClr val="bg1"/>
+                      </a:solidFill>
+                      <a:prstDash val="solid"/>
+                      <a:round/>
+                      <a:headEnd type="none" w="med" len="med"/>
+                      <a:tailEnd type="none" w="med" len="med"/>
+                    </a:lnR>
+                    <a:lnT w="9525" cap="flat" cmpd="sng" algn="ctr">
+                      <a:solidFill>
+                        <a:schemeClr val="bg1"/>
+                      </a:solidFill>
+                      <a:prstDash val="solid"/>
+                      <a:round/>
+                      <a:headEnd type="none" w="med" len="med"/>
+                      <a:tailEnd type="none" w="med" len="med"/>
+                    </a:lnT>
+                    <a:lnB w="9525" cap="flat" cmpd="sng" algn="ctr">
+                      <a:solidFill>
+                        <a:schemeClr val="bg1"/>
+                      </a:solidFill>
+                      <a:prstDash val="solid"/>
+                      <a:round/>
+                      <a:headEnd type="none" w="med" len="med"/>
+                      <a:tailEnd type="none" w="med" len="med"/>
+                    </a:lnB>
+                    <a:noFill/>
+                  </a:tcPr>
+                </a:tc>
+                <a:tc>
+                  <a:txBody>
+                    <a:bodyPr/>
+                    <a:lstStyle/>
+                    <a:p>
+                      <a:pPr rtl="0">
+                        <a:buNone/>
+                      </a:pPr>
+                      <a:r>
+                        <a:rPr lang="en-GB" sz="1600" b="1" dirty="0">
+                          <a:solidFill>
+                            <a:srgbClr val="1B1C1D"/>
+                          </a:solidFill>
+                          <a:effectLst/>
+                          <a:latin typeface="Fira Sans" panose="020B0503050000020004" pitchFamily="34" charset="0"/>
+                        </a:rPr>
+                        <a:t>Accounts for:</a:t>
+                      </a:r>
+                      <a:r>
+                        <a:rPr lang="en-GB" sz="1600" dirty="0">
+                          <a:solidFill>
+                            <a:srgbClr val="1B1C1D"/>
+                          </a:solidFill>
+                          <a:effectLst/>
+                          <a:latin typeface="Fira Sans" panose="020B0503050000020004" pitchFamily="34" charset="0"/>
+                        </a:rPr>
+                        <a:t> Post-Translational Modifications (PTMs), Isoforms, Protein-Protein Interactions, Localization.</a:t>
+                      </a:r>
+                    </a:p>
+                  </a:txBody>
+                  <a:tcPr marL="114300" marR="114300" marT="76200" marB="76200" anchor="ctr">
+                    <a:lnL w="9525" cap="flat" cmpd="sng" algn="ctr">
+                      <a:solidFill>
+                        <a:schemeClr val="bg1"/>
+                      </a:solidFill>
+                      <a:prstDash val="solid"/>
+                      <a:round/>
+                      <a:headEnd type="none" w="med" len="med"/>
+                      <a:tailEnd type="none" w="med" len="med"/>
+                    </a:lnL>
+                    <a:lnR w="9525" cap="flat" cmpd="sng" algn="ctr">
+                      <a:solidFill>
+                        <a:schemeClr val="bg1"/>
+                      </a:solidFill>
+                      <a:prstDash val="solid"/>
+                      <a:round/>
+                      <a:headEnd type="none" w="med" len="med"/>
+                      <a:tailEnd type="none" w="med" len="med"/>
+                    </a:lnR>
+                    <a:lnT w="9525" cap="flat" cmpd="sng" algn="ctr">
+                      <a:solidFill>
+                        <a:schemeClr val="bg1"/>
+                      </a:solidFill>
+                      <a:prstDash val="solid"/>
+                      <a:round/>
+                      <a:headEnd type="none" w="med" len="med"/>
+                      <a:tailEnd type="none" w="med" len="med"/>
+                    </a:lnT>
+                    <a:lnB w="9525" cap="flat" cmpd="sng" algn="ctr">
+                      <a:solidFill>
+                        <a:schemeClr val="bg1"/>
+                      </a:solidFill>
+                      <a:prstDash val="solid"/>
+                      <a:round/>
+                      <a:headEnd type="none" w="med" len="med"/>
+                      <a:tailEnd type="none" w="med" len="med"/>
+                    </a:lnB>
+                    <a:noFill/>
+                  </a:tcPr>
+                </a:tc>
+                <a:extLst>
+                  <a:ext uri="{0D108BD9-81ED-4DB2-BD59-A6C34878D82A}">
+                    <a16:rowId xmlns:a16="http://schemas.microsoft.com/office/drawing/2014/main" val="557696364"/>
+                  </a:ext>
+                </a:extLst>
+              </a:tr>
+            </a:tbl>
+          </a:graphicData>
+        </a:graphic>
+      </p:graphicFrame>
+      <p:sp>
+        <p:nvSpPr>
+          <p:cNvPr id="15" name="TextBox 14">
+            <a:extLst>
+              <a:ext uri="{FF2B5EF4-FFF2-40B4-BE49-F238E27FC236}">
+                <a16:creationId xmlns:a16="http://schemas.microsoft.com/office/drawing/2014/main" id="{CC296230-7B02-0362-935C-F4E8DF9C9187}"/>
+              </a:ext>
+            </a:extLst>
+          </p:cNvPr>
+          <p:cNvSpPr txBox="1"/>
+          <p:nvPr/>
+        </p:nvSpPr>
+        <p:spPr>
+          <a:xfrm>
+            <a:off x="493776" y="5739574"/>
+            <a:ext cx="9747504" cy="402995"/>
+          </a:xfrm>
+          <a:prstGeom prst="rect">
+            <a:avLst/>
+          </a:prstGeom>
+          <a:noFill/>
+        </p:spPr>
+        <p:txBody>
+          <a:bodyPr wrap="square">
+            <a:spAutoFit/>
+          </a:bodyPr>
+          <a:lstStyle/>
+          <a:p>
+            <a:pPr marL="91440" lvl="1">
+              <a:lnSpc>
+                <a:spcPct val="150000"/>
+              </a:lnSpc>
+            </a:pPr>
+            <a:r>
+              <a:rPr lang="en-US" sz="1500" i="1" dirty="0">
+                <a:solidFill>
+                  <a:srgbClr val="000000"/>
+                </a:solidFill>
+                <a:latin typeface="Fira Sans" panose="020B0503050000020004" pitchFamily="34" charset="0"/>
+              </a:rPr>
+              <a:t>Changes in </a:t>
+            </a:r>
+            <a:r>
+              <a:rPr lang="en-US" sz="1500" b="1" i="1" dirty="0">
+                <a:solidFill>
+                  <a:srgbClr val="000000"/>
+                </a:solidFill>
+                <a:latin typeface="Fira Sans" panose="020B0503050000020004" pitchFamily="34" charset="0"/>
+              </a:rPr>
+              <a:t>mRNA</a:t>
+            </a:r>
+            <a:r>
+              <a:rPr lang="en-US" sz="1500" i="1" dirty="0">
+                <a:solidFill>
+                  <a:srgbClr val="000000"/>
+                </a:solidFill>
+                <a:latin typeface="Fira Sans" panose="020B0503050000020004" pitchFamily="34" charset="0"/>
+              </a:rPr>
+              <a:t> </a:t>
+            </a:r>
+            <a:r>
+              <a:rPr lang="en-US" sz="1500" b="1" i="1" dirty="0">
+                <a:solidFill>
+                  <a:srgbClr val="000000"/>
+                </a:solidFill>
+                <a:latin typeface="Fira Sans" panose="020B0503050000020004" pitchFamily="34" charset="0"/>
+              </a:rPr>
+              <a:t>expression</a:t>
+            </a:r>
+            <a:r>
+              <a:rPr lang="en-US" sz="1500" i="1" dirty="0">
+                <a:solidFill>
+                  <a:srgbClr val="000000"/>
+                </a:solidFill>
+                <a:latin typeface="Fira Sans" panose="020B0503050000020004" pitchFamily="34" charset="0"/>
+              </a:rPr>
+              <a:t> rarely perfectly correlate with changes in </a:t>
+            </a:r>
+            <a:r>
+              <a:rPr lang="en-US" sz="1500" b="1" i="1" dirty="0">
+                <a:solidFill>
+                  <a:srgbClr val="000000"/>
+                </a:solidFill>
+                <a:latin typeface="Fira Sans" panose="020B0503050000020004" pitchFamily="34" charset="0"/>
+              </a:rPr>
+              <a:t>protein function or abundance.</a:t>
+            </a:r>
+          </a:p>
+        </p:txBody>
+      </p:sp>
+    </p:spTree>
+    <p:extLst>
+      <p:ext uri="{BB962C8B-B14F-4D97-AF65-F5344CB8AC3E}">
+        <p14:creationId xmlns:p14="http://schemas.microsoft.com/office/powerpoint/2010/main" val="67591872"/>
+      </p:ext>
+    </p:extLst>
+  </p:cSld>
+  <p:clrMapOvr>
+    <a:masterClrMapping/>
+  </p:clrMapOvr>
+</p:sld>
+</file>
+
+<file path=ppt/slides/slide4.xml><?xml version="1.0" encoding="utf-8"?>
+<p:sld xmlns:a="http://schemas.openxmlformats.org/drawingml/2006/main" xmlns:r="http://schemas.openxmlformats.org/officeDocument/2006/relationships" xmlns:p="http://schemas.openxmlformats.org/presentationml/2006/main">
+  <p:cSld>
+    <p:spTree>
+      <p:nvGrpSpPr>
+        <p:cNvPr id="1" name="">
+          <a:extLst>
+            <a:ext uri="{FF2B5EF4-FFF2-40B4-BE49-F238E27FC236}">
+              <a16:creationId xmlns:a16="http://schemas.microsoft.com/office/drawing/2014/main" id="{BA175733-583A-605D-2744-BA4A959E939B}"/>
+            </a:ext>
+          </a:extLst>
+        </p:cNvPr>
+        <p:cNvGrpSpPr/>
+        <p:nvPr/>
+      </p:nvGrpSpPr>
+      <p:grpSpPr>
+        <a:xfrm>
+          <a:off x="0" y="0"/>
+          <a:ext cx="0" cy="0"/>
+          <a:chOff x="0" y="0"/>
+          <a:chExt cx="0" cy="0"/>
+        </a:xfrm>
+      </p:grpSpPr>
+      <p:grpSp>
+        <p:nvGrpSpPr>
+          <p:cNvPr id="8" name="Group 7">
+            <a:extLst>
+              <a:ext uri="{FF2B5EF4-FFF2-40B4-BE49-F238E27FC236}">
+                <a16:creationId xmlns:a16="http://schemas.microsoft.com/office/drawing/2014/main" id="{FE5FE515-F04F-3AD6-4A08-36B3FB3D11B5}"/>
+              </a:ext>
+            </a:extLst>
+          </p:cNvPr>
+          <p:cNvGrpSpPr/>
+          <p:nvPr/>
+        </p:nvGrpSpPr>
+        <p:grpSpPr>
+          <a:xfrm>
+            <a:off x="493776" y="270357"/>
+            <a:ext cx="10735055" cy="5561985"/>
+            <a:chOff x="624077" y="270357"/>
+            <a:chExt cx="10008634" cy="5561985"/>
+          </a:xfrm>
+        </p:grpSpPr>
+        <p:sp>
+          <p:nvSpPr>
+            <p:cNvPr id="3" name="TextBox 2">
+              <a:extLst>
+                <a:ext uri="{FF2B5EF4-FFF2-40B4-BE49-F238E27FC236}">
+                  <a16:creationId xmlns:a16="http://schemas.microsoft.com/office/drawing/2014/main" id="{922D647B-C5E7-069B-B3FF-1ED2D430E001}"/>
+                </a:ext>
+              </a:extLst>
+            </p:cNvPr>
+            <p:cNvSpPr txBox="1"/>
+            <p:nvPr/>
+          </p:nvSpPr>
+          <p:spPr>
+            <a:xfrm>
+              <a:off x="624077" y="1369582"/>
+              <a:ext cx="10008634" cy="4462760"/>
+            </a:xfrm>
+            <a:prstGeom prst="rect">
+              <a:avLst/>
+            </a:prstGeom>
+            <a:noFill/>
+          </p:spPr>
+          <p:txBody>
+            <a:bodyPr wrap="square">
+              <a:spAutoFit/>
+            </a:bodyPr>
+            <a:lstStyle/>
+            <a:p>
+              <a:pPr marL="342900" indent="-342900" algn="l">
+                <a:spcAft>
+                  <a:spcPts val="600"/>
+                </a:spcAft>
+                <a:buAutoNum type="arabicPeriod"/>
+              </a:pPr>
+              <a:r>
+                <a:rPr lang="en-US" b="1" i="0" dirty="0">
+                  <a:solidFill>
+                    <a:srgbClr val="000000"/>
+                  </a:solidFill>
+                  <a:effectLst/>
+                  <a:latin typeface="Fira Sans" panose="020F0502020204030204" pitchFamily="34" charset="0"/>
+                </a:rPr>
+                <a:t>Expression Proteomics</a:t>
+              </a:r>
+            </a:p>
+            <a:p>
+              <a:pPr marL="800100" lvl="1" indent="-342900">
+                <a:spcAft>
+                  <a:spcPts val="600"/>
+                </a:spcAft>
+                <a:buFont typeface="Arial" panose="020B0604020202020204" pitchFamily="34" charset="0"/>
+                <a:buChar char="•"/>
+              </a:pPr>
+              <a:r>
+                <a:rPr lang="en-US" b="1" i="0" dirty="0">
+                  <a:solidFill>
+                    <a:srgbClr val="000000"/>
+                  </a:solidFill>
+                  <a:effectLst/>
+                  <a:latin typeface="Fira Sans" panose="020F0502020204030204" pitchFamily="34" charset="0"/>
+                </a:rPr>
+                <a:t>Focus: Quantitative and qualitative </a:t>
+              </a:r>
+              <a:r>
+                <a:rPr lang="en-US" i="0" dirty="0">
+                  <a:solidFill>
+                    <a:srgbClr val="000000"/>
+                  </a:solidFill>
+                  <a:effectLst/>
+                  <a:latin typeface="Fira Sans" panose="020F0502020204030204" pitchFamily="34" charset="0"/>
+                </a:rPr>
+                <a:t>comparison of protein levels between different biological states (e.g., healthy vs. diseased tissue).</a:t>
+              </a:r>
+            </a:p>
+            <a:p>
+              <a:pPr marL="800100" lvl="1" indent="-342900">
+                <a:spcAft>
+                  <a:spcPts val="1200"/>
+                </a:spcAft>
+                <a:buFont typeface="Arial" panose="020B0604020202020204" pitchFamily="34" charset="0"/>
+                <a:buChar char="•"/>
+              </a:pPr>
+              <a:r>
+                <a:rPr lang="en-US" b="1" i="0" dirty="0">
+                  <a:solidFill>
+                    <a:srgbClr val="000000"/>
+                  </a:solidFill>
+                  <a:effectLst/>
+                  <a:latin typeface="Fira Sans" panose="020F0502020204030204" pitchFamily="34" charset="0"/>
+                </a:rPr>
+                <a:t>Aims: </a:t>
+              </a:r>
+              <a:r>
+                <a:rPr lang="en-US" i="0" dirty="0">
+                  <a:solidFill>
+                    <a:srgbClr val="000000"/>
+                  </a:solidFill>
+                  <a:effectLst/>
+                  <a:latin typeface="Fira Sans" panose="020F0502020204030204" pitchFamily="34" charset="0"/>
+                </a:rPr>
+                <a:t>Identify proteins that are up- or down-regulated in specific conditions</a:t>
+              </a:r>
+              <a:r>
+                <a:rPr lang="en-US" b="1" i="0" dirty="0">
+                  <a:solidFill>
+                    <a:srgbClr val="000000"/>
+                  </a:solidFill>
+                  <a:effectLst/>
+                  <a:latin typeface="Fira Sans" panose="020F0502020204030204" pitchFamily="34" charset="0"/>
+                </a:rPr>
+                <a:t> (potential biomarkers).	</a:t>
+              </a:r>
+            </a:p>
+            <a:p>
+              <a:pPr marL="342900" indent="-342900">
+                <a:spcAft>
+                  <a:spcPts val="600"/>
+                </a:spcAft>
+                <a:buFont typeface="+mj-lt"/>
+                <a:buAutoNum type="arabicPeriod"/>
+              </a:pPr>
+              <a:r>
+                <a:rPr lang="en-US" b="1" i="0" dirty="0">
+                  <a:solidFill>
+                    <a:srgbClr val="000000"/>
+                  </a:solidFill>
+                  <a:effectLst/>
+                  <a:latin typeface="Fira Sans" panose="020F0502020204030204" pitchFamily="34" charset="0"/>
+                </a:rPr>
+                <a:t>Structural Proteomics</a:t>
+              </a:r>
+            </a:p>
+            <a:p>
+              <a:pPr marL="800100" lvl="1" indent="-342900">
+                <a:spcAft>
+                  <a:spcPts val="600"/>
+                </a:spcAft>
+                <a:buFont typeface="Arial" panose="020B0604020202020204" pitchFamily="34" charset="0"/>
+                <a:buChar char="•"/>
+              </a:pPr>
+              <a:r>
+                <a:rPr lang="en-US" b="1" i="0" dirty="0">
+                  <a:solidFill>
+                    <a:srgbClr val="000000"/>
+                  </a:solidFill>
+                  <a:effectLst/>
+                  <a:latin typeface="Fira Sans" panose="020F0502020204030204" pitchFamily="34" charset="0"/>
+                </a:rPr>
+                <a:t>Focus: </a:t>
+              </a:r>
+              <a:r>
+                <a:rPr lang="en-US" i="0" dirty="0">
+                  <a:solidFill>
+                    <a:srgbClr val="000000"/>
+                  </a:solidFill>
+                  <a:effectLst/>
+                  <a:latin typeface="Fira Sans" panose="020F0502020204030204" pitchFamily="34" charset="0"/>
+                </a:rPr>
+                <a:t>Determining the </a:t>
+              </a:r>
+              <a:r>
+                <a:rPr lang="en-US" b="1" i="0" dirty="0">
+                  <a:solidFill>
+                    <a:srgbClr val="000000"/>
+                  </a:solidFill>
+                  <a:effectLst/>
+                  <a:latin typeface="Fira Sans" panose="020F0502020204030204" pitchFamily="34" charset="0"/>
+                </a:rPr>
+                <a:t>three-dimensional (3D) structures </a:t>
+              </a:r>
+              <a:r>
+                <a:rPr lang="en-US" i="0" dirty="0">
+                  <a:solidFill>
+                    <a:srgbClr val="000000"/>
+                  </a:solidFill>
+                  <a:effectLst/>
+                  <a:latin typeface="Fira Sans" panose="020F0502020204030204" pitchFamily="34" charset="0"/>
+                </a:rPr>
+                <a:t>of all proteins in a proteome.</a:t>
+              </a:r>
+            </a:p>
+            <a:p>
+              <a:pPr marL="800100" lvl="1" indent="-342900">
+                <a:spcAft>
+                  <a:spcPts val="1200"/>
+                </a:spcAft>
+                <a:buFont typeface="Arial" panose="020B0604020202020204" pitchFamily="34" charset="0"/>
+                <a:buChar char="•"/>
+              </a:pPr>
+              <a:r>
+                <a:rPr lang="en-US" b="1" i="0" dirty="0">
+                  <a:solidFill>
+                    <a:srgbClr val="000000"/>
+                  </a:solidFill>
+                  <a:effectLst/>
+                  <a:latin typeface="Fira Sans" panose="020F0502020204030204" pitchFamily="34" charset="0"/>
+                </a:rPr>
+                <a:t>Techniques: </a:t>
+              </a:r>
+              <a:r>
+                <a:rPr lang="en-US" i="0" dirty="0">
+                  <a:solidFill>
+                    <a:srgbClr val="000000"/>
+                  </a:solidFill>
+                  <a:effectLst/>
+                  <a:latin typeface="Fira Sans" panose="020F0502020204030204" pitchFamily="34" charset="0"/>
+                </a:rPr>
+                <a:t>X-ray Crystallography, Nuclear Magnetic Resonance (NMR), and Cryo-Electron Microscopy (Cryo-EM).</a:t>
+              </a:r>
+            </a:p>
+            <a:p>
+              <a:pPr marL="342900" indent="-342900">
+                <a:spcAft>
+                  <a:spcPts val="600"/>
+                </a:spcAft>
+                <a:buFont typeface="+mj-lt"/>
+                <a:buAutoNum type="arabicPeriod"/>
+              </a:pPr>
+              <a:r>
+                <a:rPr lang="en-US" b="1" i="0" dirty="0">
+                  <a:solidFill>
+                    <a:srgbClr val="000000"/>
+                  </a:solidFill>
+                  <a:effectLst/>
+                  <a:latin typeface="Fira Sans" panose="020F0502020204030204" pitchFamily="34" charset="0"/>
+                </a:rPr>
+                <a:t>Functional Proteomics (</a:t>
+              </a:r>
+              <a:r>
+                <a:rPr lang="en-US" b="1" i="0" dirty="0" err="1">
+                  <a:solidFill>
+                    <a:srgbClr val="000000"/>
+                  </a:solidFill>
+                  <a:effectLst/>
+                  <a:latin typeface="Fira Sans" panose="020F0502020204030204" pitchFamily="34" charset="0"/>
+                </a:rPr>
+                <a:t>Interactomics</a:t>
+              </a:r>
+              <a:r>
+                <a:rPr lang="en-US" b="1" i="0" dirty="0">
+                  <a:solidFill>
+                    <a:srgbClr val="000000"/>
+                  </a:solidFill>
+                  <a:effectLst/>
+                  <a:latin typeface="Fira Sans" panose="020F0502020204030204" pitchFamily="34" charset="0"/>
+                </a:rPr>
+                <a:t>)</a:t>
+              </a:r>
+            </a:p>
+            <a:p>
+              <a:pPr marL="800100" lvl="1" indent="-342900">
+                <a:spcAft>
+                  <a:spcPts val="600"/>
+                </a:spcAft>
+                <a:buFont typeface="Arial" panose="020B0604020202020204" pitchFamily="34" charset="0"/>
+                <a:buChar char="•"/>
+              </a:pPr>
+              <a:r>
+                <a:rPr lang="en-US" b="1" i="0" dirty="0">
+                  <a:solidFill>
+                    <a:srgbClr val="000000"/>
+                  </a:solidFill>
+                  <a:effectLst/>
+                  <a:latin typeface="Fira Sans" panose="020F0502020204030204" pitchFamily="34" charset="0"/>
+                </a:rPr>
+                <a:t>Focus: </a:t>
+              </a:r>
+              <a:r>
+                <a:rPr lang="en-US" i="0" dirty="0">
+                  <a:solidFill>
+                    <a:srgbClr val="000000"/>
+                  </a:solidFill>
+                  <a:effectLst/>
+                  <a:latin typeface="Fira Sans" panose="020F0502020204030204" pitchFamily="34" charset="0"/>
+                </a:rPr>
+                <a:t>Understanding the </a:t>
+              </a:r>
+              <a:r>
+                <a:rPr lang="en-US" b="1" i="0" dirty="0">
+                  <a:solidFill>
+                    <a:srgbClr val="000000"/>
+                  </a:solidFill>
+                  <a:effectLst/>
+                  <a:latin typeface="Fira Sans" panose="020F0502020204030204" pitchFamily="34" charset="0"/>
+                </a:rPr>
+                <a:t>biological role </a:t>
+              </a:r>
+              <a:r>
+                <a:rPr lang="en-US" i="0" dirty="0">
+                  <a:solidFill>
+                    <a:srgbClr val="000000"/>
+                  </a:solidFill>
+                  <a:effectLst/>
+                  <a:latin typeface="Fira Sans" panose="020F0502020204030204" pitchFamily="34" charset="0"/>
+                </a:rPr>
+                <a:t>of proteins, their cellular location, and their network of interactions (Protein-Protein Interactions).</a:t>
+              </a:r>
+            </a:p>
+            <a:p>
+              <a:pPr marL="800100" lvl="1" indent="-342900">
+                <a:spcAft>
+                  <a:spcPts val="600"/>
+                </a:spcAft>
+                <a:buFont typeface="Arial" panose="020B0604020202020204" pitchFamily="34" charset="0"/>
+                <a:buChar char="•"/>
+              </a:pPr>
+              <a:r>
+                <a:rPr lang="en-US" b="1" i="0" dirty="0">
+                  <a:solidFill>
+                    <a:srgbClr val="000000"/>
+                  </a:solidFill>
+                  <a:effectLst/>
+                  <a:latin typeface="Fira Sans" panose="020F0502020204030204" pitchFamily="34" charset="0"/>
+                </a:rPr>
+                <a:t>Aims: </a:t>
+              </a:r>
+              <a:r>
+                <a:rPr lang="en-US" i="0" dirty="0">
+                  <a:solidFill>
+                    <a:srgbClr val="000000"/>
+                  </a:solidFill>
+                  <a:effectLst/>
+                  <a:latin typeface="Fira Sans" panose="020F0502020204030204" pitchFamily="34" charset="0"/>
+                </a:rPr>
+                <a:t>Map cellular pathways and signaling cascades.</a:t>
+              </a:r>
+            </a:p>
+          </p:txBody>
+        </p:sp>
+        <p:sp>
+          <p:nvSpPr>
+            <p:cNvPr id="5" name="TextBox 4">
+              <a:extLst>
+                <a:ext uri="{FF2B5EF4-FFF2-40B4-BE49-F238E27FC236}">
+                  <a16:creationId xmlns:a16="http://schemas.microsoft.com/office/drawing/2014/main" id="{431E24E8-D856-2FC1-2951-44E442C09B71}"/>
+                </a:ext>
+              </a:extLst>
+            </p:cNvPr>
+            <p:cNvSpPr txBox="1"/>
+            <p:nvPr/>
+          </p:nvSpPr>
+          <p:spPr>
+            <a:xfrm>
+              <a:off x="624077" y="270357"/>
+              <a:ext cx="7800596" cy="523220"/>
+            </a:xfrm>
+            <a:prstGeom prst="rect">
+              <a:avLst/>
+            </a:prstGeom>
+            <a:noFill/>
+          </p:spPr>
+          <p:txBody>
+            <a:bodyPr wrap="square">
+              <a:spAutoFit/>
+            </a:bodyPr>
+            <a:lstStyle/>
+            <a:p>
+              <a:pPr algn="l">
+                <a:buNone/>
+              </a:pPr>
+              <a:r>
+                <a:rPr lang="en-US" sz="2800" b="0" i="0" dirty="0">
+                  <a:solidFill>
+                    <a:srgbClr val="1A292C"/>
+                  </a:solidFill>
+                  <a:effectLst/>
+                  <a:latin typeface="Fira Sans" panose="020F0502020204030204" pitchFamily="34" charset="0"/>
+                </a:rPr>
+                <a:t>Branches of Proteomics</a:t>
+              </a:r>
+            </a:p>
+          </p:txBody>
+        </p:sp>
+      </p:grpSp>
+      <p:sp>
+        <p:nvSpPr>
+          <p:cNvPr id="11" name="TextBox 10">
+            <a:extLst>
+              <a:ext uri="{FF2B5EF4-FFF2-40B4-BE49-F238E27FC236}">
+                <a16:creationId xmlns:a16="http://schemas.microsoft.com/office/drawing/2014/main" id="{611F5A1A-E786-85D7-ADB3-8BC87172A244}"/>
+              </a:ext>
+            </a:extLst>
+          </p:cNvPr>
+          <p:cNvSpPr txBox="1"/>
+          <p:nvPr/>
+        </p:nvSpPr>
+        <p:spPr>
+          <a:xfrm>
+            <a:off x="6169152" y="270357"/>
+            <a:ext cx="5222901" cy="672235"/>
+          </a:xfrm>
+          <a:prstGeom prst="rect">
+            <a:avLst/>
+          </a:prstGeom>
+          <a:noFill/>
+        </p:spPr>
+        <p:txBody>
+          <a:bodyPr wrap="square">
+            <a:spAutoFit/>
+          </a:bodyPr>
+          <a:lstStyle/>
+          <a:p>
+            <a:pPr algn="l">
+              <a:lnSpc>
+                <a:spcPct val="150000"/>
+              </a:lnSpc>
+              <a:buNone/>
+            </a:pPr>
+            <a:endParaRPr lang="en-US" sz="2800" b="0" i="0" dirty="0">
+              <a:solidFill>
+                <a:srgbClr val="1A292C"/>
+              </a:solidFill>
+              <a:effectLst/>
+              <a:latin typeface="Fira Sans" panose="020F0502020204030204" pitchFamily="34" charset="0"/>
+            </a:endParaRPr>
+          </a:p>
+        </p:txBody>
+      </p:sp>
+    </p:spTree>
+    <p:extLst>
+      <p:ext uri="{BB962C8B-B14F-4D97-AF65-F5344CB8AC3E}">
+        <p14:creationId xmlns:p14="http://schemas.microsoft.com/office/powerpoint/2010/main" val="3030998558"/>
+      </p:ext>
+    </p:extLst>
+  </p:cSld>
+  <p:clrMapOvr>
+    <a:masterClrMapping/>
+  </p:clrMapOvr>
+</p:sld>
+</file>
+
+<file path=ppt/slides/slide5.xml><?xml version="1.0" encoding="utf-8"?>
+<p:sld xmlns:a="http://schemas.openxmlformats.org/drawingml/2006/main" xmlns:r="http://schemas.openxmlformats.org/officeDocument/2006/relationships" xmlns:p="http://schemas.openxmlformats.org/presentationml/2006/main">
+  <p:cSld>
+    <p:spTree>
+      <p:nvGrpSpPr>
+        <p:cNvPr id="1" name="">
+          <a:extLst>
+            <a:ext uri="{FF2B5EF4-FFF2-40B4-BE49-F238E27FC236}">
+              <a16:creationId xmlns:a16="http://schemas.microsoft.com/office/drawing/2014/main" id="{20D97215-12EC-B1D0-F68F-5C499C6F4D69}"/>
+            </a:ext>
+          </a:extLst>
+        </p:cNvPr>
+        <p:cNvGrpSpPr/>
+        <p:nvPr/>
+      </p:nvGrpSpPr>
+      <p:grpSpPr>
+        <a:xfrm>
+          <a:off x="0" y="0"/>
+          <a:ext cx="0" cy="0"/>
+          <a:chOff x="0" y="0"/>
+          <a:chExt cx="0" cy="0"/>
+        </a:xfrm>
+      </p:grpSpPr>
+      <p:grpSp>
+        <p:nvGrpSpPr>
+          <p:cNvPr id="8" name="Group 7">
+            <a:extLst>
+              <a:ext uri="{FF2B5EF4-FFF2-40B4-BE49-F238E27FC236}">
+                <a16:creationId xmlns:a16="http://schemas.microsoft.com/office/drawing/2014/main" id="{C3EB8EC2-84FD-3263-855C-E14E377049FF}"/>
+              </a:ext>
+            </a:extLst>
+          </p:cNvPr>
+          <p:cNvGrpSpPr/>
+          <p:nvPr/>
+        </p:nvGrpSpPr>
+        <p:grpSpPr>
+          <a:xfrm>
+            <a:off x="493776" y="270357"/>
+            <a:ext cx="10735055" cy="5561985"/>
+            <a:chOff x="624077" y="270357"/>
+            <a:chExt cx="10008634" cy="5561985"/>
+          </a:xfrm>
+        </p:grpSpPr>
+        <p:sp>
+          <p:nvSpPr>
+            <p:cNvPr id="3" name="TextBox 2">
+              <a:extLst>
+                <a:ext uri="{FF2B5EF4-FFF2-40B4-BE49-F238E27FC236}">
+                  <a16:creationId xmlns:a16="http://schemas.microsoft.com/office/drawing/2014/main" id="{C1E916EA-D56D-D897-FE37-786C11E1704A}"/>
+                </a:ext>
+              </a:extLst>
+            </p:cNvPr>
+            <p:cNvSpPr txBox="1"/>
+            <p:nvPr/>
+          </p:nvSpPr>
+          <p:spPr>
+            <a:xfrm>
+              <a:off x="624077" y="1369582"/>
+              <a:ext cx="10008634" cy="4462760"/>
+            </a:xfrm>
+            <a:prstGeom prst="rect">
+              <a:avLst/>
+            </a:prstGeom>
+            <a:noFill/>
+          </p:spPr>
+          <p:txBody>
+            <a:bodyPr wrap="square">
+              <a:spAutoFit/>
+            </a:bodyPr>
+            <a:lstStyle/>
+            <a:p>
+              <a:pPr algn="l">
+                <a:spcAft>
+                  <a:spcPts val="600"/>
+                </a:spcAft>
+              </a:pPr>
+              <a:r>
+                <a:rPr lang="en-US" i="0" dirty="0">
+                  <a:solidFill>
+                    <a:srgbClr val="000000"/>
+                  </a:solidFill>
+                  <a:effectLst/>
+                  <a:latin typeface="Fira Sans" panose="020F0502020204030204" pitchFamily="34" charset="0"/>
+                </a:rPr>
+                <a:t>The standard methodology involves four main steps:</a:t>
+              </a:r>
+            </a:p>
+            <a:p>
+              <a:pPr marL="342900" indent="-342900" algn="l">
+                <a:spcAft>
+                  <a:spcPts val="600"/>
+                </a:spcAft>
+                <a:buFont typeface="+mj-lt"/>
+                <a:buAutoNum type="arabicPeriod"/>
+              </a:pPr>
+              <a:r>
+                <a:rPr lang="en-US" b="1" i="0" dirty="0">
+                  <a:solidFill>
+                    <a:srgbClr val="000000"/>
+                  </a:solidFill>
+                  <a:effectLst/>
+                  <a:latin typeface="Fira Sans" panose="020F0502020204030204" pitchFamily="34" charset="0"/>
+                </a:rPr>
+                <a:t>Sample Preparation:</a:t>
+              </a:r>
+            </a:p>
+            <a:p>
+              <a:pPr marL="800100" lvl="1" indent="-342900">
+                <a:spcAft>
+                  <a:spcPts val="600"/>
+                </a:spcAft>
+                <a:buFont typeface="Arial" panose="020B0604020202020204" pitchFamily="34" charset="0"/>
+                <a:buChar char="•"/>
+              </a:pPr>
+              <a:r>
+                <a:rPr lang="en-US" b="1" i="0" dirty="0">
+                  <a:solidFill>
+                    <a:srgbClr val="000000"/>
+                  </a:solidFill>
+                  <a:effectLst/>
+                  <a:latin typeface="Fira Sans" panose="020F0502020204030204" pitchFamily="34" charset="0"/>
+                </a:rPr>
+                <a:t>Extraction &amp; Solubilization</a:t>
+              </a:r>
+              <a:r>
+                <a:rPr lang="en-US" i="0" dirty="0">
+                  <a:solidFill>
+                    <a:srgbClr val="000000"/>
+                  </a:solidFill>
+                  <a:effectLst/>
+                  <a:latin typeface="Fira Sans" panose="020F0502020204030204" pitchFamily="34" charset="0"/>
+                </a:rPr>
+                <a:t>: Lysis of cells/tissues to extract total protein content.</a:t>
+              </a:r>
+            </a:p>
+            <a:p>
+              <a:pPr marL="800100" lvl="1" indent="-342900">
+                <a:spcAft>
+                  <a:spcPts val="600"/>
+                </a:spcAft>
+                <a:buFont typeface="Arial" panose="020B0604020202020204" pitchFamily="34" charset="0"/>
+                <a:buChar char="•"/>
+              </a:pPr>
+              <a:r>
+                <a:rPr lang="en-US" b="1" i="0" dirty="0">
+                  <a:solidFill>
+                    <a:srgbClr val="000000"/>
+                  </a:solidFill>
+                  <a:effectLst/>
+                  <a:latin typeface="Fira Sans" panose="020F0502020204030204" pitchFamily="34" charset="0"/>
+                </a:rPr>
+                <a:t>Digestion</a:t>
+              </a:r>
+              <a:r>
+                <a:rPr lang="en-US" i="0" dirty="0">
+                  <a:solidFill>
+                    <a:srgbClr val="000000"/>
+                  </a:solidFill>
+                  <a:effectLst/>
+                  <a:latin typeface="Fira Sans" panose="020F0502020204030204" pitchFamily="34" charset="0"/>
+                </a:rPr>
+                <a:t>: Proteins are enzymatically cleaved (typically using Trypsin) into smaller, more manageable fragments called peptides.</a:t>
+              </a:r>
+            </a:p>
+            <a:p>
+              <a:pPr marL="342900" indent="-342900" algn="l">
+                <a:spcAft>
+                  <a:spcPts val="600"/>
+                </a:spcAft>
+                <a:buFont typeface="+mj-lt"/>
+                <a:buAutoNum type="arabicPeriod"/>
+              </a:pPr>
+              <a:r>
+                <a:rPr lang="en-US" b="1" i="0" dirty="0">
+                  <a:solidFill>
+                    <a:srgbClr val="000000"/>
+                  </a:solidFill>
+                  <a:effectLst/>
+                  <a:latin typeface="Fira Sans" panose="020F0502020204030204" pitchFamily="34" charset="0"/>
+                </a:rPr>
+                <a:t>Separation/Fractionation:</a:t>
+              </a:r>
+            </a:p>
+            <a:p>
+              <a:pPr marL="800100" lvl="1" indent="-342900">
+                <a:spcAft>
+                  <a:spcPts val="600"/>
+                </a:spcAft>
+                <a:buFont typeface="Arial" panose="020B0604020202020204" pitchFamily="34" charset="0"/>
+                <a:buChar char="•"/>
+              </a:pPr>
+              <a:r>
+                <a:rPr lang="en-US" i="0" dirty="0">
+                  <a:solidFill>
+                    <a:srgbClr val="000000"/>
+                  </a:solidFill>
+                  <a:effectLst/>
+                  <a:latin typeface="Fira Sans" panose="020F0502020204030204" pitchFamily="34" charset="0"/>
+                </a:rPr>
+                <a:t>Complex peptide mixtures are separated to reduce complexity before MS analysis.</a:t>
+              </a:r>
+            </a:p>
+            <a:p>
+              <a:pPr marL="800100" lvl="1" indent="-342900">
+                <a:spcAft>
+                  <a:spcPts val="600"/>
+                </a:spcAft>
+                <a:buFont typeface="Arial" panose="020B0604020202020204" pitchFamily="34" charset="0"/>
+                <a:buChar char="•"/>
+              </a:pPr>
+              <a:r>
+                <a:rPr lang="en-US" b="1" i="0" dirty="0">
+                  <a:solidFill>
+                    <a:srgbClr val="000000"/>
+                  </a:solidFill>
+                  <a:effectLst/>
+                  <a:latin typeface="Fira Sans" panose="020F0502020204030204" pitchFamily="34" charset="0"/>
+                </a:rPr>
+                <a:t>Technique: Liquid Chromatography (LC) </a:t>
+              </a:r>
+              <a:r>
+                <a:rPr lang="en-US" i="0" dirty="0">
+                  <a:solidFill>
+                    <a:srgbClr val="000000"/>
+                  </a:solidFill>
+                  <a:effectLst/>
+                  <a:latin typeface="Fira Sans" panose="020F0502020204030204" pitchFamily="34" charset="0"/>
+                </a:rPr>
+                <a:t>(e.g., Nano-HPLC or multi-dimensional LC).</a:t>
+              </a:r>
+            </a:p>
+            <a:p>
+              <a:pPr marL="342900" indent="-342900">
+                <a:spcAft>
+                  <a:spcPts val="600"/>
+                </a:spcAft>
+                <a:buFont typeface="+mj-lt"/>
+                <a:buAutoNum type="arabicPeriod"/>
+              </a:pPr>
+              <a:r>
+                <a:rPr lang="en-US" b="1" i="0" dirty="0">
+                  <a:solidFill>
+                    <a:srgbClr val="000000"/>
+                  </a:solidFill>
+                  <a:effectLst/>
+                  <a:latin typeface="Fira Sans" panose="020F0502020204030204" pitchFamily="34" charset="0"/>
+                </a:rPr>
+                <a:t>Protein Identification &amp; Quantification (Mass Spectrometry)</a:t>
+              </a:r>
+            </a:p>
+            <a:p>
+              <a:pPr marL="742950" lvl="1" indent="-285750">
+                <a:spcAft>
+                  <a:spcPts val="600"/>
+                </a:spcAft>
+                <a:buFont typeface="Arial" panose="020B0604020202020204" pitchFamily="34" charset="0"/>
+                <a:buChar char="•"/>
+              </a:pPr>
+              <a:r>
+                <a:rPr lang="en-US" i="0" dirty="0">
+                  <a:solidFill>
+                    <a:srgbClr val="000000"/>
+                  </a:solidFill>
+                  <a:effectLst/>
+                  <a:latin typeface="Fira Sans" panose="020F0502020204030204" pitchFamily="34" charset="0"/>
+                </a:rPr>
+                <a:t>Peptides are ionized and analyzed based on their mass-to-charge ratio (m/z).</a:t>
+              </a:r>
+            </a:p>
+            <a:p>
+              <a:pPr marL="342900" indent="-342900" algn="l">
+                <a:spcAft>
+                  <a:spcPts val="600"/>
+                </a:spcAft>
+                <a:buFont typeface="+mj-lt"/>
+                <a:buAutoNum type="arabicPeriod"/>
+              </a:pPr>
+              <a:r>
+                <a:rPr lang="en-US" b="1" i="0" dirty="0">
+                  <a:solidFill>
+                    <a:srgbClr val="000000"/>
+                  </a:solidFill>
+                  <a:effectLst/>
+                  <a:latin typeface="Fira Sans" panose="020F0502020204030204" pitchFamily="34" charset="0"/>
+                </a:rPr>
+                <a:t>Data Analysis (Bioinformatics)</a:t>
+              </a:r>
+            </a:p>
+            <a:p>
+              <a:pPr marL="800100" lvl="1" indent="-342900">
+                <a:spcAft>
+                  <a:spcPts val="600"/>
+                </a:spcAft>
+                <a:buFont typeface="Arial" panose="020B0604020202020204" pitchFamily="34" charset="0"/>
+                <a:buChar char="•"/>
+              </a:pPr>
+              <a:r>
+                <a:rPr lang="en-US" i="0" dirty="0">
+                  <a:solidFill>
+                    <a:srgbClr val="000000"/>
+                  </a:solidFill>
+                  <a:effectLst/>
+                  <a:latin typeface="Fira Sans" panose="020F0502020204030204" pitchFamily="34" charset="0"/>
+                </a:rPr>
+                <a:t>Mass spectra are matched against protein sequence databases (e.g., FASTA files) to identify the original proteins and quantify their abundance.</a:t>
+              </a:r>
+            </a:p>
+          </p:txBody>
+        </p:sp>
+        <p:sp>
+          <p:nvSpPr>
+            <p:cNvPr id="5" name="TextBox 4">
+              <a:extLst>
+                <a:ext uri="{FF2B5EF4-FFF2-40B4-BE49-F238E27FC236}">
+                  <a16:creationId xmlns:a16="http://schemas.microsoft.com/office/drawing/2014/main" id="{647C17B8-75B5-9F99-F3FB-8E2382F349D1}"/>
+                </a:ext>
+              </a:extLst>
+            </p:cNvPr>
+            <p:cNvSpPr txBox="1"/>
+            <p:nvPr/>
+          </p:nvSpPr>
+          <p:spPr>
+            <a:xfrm>
+              <a:off x="624077" y="270357"/>
+              <a:ext cx="9070858" cy="523220"/>
+            </a:xfrm>
+            <a:prstGeom prst="rect">
+              <a:avLst/>
+            </a:prstGeom>
+            <a:noFill/>
+          </p:spPr>
+          <p:txBody>
+            <a:bodyPr wrap="square">
+              <a:spAutoFit/>
+            </a:bodyPr>
+            <a:lstStyle/>
+            <a:p>
+              <a:pPr algn="l">
+                <a:buNone/>
+              </a:pPr>
+              <a:r>
+                <a:rPr lang="en-US" sz="2800" b="0" i="0" dirty="0">
+                  <a:solidFill>
+                    <a:srgbClr val="1A292C"/>
+                  </a:solidFill>
+                  <a:effectLst/>
+                  <a:latin typeface="Fira Sans" panose="020F0502020204030204" pitchFamily="34" charset="0"/>
+                </a:rPr>
+                <a:t>The General Proteomics Workflow (Bottom-Up Approach)</a:t>
+              </a:r>
+            </a:p>
+          </p:txBody>
+        </p:sp>
+      </p:grpSp>
+      <p:sp>
+        <p:nvSpPr>
+          <p:cNvPr id="11" name="TextBox 10">
+            <a:extLst>
+              <a:ext uri="{FF2B5EF4-FFF2-40B4-BE49-F238E27FC236}">
+                <a16:creationId xmlns:a16="http://schemas.microsoft.com/office/drawing/2014/main" id="{6D4324AC-CAB1-3565-F668-55AACDCAB3EE}"/>
+              </a:ext>
+            </a:extLst>
+          </p:cNvPr>
+          <p:cNvSpPr txBox="1"/>
+          <p:nvPr/>
+        </p:nvSpPr>
+        <p:spPr>
+          <a:xfrm>
+            <a:off x="6169152" y="270357"/>
+            <a:ext cx="5222901" cy="672235"/>
+          </a:xfrm>
+          <a:prstGeom prst="rect">
+            <a:avLst/>
+          </a:prstGeom>
+          <a:noFill/>
+        </p:spPr>
+        <p:txBody>
+          <a:bodyPr wrap="square">
+            <a:spAutoFit/>
+          </a:bodyPr>
+          <a:lstStyle/>
+          <a:p>
+            <a:pPr algn="l">
+              <a:lnSpc>
+                <a:spcPct val="150000"/>
+              </a:lnSpc>
+              <a:buNone/>
+            </a:pPr>
+            <a:endParaRPr lang="en-US" sz="2800" b="0" i="0" dirty="0">
+              <a:solidFill>
+                <a:srgbClr val="1A292C"/>
+              </a:solidFill>
+              <a:effectLst/>
+              <a:latin typeface="Fira Sans" panose="020F0502020204030204" pitchFamily="34" charset="0"/>
+            </a:endParaRPr>
+          </a:p>
+        </p:txBody>
+      </p:sp>
+    </p:spTree>
+    <p:extLst>
+      <p:ext uri="{BB962C8B-B14F-4D97-AF65-F5344CB8AC3E}">
+        <p14:creationId xmlns:p14="http://schemas.microsoft.com/office/powerpoint/2010/main" val="1815966041"/>
+      </p:ext>
+    </p:extLst>
+  </p:cSld>
+  <p:clrMapOvr>
+    <a:masterClrMapping/>
+  </p:clrMapOvr>
+</p:sld>
+</file>
+
+<file path=ppt/slides/slide6.xml><?xml version="1.0" encoding="utf-8"?>
+<p:sld xmlns:a="http://schemas.openxmlformats.org/drawingml/2006/main" xmlns:r="http://schemas.openxmlformats.org/officeDocument/2006/relationships" xmlns:p="http://schemas.openxmlformats.org/presentationml/2006/main">
+  <p:cSld>
+    <p:spTree>
+      <p:nvGrpSpPr>
+        <p:cNvPr id="1" name="">
+          <a:extLst>
+            <a:ext uri="{FF2B5EF4-FFF2-40B4-BE49-F238E27FC236}">
+              <a16:creationId xmlns:a16="http://schemas.microsoft.com/office/drawing/2014/main" id="{684AB494-7A2E-342A-469F-252FBD24613E}"/>
+            </a:ext>
+          </a:extLst>
+        </p:cNvPr>
+        <p:cNvGrpSpPr/>
+        <p:nvPr/>
+      </p:nvGrpSpPr>
+      <p:grpSpPr>
+        <a:xfrm>
+          <a:off x="0" y="0"/>
+          <a:ext cx="0" cy="0"/>
+          <a:chOff x="0" y="0"/>
+          <a:chExt cx="0" cy="0"/>
+        </a:xfrm>
+      </p:grpSpPr>
+      <p:grpSp>
+        <p:nvGrpSpPr>
+          <p:cNvPr id="8" name="Group 7">
+            <a:extLst>
+              <a:ext uri="{FF2B5EF4-FFF2-40B4-BE49-F238E27FC236}">
+                <a16:creationId xmlns:a16="http://schemas.microsoft.com/office/drawing/2014/main" id="{A0E094CA-A719-517C-B03A-00D48FCF81A9}"/>
+              </a:ext>
+            </a:extLst>
+          </p:cNvPr>
+          <p:cNvGrpSpPr/>
+          <p:nvPr/>
+        </p:nvGrpSpPr>
+        <p:grpSpPr>
+          <a:xfrm>
+            <a:off x="493776" y="270357"/>
+            <a:ext cx="10735055" cy="4654044"/>
+            <a:chOff x="624077" y="270357"/>
+            <a:chExt cx="10008634" cy="4654044"/>
+          </a:xfrm>
+        </p:grpSpPr>
+        <p:sp>
+          <p:nvSpPr>
+            <p:cNvPr id="3" name="TextBox 2">
+              <a:extLst>
+                <a:ext uri="{FF2B5EF4-FFF2-40B4-BE49-F238E27FC236}">
+                  <a16:creationId xmlns:a16="http://schemas.microsoft.com/office/drawing/2014/main" id="{20A40F4B-95F7-0EA6-5527-C12F336CB797}"/>
+                </a:ext>
+              </a:extLst>
+            </p:cNvPr>
+            <p:cNvSpPr txBox="1"/>
+            <p:nvPr/>
+          </p:nvSpPr>
+          <p:spPr>
+            <a:xfrm>
+              <a:off x="624077" y="1369582"/>
+              <a:ext cx="10008634" cy="3554819"/>
+            </a:xfrm>
+            <a:prstGeom prst="rect">
+              <a:avLst/>
+            </a:prstGeom>
+            <a:noFill/>
+          </p:spPr>
+          <p:txBody>
+            <a:bodyPr wrap="square">
+              <a:spAutoFit/>
+            </a:bodyPr>
+            <a:lstStyle/>
+            <a:p>
+              <a:pPr marL="342900" indent="-342900" algn="l">
+                <a:spcAft>
+                  <a:spcPts val="600"/>
+                </a:spcAft>
+                <a:buAutoNum type="arabicPeriod"/>
+              </a:pPr>
+              <a:r>
+                <a:rPr lang="en-US" b="1" i="0" dirty="0">
+                  <a:solidFill>
+                    <a:srgbClr val="000000"/>
+                  </a:solidFill>
+                  <a:effectLst/>
+                  <a:latin typeface="Fira Sans" panose="020F0502020204030204" pitchFamily="34" charset="0"/>
+                </a:rPr>
+                <a:t>Two-Dimensional Gel Electrophoresis (2D-PAGE)</a:t>
+              </a:r>
+            </a:p>
+            <a:p>
+              <a:pPr marL="800100" lvl="1" indent="-342900">
+                <a:spcAft>
+                  <a:spcPts val="600"/>
+                </a:spcAft>
+                <a:buFont typeface="Arial" panose="020B0604020202020204" pitchFamily="34" charset="0"/>
+                <a:buChar char="•"/>
+              </a:pPr>
+              <a:r>
+                <a:rPr lang="en-US" b="1" i="0" dirty="0">
+                  <a:solidFill>
+                    <a:srgbClr val="000000"/>
+                  </a:solidFill>
+                  <a:effectLst/>
+                  <a:latin typeface="Fira Sans" panose="020F0502020204030204" pitchFamily="34" charset="0"/>
+                </a:rPr>
+                <a:t>Method:</a:t>
+              </a:r>
+              <a:r>
+                <a:rPr lang="en-US" i="0" dirty="0">
+                  <a:solidFill>
+                    <a:srgbClr val="000000"/>
+                  </a:solidFill>
+                  <a:effectLst/>
+                  <a:latin typeface="Fira Sans" panose="020F0502020204030204" pitchFamily="34" charset="0"/>
+                </a:rPr>
+                <a:t> Separates intact proteins in two steps:</a:t>
+              </a:r>
+            </a:p>
+            <a:p>
+              <a:pPr marL="1257300" lvl="2" indent="-342900">
+                <a:spcAft>
+                  <a:spcPts val="600"/>
+                </a:spcAft>
+                <a:buFont typeface="Arial" panose="020B0604020202020204" pitchFamily="34" charset="0"/>
+                <a:buChar char="•"/>
+              </a:pPr>
+              <a:r>
+                <a:rPr lang="en-US" b="1" i="0" dirty="0">
+                  <a:solidFill>
+                    <a:srgbClr val="000000"/>
+                  </a:solidFill>
+                  <a:effectLst/>
+                  <a:latin typeface="Fira Sans" panose="020F0502020204030204" pitchFamily="34" charset="0"/>
+                </a:rPr>
+                <a:t>1st Dimension</a:t>
+              </a:r>
+              <a:r>
+                <a:rPr lang="en-US" i="0" dirty="0">
+                  <a:solidFill>
+                    <a:srgbClr val="000000"/>
+                  </a:solidFill>
+                  <a:effectLst/>
+                  <a:latin typeface="Fira Sans" panose="020F0502020204030204" pitchFamily="34" charset="0"/>
+                </a:rPr>
+                <a:t>: Separation based on </a:t>
+              </a:r>
+              <a:r>
+                <a:rPr lang="en-US" b="1" i="0" dirty="0">
+                  <a:solidFill>
+                    <a:srgbClr val="000000"/>
+                  </a:solidFill>
+                  <a:effectLst/>
+                  <a:latin typeface="Fira Sans" panose="020F0502020204030204" pitchFamily="34" charset="0"/>
+                </a:rPr>
+                <a:t>isoelectric point (</a:t>
+              </a:r>
+              <a:r>
+                <a:rPr lang="en-US" b="1" i="0" dirty="0" err="1">
+                  <a:solidFill>
+                    <a:srgbClr val="000000"/>
+                  </a:solidFill>
+                  <a:effectLst/>
+                  <a:latin typeface="Fira Sans" panose="020F0502020204030204" pitchFamily="34" charset="0"/>
+                </a:rPr>
+                <a:t>pI</a:t>
+              </a:r>
+              <a:r>
+                <a:rPr lang="en-US" b="1" i="0" dirty="0">
+                  <a:solidFill>
+                    <a:srgbClr val="000000"/>
+                  </a:solidFill>
+                  <a:effectLst/>
+                  <a:latin typeface="Fira Sans" panose="020F0502020204030204" pitchFamily="34" charset="0"/>
+                </a:rPr>
+                <a:t>) </a:t>
+              </a:r>
+              <a:r>
+                <a:rPr lang="en-US" i="0" dirty="0">
+                  <a:solidFill>
+                    <a:srgbClr val="000000"/>
+                  </a:solidFill>
+                  <a:effectLst/>
+                  <a:latin typeface="Fira Sans" panose="020F0502020204030204" pitchFamily="34" charset="0"/>
+                </a:rPr>
+                <a:t>using Isoelectric Focusing (IEF).</a:t>
+              </a:r>
+            </a:p>
+            <a:p>
+              <a:pPr marL="1257300" lvl="2" indent="-342900">
+                <a:spcAft>
+                  <a:spcPts val="600"/>
+                </a:spcAft>
+                <a:buFont typeface="Arial" panose="020B0604020202020204" pitchFamily="34" charset="0"/>
+                <a:buChar char="•"/>
+              </a:pPr>
+              <a:r>
+                <a:rPr lang="en-US" b="1" i="0" dirty="0">
+                  <a:solidFill>
+                    <a:srgbClr val="000000"/>
+                  </a:solidFill>
+                  <a:effectLst/>
+                  <a:latin typeface="Fira Sans" panose="020F0502020204030204" pitchFamily="34" charset="0"/>
+                </a:rPr>
+                <a:t>2nd Dimension</a:t>
+              </a:r>
+              <a:r>
+                <a:rPr lang="en-US" i="0" dirty="0">
+                  <a:solidFill>
+                    <a:srgbClr val="000000"/>
+                  </a:solidFill>
+                  <a:effectLst/>
+                  <a:latin typeface="Fira Sans" panose="020F0502020204030204" pitchFamily="34" charset="0"/>
+                </a:rPr>
+                <a:t>: Separation based on </a:t>
+              </a:r>
+              <a:r>
+                <a:rPr lang="en-US" b="1" i="0" dirty="0">
+                  <a:solidFill>
+                    <a:srgbClr val="000000"/>
+                  </a:solidFill>
+                  <a:effectLst/>
+                  <a:latin typeface="Fira Sans" panose="020F0502020204030204" pitchFamily="34" charset="0"/>
+                </a:rPr>
+                <a:t>molecular mass (</a:t>
+              </a:r>
+              <a:r>
+                <a:rPr lang="en-US" b="1" i="0" dirty="0" err="1">
+                  <a:solidFill>
+                    <a:srgbClr val="000000"/>
+                  </a:solidFill>
+                  <a:effectLst/>
+                  <a:latin typeface="Fira Sans" panose="020F0502020204030204" pitchFamily="34" charset="0"/>
+                </a:rPr>
+                <a:t>kDa</a:t>
+              </a:r>
+              <a:r>
+                <a:rPr lang="en-US" b="1" i="0" dirty="0">
+                  <a:solidFill>
+                    <a:srgbClr val="000000"/>
+                  </a:solidFill>
+                  <a:effectLst/>
+                  <a:latin typeface="Fira Sans" panose="020F0502020204030204" pitchFamily="34" charset="0"/>
+                </a:rPr>
+                <a:t>) </a:t>
+              </a:r>
+              <a:r>
+                <a:rPr lang="en-US" i="0" dirty="0">
+                  <a:solidFill>
+                    <a:srgbClr val="000000"/>
+                  </a:solidFill>
+                  <a:effectLst/>
+                  <a:latin typeface="Fira Sans" panose="020F0502020204030204" pitchFamily="34" charset="0"/>
+                </a:rPr>
+                <a:t>using SDS-PAGE.</a:t>
+              </a:r>
+            </a:p>
+            <a:p>
+              <a:pPr marL="800100" lvl="1" indent="-342900">
+                <a:spcAft>
+                  <a:spcPts val="1800"/>
+                </a:spcAft>
+                <a:buFont typeface="Arial" panose="020B0604020202020204" pitchFamily="34" charset="0"/>
+                <a:buChar char="•"/>
+              </a:pPr>
+              <a:r>
+                <a:rPr lang="en-US" b="1" i="0" dirty="0">
+                  <a:solidFill>
+                    <a:srgbClr val="000000"/>
+                  </a:solidFill>
+                  <a:effectLst/>
+                  <a:latin typeface="Fira Sans" panose="020F0502020204030204" pitchFamily="34" charset="0"/>
+                </a:rPr>
+                <a:t>Output:</a:t>
+              </a:r>
+              <a:r>
+                <a:rPr lang="en-US" i="0" dirty="0">
+                  <a:solidFill>
+                    <a:srgbClr val="000000"/>
+                  </a:solidFill>
+                  <a:effectLst/>
+                  <a:latin typeface="Fira Sans" panose="020F0502020204030204" pitchFamily="34" charset="0"/>
+                </a:rPr>
+                <a:t> Creates a visual map of the proteome as a series of distinct spots, allowing comparison between samples (e.g., 2D-DIGE).</a:t>
+              </a:r>
+            </a:p>
+            <a:p>
+              <a:pPr marL="342900" indent="-342900">
+                <a:spcAft>
+                  <a:spcPts val="600"/>
+                </a:spcAft>
+                <a:buFont typeface="+mj-lt"/>
+                <a:buAutoNum type="arabicPeriod"/>
+              </a:pPr>
+              <a:r>
+                <a:rPr lang="en-US" b="1" i="0" dirty="0">
+                  <a:solidFill>
+                    <a:srgbClr val="000000"/>
+                  </a:solidFill>
+                  <a:effectLst/>
+                  <a:latin typeface="Fira Sans" panose="020F0502020204030204" pitchFamily="34" charset="0"/>
+                </a:rPr>
+                <a:t>Liquid Chromatography (LC)</a:t>
+              </a:r>
+            </a:p>
+            <a:p>
+              <a:pPr marL="800100" lvl="1" indent="-342900">
+                <a:spcAft>
+                  <a:spcPts val="600"/>
+                </a:spcAft>
+                <a:buFont typeface="Arial" panose="020B0604020202020204" pitchFamily="34" charset="0"/>
+                <a:buChar char="•"/>
+              </a:pPr>
+              <a:r>
+                <a:rPr lang="en-US" b="1" i="0" dirty="0">
+                  <a:solidFill>
+                    <a:srgbClr val="000000"/>
+                  </a:solidFill>
+                  <a:effectLst/>
+                  <a:latin typeface="Fira Sans" panose="020F0502020204030204" pitchFamily="34" charset="0"/>
+                </a:rPr>
+                <a:t>Method: </a:t>
+              </a:r>
+              <a:r>
+                <a:rPr lang="en-US" i="0" dirty="0">
+                  <a:solidFill>
+                    <a:srgbClr val="000000"/>
+                  </a:solidFill>
+                  <a:effectLst/>
+                  <a:latin typeface="Fira Sans" panose="020F0502020204030204" pitchFamily="34" charset="0"/>
+                </a:rPr>
+                <a:t>Used for </a:t>
+              </a:r>
+              <a:r>
+                <a:rPr lang="en-US" b="1" i="0" dirty="0">
+                  <a:solidFill>
+                    <a:srgbClr val="000000"/>
+                  </a:solidFill>
+                  <a:effectLst/>
+                  <a:latin typeface="Fira Sans" panose="020F0502020204030204" pitchFamily="34" charset="0"/>
+                </a:rPr>
+                <a:t>"Gel-Free" </a:t>
+              </a:r>
+              <a:r>
+                <a:rPr lang="en-US" i="0" dirty="0">
+                  <a:solidFill>
+                    <a:srgbClr val="000000"/>
+                  </a:solidFill>
+                  <a:effectLst/>
+                  <a:latin typeface="Fira Sans" panose="020F0502020204030204" pitchFamily="34" charset="0"/>
+                </a:rPr>
+                <a:t>or </a:t>
+              </a:r>
+              <a:r>
+                <a:rPr lang="en-US" b="1" i="0" dirty="0">
+                  <a:solidFill>
+                    <a:srgbClr val="000000"/>
+                  </a:solidFill>
+                  <a:effectLst/>
+                  <a:latin typeface="Fira Sans" panose="020F0502020204030204" pitchFamily="34" charset="0"/>
+                </a:rPr>
+                <a:t>Shotgun Proteomics</a:t>
+              </a:r>
+              <a:r>
+                <a:rPr lang="en-US" i="0" dirty="0">
+                  <a:solidFill>
+                    <a:srgbClr val="000000"/>
+                  </a:solidFill>
+                  <a:effectLst/>
+                  <a:latin typeface="Fira Sans" panose="020F0502020204030204" pitchFamily="34" charset="0"/>
+                </a:rPr>
+                <a:t>.</a:t>
+              </a:r>
+            </a:p>
+            <a:p>
+              <a:pPr marL="800100" lvl="1" indent="-342900">
+                <a:spcAft>
+                  <a:spcPts val="600"/>
+                </a:spcAft>
+                <a:buFont typeface="Arial" panose="020B0604020202020204" pitchFamily="34" charset="0"/>
+                <a:buChar char="•"/>
+              </a:pPr>
+              <a:r>
+                <a:rPr lang="en-US" i="0" dirty="0">
+                  <a:solidFill>
+                    <a:srgbClr val="000000"/>
+                  </a:solidFill>
+                  <a:effectLst/>
+                  <a:latin typeface="Fira Sans" panose="020F0502020204030204" pitchFamily="34" charset="0"/>
+                </a:rPr>
+                <a:t>Peptides are separated based on their hydrophobicity before being injected directly into the Mass Spectrometer.</a:t>
+              </a:r>
+            </a:p>
+          </p:txBody>
+        </p:sp>
+        <p:sp>
+          <p:nvSpPr>
+            <p:cNvPr id="5" name="TextBox 4">
+              <a:extLst>
+                <a:ext uri="{FF2B5EF4-FFF2-40B4-BE49-F238E27FC236}">
+                  <a16:creationId xmlns:a16="http://schemas.microsoft.com/office/drawing/2014/main" id="{EE9B1A01-32F5-D19E-DF1F-453EB8A3F8F2}"/>
+                </a:ext>
+              </a:extLst>
+            </p:cNvPr>
+            <p:cNvSpPr txBox="1"/>
+            <p:nvPr/>
+          </p:nvSpPr>
+          <p:spPr>
+            <a:xfrm>
+              <a:off x="624077" y="270357"/>
+              <a:ext cx="9070858" cy="523220"/>
+            </a:xfrm>
+            <a:prstGeom prst="rect">
+              <a:avLst/>
+            </a:prstGeom>
+            <a:noFill/>
+          </p:spPr>
+          <p:txBody>
+            <a:bodyPr wrap="square">
+              <a:spAutoFit/>
+            </a:bodyPr>
+            <a:lstStyle/>
+            <a:p>
+              <a:pPr algn="l">
+                <a:buNone/>
+              </a:pPr>
+              <a:r>
+                <a:rPr lang="en-US" sz="2800" b="0" i="0" dirty="0">
+                  <a:solidFill>
+                    <a:srgbClr val="1A292C"/>
+                  </a:solidFill>
+                  <a:effectLst/>
+                  <a:latin typeface="Fira Sans" panose="020F0502020204030204" pitchFamily="34" charset="0"/>
+                </a:rPr>
+                <a:t>Key Technologies: Separation and Visualization</a:t>
+              </a:r>
+            </a:p>
+          </p:txBody>
+        </p:sp>
+      </p:grpSp>
+      <p:sp>
+        <p:nvSpPr>
+          <p:cNvPr id="11" name="TextBox 10">
+            <a:extLst>
+              <a:ext uri="{FF2B5EF4-FFF2-40B4-BE49-F238E27FC236}">
+                <a16:creationId xmlns:a16="http://schemas.microsoft.com/office/drawing/2014/main" id="{E50A8DBB-DDBF-2270-5293-7E1332732247}"/>
+              </a:ext>
+            </a:extLst>
+          </p:cNvPr>
+          <p:cNvSpPr txBox="1"/>
+          <p:nvPr/>
+        </p:nvSpPr>
+        <p:spPr>
+          <a:xfrm>
+            <a:off x="6169152" y="270357"/>
+            <a:ext cx="5222901" cy="672235"/>
+          </a:xfrm>
+          <a:prstGeom prst="rect">
+            <a:avLst/>
+          </a:prstGeom>
+          <a:noFill/>
+        </p:spPr>
+        <p:txBody>
+          <a:bodyPr wrap="square">
+            <a:spAutoFit/>
+          </a:bodyPr>
+          <a:lstStyle/>
+          <a:p>
+            <a:pPr algn="l">
+              <a:lnSpc>
+                <a:spcPct val="150000"/>
+              </a:lnSpc>
+              <a:buNone/>
+            </a:pPr>
+            <a:endParaRPr lang="en-US" sz="2800" b="0" i="0" dirty="0">
+              <a:solidFill>
+                <a:srgbClr val="1A292C"/>
+              </a:solidFill>
+              <a:effectLst/>
+              <a:latin typeface="Fira Sans" panose="020F0502020204030204" pitchFamily="34" charset="0"/>
+            </a:endParaRPr>
+          </a:p>
+        </p:txBody>
+      </p:sp>
+    </p:spTree>
+    <p:extLst>
+      <p:ext uri="{BB962C8B-B14F-4D97-AF65-F5344CB8AC3E}">
+        <p14:creationId xmlns:p14="http://schemas.microsoft.com/office/powerpoint/2010/main" val="4220134442"/>
+      </p:ext>
+    </p:extLst>
+  </p:cSld>
+  <p:clrMapOvr>
+    <a:masterClrMapping/>
+  </p:clrMapOvr>
+</p:sld>
+</file>
+
+<file path=ppt/slides/slide7.xml><?xml version="1.0" encoding="utf-8"?>
+<p:sld xmlns:a="http://schemas.openxmlformats.org/drawingml/2006/main" xmlns:r="http://schemas.openxmlformats.org/officeDocument/2006/relationships" xmlns:p="http://schemas.openxmlformats.org/presentationml/2006/main">
+  <p:cSld>
+    <p:spTree>
+      <p:nvGrpSpPr>
+        <p:cNvPr id="1" name="">
+          <a:extLst>
+            <a:ext uri="{FF2B5EF4-FFF2-40B4-BE49-F238E27FC236}">
+              <a16:creationId xmlns:a16="http://schemas.microsoft.com/office/drawing/2014/main" id="{D6131094-15C6-E7B2-E040-4E8DDB0BE978}"/>
+            </a:ext>
+          </a:extLst>
+        </p:cNvPr>
+        <p:cNvGrpSpPr/>
+        <p:nvPr/>
+      </p:nvGrpSpPr>
+      <p:grpSpPr>
+        <a:xfrm>
+          <a:off x="0" y="0"/>
+          <a:ext cx="0" cy="0"/>
+          <a:chOff x="0" y="0"/>
+          <a:chExt cx="0" cy="0"/>
+        </a:xfrm>
+      </p:grpSpPr>
+      <p:grpSp>
+        <p:nvGrpSpPr>
+          <p:cNvPr id="8" name="Group 7">
+            <a:extLst>
+              <a:ext uri="{FF2B5EF4-FFF2-40B4-BE49-F238E27FC236}">
+                <a16:creationId xmlns:a16="http://schemas.microsoft.com/office/drawing/2014/main" id="{B03DC995-8AAE-F6D9-3144-4154D6FD4C81}"/>
+              </a:ext>
+            </a:extLst>
+          </p:cNvPr>
+          <p:cNvGrpSpPr/>
+          <p:nvPr/>
+        </p:nvGrpSpPr>
+        <p:grpSpPr>
+          <a:xfrm>
+            <a:off x="493776" y="270358"/>
+            <a:ext cx="5529073" cy="5476039"/>
+            <a:chOff x="624077" y="270357"/>
+            <a:chExt cx="10008634" cy="5011351"/>
+          </a:xfrm>
+        </p:grpSpPr>
+        <p:sp>
+          <p:nvSpPr>
+            <p:cNvPr id="3" name="TextBox 2">
+              <a:extLst>
+                <a:ext uri="{FF2B5EF4-FFF2-40B4-BE49-F238E27FC236}">
+                  <a16:creationId xmlns:a16="http://schemas.microsoft.com/office/drawing/2014/main" id="{57532384-E6F9-76FA-6C1F-C7868F4B2983}"/>
+                </a:ext>
+              </a:extLst>
+            </p:cNvPr>
+            <p:cNvSpPr txBox="1"/>
+            <p:nvPr/>
+          </p:nvSpPr>
+          <p:spPr>
+            <a:xfrm>
+              <a:off x="624077" y="1479310"/>
+              <a:ext cx="10008634" cy="3802398"/>
+            </a:xfrm>
+            <a:prstGeom prst="rect">
+              <a:avLst/>
+            </a:prstGeom>
+            <a:noFill/>
+          </p:spPr>
+          <p:txBody>
+            <a:bodyPr wrap="square">
+              <a:spAutoFit/>
+            </a:bodyPr>
+            <a:lstStyle/>
+            <a:p>
+              <a:pPr marL="342900" indent="-342900" algn="l">
+                <a:spcAft>
+                  <a:spcPts val="1200"/>
+                </a:spcAft>
+                <a:buAutoNum type="arabicPeriod"/>
+              </a:pPr>
+              <a:r>
+                <a:rPr lang="en-US" sz="1600" b="1" i="0" dirty="0">
+                  <a:solidFill>
+                    <a:srgbClr val="000000"/>
+                  </a:solidFill>
+                  <a:effectLst/>
+                  <a:latin typeface="Fira Sans" panose="020F0502020204030204" pitchFamily="34" charset="0"/>
+                </a:rPr>
+                <a:t>Mass Spectrometry (MS) </a:t>
+              </a:r>
+              <a:r>
+                <a:rPr lang="en-US" sz="1600" i="0" dirty="0">
+                  <a:solidFill>
+                    <a:srgbClr val="000000"/>
+                  </a:solidFill>
+                  <a:effectLst/>
+                  <a:latin typeface="Fira Sans" panose="020F0502020204030204" pitchFamily="34" charset="0"/>
+                </a:rPr>
+                <a:t>is the central tool in modern proteomics. </a:t>
+              </a:r>
+            </a:p>
+            <a:p>
+              <a:pPr marL="342900" indent="-342900" algn="l">
+                <a:spcAft>
+                  <a:spcPts val="1200"/>
+                </a:spcAft>
+                <a:buAutoNum type="arabicPeriod"/>
+              </a:pPr>
+              <a:r>
+                <a:rPr lang="en-US" sz="1600" b="1" i="0" dirty="0">
+                  <a:solidFill>
+                    <a:srgbClr val="000000"/>
+                  </a:solidFill>
+                  <a:effectLst/>
+                  <a:latin typeface="Fira Sans" panose="020F0502020204030204" pitchFamily="34" charset="0"/>
+                </a:rPr>
+                <a:t>Ionization: </a:t>
+              </a:r>
+              <a:r>
+                <a:rPr lang="en-US" sz="1600" i="0" dirty="0">
+                  <a:solidFill>
+                    <a:srgbClr val="000000"/>
+                  </a:solidFill>
+                  <a:effectLst/>
+                  <a:latin typeface="Fira Sans" panose="020F0502020204030204" pitchFamily="34" charset="0"/>
+                </a:rPr>
+                <a:t>Peptides are converted into charged ions (e.g., using </a:t>
+              </a:r>
+              <a:r>
+                <a:rPr lang="en-US" sz="1600" b="1" i="0" dirty="0">
+                  <a:solidFill>
+                    <a:srgbClr val="000000"/>
+                  </a:solidFill>
+                  <a:effectLst/>
+                  <a:latin typeface="Fira Sans" panose="020F0502020204030204" pitchFamily="34" charset="0"/>
+                </a:rPr>
+                <a:t>Electrospray Ionization (ESI)</a:t>
+              </a:r>
+              <a:r>
+                <a:rPr lang="en-US" sz="1600" i="0" dirty="0">
+                  <a:solidFill>
+                    <a:srgbClr val="000000"/>
+                  </a:solidFill>
+                  <a:effectLst/>
+                  <a:latin typeface="Fira Sans" panose="020F0502020204030204" pitchFamily="34" charset="0"/>
+                </a:rPr>
+                <a:t>).</a:t>
+              </a:r>
+            </a:p>
+            <a:p>
+              <a:pPr marL="342900" indent="-342900" algn="l">
+                <a:spcAft>
+                  <a:spcPts val="1200"/>
+                </a:spcAft>
+                <a:buAutoNum type="arabicPeriod"/>
+              </a:pPr>
+              <a:r>
+                <a:rPr lang="en-US" sz="1600" b="1" i="0" dirty="0">
+                  <a:solidFill>
+                    <a:srgbClr val="000000"/>
+                  </a:solidFill>
+                  <a:effectLst/>
+                  <a:latin typeface="Fira Sans" panose="020F0502020204030204" pitchFamily="34" charset="0"/>
+                </a:rPr>
+                <a:t>MS1 (Precursor Scan)</a:t>
+              </a:r>
+              <a:r>
+                <a:rPr lang="en-US" sz="1600" i="0" dirty="0">
+                  <a:solidFill>
+                    <a:srgbClr val="000000"/>
+                  </a:solidFill>
+                  <a:effectLst/>
+                  <a:latin typeface="Fira Sans" panose="020F0502020204030204" pitchFamily="34" charset="0"/>
+                </a:rPr>
+                <a:t>: Measures the </a:t>
+              </a:r>
+              <a:r>
+                <a:rPr lang="en-US" sz="1600" b="1" i="0" dirty="0">
+                  <a:solidFill>
+                    <a:srgbClr val="000000"/>
+                  </a:solidFill>
+                  <a:effectLst/>
+                  <a:latin typeface="Fira Sans" panose="020F0502020204030204" pitchFamily="34" charset="0"/>
+                </a:rPr>
+                <a:t>mass-to-charge ratio (m/z) </a:t>
+              </a:r>
+              <a:r>
+                <a:rPr lang="en-US" sz="1600" i="0" dirty="0">
+                  <a:solidFill>
+                    <a:srgbClr val="000000"/>
+                  </a:solidFill>
+                  <a:effectLst/>
+                  <a:latin typeface="Fira Sans" panose="020F0502020204030204" pitchFamily="34" charset="0"/>
+                </a:rPr>
+                <a:t>of the intact peptides.</a:t>
+              </a:r>
+            </a:p>
+            <a:p>
+              <a:pPr marL="342900" indent="-342900" algn="l">
+                <a:spcAft>
+                  <a:spcPts val="1200"/>
+                </a:spcAft>
+                <a:buAutoNum type="arabicPeriod"/>
+              </a:pPr>
+              <a:r>
+                <a:rPr lang="en-US" sz="1600" b="1" i="0" dirty="0">
+                  <a:solidFill>
+                    <a:srgbClr val="000000"/>
+                  </a:solidFill>
+                  <a:effectLst/>
+                  <a:latin typeface="Fira Sans" panose="020F0502020204030204" pitchFamily="34" charset="0"/>
+                </a:rPr>
+                <a:t>Fragmentation (MS/MS or MS2): </a:t>
+              </a:r>
+              <a:r>
+                <a:rPr lang="en-US" sz="1600" i="0" dirty="0">
+                  <a:solidFill>
+                    <a:srgbClr val="000000"/>
+                  </a:solidFill>
+                  <a:effectLst/>
+                  <a:latin typeface="Fira Sans" panose="020F0502020204030204" pitchFamily="34" charset="0"/>
+                </a:rPr>
+                <a:t>Selected peptides are isolated and broken down into smaller fragment ions (e.g., b-ions and y-ions) via Collision-Induced Dissociation (CID).</a:t>
+              </a:r>
+            </a:p>
+            <a:p>
+              <a:pPr marL="342900" indent="-342900" algn="l">
+                <a:spcAft>
+                  <a:spcPts val="1200"/>
+                </a:spcAft>
+                <a:buAutoNum type="arabicPeriod"/>
+              </a:pPr>
+              <a:r>
+                <a:rPr lang="en-US" sz="1600" b="1" i="0" dirty="0">
+                  <a:solidFill>
+                    <a:srgbClr val="000000"/>
+                  </a:solidFill>
+                  <a:effectLst/>
+                  <a:latin typeface="Fira Sans" panose="020F0502020204030204" pitchFamily="34" charset="0"/>
+                </a:rPr>
+                <a:t>Identification</a:t>
+              </a:r>
+              <a:r>
+                <a:rPr lang="en-US" sz="1600" i="0" dirty="0">
+                  <a:solidFill>
+                    <a:srgbClr val="000000"/>
+                  </a:solidFill>
+                  <a:effectLst/>
+                  <a:latin typeface="Fira Sans" panose="020F0502020204030204" pitchFamily="34" charset="0"/>
+                </a:rPr>
+                <a:t>: The unique pattern of fragment ions (the </a:t>
+              </a:r>
+              <a:r>
+                <a:rPr lang="en-US" sz="1600" b="1" i="0" dirty="0">
+                  <a:solidFill>
+                    <a:srgbClr val="000000"/>
+                  </a:solidFill>
+                  <a:effectLst/>
+                  <a:latin typeface="Fira Sans" panose="020F0502020204030204" pitchFamily="34" charset="0"/>
+                </a:rPr>
+                <a:t>fragmentation spectrum</a:t>
+              </a:r>
+              <a:r>
+                <a:rPr lang="en-US" sz="1600" i="0" dirty="0">
+                  <a:solidFill>
+                    <a:srgbClr val="000000"/>
+                  </a:solidFill>
+                  <a:effectLst/>
+                  <a:latin typeface="Fira Sans" panose="020F0502020204030204" pitchFamily="34" charset="0"/>
+                </a:rPr>
+                <a:t>) acts as a fingerprint that is used to determine the peptide's amino acid sequence.</a:t>
+              </a:r>
+            </a:p>
+          </p:txBody>
+        </p:sp>
+        <p:sp>
+          <p:nvSpPr>
+            <p:cNvPr id="5" name="TextBox 4">
+              <a:extLst>
+                <a:ext uri="{FF2B5EF4-FFF2-40B4-BE49-F238E27FC236}">
+                  <a16:creationId xmlns:a16="http://schemas.microsoft.com/office/drawing/2014/main" id="{A9061AB1-861D-E3C0-2D86-56CF7DF1CE56}"/>
+                </a:ext>
+              </a:extLst>
+            </p:cNvPr>
+            <p:cNvSpPr txBox="1"/>
+            <p:nvPr/>
+          </p:nvSpPr>
+          <p:spPr>
+            <a:xfrm>
+              <a:off x="624077" y="270357"/>
+              <a:ext cx="9070858" cy="954107"/>
+            </a:xfrm>
+            <a:prstGeom prst="rect">
+              <a:avLst/>
+            </a:prstGeom>
+            <a:noFill/>
+          </p:spPr>
+          <p:txBody>
+            <a:bodyPr wrap="square">
+              <a:spAutoFit/>
+            </a:bodyPr>
+            <a:lstStyle/>
+            <a:p>
+              <a:pPr algn="l">
+                <a:buNone/>
+              </a:pPr>
+              <a:r>
+                <a:rPr lang="en-US" sz="2800" b="0" i="0" dirty="0">
+                  <a:solidFill>
+                    <a:srgbClr val="1A292C"/>
+                  </a:solidFill>
+                  <a:effectLst/>
+                  <a:latin typeface="Fira Sans" panose="020F0502020204030204" pitchFamily="34" charset="0"/>
+                </a:rPr>
+                <a:t>Core Technology: </a:t>
+              </a:r>
+            </a:p>
+            <a:p>
+              <a:pPr algn="l">
+                <a:buNone/>
+              </a:pPr>
+              <a:r>
+                <a:rPr lang="en-US" sz="2800" b="0" i="0" dirty="0">
+                  <a:solidFill>
+                    <a:srgbClr val="1A292C"/>
+                  </a:solidFill>
+                  <a:effectLst/>
+                  <a:latin typeface="Fira Sans" panose="020F0502020204030204" pitchFamily="34" charset="0"/>
+                </a:rPr>
+                <a:t>Mass Spectrometry (MS)</a:t>
+              </a:r>
+            </a:p>
+          </p:txBody>
+        </p:sp>
+      </p:grpSp>
+      <p:sp>
+        <p:nvSpPr>
+          <p:cNvPr id="11" name="TextBox 10">
+            <a:extLst>
+              <a:ext uri="{FF2B5EF4-FFF2-40B4-BE49-F238E27FC236}">
+                <a16:creationId xmlns:a16="http://schemas.microsoft.com/office/drawing/2014/main" id="{A2E95E44-8C72-A009-CF40-B5A41F5894E4}"/>
+              </a:ext>
+            </a:extLst>
+          </p:cNvPr>
+          <p:cNvSpPr txBox="1"/>
+          <p:nvPr/>
+        </p:nvSpPr>
+        <p:spPr>
+          <a:xfrm>
+            <a:off x="6169152" y="270357"/>
+            <a:ext cx="5222901" cy="672235"/>
+          </a:xfrm>
+          <a:prstGeom prst="rect">
+            <a:avLst/>
+          </a:prstGeom>
+          <a:noFill/>
+        </p:spPr>
+        <p:txBody>
+          <a:bodyPr wrap="square">
+            <a:spAutoFit/>
+          </a:bodyPr>
+          <a:lstStyle/>
+          <a:p>
+            <a:pPr algn="l">
+              <a:lnSpc>
+                <a:spcPct val="150000"/>
+              </a:lnSpc>
+              <a:buNone/>
+            </a:pPr>
+            <a:endParaRPr lang="en-US" sz="2800" b="0" i="0" dirty="0">
+              <a:solidFill>
+                <a:srgbClr val="1A292C"/>
+              </a:solidFill>
+              <a:effectLst/>
+              <a:latin typeface="Fira Sans" panose="020F0502020204030204" pitchFamily="34" charset="0"/>
+            </a:endParaRPr>
+          </a:p>
+        </p:txBody>
+      </p:sp>
+      <p:pic>
+        <p:nvPicPr>
+          <p:cNvPr id="1026" name="Picture 2" descr="a tandem mass spectrometer (MS/MS) diagram">
+            <a:extLst>
+              <a:ext uri="{FF2B5EF4-FFF2-40B4-BE49-F238E27FC236}">
+                <a16:creationId xmlns:a16="http://schemas.microsoft.com/office/drawing/2014/main" id="{ACCEE40B-2671-7AD4-FF65-737A7995C051}"/>
+              </a:ext>
+            </a:extLst>
+          </p:cNvPr>
+          <p:cNvPicPr>
+            <a:picLocks noChangeAspect="1" noChangeArrowheads="1"/>
+          </p:cNvPicPr>
+          <p:nvPr/>
+        </p:nvPicPr>
+        <p:blipFill>
+          <a:blip r:embed="rId2">
+            <a:extLst>
+              <a:ext uri="{28A0092B-C50C-407E-A947-70E740481C1C}">
+                <a14:useLocalDpi xmlns:a14="http://schemas.microsoft.com/office/drawing/2010/main" val="0"/>
+              </a:ext>
+            </a:extLst>
+          </a:blip>
+          <a:srcRect/>
+          <a:stretch>
+            <a:fillRect/>
+          </a:stretch>
+        </p:blipFill>
+        <p:spPr bwMode="auto">
+          <a:xfrm>
+            <a:off x="6246434" y="1252729"/>
+            <a:ext cx="5817378" cy="3877056"/>
+          </a:xfrm>
+          <a:prstGeom prst="rect">
+            <a:avLst/>
+          </a:prstGeom>
+          <a:noFill/>
+          <a:extLst>
+            <a:ext uri="{909E8E84-426E-40DD-AFC4-6F175D3DCCD1}">
+              <a14:hiddenFill xmlns:a14="http://schemas.microsoft.com/office/drawing/2010/main">
+                <a:solidFill>
+                  <a:srgbClr val="FFFFFF"/>
+                </a:solidFill>
+              </a14:hiddenFill>
+            </a:ext>
+          </a:extLst>
+        </p:spPr>
+      </p:pic>
+    </p:spTree>
+    <p:extLst>
+      <p:ext uri="{BB962C8B-B14F-4D97-AF65-F5344CB8AC3E}">
+        <p14:creationId xmlns:p14="http://schemas.microsoft.com/office/powerpoint/2010/main" val="1575532986"/>
+      </p:ext>
+    </p:extLst>
+  </p:cSld>
+  <p:clrMapOvr>
+    <a:masterClrMapping/>
+  </p:clrMapOvr>
+</p:sld>
+</file>
+
+<file path=ppt/slides/slide8.xml><?xml version="1.0" encoding="utf-8"?>
+<p:sld xmlns:a="http://schemas.openxmlformats.org/drawingml/2006/main" xmlns:r="http://schemas.openxmlformats.org/officeDocument/2006/relationships" xmlns:p="http://schemas.openxmlformats.org/presentationml/2006/main">
+  <p:cSld>
+    <p:spTree>
+      <p:nvGrpSpPr>
+        <p:cNvPr id="1" name="">
+          <a:extLst>
+            <a:ext uri="{FF2B5EF4-FFF2-40B4-BE49-F238E27FC236}">
+              <a16:creationId xmlns:a16="http://schemas.microsoft.com/office/drawing/2014/main" id="{8BFC47C5-65D4-4090-4226-2FB915F38E49}"/>
+            </a:ext>
+          </a:extLst>
+        </p:cNvPr>
+        <p:cNvGrpSpPr/>
+        <p:nvPr/>
+      </p:nvGrpSpPr>
+      <p:grpSpPr>
+        <a:xfrm>
+          <a:off x="0" y="0"/>
+          <a:ext cx="0" cy="0"/>
+          <a:chOff x="0" y="0"/>
+          <a:chExt cx="0" cy="0"/>
+        </a:xfrm>
+      </p:grpSpPr>
+      <p:grpSp>
+        <p:nvGrpSpPr>
+          <p:cNvPr id="8" name="Group 7">
+            <a:extLst>
+              <a:ext uri="{FF2B5EF4-FFF2-40B4-BE49-F238E27FC236}">
+                <a16:creationId xmlns:a16="http://schemas.microsoft.com/office/drawing/2014/main" id="{0EE0F3E9-BF60-8CD8-5192-3F13EA744A97}"/>
+              </a:ext>
+            </a:extLst>
+          </p:cNvPr>
+          <p:cNvGrpSpPr/>
+          <p:nvPr/>
+        </p:nvGrpSpPr>
+        <p:grpSpPr>
+          <a:xfrm>
+            <a:off x="493776" y="270357"/>
+            <a:ext cx="10735055" cy="4577100"/>
+            <a:chOff x="624077" y="270357"/>
+            <a:chExt cx="10008634" cy="4577100"/>
+          </a:xfrm>
+        </p:grpSpPr>
+        <p:sp>
+          <p:nvSpPr>
+            <p:cNvPr id="3" name="TextBox 2">
+              <a:extLst>
+                <a:ext uri="{FF2B5EF4-FFF2-40B4-BE49-F238E27FC236}">
+                  <a16:creationId xmlns:a16="http://schemas.microsoft.com/office/drawing/2014/main" id="{862E0AB6-1EB1-CE2A-3ACC-C7A0027ED2E8}"/>
+                </a:ext>
+              </a:extLst>
+            </p:cNvPr>
+            <p:cNvSpPr txBox="1"/>
+            <p:nvPr/>
+          </p:nvSpPr>
+          <p:spPr>
+            <a:xfrm>
+              <a:off x="624077" y="1369582"/>
+              <a:ext cx="10008634" cy="3477875"/>
+            </a:xfrm>
+            <a:prstGeom prst="rect">
+              <a:avLst/>
+            </a:prstGeom>
+            <a:noFill/>
+          </p:spPr>
+          <p:txBody>
+            <a:bodyPr wrap="square">
+              <a:spAutoFit/>
+            </a:bodyPr>
+            <a:lstStyle/>
+            <a:p>
+              <a:pPr marL="342900" indent="-342900" algn="l">
+                <a:spcAft>
+                  <a:spcPts val="600"/>
+                </a:spcAft>
+                <a:buAutoNum type="arabicPeriod"/>
+              </a:pPr>
+              <a:r>
+                <a:rPr lang="en-US" b="1" i="0" dirty="0">
+                  <a:solidFill>
+                    <a:srgbClr val="000000"/>
+                  </a:solidFill>
+                  <a:effectLst/>
+                  <a:latin typeface="Fira Sans" panose="020F0502020204030204" pitchFamily="34" charset="0"/>
+                </a:rPr>
+                <a:t>Label-Free Quantification (LFQ)</a:t>
+              </a:r>
+            </a:p>
+            <a:p>
+              <a:pPr marL="800100" lvl="1" indent="-342900">
+                <a:spcAft>
+                  <a:spcPts val="600"/>
+                </a:spcAft>
+                <a:buFont typeface="Arial" panose="020B0604020202020204" pitchFamily="34" charset="0"/>
+                <a:buChar char="•"/>
+              </a:pPr>
+              <a:r>
+                <a:rPr lang="en-US" b="1" i="0" dirty="0">
+                  <a:solidFill>
+                    <a:srgbClr val="000000"/>
+                  </a:solidFill>
+                  <a:effectLst/>
+                  <a:latin typeface="Fira Sans" panose="020F0502020204030204" pitchFamily="34" charset="0"/>
+                </a:rPr>
+                <a:t>Method: </a:t>
+              </a:r>
+              <a:r>
+                <a:rPr lang="en-US" i="0" dirty="0">
+                  <a:solidFill>
+                    <a:srgbClr val="000000"/>
+                  </a:solidFill>
+                  <a:effectLst/>
+                  <a:latin typeface="Fira Sans" panose="020F0502020204030204" pitchFamily="34" charset="0"/>
+                </a:rPr>
+                <a:t>Compares the intensity or abundance of peptide ions in the mass spectra directly between different experimental runs.</a:t>
+              </a:r>
+            </a:p>
+            <a:p>
+              <a:pPr marL="800100" lvl="1" indent="-342900">
+                <a:spcAft>
+                  <a:spcPts val="1200"/>
+                </a:spcAft>
+                <a:buFont typeface="Arial" panose="020B0604020202020204" pitchFamily="34" charset="0"/>
+                <a:buChar char="•"/>
+              </a:pPr>
+              <a:r>
+                <a:rPr lang="en-US" b="1" i="0" dirty="0">
+                  <a:solidFill>
+                    <a:srgbClr val="000000"/>
+                  </a:solidFill>
+                  <a:effectLst/>
+                  <a:latin typeface="Fira Sans" panose="020F0502020204030204" pitchFamily="34" charset="0"/>
+                </a:rPr>
+                <a:t>Pros: </a:t>
+              </a:r>
+              <a:r>
+                <a:rPr lang="en-US" i="0" dirty="0">
+                  <a:solidFill>
+                    <a:srgbClr val="000000"/>
+                  </a:solidFill>
+                  <a:effectLst/>
+                  <a:latin typeface="Fira Sans" panose="020F0502020204030204" pitchFamily="34" charset="0"/>
+                </a:rPr>
+                <a:t>Cost-effective, simple sample preparation.</a:t>
+              </a:r>
+            </a:p>
+            <a:p>
+              <a:pPr marL="342900" indent="-342900">
+                <a:spcAft>
+                  <a:spcPts val="600"/>
+                </a:spcAft>
+                <a:buFont typeface="+mj-lt"/>
+                <a:buAutoNum type="arabicPeriod"/>
+              </a:pPr>
+              <a:r>
+                <a:rPr lang="en-US" b="1" i="0" dirty="0">
+                  <a:solidFill>
+                    <a:srgbClr val="000000"/>
+                  </a:solidFill>
+                  <a:effectLst/>
+                  <a:latin typeface="Fira Sans" panose="020F0502020204030204" pitchFamily="34" charset="0"/>
+                </a:rPr>
+                <a:t>Isotope Labeling Quantification</a:t>
+              </a:r>
+            </a:p>
+            <a:p>
+              <a:pPr marL="800100" lvl="1" indent="-342900">
+                <a:spcAft>
+                  <a:spcPts val="600"/>
+                </a:spcAft>
+                <a:buFont typeface="Arial" panose="020B0604020202020204" pitchFamily="34" charset="0"/>
+                <a:buChar char="•"/>
+              </a:pPr>
+              <a:r>
+                <a:rPr lang="en-US" b="1" i="0" dirty="0">
+                  <a:solidFill>
+                    <a:srgbClr val="000000"/>
+                  </a:solidFill>
+                  <a:effectLst/>
+                  <a:latin typeface="Fira Sans" panose="020F0502020204030204" pitchFamily="34" charset="0"/>
+                </a:rPr>
+                <a:t>Method:</a:t>
+              </a:r>
+              <a:r>
+                <a:rPr lang="en-US" i="0" dirty="0">
+                  <a:solidFill>
+                    <a:srgbClr val="000000"/>
+                  </a:solidFill>
+                  <a:effectLst/>
+                  <a:latin typeface="Fira Sans" panose="020F0502020204030204" pitchFamily="34" charset="0"/>
+                </a:rPr>
+                <a:t> Chemical labels containing stable isotopes are introduced to the peptides, allowing samples to be mixed and run together in the same MS analysis.</a:t>
+              </a:r>
+            </a:p>
+            <a:p>
+              <a:pPr marL="800100" lvl="1" indent="-342900">
+                <a:spcAft>
+                  <a:spcPts val="600"/>
+                </a:spcAft>
+                <a:buFont typeface="Arial" panose="020B0604020202020204" pitchFamily="34" charset="0"/>
+                <a:buChar char="•"/>
+              </a:pPr>
+              <a:r>
+                <a:rPr lang="en-US" b="1" i="0" dirty="0">
+                  <a:solidFill>
+                    <a:srgbClr val="000000"/>
+                  </a:solidFill>
+                  <a:effectLst/>
+                  <a:latin typeface="Fira Sans" panose="020F0502020204030204" pitchFamily="34" charset="0"/>
+                </a:rPr>
+                <a:t>Examples:</a:t>
+              </a:r>
+            </a:p>
+            <a:p>
+              <a:pPr marL="1257300" lvl="2" indent="-342900">
+                <a:spcAft>
+                  <a:spcPts val="600"/>
+                </a:spcAft>
+                <a:buFont typeface="Arial" panose="020B0604020202020204" pitchFamily="34" charset="0"/>
+                <a:buChar char="•"/>
+              </a:pPr>
+              <a:r>
+                <a:rPr lang="en-US" b="1" i="0" dirty="0">
+                  <a:solidFill>
+                    <a:srgbClr val="000000"/>
+                  </a:solidFill>
+                  <a:effectLst/>
+                  <a:latin typeface="Fira Sans" panose="020F0502020204030204" pitchFamily="34" charset="0"/>
+                </a:rPr>
+                <a:t>SILAC</a:t>
+              </a:r>
+              <a:r>
+                <a:rPr lang="en-US" i="0" dirty="0">
+                  <a:solidFill>
+                    <a:srgbClr val="000000"/>
+                  </a:solidFill>
+                  <a:effectLst/>
+                  <a:latin typeface="Fira Sans" panose="020F0502020204030204" pitchFamily="34" charset="0"/>
+                </a:rPr>
+                <a:t> (Stable Isotope Labeling with Amino acids in Cell culture)</a:t>
+              </a:r>
+            </a:p>
+            <a:p>
+              <a:pPr marL="1257300" lvl="2" indent="-342900">
+                <a:spcAft>
+                  <a:spcPts val="600"/>
+                </a:spcAft>
+                <a:buFont typeface="Arial" panose="020B0604020202020204" pitchFamily="34" charset="0"/>
+                <a:buChar char="•"/>
+              </a:pPr>
+              <a:r>
+                <a:rPr lang="en-US" b="1" i="0" dirty="0" err="1">
+                  <a:solidFill>
+                    <a:srgbClr val="000000"/>
+                  </a:solidFill>
+                  <a:effectLst/>
+                  <a:latin typeface="Fira Sans" panose="020F0502020204030204" pitchFamily="34" charset="0"/>
+                </a:rPr>
+                <a:t>iTRAQ</a:t>
+              </a:r>
+              <a:r>
+                <a:rPr lang="en-US" b="1" i="0" dirty="0">
+                  <a:solidFill>
+                    <a:srgbClr val="000000"/>
+                  </a:solidFill>
+                  <a:effectLst/>
+                  <a:latin typeface="Fira Sans" panose="020F0502020204030204" pitchFamily="34" charset="0"/>
+                </a:rPr>
+                <a:t>/TMT </a:t>
+              </a:r>
+              <a:r>
+                <a:rPr lang="en-US" i="0" dirty="0">
+                  <a:solidFill>
+                    <a:srgbClr val="000000"/>
+                  </a:solidFill>
+                  <a:effectLst/>
+                  <a:latin typeface="Fira Sans" panose="020F0502020204030204" pitchFamily="34" charset="0"/>
+                </a:rPr>
+                <a:t>(Isobaric tags for Relative and Absolute Quantification / Tandem Mass Tags)</a:t>
+              </a:r>
+            </a:p>
+          </p:txBody>
+        </p:sp>
+        <p:sp>
+          <p:nvSpPr>
+            <p:cNvPr id="5" name="TextBox 4">
+              <a:extLst>
+                <a:ext uri="{FF2B5EF4-FFF2-40B4-BE49-F238E27FC236}">
+                  <a16:creationId xmlns:a16="http://schemas.microsoft.com/office/drawing/2014/main" id="{D1C9DD9F-09DB-B66E-C8AC-434D20D23BB9}"/>
+                </a:ext>
+              </a:extLst>
+            </p:cNvPr>
+            <p:cNvSpPr txBox="1"/>
+            <p:nvPr/>
+          </p:nvSpPr>
+          <p:spPr>
+            <a:xfrm>
+              <a:off x="624077" y="270357"/>
+              <a:ext cx="9070858" cy="523220"/>
+            </a:xfrm>
+            <a:prstGeom prst="rect">
+              <a:avLst/>
+            </a:prstGeom>
+            <a:noFill/>
+          </p:spPr>
+          <p:txBody>
+            <a:bodyPr wrap="square">
+              <a:spAutoFit/>
+            </a:bodyPr>
+            <a:lstStyle/>
+            <a:p>
+              <a:pPr algn="l">
+                <a:buNone/>
+              </a:pPr>
+              <a:r>
+                <a:rPr lang="en-US" sz="2800" b="0" i="0" dirty="0">
+                  <a:solidFill>
+                    <a:srgbClr val="1A292C"/>
+                  </a:solidFill>
+                  <a:effectLst/>
+                  <a:latin typeface="Fira Sans" panose="020F0502020204030204" pitchFamily="34" charset="0"/>
+                </a:rPr>
+                <a:t>Quantification Strategies</a:t>
+              </a:r>
+            </a:p>
+          </p:txBody>
+        </p:sp>
+      </p:grpSp>
+      <p:sp>
+        <p:nvSpPr>
+          <p:cNvPr id="11" name="TextBox 10">
+            <a:extLst>
+              <a:ext uri="{FF2B5EF4-FFF2-40B4-BE49-F238E27FC236}">
+                <a16:creationId xmlns:a16="http://schemas.microsoft.com/office/drawing/2014/main" id="{44754634-67FB-C5B0-8F93-B1F0CC5D82AE}"/>
+              </a:ext>
+            </a:extLst>
+          </p:cNvPr>
+          <p:cNvSpPr txBox="1"/>
+          <p:nvPr/>
+        </p:nvSpPr>
+        <p:spPr>
+          <a:xfrm>
+            <a:off x="6169152" y="270357"/>
+            <a:ext cx="5222901" cy="672235"/>
+          </a:xfrm>
+          <a:prstGeom prst="rect">
+            <a:avLst/>
+          </a:prstGeom>
+          <a:noFill/>
+        </p:spPr>
+        <p:txBody>
+          <a:bodyPr wrap="square">
+            <a:spAutoFit/>
+          </a:bodyPr>
+          <a:lstStyle/>
+          <a:p>
+            <a:pPr algn="l">
+              <a:lnSpc>
+                <a:spcPct val="150000"/>
+              </a:lnSpc>
+              <a:buNone/>
+            </a:pPr>
+            <a:endParaRPr lang="en-US" sz="2800" b="0" i="0" dirty="0">
+              <a:solidFill>
+                <a:srgbClr val="1A292C"/>
+              </a:solidFill>
+              <a:effectLst/>
+              <a:latin typeface="Fira Sans" panose="020F0502020204030204" pitchFamily="34" charset="0"/>
+            </a:endParaRPr>
+          </a:p>
+        </p:txBody>
+      </p:sp>
+    </p:spTree>
+    <p:extLst>
+      <p:ext uri="{BB962C8B-B14F-4D97-AF65-F5344CB8AC3E}">
+        <p14:creationId xmlns:p14="http://schemas.microsoft.com/office/powerpoint/2010/main" val="941778037"/>
+      </p:ext>
+    </p:extLst>
+  </p:cSld>
+  <p:clrMapOvr>
+    <a:masterClrMapping/>
+  </p:clrMapOvr>
+</p:sld>
+</file>
+
+<file path=ppt/slides/slide9.xml><?xml version="1.0" encoding="utf-8"?>
+<p:sld xmlns:a="http://schemas.openxmlformats.org/drawingml/2006/main" xmlns:r="http://schemas.openxmlformats.org/officeDocument/2006/relationships" xmlns:p="http://schemas.openxmlformats.org/presentationml/2006/main">
+  <p:cSld>
+    <p:spTree>
+      <p:nvGrpSpPr>
+        <p:cNvPr id="1" name="">
+          <a:extLst>
+            <a:ext uri="{FF2B5EF4-FFF2-40B4-BE49-F238E27FC236}">
+              <a16:creationId xmlns:a16="http://schemas.microsoft.com/office/drawing/2014/main" id="{9779DAC0-AA6C-FA77-4C28-5E7AC94408A6}"/>
+            </a:ext>
+          </a:extLst>
+        </p:cNvPr>
+        <p:cNvGrpSpPr/>
+        <p:nvPr/>
+      </p:nvGrpSpPr>
+      <p:grpSpPr>
+        <a:xfrm>
+          <a:off x="0" y="0"/>
+          <a:ext cx="0" cy="0"/>
+          <a:chOff x="0" y="0"/>
+          <a:chExt cx="0" cy="0"/>
+        </a:xfrm>
+      </p:grpSpPr>
+      <p:grpSp>
+        <p:nvGrpSpPr>
+          <p:cNvPr id="8" name="Group 7">
+            <a:extLst>
+              <a:ext uri="{FF2B5EF4-FFF2-40B4-BE49-F238E27FC236}">
+                <a16:creationId xmlns:a16="http://schemas.microsoft.com/office/drawing/2014/main" id="{23BFE538-4796-357A-3143-3AF456FF7ED1}"/>
+              </a:ext>
+            </a:extLst>
+          </p:cNvPr>
+          <p:cNvGrpSpPr/>
+          <p:nvPr/>
+        </p:nvGrpSpPr>
+        <p:grpSpPr>
+          <a:xfrm>
+            <a:off x="493776" y="270357"/>
+            <a:ext cx="10735055" cy="5131098"/>
+            <a:chOff x="624077" y="270357"/>
+            <a:chExt cx="10008634" cy="5131098"/>
+          </a:xfrm>
+        </p:grpSpPr>
+        <p:sp>
+          <p:nvSpPr>
+            <p:cNvPr id="3" name="TextBox 2">
+              <a:extLst>
+                <a:ext uri="{FF2B5EF4-FFF2-40B4-BE49-F238E27FC236}">
+                  <a16:creationId xmlns:a16="http://schemas.microsoft.com/office/drawing/2014/main" id="{4D19F7DA-9679-C9E9-1372-E04CF428EEDA}"/>
+                </a:ext>
+              </a:extLst>
+            </p:cNvPr>
+            <p:cNvSpPr txBox="1"/>
+            <p:nvPr/>
+          </p:nvSpPr>
+          <p:spPr>
+            <a:xfrm>
+              <a:off x="624077" y="1369582"/>
+              <a:ext cx="10008634" cy="4031873"/>
+            </a:xfrm>
+            <a:prstGeom prst="rect">
+              <a:avLst/>
+            </a:prstGeom>
+            <a:noFill/>
+          </p:spPr>
+          <p:txBody>
+            <a:bodyPr wrap="square">
+              <a:spAutoFit/>
+            </a:bodyPr>
+            <a:lstStyle/>
+            <a:p>
+              <a:pPr marL="342900" indent="-342900" algn="l">
+                <a:spcAft>
+                  <a:spcPts val="600"/>
+                </a:spcAft>
+                <a:buAutoNum type="arabicPeriod"/>
+              </a:pPr>
+              <a:r>
+                <a:rPr lang="en-US" b="1" i="0" dirty="0">
+                  <a:solidFill>
+                    <a:srgbClr val="000000"/>
+                  </a:solidFill>
+                  <a:effectLst/>
+                  <a:latin typeface="Fira Sans" panose="020F0502020204030204" pitchFamily="34" charset="0"/>
+                </a:rPr>
+                <a:t>Biomarker Discovery</a:t>
+              </a:r>
+            </a:p>
+            <a:p>
+              <a:pPr marL="800100" lvl="1" indent="-342900">
+                <a:spcAft>
+                  <a:spcPts val="600"/>
+                </a:spcAft>
+                <a:buFont typeface="Arial" panose="020B0604020202020204" pitchFamily="34" charset="0"/>
+                <a:buChar char="•"/>
+              </a:pPr>
+              <a:r>
+                <a:rPr lang="en-US" i="0" dirty="0">
+                  <a:solidFill>
+                    <a:srgbClr val="000000"/>
+                  </a:solidFill>
+                  <a:effectLst/>
+                  <a:latin typeface="Fira Sans" panose="020F0502020204030204" pitchFamily="34" charset="0"/>
+                </a:rPr>
+                <a:t>Identifying proteins whose abundance or modification state is altered in disease (e.g., cancer, neurodegeneration) for early </a:t>
+              </a:r>
+              <a:r>
+                <a:rPr lang="en-US" b="1" i="0" dirty="0">
+                  <a:solidFill>
+                    <a:srgbClr val="000000"/>
+                  </a:solidFill>
+                  <a:effectLst/>
+                  <a:latin typeface="Fira Sans" panose="020F0502020204030204" pitchFamily="34" charset="0"/>
+                </a:rPr>
+                <a:t>diagnosis</a:t>
+              </a:r>
+              <a:r>
+                <a:rPr lang="en-US" i="0" dirty="0">
+                  <a:solidFill>
+                    <a:srgbClr val="000000"/>
+                  </a:solidFill>
+                  <a:effectLst/>
+                  <a:latin typeface="Fira Sans" panose="020F0502020204030204" pitchFamily="34" charset="0"/>
+                </a:rPr>
+                <a:t> and </a:t>
+              </a:r>
+              <a:r>
+                <a:rPr lang="en-US" b="1" i="0" dirty="0">
+                  <a:solidFill>
+                    <a:srgbClr val="000000"/>
+                  </a:solidFill>
+                  <a:effectLst/>
+                  <a:latin typeface="Fira Sans" panose="020F0502020204030204" pitchFamily="34" charset="0"/>
+                </a:rPr>
+                <a:t>prognosis</a:t>
+              </a:r>
+              <a:r>
+                <a:rPr lang="en-US" i="0" dirty="0">
+                  <a:solidFill>
+                    <a:srgbClr val="000000"/>
+                  </a:solidFill>
+                  <a:effectLst/>
+                  <a:latin typeface="Fira Sans" panose="020F0502020204030204" pitchFamily="34" charset="0"/>
+                </a:rPr>
+                <a:t>.</a:t>
+              </a:r>
+            </a:p>
+            <a:p>
+              <a:pPr marL="342900" indent="-342900">
+                <a:spcAft>
+                  <a:spcPts val="600"/>
+                </a:spcAft>
+                <a:buFont typeface="+mj-lt"/>
+                <a:buAutoNum type="arabicPeriod"/>
+              </a:pPr>
+              <a:r>
+                <a:rPr lang="en-US" b="1" i="0" dirty="0">
+                  <a:solidFill>
+                    <a:srgbClr val="000000"/>
+                  </a:solidFill>
+                  <a:effectLst/>
+                  <a:latin typeface="Fira Sans" panose="020F0502020204030204" pitchFamily="34" charset="0"/>
+                </a:rPr>
+                <a:t>Drug Target Identification</a:t>
+              </a:r>
+            </a:p>
+            <a:p>
+              <a:pPr marL="800100" lvl="1" indent="-342900">
+                <a:spcAft>
+                  <a:spcPts val="600"/>
+                </a:spcAft>
+                <a:buFont typeface="Arial" panose="020B0604020202020204" pitchFamily="34" charset="0"/>
+                <a:buChar char="•"/>
+              </a:pPr>
+              <a:r>
+                <a:rPr lang="en-US" i="0" dirty="0">
+                  <a:solidFill>
+                    <a:srgbClr val="000000"/>
+                  </a:solidFill>
+                  <a:effectLst/>
+                  <a:latin typeface="Fira Sans" panose="020F0502020204030204" pitchFamily="34" charset="0"/>
+                </a:rPr>
+                <a:t>Mapping out cellular signaling pathways to find key proteins whose activity can be modulated by pharmaceuticals.</a:t>
+              </a:r>
+            </a:p>
+            <a:p>
+              <a:pPr marL="800100" lvl="1" indent="-342900">
+                <a:spcAft>
+                  <a:spcPts val="600"/>
+                </a:spcAft>
+                <a:buFont typeface="Arial" panose="020B0604020202020204" pitchFamily="34" charset="0"/>
+                <a:buChar char="•"/>
+              </a:pPr>
+              <a:r>
+                <a:rPr lang="en-US" i="0" dirty="0">
+                  <a:solidFill>
+                    <a:srgbClr val="000000"/>
+                  </a:solidFill>
+                  <a:effectLst/>
+                  <a:latin typeface="Fira Sans" panose="020F0502020204030204" pitchFamily="34" charset="0"/>
+                </a:rPr>
+                <a:t>Understanding the </a:t>
+              </a:r>
+              <a:r>
+                <a:rPr lang="en-US" b="1" i="0" dirty="0">
+                  <a:solidFill>
+                    <a:srgbClr val="000000"/>
+                  </a:solidFill>
+                  <a:effectLst/>
+                  <a:latin typeface="Fira Sans" panose="020F0502020204030204" pitchFamily="34" charset="0"/>
+                </a:rPr>
+                <a:t>mechanism of action </a:t>
+              </a:r>
+              <a:r>
+                <a:rPr lang="en-US" i="0" dirty="0">
+                  <a:solidFill>
+                    <a:srgbClr val="000000"/>
+                  </a:solidFill>
+                  <a:effectLst/>
+                  <a:latin typeface="Fira Sans" panose="020F0502020204030204" pitchFamily="34" charset="0"/>
+                </a:rPr>
+                <a:t>and </a:t>
+              </a:r>
+              <a:r>
+                <a:rPr lang="en-US" b="1" i="0" dirty="0">
+                  <a:solidFill>
+                    <a:srgbClr val="000000"/>
+                  </a:solidFill>
+                  <a:effectLst/>
+                  <a:latin typeface="Fira Sans" panose="020F0502020204030204" pitchFamily="34" charset="0"/>
+                </a:rPr>
+                <a:t>toxicity</a:t>
+              </a:r>
+              <a:r>
+                <a:rPr lang="en-US" i="0" dirty="0">
+                  <a:solidFill>
+                    <a:srgbClr val="000000"/>
+                  </a:solidFill>
+                  <a:effectLst/>
+                  <a:latin typeface="Fira Sans" panose="020F0502020204030204" pitchFamily="34" charset="0"/>
+                </a:rPr>
+                <a:t> of new drug candidates.</a:t>
+              </a:r>
+            </a:p>
+            <a:p>
+              <a:pPr marL="342900" indent="-342900">
+                <a:spcAft>
+                  <a:spcPts val="600"/>
+                </a:spcAft>
+                <a:buFont typeface="+mj-lt"/>
+                <a:buAutoNum type="arabicPeriod"/>
+              </a:pPr>
+              <a:r>
+                <a:rPr lang="en-US" b="1" i="0" dirty="0">
+                  <a:solidFill>
+                    <a:srgbClr val="000000"/>
+                  </a:solidFill>
+                  <a:effectLst/>
+                  <a:latin typeface="Fira Sans" panose="020F0502020204030204" pitchFamily="34" charset="0"/>
+                </a:rPr>
+                <a:t>Personalized Medicine</a:t>
+              </a:r>
+            </a:p>
+            <a:p>
+              <a:pPr marL="800100" lvl="1" indent="-342900">
+                <a:spcAft>
+                  <a:spcPts val="600"/>
+                </a:spcAft>
+                <a:buFont typeface="Arial" panose="020B0604020202020204" pitchFamily="34" charset="0"/>
+                <a:buChar char="•"/>
+              </a:pPr>
+              <a:r>
+                <a:rPr lang="en-US" i="0" dirty="0">
+                  <a:solidFill>
+                    <a:srgbClr val="000000"/>
+                  </a:solidFill>
+                  <a:effectLst/>
+                  <a:latin typeface="Fira Sans" panose="020F0502020204030204" pitchFamily="34" charset="0"/>
+                </a:rPr>
+                <a:t>Analyzing individual patient proteomes to predict drug response and tailor treatment. </a:t>
+              </a:r>
+            </a:p>
+            <a:p>
+              <a:pPr marL="342900" indent="-342900">
+                <a:spcAft>
+                  <a:spcPts val="600"/>
+                </a:spcAft>
+                <a:buFont typeface="+mj-lt"/>
+                <a:buAutoNum type="arabicPeriod"/>
+              </a:pPr>
+              <a:r>
+                <a:rPr lang="en-US" b="1" i="0" dirty="0">
+                  <a:solidFill>
+                    <a:srgbClr val="000000"/>
+                  </a:solidFill>
+                  <a:effectLst/>
+                  <a:latin typeface="Fira Sans" panose="020F0502020204030204" pitchFamily="34" charset="0"/>
+                </a:rPr>
+                <a:t>Post-Translational Modification (PTM) Analysis</a:t>
+              </a:r>
+            </a:p>
+            <a:p>
+              <a:pPr marL="800100" lvl="1" indent="-342900">
+                <a:spcAft>
+                  <a:spcPts val="600"/>
+                </a:spcAft>
+                <a:buFont typeface="Arial" panose="020B0604020202020204" pitchFamily="34" charset="0"/>
+                <a:buChar char="•"/>
+              </a:pPr>
+              <a:r>
+                <a:rPr lang="en-US" i="0" dirty="0">
+                  <a:solidFill>
+                    <a:srgbClr val="000000"/>
+                  </a:solidFill>
+                  <a:effectLst/>
+                  <a:latin typeface="Fira Sans" panose="020F0502020204030204" pitchFamily="34" charset="0"/>
+                </a:rPr>
+                <a:t>Studying modifications like </a:t>
+              </a:r>
+              <a:r>
+                <a:rPr lang="en-US" b="1" i="0" dirty="0">
+                  <a:solidFill>
+                    <a:srgbClr val="000000"/>
+                  </a:solidFill>
+                  <a:effectLst/>
+                  <a:latin typeface="Fira Sans" panose="020F0502020204030204" pitchFamily="34" charset="0"/>
+                </a:rPr>
+                <a:t>phosphorylation, glycosylation</a:t>
+              </a:r>
+              <a:r>
+                <a:rPr lang="en-US" i="0" dirty="0">
+                  <a:solidFill>
+                    <a:srgbClr val="000000"/>
+                  </a:solidFill>
+                  <a:effectLst/>
+                  <a:latin typeface="Fira Sans" panose="020F0502020204030204" pitchFamily="34" charset="0"/>
+                </a:rPr>
+                <a:t>, and </a:t>
+              </a:r>
+              <a:r>
+                <a:rPr lang="en-US" b="1" i="0" dirty="0">
+                  <a:solidFill>
+                    <a:srgbClr val="000000"/>
+                  </a:solidFill>
+                  <a:effectLst/>
+                  <a:latin typeface="Fira Sans" panose="020F0502020204030204" pitchFamily="34" charset="0"/>
+                </a:rPr>
+                <a:t>ubiquitination</a:t>
+              </a:r>
+              <a:r>
+                <a:rPr lang="en-US" i="0" dirty="0">
+                  <a:solidFill>
+                    <a:srgbClr val="000000"/>
+                  </a:solidFill>
+                  <a:effectLst/>
+                  <a:latin typeface="Fira Sans" panose="020F0502020204030204" pitchFamily="34" charset="0"/>
+                </a:rPr>
+                <a:t> that regulate protein activity and signaling.</a:t>
+              </a:r>
+            </a:p>
+          </p:txBody>
+        </p:sp>
+        <p:sp>
+          <p:nvSpPr>
+            <p:cNvPr id="5" name="TextBox 4">
+              <a:extLst>
+                <a:ext uri="{FF2B5EF4-FFF2-40B4-BE49-F238E27FC236}">
+                  <a16:creationId xmlns:a16="http://schemas.microsoft.com/office/drawing/2014/main" id="{6B312436-E6BD-EC34-4770-72A74AB15F01}"/>
+                </a:ext>
+              </a:extLst>
+            </p:cNvPr>
+            <p:cNvSpPr txBox="1"/>
+            <p:nvPr/>
+          </p:nvSpPr>
+          <p:spPr>
+            <a:xfrm>
+              <a:off x="624077" y="270357"/>
+              <a:ext cx="9070858" cy="523220"/>
+            </a:xfrm>
+            <a:prstGeom prst="rect">
+              <a:avLst/>
+            </a:prstGeom>
+            <a:noFill/>
+          </p:spPr>
+          <p:txBody>
+            <a:bodyPr wrap="square">
+              <a:spAutoFit/>
+            </a:bodyPr>
+            <a:lstStyle/>
+            <a:p>
+              <a:pPr algn="l">
+                <a:buNone/>
+              </a:pPr>
+              <a:r>
+                <a:rPr lang="en-US" sz="2800" b="0" i="0" dirty="0">
+                  <a:solidFill>
+                    <a:srgbClr val="1A292C"/>
+                  </a:solidFill>
+                  <a:effectLst/>
+                  <a:latin typeface="Fira Sans" panose="020F0502020204030204" pitchFamily="34" charset="0"/>
+                </a:rPr>
+                <a:t>Applications of Proteomics</a:t>
+              </a:r>
+            </a:p>
+          </p:txBody>
+        </p:sp>
+      </p:grpSp>
+      <p:sp>
+        <p:nvSpPr>
+          <p:cNvPr id="11" name="TextBox 10">
+            <a:extLst>
+              <a:ext uri="{FF2B5EF4-FFF2-40B4-BE49-F238E27FC236}">
+                <a16:creationId xmlns:a16="http://schemas.microsoft.com/office/drawing/2014/main" id="{0D2FD6CB-8169-3874-02C4-25D556DF4C6C}"/>
+              </a:ext>
+            </a:extLst>
+          </p:cNvPr>
+          <p:cNvSpPr txBox="1"/>
+          <p:nvPr/>
+        </p:nvSpPr>
+        <p:spPr>
+          <a:xfrm>
+            <a:off x="6169152" y="270357"/>
+            <a:ext cx="5222901" cy="672235"/>
+          </a:xfrm>
+          <a:prstGeom prst="rect">
+            <a:avLst/>
+          </a:prstGeom>
+          <a:noFill/>
+        </p:spPr>
+        <p:txBody>
+          <a:bodyPr wrap="square">
+            <a:spAutoFit/>
+          </a:bodyPr>
+          <a:lstStyle/>
+          <a:p>
+            <a:pPr algn="l">
+              <a:lnSpc>
+                <a:spcPct val="150000"/>
+              </a:lnSpc>
+              <a:buNone/>
+            </a:pPr>
+            <a:endParaRPr lang="en-US" sz="2800" b="0" i="0" dirty="0">
+              <a:solidFill>
+                <a:srgbClr val="1A292C"/>
+              </a:solidFill>
+              <a:effectLst/>
+              <a:latin typeface="Fira Sans" panose="020F0502020204030204" pitchFamily="34" charset="0"/>
+            </a:endParaRPr>
+          </a:p>
+        </p:txBody>
+      </p:sp>
+    </p:spTree>
+    <p:extLst>
+      <p:ext uri="{BB962C8B-B14F-4D97-AF65-F5344CB8AC3E}">
+        <p14:creationId xmlns:p14="http://schemas.microsoft.com/office/powerpoint/2010/main" val="2794929612"/>
       </p:ext>
     </p:extLst>
   </p:cSld>

--- a/inst/r4proteomics_slides.pptx
+++ b/inst/r4proteomics_slides.pptx
@@ -6,25 +6,27 @@
     <p:sldMasterId id="2147483685" r:id="rId2"/>
   </p:sldMasterIdLst>
   <p:handoutMasterIdLst>
-    <p:handoutMasterId r:id="rId19"/>
+    <p:handoutMasterId r:id="rId21"/>
   </p:handoutMasterIdLst>
   <p:sldIdLst>
     <p:sldId id="256" r:id="rId3"/>
     <p:sldId id="269" r:id="rId4"/>
     <p:sldId id="270" r:id="rId5"/>
-    <p:sldId id="271" r:id="rId6"/>
-    <p:sldId id="272" r:id="rId7"/>
-    <p:sldId id="273" r:id="rId8"/>
-    <p:sldId id="274" r:id="rId9"/>
-    <p:sldId id="275" r:id="rId10"/>
-    <p:sldId id="276" r:id="rId11"/>
-    <p:sldId id="277" r:id="rId12"/>
-    <p:sldId id="257" r:id="rId13"/>
-    <p:sldId id="262" r:id="rId14"/>
-    <p:sldId id="258" r:id="rId15"/>
-    <p:sldId id="263" r:id="rId16"/>
-    <p:sldId id="264" r:id="rId17"/>
-    <p:sldId id="266" r:id="rId18"/>
+    <p:sldId id="279" r:id="rId6"/>
+    <p:sldId id="278" r:id="rId7"/>
+    <p:sldId id="271" r:id="rId8"/>
+    <p:sldId id="272" r:id="rId9"/>
+    <p:sldId id="273" r:id="rId10"/>
+    <p:sldId id="274" r:id="rId11"/>
+    <p:sldId id="275" r:id="rId12"/>
+    <p:sldId id="276" r:id="rId13"/>
+    <p:sldId id="277" r:id="rId14"/>
+    <p:sldId id="257" r:id="rId15"/>
+    <p:sldId id="262" r:id="rId16"/>
+    <p:sldId id="258" r:id="rId17"/>
+    <p:sldId id="263" r:id="rId18"/>
+    <p:sldId id="264" r:id="rId19"/>
+    <p:sldId id="266" r:id="rId20"/>
   </p:sldIdLst>
   <p:sldSz cx="12192000" cy="6858000"/>
   <p:notesSz cx="6858000" cy="9144000"/>
@@ -135,6 +137,8 @@
           <p14:sldIdLst>
             <p14:sldId id="269"/>
             <p14:sldId id="270"/>
+            <p14:sldId id="279"/>
+            <p14:sldId id="278"/>
             <p14:sldId id="271"/>
             <p14:sldId id="272"/>
             <p14:sldId id="273"/>
@@ -144,7 +148,7 @@
             <p14:sldId id="277"/>
           </p14:sldIdLst>
         </p14:section>
-        <p14:section name="R for Proteomics" id="{BE54181E-1A31-4CBB-9345-522D443F5CD2}">
+        <p14:section name="Why R for Proteomics?" id="{BE54181E-1A31-4CBB-9345-522D443F5CD2}">
           <p14:sldIdLst>
             <p14:sldId id="257"/>
           </p14:sldIdLst>
@@ -195,6 +199,3188 @@
     </p:ext>
   </p:extLst>
 </p:presentation>
+</file>
+
+<file path=ppt/diagrams/colors1.xml><?xml version="1.0" encoding="utf-8"?>
+<dgm:colorsDef xmlns:dgm="http://schemas.openxmlformats.org/drawingml/2006/diagram" xmlns:a="http://schemas.openxmlformats.org/drawingml/2006/main" uniqueId="urn:microsoft.com/office/officeart/2005/8/colors/accent1_2">
+  <dgm:title val=""/>
+  <dgm:desc val=""/>
+  <dgm:catLst>
+    <dgm:cat type="accent1" pri="11200"/>
+  </dgm:catLst>
+  <dgm:styleLbl name="node0">
+    <dgm:fillClrLst meth="repeat">
+      <a:schemeClr val="accent1"/>
+    </dgm:fillClrLst>
+    <dgm:linClrLst meth="repeat">
+      <a:schemeClr val="lt1"/>
+    </dgm:linClrLst>
+    <dgm:effectClrLst/>
+    <dgm:txLinClrLst/>
+    <dgm:txFillClrLst/>
+    <dgm:txEffectClrLst/>
+  </dgm:styleLbl>
+  <dgm:styleLbl name="alignNode1">
+    <dgm:fillClrLst meth="repeat">
+      <a:schemeClr val="accent1"/>
+    </dgm:fillClrLst>
+    <dgm:linClrLst meth="repeat">
+      <a:schemeClr val="accent1"/>
+    </dgm:linClrLst>
+    <dgm:effectClrLst/>
+    <dgm:txLinClrLst/>
+    <dgm:txFillClrLst/>
+    <dgm:txEffectClrLst/>
+  </dgm:styleLbl>
+  <dgm:styleLbl name="node1">
+    <dgm:fillClrLst meth="repeat">
+      <a:schemeClr val="accent1"/>
+    </dgm:fillClrLst>
+    <dgm:linClrLst meth="repeat">
+      <a:schemeClr val="lt1"/>
+    </dgm:linClrLst>
+    <dgm:effectClrLst/>
+    <dgm:txLinClrLst/>
+    <dgm:txFillClrLst/>
+    <dgm:txEffectClrLst/>
+  </dgm:styleLbl>
+  <dgm:styleLbl name="lnNode1">
+    <dgm:fillClrLst meth="repeat">
+      <a:schemeClr val="accent1"/>
+    </dgm:fillClrLst>
+    <dgm:linClrLst meth="repeat">
+      <a:schemeClr val="lt1"/>
+    </dgm:linClrLst>
+    <dgm:effectClrLst/>
+    <dgm:txLinClrLst/>
+    <dgm:txFillClrLst/>
+    <dgm:txEffectClrLst/>
+  </dgm:styleLbl>
+  <dgm:styleLbl name="vennNode1">
+    <dgm:fillClrLst meth="repeat">
+      <a:schemeClr val="accent1">
+        <a:alpha val="50000"/>
+      </a:schemeClr>
+    </dgm:fillClrLst>
+    <dgm:linClrLst meth="repeat">
+      <a:schemeClr val="lt1"/>
+    </dgm:linClrLst>
+    <dgm:effectClrLst/>
+    <dgm:txLinClrLst/>
+    <dgm:txFillClrLst/>
+    <dgm:txEffectClrLst/>
+  </dgm:styleLbl>
+  <dgm:styleLbl name="node2">
+    <dgm:fillClrLst meth="repeat">
+      <a:schemeClr val="accent1"/>
+    </dgm:fillClrLst>
+    <dgm:linClrLst meth="repeat">
+      <a:schemeClr val="lt1"/>
+    </dgm:linClrLst>
+    <dgm:effectClrLst/>
+    <dgm:txLinClrLst/>
+    <dgm:txFillClrLst/>
+    <dgm:txEffectClrLst/>
+  </dgm:styleLbl>
+  <dgm:styleLbl name="node3">
+    <dgm:fillClrLst meth="repeat">
+      <a:schemeClr val="accent1"/>
+    </dgm:fillClrLst>
+    <dgm:linClrLst meth="repeat">
+      <a:schemeClr val="lt1"/>
+    </dgm:linClrLst>
+    <dgm:effectClrLst/>
+    <dgm:txLinClrLst/>
+    <dgm:txFillClrLst/>
+    <dgm:txEffectClrLst/>
+  </dgm:styleLbl>
+  <dgm:styleLbl name="node4">
+    <dgm:fillClrLst meth="repeat">
+      <a:schemeClr val="accent1"/>
+    </dgm:fillClrLst>
+    <dgm:linClrLst meth="repeat">
+      <a:schemeClr val="lt1"/>
+    </dgm:linClrLst>
+    <dgm:effectClrLst/>
+    <dgm:txLinClrLst/>
+    <dgm:txFillClrLst/>
+    <dgm:txEffectClrLst/>
+  </dgm:styleLbl>
+  <dgm:styleLbl name="fgImgPlace1">
+    <dgm:fillClrLst meth="repeat">
+      <a:schemeClr val="accent1">
+        <a:tint val="50000"/>
+      </a:schemeClr>
+    </dgm:fillClrLst>
+    <dgm:linClrLst meth="repeat">
+      <a:schemeClr val="lt1"/>
+    </dgm:linClrLst>
+    <dgm:effectClrLst/>
+    <dgm:txLinClrLst/>
+    <dgm:txFillClrLst meth="repeat">
+      <a:schemeClr val="lt1"/>
+    </dgm:txFillClrLst>
+    <dgm:txEffectClrLst/>
+  </dgm:styleLbl>
+  <dgm:styleLbl name="alignImgPlace1">
+    <dgm:fillClrLst meth="repeat">
+      <a:schemeClr val="accent1">
+        <a:tint val="50000"/>
+      </a:schemeClr>
+    </dgm:fillClrLst>
+    <dgm:linClrLst meth="repeat">
+      <a:schemeClr val="lt1"/>
+    </dgm:linClrLst>
+    <dgm:effectClrLst/>
+    <dgm:txLinClrLst/>
+    <dgm:txFillClrLst meth="repeat">
+      <a:schemeClr val="lt1"/>
+    </dgm:txFillClrLst>
+    <dgm:txEffectClrLst/>
+  </dgm:styleLbl>
+  <dgm:styleLbl name="bgImgPlace1">
+    <dgm:fillClrLst meth="repeat">
+      <a:schemeClr val="accent1">
+        <a:tint val="50000"/>
+      </a:schemeClr>
+    </dgm:fillClrLst>
+    <dgm:linClrLst meth="repeat">
+      <a:schemeClr val="lt1"/>
+    </dgm:linClrLst>
+    <dgm:effectClrLst/>
+    <dgm:txLinClrLst/>
+    <dgm:txFillClrLst meth="repeat">
+      <a:schemeClr val="lt1"/>
+    </dgm:txFillClrLst>
+    <dgm:txEffectClrLst/>
+  </dgm:styleLbl>
+  <dgm:styleLbl name="sibTrans2D1">
+    <dgm:fillClrLst meth="repeat">
+      <a:schemeClr val="accent1">
+        <a:tint val="60000"/>
+      </a:schemeClr>
+    </dgm:fillClrLst>
+    <dgm:linClrLst meth="repeat">
+      <a:schemeClr val="accent1">
+        <a:tint val="60000"/>
+      </a:schemeClr>
+    </dgm:linClrLst>
+    <dgm:effectClrLst/>
+    <dgm:txLinClrLst/>
+    <dgm:txFillClrLst/>
+    <dgm:txEffectClrLst/>
+  </dgm:styleLbl>
+  <dgm:styleLbl name="fgSibTrans2D1">
+    <dgm:fillClrLst meth="repeat">
+      <a:schemeClr val="accent1">
+        <a:tint val="60000"/>
+      </a:schemeClr>
+    </dgm:fillClrLst>
+    <dgm:linClrLst meth="repeat">
+      <a:schemeClr val="accent1">
+        <a:tint val="60000"/>
+      </a:schemeClr>
+    </dgm:linClrLst>
+    <dgm:effectClrLst/>
+    <dgm:txLinClrLst/>
+    <dgm:txFillClrLst/>
+    <dgm:txEffectClrLst/>
+  </dgm:styleLbl>
+  <dgm:styleLbl name="bgSibTrans2D1">
+    <dgm:fillClrLst meth="repeat">
+      <a:schemeClr val="accent1">
+        <a:tint val="60000"/>
+      </a:schemeClr>
+    </dgm:fillClrLst>
+    <dgm:linClrLst meth="repeat">
+      <a:schemeClr val="accent1">
+        <a:tint val="60000"/>
+      </a:schemeClr>
+    </dgm:linClrLst>
+    <dgm:effectClrLst/>
+    <dgm:txLinClrLst/>
+    <dgm:txFillClrLst/>
+    <dgm:txEffectClrLst/>
+  </dgm:styleLbl>
+  <dgm:styleLbl name="sibTrans1D1">
+    <dgm:fillClrLst meth="repeat">
+      <a:schemeClr val="accent1"/>
+    </dgm:fillClrLst>
+    <dgm:linClrLst meth="repeat">
+      <a:schemeClr val="accent1"/>
+    </dgm:linClrLst>
+    <dgm:effectClrLst/>
+    <dgm:txLinClrLst/>
+    <dgm:txFillClrLst meth="repeat">
+      <a:schemeClr val="tx1"/>
+    </dgm:txFillClrLst>
+    <dgm:txEffectClrLst/>
+  </dgm:styleLbl>
+  <dgm:styleLbl name="callout">
+    <dgm:fillClrLst meth="repeat">
+      <a:schemeClr val="accent1"/>
+    </dgm:fillClrLst>
+    <dgm:linClrLst meth="repeat">
+      <a:schemeClr val="accent1">
+        <a:tint val="50000"/>
+      </a:schemeClr>
+    </dgm:linClrLst>
+    <dgm:effectClrLst/>
+    <dgm:txLinClrLst/>
+    <dgm:txFillClrLst meth="repeat">
+      <a:schemeClr val="tx1"/>
+    </dgm:txFillClrLst>
+    <dgm:txEffectClrLst/>
+  </dgm:styleLbl>
+  <dgm:styleLbl name="asst0">
+    <dgm:fillClrLst meth="repeat">
+      <a:schemeClr val="accent1"/>
+    </dgm:fillClrLst>
+    <dgm:linClrLst meth="repeat">
+      <a:schemeClr val="lt1"/>
+    </dgm:linClrLst>
+    <dgm:effectClrLst/>
+    <dgm:txLinClrLst/>
+    <dgm:txFillClrLst/>
+    <dgm:txEffectClrLst/>
+  </dgm:styleLbl>
+  <dgm:styleLbl name="asst1">
+    <dgm:fillClrLst meth="repeat">
+      <a:schemeClr val="accent1"/>
+    </dgm:fillClrLst>
+    <dgm:linClrLst meth="repeat">
+      <a:schemeClr val="lt1"/>
+    </dgm:linClrLst>
+    <dgm:effectClrLst/>
+    <dgm:txLinClrLst/>
+    <dgm:txFillClrLst/>
+    <dgm:txEffectClrLst/>
+  </dgm:styleLbl>
+  <dgm:styleLbl name="asst2">
+    <dgm:fillClrLst meth="repeat">
+      <a:schemeClr val="accent1"/>
+    </dgm:fillClrLst>
+    <dgm:linClrLst meth="repeat">
+      <a:schemeClr val="lt1"/>
+    </dgm:linClrLst>
+    <dgm:effectClrLst/>
+    <dgm:txLinClrLst/>
+    <dgm:txFillClrLst/>
+    <dgm:txEffectClrLst/>
+  </dgm:styleLbl>
+  <dgm:styleLbl name="asst3">
+    <dgm:fillClrLst meth="repeat">
+      <a:schemeClr val="accent1"/>
+    </dgm:fillClrLst>
+    <dgm:linClrLst meth="repeat">
+      <a:schemeClr val="lt1"/>
+    </dgm:linClrLst>
+    <dgm:effectClrLst/>
+    <dgm:txLinClrLst/>
+    <dgm:txFillClrLst/>
+    <dgm:txEffectClrLst/>
+  </dgm:styleLbl>
+  <dgm:styleLbl name="asst4">
+    <dgm:fillClrLst meth="repeat">
+      <a:schemeClr val="accent1"/>
+    </dgm:fillClrLst>
+    <dgm:linClrLst meth="repeat">
+      <a:schemeClr val="lt1"/>
+    </dgm:linClrLst>
+    <dgm:effectClrLst/>
+    <dgm:txLinClrLst/>
+    <dgm:txFillClrLst/>
+    <dgm:txEffectClrLst/>
+  </dgm:styleLbl>
+  <dgm:styleLbl name="parChTrans2D1">
+    <dgm:fillClrLst meth="repeat">
+      <a:schemeClr val="accent1">
+        <a:tint val="60000"/>
+      </a:schemeClr>
+    </dgm:fillClrLst>
+    <dgm:linClrLst meth="repeat">
+      <a:schemeClr val="accent1">
+        <a:tint val="60000"/>
+      </a:schemeClr>
+    </dgm:linClrLst>
+    <dgm:effectClrLst/>
+    <dgm:txLinClrLst/>
+    <dgm:txFillClrLst meth="repeat">
+      <a:schemeClr val="lt1"/>
+    </dgm:txFillClrLst>
+    <dgm:txEffectClrLst/>
+  </dgm:styleLbl>
+  <dgm:styleLbl name="parChTrans2D2">
+    <dgm:fillClrLst meth="repeat">
+      <a:schemeClr val="accent1"/>
+    </dgm:fillClrLst>
+    <dgm:linClrLst meth="repeat">
+      <a:schemeClr val="accent1"/>
+    </dgm:linClrLst>
+    <dgm:effectClrLst/>
+    <dgm:txLinClrLst/>
+    <dgm:txFillClrLst meth="repeat">
+      <a:schemeClr val="lt1"/>
+    </dgm:txFillClrLst>
+    <dgm:txEffectClrLst/>
+  </dgm:styleLbl>
+  <dgm:styleLbl name="parChTrans2D3">
+    <dgm:fillClrLst meth="repeat">
+      <a:schemeClr val="accent1"/>
+    </dgm:fillClrLst>
+    <dgm:linClrLst meth="repeat">
+      <a:schemeClr val="accent1"/>
+    </dgm:linClrLst>
+    <dgm:effectClrLst/>
+    <dgm:txLinClrLst/>
+    <dgm:txFillClrLst meth="repeat">
+      <a:schemeClr val="lt1"/>
+    </dgm:txFillClrLst>
+    <dgm:txEffectClrLst/>
+  </dgm:styleLbl>
+  <dgm:styleLbl name="parChTrans2D4">
+    <dgm:fillClrLst meth="repeat">
+      <a:schemeClr val="accent1"/>
+    </dgm:fillClrLst>
+    <dgm:linClrLst meth="repeat">
+      <a:schemeClr val="accent1"/>
+    </dgm:linClrLst>
+    <dgm:effectClrLst/>
+    <dgm:txLinClrLst/>
+    <dgm:txFillClrLst meth="repeat">
+      <a:schemeClr val="lt1"/>
+    </dgm:txFillClrLst>
+    <dgm:txEffectClrLst/>
+  </dgm:styleLbl>
+  <dgm:styleLbl name="parChTrans1D1">
+    <dgm:fillClrLst meth="repeat">
+      <a:schemeClr val="accent1"/>
+    </dgm:fillClrLst>
+    <dgm:linClrLst meth="repeat">
+      <a:schemeClr val="accent1">
+        <a:shade val="60000"/>
+      </a:schemeClr>
+    </dgm:linClrLst>
+    <dgm:effectClrLst/>
+    <dgm:txLinClrLst/>
+    <dgm:txFillClrLst meth="repeat">
+      <a:schemeClr val="tx1"/>
+    </dgm:txFillClrLst>
+    <dgm:txEffectClrLst/>
+  </dgm:styleLbl>
+  <dgm:styleLbl name="parChTrans1D2">
+    <dgm:fillClrLst meth="repeat">
+      <a:schemeClr val="accent1"/>
+    </dgm:fillClrLst>
+    <dgm:linClrLst meth="repeat">
+      <a:schemeClr val="accent1">
+        <a:shade val="60000"/>
+      </a:schemeClr>
+    </dgm:linClrLst>
+    <dgm:effectClrLst/>
+    <dgm:txLinClrLst/>
+    <dgm:txFillClrLst meth="repeat">
+      <a:schemeClr val="tx1"/>
+    </dgm:txFillClrLst>
+    <dgm:txEffectClrLst/>
+  </dgm:styleLbl>
+  <dgm:styleLbl name="parChTrans1D3">
+    <dgm:fillClrLst meth="repeat">
+      <a:schemeClr val="accent1"/>
+    </dgm:fillClrLst>
+    <dgm:linClrLst meth="repeat">
+      <a:schemeClr val="accent1">
+        <a:shade val="80000"/>
+      </a:schemeClr>
+    </dgm:linClrLst>
+    <dgm:effectClrLst/>
+    <dgm:txLinClrLst/>
+    <dgm:txFillClrLst meth="repeat">
+      <a:schemeClr val="tx1"/>
+    </dgm:txFillClrLst>
+    <dgm:txEffectClrLst/>
+  </dgm:styleLbl>
+  <dgm:styleLbl name="parChTrans1D4">
+    <dgm:fillClrLst meth="repeat">
+      <a:schemeClr val="accent1"/>
+    </dgm:fillClrLst>
+    <dgm:linClrLst meth="repeat">
+      <a:schemeClr val="accent1">
+        <a:shade val="80000"/>
+      </a:schemeClr>
+    </dgm:linClrLst>
+    <dgm:effectClrLst/>
+    <dgm:txLinClrLst/>
+    <dgm:txFillClrLst meth="repeat">
+      <a:schemeClr val="tx1"/>
+    </dgm:txFillClrLst>
+    <dgm:txEffectClrLst/>
+  </dgm:styleLbl>
+  <dgm:styleLbl name="fgAcc1">
+    <dgm:fillClrLst meth="repeat">
+      <a:schemeClr val="lt1">
+        <a:alpha val="90000"/>
+      </a:schemeClr>
+    </dgm:fillClrLst>
+    <dgm:linClrLst meth="repeat">
+      <a:schemeClr val="accent1"/>
+    </dgm:linClrLst>
+    <dgm:effectClrLst/>
+    <dgm:txLinClrLst/>
+    <dgm:txFillClrLst meth="repeat">
+      <a:schemeClr val="dk1"/>
+    </dgm:txFillClrLst>
+    <dgm:txEffectClrLst/>
+  </dgm:styleLbl>
+  <dgm:styleLbl name="conFgAcc1">
+    <dgm:fillClrLst meth="repeat">
+      <a:schemeClr val="lt1">
+        <a:alpha val="90000"/>
+      </a:schemeClr>
+    </dgm:fillClrLst>
+    <dgm:linClrLst meth="repeat">
+      <a:schemeClr val="accent1"/>
+    </dgm:linClrLst>
+    <dgm:effectClrLst/>
+    <dgm:txLinClrLst/>
+    <dgm:txFillClrLst meth="repeat">
+      <a:schemeClr val="dk1"/>
+    </dgm:txFillClrLst>
+    <dgm:txEffectClrLst/>
+  </dgm:styleLbl>
+  <dgm:styleLbl name="alignAcc1">
+    <dgm:fillClrLst meth="repeat">
+      <a:schemeClr val="lt1">
+        <a:alpha val="90000"/>
+      </a:schemeClr>
+    </dgm:fillClrLst>
+    <dgm:linClrLst meth="repeat">
+      <a:schemeClr val="accent1"/>
+    </dgm:linClrLst>
+    <dgm:effectClrLst/>
+    <dgm:txLinClrLst/>
+    <dgm:txFillClrLst meth="repeat">
+      <a:schemeClr val="dk1"/>
+    </dgm:txFillClrLst>
+    <dgm:txEffectClrLst/>
+  </dgm:styleLbl>
+  <dgm:styleLbl name="trAlignAcc1">
+    <dgm:fillClrLst meth="repeat">
+      <a:schemeClr val="lt1">
+        <a:alpha val="40000"/>
+      </a:schemeClr>
+    </dgm:fillClrLst>
+    <dgm:linClrLst meth="repeat">
+      <a:schemeClr val="accent1"/>
+    </dgm:linClrLst>
+    <dgm:effectClrLst/>
+    <dgm:txLinClrLst/>
+    <dgm:txFillClrLst meth="repeat">
+      <a:schemeClr val="dk1"/>
+    </dgm:txFillClrLst>
+    <dgm:txEffectClrLst/>
+  </dgm:styleLbl>
+  <dgm:styleLbl name="bgAcc1">
+    <dgm:fillClrLst meth="repeat">
+      <a:schemeClr val="lt1">
+        <a:alpha val="90000"/>
+      </a:schemeClr>
+    </dgm:fillClrLst>
+    <dgm:linClrLst meth="repeat">
+      <a:schemeClr val="accent1"/>
+    </dgm:linClrLst>
+    <dgm:effectClrLst/>
+    <dgm:txLinClrLst/>
+    <dgm:txFillClrLst meth="repeat">
+      <a:schemeClr val="dk1"/>
+    </dgm:txFillClrLst>
+    <dgm:txEffectClrLst/>
+  </dgm:styleLbl>
+  <dgm:styleLbl name="solidFgAcc1">
+    <dgm:fillClrLst meth="repeat">
+      <a:schemeClr val="lt1"/>
+    </dgm:fillClrLst>
+    <dgm:linClrLst meth="repeat">
+      <a:schemeClr val="accent1"/>
+    </dgm:linClrLst>
+    <dgm:effectClrLst/>
+    <dgm:txLinClrLst/>
+    <dgm:txFillClrLst meth="repeat">
+      <a:schemeClr val="dk1"/>
+    </dgm:txFillClrLst>
+    <dgm:txEffectClrLst/>
+  </dgm:styleLbl>
+  <dgm:styleLbl name="solidAlignAcc1">
+    <dgm:fillClrLst meth="repeat">
+      <a:schemeClr val="lt1"/>
+    </dgm:fillClrLst>
+    <dgm:linClrLst meth="repeat">
+      <a:schemeClr val="accent1"/>
+    </dgm:linClrLst>
+    <dgm:effectClrLst/>
+    <dgm:txLinClrLst/>
+    <dgm:txFillClrLst meth="repeat">
+      <a:schemeClr val="dk1"/>
+    </dgm:txFillClrLst>
+    <dgm:txEffectClrLst/>
+  </dgm:styleLbl>
+  <dgm:styleLbl name="solidBgAcc1">
+    <dgm:fillClrLst meth="repeat">
+      <a:schemeClr val="lt1"/>
+    </dgm:fillClrLst>
+    <dgm:linClrLst meth="repeat">
+      <a:schemeClr val="accent1"/>
+    </dgm:linClrLst>
+    <dgm:effectClrLst/>
+    <dgm:txLinClrLst/>
+    <dgm:txFillClrLst meth="repeat">
+      <a:schemeClr val="dk1"/>
+    </dgm:txFillClrLst>
+    <dgm:txEffectClrLst/>
+  </dgm:styleLbl>
+  <dgm:styleLbl name="fgAccFollowNode1">
+    <dgm:fillClrLst meth="repeat">
+      <a:schemeClr val="accent1">
+        <a:alpha val="90000"/>
+        <a:tint val="40000"/>
+      </a:schemeClr>
+    </dgm:fillClrLst>
+    <dgm:linClrLst meth="repeat">
+      <a:schemeClr val="accent1">
+        <a:alpha val="90000"/>
+        <a:tint val="40000"/>
+      </a:schemeClr>
+    </dgm:linClrLst>
+    <dgm:effectClrLst/>
+    <dgm:txLinClrLst/>
+    <dgm:txFillClrLst meth="repeat">
+      <a:schemeClr val="dk1"/>
+    </dgm:txFillClrLst>
+    <dgm:txEffectClrLst/>
+  </dgm:styleLbl>
+  <dgm:styleLbl name="alignAccFollowNode1">
+    <dgm:fillClrLst meth="repeat">
+      <a:schemeClr val="accent1">
+        <a:alpha val="90000"/>
+        <a:tint val="40000"/>
+      </a:schemeClr>
+    </dgm:fillClrLst>
+    <dgm:linClrLst meth="repeat">
+      <a:schemeClr val="accent1">
+        <a:alpha val="90000"/>
+        <a:tint val="40000"/>
+      </a:schemeClr>
+    </dgm:linClrLst>
+    <dgm:effectClrLst/>
+    <dgm:txLinClrLst/>
+    <dgm:txFillClrLst meth="repeat">
+      <a:schemeClr val="dk1"/>
+    </dgm:txFillClrLst>
+    <dgm:txEffectClrLst/>
+  </dgm:styleLbl>
+  <dgm:styleLbl name="bgAccFollowNode1">
+    <dgm:fillClrLst meth="repeat">
+      <a:schemeClr val="accent1">
+        <a:alpha val="90000"/>
+        <a:tint val="40000"/>
+      </a:schemeClr>
+    </dgm:fillClrLst>
+    <dgm:linClrLst meth="repeat">
+      <a:schemeClr val="accent1">
+        <a:alpha val="90000"/>
+        <a:tint val="40000"/>
+      </a:schemeClr>
+    </dgm:linClrLst>
+    <dgm:effectClrLst/>
+    <dgm:txLinClrLst/>
+    <dgm:txFillClrLst meth="repeat">
+      <a:schemeClr val="dk1"/>
+    </dgm:txFillClrLst>
+    <dgm:txEffectClrLst/>
+  </dgm:styleLbl>
+  <dgm:styleLbl name="fgAcc0">
+    <dgm:fillClrLst meth="repeat">
+      <a:schemeClr val="lt1">
+        <a:alpha val="90000"/>
+      </a:schemeClr>
+    </dgm:fillClrLst>
+    <dgm:linClrLst meth="repeat">
+      <a:schemeClr val="accent1"/>
+    </dgm:linClrLst>
+    <dgm:effectClrLst/>
+    <dgm:txLinClrLst/>
+    <dgm:txFillClrLst meth="repeat">
+      <a:schemeClr val="dk1"/>
+    </dgm:txFillClrLst>
+    <dgm:txEffectClrLst/>
+  </dgm:styleLbl>
+  <dgm:styleLbl name="fgAcc2">
+    <dgm:fillClrLst meth="repeat">
+      <a:schemeClr val="lt1">
+        <a:alpha val="90000"/>
+      </a:schemeClr>
+    </dgm:fillClrLst>
+    <dgm:linClrLst meth="repeat">
+      <a:schemeClr val="accent1"/>
+    </dgm:linClrLst>
+    <dgm:effectClrLst/>
+    <dgm:txLinClrLst/>
+    <dgm:txFillClrLst meth="repeat">
+      <a:schemeClr val="dk1"/>
+    </dgm:txFillClrLst>
+    <dgm:txEffectClrLst/>
+  </dgm:styleLbl>
+  <dgm:styleLbl name="fgAcc3">
+    <dgm:fillClrLst meth="repeat">
+      <a:schemeClr val="lt1">
+        <a:alpha val="90000"/>
+      </a:schemeClr>
+    </dgm:fillClrLst>
+    <dgm:linClrLst meth="repeat">
+      <a:schemeClr val="accent1"/>
+    </dgm:linClrLst>
+    <dgm:effectClrLst/>
+    <dgm:txLinClrLst/>
+    <dgm:txFillClrLst meth="repeat">
+      <a:schemeClr val="dk1"/>
+    </dgm:txFillClrLst>
+    <dgm:txEffectClrLst/>
+  </dgm:styleLbl>
+  <dgm:styleLbl name="fgAcc4">
+    <dgm:fillClrLst meth="repeat">
+      <a:schemeClr val="lt1">
+        <a:alpha val="90000"/>
+      </a:schemeClr>
+    </dgm:fillClrLst>
+    <dgm:linClrLst meth="repeat">
+      <a:schemeClr val="accent1"/>
+    </dgm:linClrLst>
+    <dgm:effectClrLst/>
+    <dgm:txLinClrLst/>
+    <dgm:txFillClrLst meth="repeat">
+      <a:schemeClr val="dk1"/>
+    </dgm:txFillClrLst>
+    <dgm:txEffectClrLst/>
+  </dgm:styleLbl>
+  <dgm:styleLbl name="bgShp">
+    <dgm:fillClrLst meth="repeat">
+      <a:schemeClr val="accent1">
+        <a:tint val="40000"/>
+      </a:schemeClr>
+    </dgm:fillClrLst>
+    <dgm:linClrLst meth="repeat">
+      <a:schemeClr val="accent1"/>
+    </dgm:linClrLst>
+    <dgm:effectClrLst/>
+    <dgm:txLinClrLst/>
+    <dgm:txFillClrLst meth="repeat">
+      <a:schemeClr val="dk1"/>
+    </dgm:txFillClrLst>
+    <dgm:txEffectClrLst/>
+  </dgm:styleLbl>
+  <dgm:styleLbl name="dkBgShp">
+    <dgm:fillClrLst meth="repeat">
+      <a:schemeClr val="accent1">
+        <a:shade val="80000"/>
+      </a:schemeClr>
+    </dgm:fillClrLst>
+    <dgm:linClrLst meth="repeat">
+      <a:schemeClr val="accent1"/>
+    </dgm:linClrLst>
+    <dgm:effectClrLst/>
+    <dgm:txLinClrLst/>
+    <dgm:txFillClrLst meth="repeat">
+      <a:schemeClr val="lt1"/>
+    </dgm:txFillClrLst>
+    <dgm:txEffectClrLst/>
+  </dgm:styleLbl>
+  <dgm:styleLbl name="trBgShp">
+    <dgm:fillClrLst meth="repeat">
+      <a:schemeClr val="accent1">
+        <a:tint val="50000"/>
+        <a:alpha val="40000"/>
+      </a:schemeClr>
+    </dgm:fillClrLst>
+    <dgm:linClrLst meth="repeat">
+      <a:schemeClr val="accent1"/>
+    </dgm:linClrLst>
+    <dgm:effectClrLst/>
+    <dgm:txLinClrLst/>
+    <dgm:txFillClrLst meth="repeat">
+      <a:schemeClr val="lt1"/>
+    </dgm:txFillClrLst>
+    <dgm:txEffectClrLst/>
+  </dgm:styleLbl>
+  <dgm:styleLbl name="fgShp">
+    <dgm:fillClrLst meth="repeat">
+      <a:schemeClr val="accent1">
+        <a:tint val="60000"/>
+      </a:schemeClr>
+    </dgm:fillClrLst>
+    <dgm:linClrLst meth="repeat">
+      <a:schemeClr val="lt1"/>
+    </dgm:linClrLst>
+    <dgm:effectClrLst/>
+    <dgm:txLinClrLst/>
+    <dgm:txFillClrLst meth="repeat">
+      <a:schemeClr val="dk1"/>
+    </dgm:txFillClrLst>
+    <dgm:txEffectClrLst/>
+  </dgm:styleLbl>
+  <dgm:styleLbl name="revTx">
+    <dgm:fillClrLst meth="repeat">
+      <a:schemeClr val="lt1">
+        <a:alpha val="0"/>
+      </a:schemeClr>
+    </dgm:fillClrLst>
+    <dgm:linClrLst meth="repeat">
+      <a:schemeClr val="dk1">
+        <a:alpha val="0"/>
+      </a:schemeClr>
+    </dgm:linClrLst>
+    <dgm:effectClrLst/>
+    <dgm:txLinClrLst/>
+    <dgm:txFillClrLst meth="repeat">
+      <a:schemeClr val="tx1"/>
+    </dgm:txFillClrLst>
+    <dgm:txEffectClrLst/>
+  </dgm:styleLbl>
+</dgm:colorsDef>
+</file>
+
+<file path=ppt/diagrams/data1.xml><?xml version="1.0" encoding="utf-8"?>
+<dgm:dataModel xmlns:dgm="http://schemas.openxmlformats.org/drawingml/2006/diagram" xmlns:a="http://schemas.openxmlformats.org/drawingml/2006/main">
+  <dgm:ptLst>
+    <dgm:pt modelId="{680C9003-8DC8-4681-8013-2E17C0F4D073}" type="doc">
+      <dgm:prSet loTypeId="urn:microsoft.com/office/officeart/2005/8/layout/process3" loCatId="process" qsTypeId="urn:microsoft.com/office/officeart/2005/8/quickstyle/simple1" qsCatId="simple" csTypeId="urn:microsoft.com/office/officeart/2005/8/colors/accent1_2" csCatId="accent1" phldr="1"/>
+      <dgm:spPr/>
+      <dgm:t>
+        <a:bodyPr/>
+        <a:lstStyle/>
+        <a:p>
+          <a:endParaRPr lang="en-GB"/>
+        </a:p>
+      </dgm:t>
+    </dgm:pt>
+    <dgm:pt modelId="{BF6A2854-6E66-4C4A-8EC7-2C1133BE5977}">
+      <dgm:prSet phldrT="[Text]" phldr="0"/>
+      <dgm:spPr/>
+      <dgm:t>
+        <a:bodyPr/>
+        <a:lstStyle/>
+        <a:p>
+          <a:r>
+            <a:rPr lang="en-US" dirty="0">
+              <a:latin typeface="Fira Sans" panose="020B0503050000020004" pitchFamily="34" charset="0"/>
+            </a:rPr>
+            <a:t>Genomics</a:t>
+          </a:r>
+          <a:endParaRPr lang="en-GB" dirty="0">
+            <a:latin typeface="Fira Sans" panose="020B0503050000020004" pitchFamily="34" charset="0"/>
+          </a:endParaRPr>
+        </a:p>
+      </dgm:t>
+    </dgm:pt>
+    <dgm:pt modelId="{320780D8-1E72-4DF3-A83C-F61D33355BFF}" type="parTrans" cxnId="{4DA3DBA9-5AD6-4734-A5E2-25A2407B28E9}">
+      <dgm:prSet/>
+      <dgm:spPr/>
+      <dgm:t>
+        <a:bodyPr/>
+        <a:lstStyle/>
+        <a:p>
+          <a:endParaRPr lang="en-GB">
+            <a:latin typeface="Fira Sans" panose="020B0503050000020004" pitchFamily="34" charset="0"/>
+          </a:endParaRPr>
+        </a:p>
+      </dgm:t>
+    </dgm:pt>
+    <dgm:pt modelId="{DA1C74D9-0D42-45A9-A41A-D1CA32E01369}" type="sibTrans" cxnId="{4DA3DBA9-5AD6-4734-A5E2-25A2407B28E9}">
+      <dgm:prSet/>
+      <dgm:spPr/>
+      <dgm:t>
+        <a:bodyPr/>
+        <a:lstStyle/>
+        <a:p>
+          <a:endParaRPr lang="en-GB">
+            <a:latin typeface="Fira Sans" panose="020B0503050000020004" pitchFamily="34" charset="0"/>
+          </a:endParaRPr>
+        </a:p>
+      </dgm:t>
+    </dgm:pt>
+    <dgm:pt modelId="{F75F3B35-2872-470C-BFE2-BDEBD79CEA6C}">
+      <dgm:prSet phldrT="[Text]" phldr="0"/>
+      <dgm:spPr/>
+      <dgm:t>
+        <a:bodyPr/>
+        <a:lstStyle/>
+        <a:p>
+          <a:r>
+            <a:rPr lang="en-US" dirty="0">
+              <a:latin typeface="Fira Sans" panose="020B0503050000020004" pitchFamily="34" charset="0"/>
+            </a:rPr>
+            <a:t>DNA Tells what is possible</a:t>
+          </a:r>
+          <a:endParaRPr lang="en-GB" dirty="0">
+            <a:latin typeface="Fira Sans" panose="020B0503050000020004" pitchFamily="34" charset="0"/>
+          </a:endParaRPr>
+        </a:p>
+      </dgm:t>
+    </dgm:pt>
+    <dgm:pt modelId="{AC8C69B5-B7A3-47F3-A086-8AB91389A4D7}" type="parTrans" cxnId="{6E848F5C-4253-448C-8D93-BFA9C46D3604}">
+      <dgm:prSet/>
+      <dgm:spPr/>
+      <dgm:t>
+        <a:bodyPr/>
+        <a:lstStyle/>
+        <a:p>
+          <a:endParaRPr lang="en-GB">
+            <a:latin typeface="Fira Sans" panose="020B0503050000020004" pitchFamily="34" charset="0"/>
+          </a:endParaRPr>
+        </a:p>
+      </dgm:t>
+    </dgm:pt>
+    <dgm:pt modelId="{4B7463E8-3AAB-46F8-99A6-F9DEC4E731EB}" type="sibTrans" cxnId="{6E848F5C-4253-448C-8D93-BFA9C46D3604}">
+      <dgm:prSet/>
+      <dgm:spPr/>
+      <dgm:t>
+        <a:bodyPr/>
+        <a:lstStyle/>
+        <a:p>
+          <a:endParaRPr lang="en-GB">
+            <a:latin typeface="Fira Sans" panose="020B0503050000020004" pitchFamily="34" charset="0"/>
+          </a:endParaRPr>
+        </a:p>
+      </dgm:t>
+    </dgm:pt>
+    <dgm:pt modelId="{11C83499-1F80-49D3-9D27-88787508EA5F}">
+      <dgm:prSet phldrT="[Text]" phldr="0"/>
+      <dgm:spPr/>
+      <dgm:t>
+        <a:bodyPr/>
+        <a:lstStyle/>
+        <a:p>
+          <a:r>
+            <a:rPr lang="en-US" dirty="0">
+              <a:latin typeface="Fira Sans" panose="020B0503050000020004" pitchFamily="34" charset="0"/>
+            </a:rPr>
+            <a:t>Transcriptomics</a:t>
+          </a:r>
+          <a:endParaRPr lang="en-GB" dirty="0">
+            <a:latin typeface="Fira Sans" panose="020B0503050000020004" pitchFamily="34" charset="0"/>
+          </a:endParaRPr>
+        </a:p>
+      </dgm:t>
+    </dgm:pt>
+    <dgm:pt modelId="{245B8944-A5AF-4F05-A6C6-2A4EFF95D612}" type="parTrans" cxnId="{368A05F9-ADD3-4FF0-9F28-20D50D027450}">
+      <dgm:prSet/>
+      <dgm:spPr/>
+      <dgm:t>
+        <a:bodyPr/>
+        <a:lstStyle/>
+        <a:p>
+          <a:endParaRPr lang="en-GB">
+            <a:latin typeface="Fira Sans" panose="020B0503050000020004" pitchFamily="34" charset="0"/>
+          </a:endParaRPr>
+        </a:p>
+      </dgm:t>
+    </dgm:pt>
+    <dgm:pt modelId="{4EFC835B-08D7-4BE1-BCDB-E685DE809400}" type="sibTrans" cxnId="{368A05F9-ADD3-4FF0-9F28-20D50D027450}">
+      <dgm:prSet/>
+      <dgm:spPr/>
+      <dgm:t>
+        <a:bodyPr/>
+        <a:lstStyle/>
+        <a:p>
+          <a:endParaRPr lang="en-GB">
+            <a:latin typeface="Fira Sans" panose="020B0503050000020004" pitchFamily="34" charset="0"/>
+          </a:endParaRPr>
+        </a:p>
+      </dgm:t>
+    </dgm:pt>
+    <dgm:pt modelId="{9B061B92-BE56-40EB-980E-CD17CDAE9F53}">
+      <dgm:prSet phldrT="[Text]" phldr="0"/>
+      <dgm:spPr/>
+      <dgm:t>
+        <a:bodyPr/>
+        <a:lstStyle/>
+        <a:p>
+          <a:r>
+            <a:rPr lang="en-US" dirty="0">
+              <a:latin typeface="Fira Sans" panose="020B0503050000020004" pitchFamily="34" charset="0"/>
+            </a:rPr>
+            <a:t>RNA  what is probable</a:t>
+          </a:r>
+          <a:endParaRPr lang="en-GB" dirty="0">
+            <a:latin typeface="Fira Sans" panose="020B0503050000020004" pitchFamily="34" charset="0"/>
+          </a:endParaRPr>
+        </a:p>
+      </dgm:t>
+    </dgm:pt>
+    <dgm:pt modelId="{44859338-67F5-4872-85FD-A4FF6035A095}" type="parTrans" cxnId="{0693DBF2-7AE0-460B-A528-FFE37743762A}">
+      <dgm:prSet/>
+      <dgm:spPr/>
+      <dgm:t>
+        <a:bodyPr/>
+        <a:lstStyle/>
+        <a:p>
+          <a:endParaRPr lang="en-GB">
+            <a:latin typeface="Fira Sans" panose="020B0503050000020004" pitchFamily="34" charset="0"/>
+          </a:endParaRPr>
+        </a:p>
+      </dgm:t>
+    </dgm:pt>
+    <dgm:pt modelId="{BA4C8ECF-A61E-49A4-8312-46B124B7B9F9}" type="sibTrans" cxnId="{0693DBF2-7AE0-460B-A528-FFE37743762A}">
+      <dgm:prSet/>
+      <dgm:spPr/>
+      <dgm:t>
+        <a:bodyPr/>
+        <a:lstStyle/>
+        <a:p>
+          <a:endParaRPr lang="en-GB">
+            <a:latin typeface="Fira Sans" panose="020B0503050000020004" pitchFamily="34" charset="0"/>
+          </a:endParaRPr>
+        </a:p>
+      </dgm:t>
+    </dgm:pt>
+    <dgm:pt modelId="{D9598EE5-A6F2-4162-8E7E-70198C2525A0}">
+      <dgm:prSet phldrT="[Text]" phldr="0"/>
+      <dgm:spPr/>
+      <dgm:t>
+        <a:bodyPr/>
+        <a:lstStyle/>
+        <a:p>
+          <a:r>
+            <a:rPr lang="en-US" dirty="0">
+              <a:latin typeface="Fira Sans" panose="020B0503050000020004" pitchFamily="34" charset="0"/>
+            </a:rPr>
+            <a:t>Proteomics</a:t>
+          </a:r>
+          <a:endParaRPr lang="en-GB" dirty="0">
+            <a:latin typeface="Fira Sans" panose="020B0503050000020004" pitchFamily="34" charset="0"/>
+          </a:endParaRPr>
+        </a:p>
+      </dgm:t>
+    </dgm:pt>
+    <dgm:pt modelId="{53CE22DE-98ED-478B-BBC7-209165DC196B}" type="parTrans" cxnId="{32F17495-72AF-42C8-BE5A-B27E0A45CD57}">
+      <dgm:prSet/>
+      <dgm:spPr/>
+      <dgm:t>
+        <a:bodyPr/>
+        <a:lstStyle/>
+        <a:p>
+          <a:endParaRPr lang="en-GB">
+            <a:latin typeface="Fira Sans" panose="020B0503050000020004" pitchFamily="34" charset="0"/>
+          </a:endParaRPr>
+        </a:p>
+      </dgm:t>
+    </dgm:pt>
+    <dgm:pt modelId="{72A63480-31DE-4FA6-8C6D-7B5C5A7D955F}" type="sibTrans" cxnId="{32F17495-72AF-42C8-BE5A-B27E0A45CD57}">
+      <dgm:prSet/>
+      <dgm:spPr/>
+      <dgm:t>
+        <a:bodyPr/>
+        <a:lstStyle/>
+        <a:p>
+          <a:endParaRPr lang="en-GB">
+            <a:latin typeface="Fira Sans" panose="020B0503050000020004" pitchFamily="34" charset="0"/>
+          </a:endParaRPr>
+        </a:p>
+      </dgm:t>
+    </dgm:pt>
+    <dgm:pt modelId="{695EEA04-DF00-45BF-A788-AE540DAB38B8}">
+      <dgm:prSet phldrT="[Text]" phldr="0"/>
+      <dgm:spPr/>
+      <dgm:t>
+        <a:bodyPr/>
+        <a:lstStyle/>
+        <a:p>
+          <a:r>
+            <a:rPr lang="en-US" dirty="0">
+              <a:latin typeface="Fira Sans" panose="020B0503050000020004" pitchFamily="34" charset="0"/>
+            </a:rPr>
+            <a:t>Proteins what actually happens</a:t>
+          </a:r>
+          <a:endParaRPr lang="en-GB" dirty="0">
+            <a:latin typeface="Fira Sans" panose="020B0503050000020004" pitchFamily="34" charset="0"/>
+          </a:endParaRPr>
+        </a:p>
+      </dgm:t>
+    </dgm:pt>
+    <dgm:pt modelId="{591D114B-C981-45B6-9B80-E6FEC23D2191}" type="parTrans" cxnId="{9F7C12D3-9EE2-48B9-BE81-B2DF6CAF7EC4}">
+      <dgm:prSet/>
+      <dgm:spPr/>
+      <dgm:t>
+        <a:bodyPr/>
+        <a:lstStyle/>
+        <a:p>
+          <a:endParaRPr lang="en-GB">
+            <a:latin typeface="Fira Sans" panose="020B0503050000020004" pitchFamily="34" charset="0"/>
+          </a:endParaRPr>
+        </a:p>
+      </dgm:t>
+    </dgm:pt>
+    <dgm:pt modelId="{44B0C0EB-AC1B-4195-82C7-6302C7525DDD}" type="sibTrans" cxnId="{9F7C12D3-9EE2-48B9-BE81-B2DF6CAF7EC4}">
+      <dgm:prSet/>
+      <dgm:spPr/>
+      <dgm:t>
+        <a:bodyPr/>
+        <a:lstStyle/>
+        <a:p>
+          <a:endParaRPr lang="en-GB">
+            <a:latin typeface="Fira Sans" panose="020B0503050000020004" pitchFamily="34" charset="0"/>
+          </a:endParaRPr>
+        </a:p>
+      </dgm:t>
+    </dgm:pt>
+    <dgm:pt modelId="{042FB214-D9E4-45A8-81A8-9F1D921F1D90}" type="pres">
+      <dgm:prSet presAssocID="{680C9003-8DC8-4681-8013-2E17C0F4D073}" presName="linearFlow" presStyleCnt="0">
+        <dgm:presLayoutVars>
+          <dgm:dir/>
+          <dgm:animLvl val="lvl"/>
+          <dgm:resizeHandles val="exact"/>
+        </dgm:presLayoutVars>
+      </dgm:prSet>
+      <dgm:spPr/>
+    </dgm:pt>
+    <dgm:pt modelId="{3758F734-819A-4914-AB3C-A15C3A5DC22A}" type="pres">
+      <dgm:prSet presAssocID="{BF6A2854-6E66-4C4A-8EC7-2C1133BE5977}" presName="composite" presStyleCnt="0"/>
+      <dgm:spPr/>
+    </dgm:pt>
+    <dgm:pt modelId="{4EDD6120-3400-4DD2-AC20-C7B3280247FE}" type="pres">
+      <dgm:prSet presAssocID="{BF6A2854-6E66-4C4A-8EC7-2C1133BE5977}" presName="parTx" presStyleLbl="node1" presStyleIdx="0" presStyleCnt="3">
+        <dgm:presLayoutVars>
+          <dgm:chMax val="0"/>
+          <dgm:chPref val="0"/>
+          <dgm:bulletEnabled val="1"/>
+        </dgm:presLayoutVars>
+      </dgm:prSet>
+      <dgm:spPr/>
+    </dgm:pt>
+    <dgm:pt modelId="{89A92D7F-2EC2-4868-A6DD-E8F6D118245B}" type="pres">
+      <dgm:prSet presAssocID="{BF6A2854-6E66-4C4A-8EC7-2C1133BE5977}" presName="parSh" presStyleLbl="node1" presStyleIdx="0" presStyleCnt="3"/>
+      <dgm:spPr/>
+    </dgm:pt>
+    <dgm:pt modelId="{6C3F27B8-E7BF-402A-89CF-43870D0760BA}" type="pres">
+      <dgm:prSet presAssocID="{BF6A2854-6E66-4C4A-8EC7-2C1133BE5977}" presName="desTx" presStyleLbl="fgAcc1" presStyleIdx="0" presStyleCnt="3">
+        <dgm:presLayoutVars>
+          <dgm:bulletEnabled val="1"/>
+        </dgm:presLayoutVars>
+      </dgm:prSet>
+      <dgm:spPr/>
+    </dgm:pt>
+    <dgm:pt modelId="{30D05494-0256-4685-B2E3-3972B43097D8}" type="pres">
+      <dgm:prSet presAssocID="{DA1C74D9-0D42-45A9-A41A-D1CA32E01369}" presName="sibTrans" presStyleLbl="sibTrans2D1" presStyleIdx="0" presStyleCnt="2"/>
+      <dgm:spPr/>
+    </dgm:pt>
+    <dgm:pt modelId="{9FADBCE9-B95E-4A1C-9331-16295022841F}" type="pres">
+      <dgm:prSet presAssocID="{DA1C74D9-0D42-45A9-A41A-D1CA32E01369}" presName="connTx" presStyleLbl="sibTrans2D1" presStyleIdx="0" presStyleCnt="2"/>
+      <dgm:spPr/>
+    </dgm:pt>
+    <dgm:pt modelId="{C930CB3D-3031-47E0-ADB9-71CA98CF6C31}" type="pres">
+      <dgm:prSet presAssocID="{11C83499-1F80-49D3-9D27-88787508EA5F}" presName="composite" presStyleCnt="0"/>
+      <dgm:spPr/>
+    </dgm:pt>
+    <dgm:pt modelId="{FD76CD0A-AB84-46CF-A02C-FAB241FB2DE1}" type="pres">
+      <dgm:prSet presAssocID="{11C83499-1F80-49D3-9D27-88787508EA5F}" presName="parTx" presStyleLbl="node1" presStyleIdx="0" presStyleCnt="3">
+        <dgm:presLayoutVars>
+          <dgm:chMax val="0"/>
+          <dgm:chPref val="0"/>
+          <dgm:bulletEnabled val="1"/>
+        </dgm:presLayoutVars>
+      </dgm:prSet>
+      <dgm:spPr/>
+    </dgm:pt>
+    <dgm:pt modelId="{9F5C4C2E-8FF3-4406-91AB-EAB07D1B1979}" type="pres">
+      <dgm:prSet presAssocID="{11C83499-1F80-49D3-9D27-88787508EA5F}" presName="parSh" presStyleLbl="node1" presStyleIdx="1" presStyleCnt="3"/>
+      <dgm:spPr/>
+    </dgm:pt>
+    <dgm:pt modelId="{85EDB52D-D114-40A6-8C94-B784F6E73FBF}" type="pres">
+      <dgm:prSet presAssocID="{11C83499-1F80-49D3-9D27-88787508EA5F}" presName="desTx" presStyleLbl="fgAcc1" presStyleIdx="1" presStyleCnt="3">
+        <dgm:presLayoutVars>
+          <dgm:bulletEnabled val="1"/>
+        </dgm:presLayoutVars>
+      </dgm:prSet>
+      <dgm:spPr/>
+    </dgm:pt>
+    <dgm:pt modelId="{C92655EA-F9BC-4810-8D5B-A5321AABFFF8}" type="pres">
+      <dgm:prSet presAssocID="{4EFC835B-08D7-4BE1-BCDB-E685DE809400}" presName="sibTrans" presStyleLbl="sibTrans2D1" presStyleIdx="1" presStyleCnt="2"/>
+      <dgm:spPr/>
+    </dgm:pt>
+    <dgm:pt modelId="{1E1F9C64-4C15-43B5-9C79-FF25C4AFF313}" type="pres">
+      <dgm:prSet presAssocID="{4EFC835B-08D7-4BE1-BCDB-E685DE809400}" presName="connTx" presStyleLbl="sibTrans2D1" presStyleIdx="1" presStyleCnt="2"/>
+      <dgm:spPr/>
+    </dgm:pt>
+    <dgm:pt modelId="{13BC6669-CDFF-4307-A0CD-D6A9D549A70E}" type="pres">
+      <dgm:prSet presAssocID="{D9598EE5-A6F2-4162-8E7E-70198C2525A0}" presName="composite" presStyleCnt="0"/>
+      <dgm:spPr/>
+    </dgm:pt>
+    <dgm:pt modelId="{7531D712-08E1-4CFD-9F99-5FC357CBF74E}" type="pres">
+      <dgm:prSet presAssocID="{D9598EE5-A6F2-4162-8E7E-70198C2525A0}" presName="parTx" presStyleLbl="node1" presStyleIdx="1" presStyleCnt="3">
+        <dgm:presLayoutVars>
+          <dgm:chMax val="0"/>
+          <dgm:chPref val="0"/>
+          <dgm:bulletEnabled val="1"/>
+        </dgm:presLayoutVars>
+      </dgm:prSet>
+      <dgm:spPr/>
+    </dgm:pt>
+    <dgm:pt modelId="{FF29BB00-53D8-4B85-AC11-2EAAAA084783}" type="pres">
+      <dgm:prSet presAssocID="{D9598EE5-A6F2-4162-8E7E-70198C2525A0}" presName="parSh" presStyleLbl="node1" presStyleIdx="2" presStyleCnt="3"/>
+      <dgm:spPr/>
+    </dgm:pt>
+    <dgm:pt modelId="{A3451F05-A3FE-4804-B721-F2F914896671}" type="pres">
+      <dgm:prSet presAssocID="{D9598EE5-A6F2-4162-8E7E-70198C2525A0}" presName="desTx" presStyleLbl="fgAcc1" presStyleIdx="2" presStyleCnt="3">
+        <dgm:presLayoutVars>
+          <dgm:bulletEnabled val="1"/>
+        </dgm:presLayoutVars>
+      </dgm:prSet>
+      <dgm:spPr/>
+    </dgm:pt>
+  </dgm:ptLst>
+  <dgm:cxnLst>
+    <dgm:cxn modelId="{AF3E6800-9189-4633-BBD9-8E4423A351A9}" type="presOf" srcId="{DA1C74D9-0D42-45A9-A41A-D1CA32E01369}" destId="{9FADBCE9-B95E-4A1C-9331-16295022841F}" srcOrd="1" destOrd="0" presId="urn:microsoft.com/office/officeart/2005/8/layout/process3"/>
+    <dgm:cxn modelId="{D5DE4B00-770E-4CC0-A822-C8AB34FD303D}" type="presOf" srcId="{680C9003-8DC8-4681-8013-2E17C0F4D073}" destId="{042FB214-D9E4-45A8-81A8-9F1D921F1D90}" srcOrd="0" destOrd="0" presId="urn:microsoft.com/office/officeart/2005/8/layout/process3"/>
+    <dgm:cxn modelId="{A0985902-79FC-4BE7-BF1E-1664CEBF2C2F}" type="presOf" srcId="{4EFC835B-08D7-4BE1-BCDB-E685DE809400}" destId="{1E1F9C64-4C15-43B5-9C79-FF25C4AFF313}" srcOrd="1" destOrd="0" presId="urn:microsoft.com/office/officeart/2005/8/layout/process3"/>
+    <dgm:cxn modelId="{7964840B-C644-45D5-A0F6-35F7B997BEA8}" type="presOf" srcId="{11C83499-1F80-49D3-9D27-88787508EA5F}" destId="{FD76CD0A-AB84-46CF-A02C-FAB241FB2DE1}" srcOrd="0" destOrd="0" presId="urn:microsoft.com/office/officeart/2005/8/layout/process3"/>
+    <dgm:cxn modelId="{6CADFA0F-7119-4159-9BA8-C46A0CCC6419}" type="presOf" srcId="{F75F3B35-2872-470C-BFE2-BDEBD79CEA6C}" destId="{6C3F27B8-E7BF-402A-89CF-43870D0760BA}" srcOrd="0" destOrd="0" presId="urn:microsoft.com/office/officeart/2005/8/layout/process3"/>
+    <dgm:cxn modelId="{57456E1B-FA47-47D4-85E9-E1329710B74C}" type="presOf" srcId="{D9598EE5-A6F2-4162-8E7E-70198C2525A0}" destId="{FF29BB00-53D8-4B85-AC11-2EAAAA084783}" srcOrd="1" destOrd="0" presId="urn:microsoft.com/office/officeart/2005/8/layout/process3"/>
+    <dgm:cxn modelId="{0254FC2D-FB19-451F-9829-C292634BBA69}" type="presOf" srcId="{695EEA04-DF00-45BF-A788-AE540DAB38B8}" destId="{A3451F05-A3FE-4804-B721-F2F914896671}" srcOrd="0" destOrd="0" presId="urn:microsoft.com/office/officeart/2005/8/layout/process3"/>
+    <dgm:cxn modelId="{13F4FB3C-DE71-4479-942A-3154FD755682}" type="presOf" srcId="{DA1C74D9-0D42-45A9-A41A-D1CA32E01369}" destId="{30D05494-0256-4685-B2E3-3972B43097D8}" srcOrd="0" destOrd="0" presId="urn:microsoft.com/office/officeart/2005/8/layout/process3"/>
+    <dgm:cxn modelId="{6E848F5C-4253-448C-8D93-BFA9C46D3604}" srcId="{BF6A2854-6E66-4C4A-8EC7-2C1133BE5977}" destId="{F75F3B35-2872-470C-BFE2-BDEBD79CEA6C}" srcOrd="0" destOrd="0" parTransId="{AC8C69B5-B7A3-47F3-A086-8AB91389A4D7}" sibTransId="{4B7463E8-3AAB-46F8-99A6-F9DEC4E731EB}"/>
+    <dgm:cxn modelId="{E7506C41-9270-4DE6-B9F1-946D27D431A5}" type="presOf" srcId="{4EFC835B-08D7-4BE1-BCDB-E685DE809400}" destId="{C92655EA-F9BC-4810-8D5B-A5321AABFFF8}" srcOrd="0" destOrd="0" presId="urn:microsoft.com/office/officeart/2005/8/layout/process3"/>
+    <dgm:cxn modelId="{FC2A3D42-9A59-4304-B8B3-E1348B6DF18D}" type="presOf" srcId="{11C83499-1F80-49D3-9D27-88787508EA5F}" destId="{9F5C4C2E-8FF3-4406-91AB-EAB07D1B1979}" srcOrd="1" destOrd="0" presId="urn:microsoft.com/office/officeart/2005/8/layout/process3"/>
+    <dgm:cxn modelId="{8CF8A07D-9083-4887-A0D1-AFCD61189C38}" type="presOf" srcId="{D9598EE5-A6F2-4162-8E7E-70198C2525A0}" destId="{7531D712-08E1-4CFD-9F99-5FC357CBF74E}" srcOrd="0" destOrd="0" presId="urn:microsoft.com/office/officeart/2005/8/layout/process3"/>
+    <dgm:cxn modelId="{98EAF589-96EB-46BC-82CC-EC97746F500E}" type="presOf" srcId="{BF6A2854-6E66-4C4A-8EC7-2C1133BE5977}" destId="{4EDD6120-3400-4DD2-AC20-C7B3280247FE}" srcOrd="0" destOrd="0" presId="urn:microsoft.com/office/officeart/2005/8/layout/process3"/>
+    <dgm:cxn modelId="{32F17495-72AF-42C8-BE5A-B27E0A45CD57}" srcId="{680C9003-8DC8-4681-8013-2E17C0F4D073}" destId="{D9598EE5-A6F2-4162-8E7E-70198C2525A0}" srcOrd="2" destOrd="0" parTransId="{53CE22DE-98ED-478B-BBC7-209165DC196B}" sibTransId="{72A63480-31DE-4FA6-8C6D-7B5C5A7D955F}"/>
+    <dgm:cxn modelId="{4DA3DBA9-5AD6-4734-A5E2-25A2407B28E9}" srcId="{680C9003-8DC8-4681-8013-2E17C0F4D073}" destId="{BF6A2854-6E66-4C4A-8EC7-2C1133BE5977}" srcOrd="0" destOrd="0" parTransId="{320780D8-1E72-4DF3-A83C-F61D33355BFF}" sibTransId="{DA1C74D9-0D42-45A9-A41A-D1CA32E01369}"/>
+    <dgm:cxn modelId="{9F7C12D3-9EE2-48B9-BE81-B2DF6CAF7EC4}" srcId="{D9598EE5-A6F2-4162-8E7E-70198C2525A0}" destId="{695EEA04-DF00-45BF-A788-AE540DAB38B8}" srcOrd="0" destOrd="0" parTransId="{591D114B-C981-45B6-9B80-E6FEC23D2191}" sibTransId="{44B0C0EB-AC1B-4195-82C7-6302C7525DDD}"/>
+    <dgm:cxn modelId="{A98D97D7-2223-4594-B649-252F74C5F2B0}" type="presOf" srcId="{BF6A2854-6E66-4C4A-8EC7-2C1133BE5977}" destId="{89A92D7F-2EC2-4868-A6DD-E8F6D118245B}" srcOrd="1" destOrd="0" presId="urn:microsoft.com/office/officeart/2005/8/layout/process3"/>
+    <dgm:cxn modelId="{1C2F42E8-D3FA-43FC-B228-D212004C5DBB}" type="presOf" srcId="{9B061B92-BE56-40EB-980E-CD17CDAE9F53}" destId="{85EDB52D-D114-40A6-8C94-B784F6E73FBF}" srcOrd="0" destOrd="0" presId="urn:microsoft.com/office/officeart/2005/8/layout/process3"/>
+    <dgm:cxn modelId="{0693DBF2-7AE0-460B-A528-FFE37743762A}" srcId="{11C83499-1F80-49D3-9D27-88787508EA5F}" destId="{9B061B92-BE56-40EB-980E-CD17CDAE9F53}" srcOrd="0" destOrd="0" parTransId="{44859338-67F5-4872-85FD-A4FF6035A095}" sibTransId="{BA4C8ECF-A61E-49A4-8312-46B124B7B9F9}"/>
+    <dgm:cxn modelId="{368A05F9-ADD3-4FF0-9F28-20D50D027450}" srcId="{680C9003-8DC8-4681-8013-2E17C0F4D073}" destId="{11C83499-1F80-49D3-9D27-88787508EA5F}" srcOrd="1" destOrd="0" parTransId="{245B8944-A5AF-4F05-A6C6-2A4EFF95D612}" sibTransId="{4EFC835B-08D7-4BE1-BCDB-E685DE809400}"/>
+    <dgm:cxn modelId="{6621C857-7721-421A-A651-D4AFA25ADDEE}" type="presParOf" srcId="{042FB214-D9E4-45A8-81A8-9F1D921F1D90}" destId="{3758F734-819A-4914-AB3C-A15C3A5DC22A}" srcOrd="0" destOrd="0" presId="urn:microsoft.com/office/officeart/2005/8/layout/process3"/>
+    <dgm:cxn modelId="{019217B4-F22E-4528-9A92-E039D20E19A1}" type="presParOf" srcId="{3758F734-819A-4914-AB3C-A15C3A5DC22A}" destId="{4EDD6120-3400-4DD2-AC20-C7B3280247FE}" srcOrd="0" destOrd="0" presId="urn:microsoft.com/office/officeart/2005/8/layout/process3"/>
+    <dgm:cxn modelId="{5A67833A-EE1F-4E66-A8CD-557F16117EBC}" type="presParOf" srcId="{3758F734-819A-4914-AB3C-A15C3A5DC22A}" destId="{89A92D7F-2EC2-4868-A6DD-E8F6D118245B}" srcOrd="1" destOrd="0" presId="urn:microsoft.com/office/officeart/2005/8/layout/process3"/>
+    <dgm:cxn modelId="{D1317015-215F-43FB-AB0B-DA84E109ABB0}" type="presParOf" srcId="{3758F734-819A-4914-AB3C-A15C3A5DC22A}" destId="{6C3F27B8-E7BF-402A-89CF-43870D0760BA}" srcOrd="2" destOrd="0" presId="urn:microsoft.com/office/officeart/2005/8/layout/process3"/>
+    <dgm:cxn modelId="{00A17745-1C52-4775-9515-63B989FA7718}" type="presParOf" srcId="{042FB214-D9E4-45A8-81A8-9F1D921F1D90}" destId="{30D05494-0256-4685-B2E3-3972B43097D8}" srcOrd="1" destOrd="0" presId="urn:microsoft.com/office/officeart/2005/8/layout/process3"/>
+    <dgm:cxn modelId="{4411A21A-E50D-49BE-88D2-D704FCFD60FD}" type="presParOf" srcId="{30D05494-0256-4685-B2E3-3972B43097D8}" destId="{9FADBCE9-B95E-4A1C-9331-16295022841F}" srcOrd="0" destOrd="0" presId="urn:microsoft.com/office/officeart/2005/8/layout/process3"/>
+    <dgm:cxn modelId="{77F1A0E2-DDA4-427A-984B-B4DBB227A389}" type="presParOf" srcId="{042FB214-D9E4-45A8-81A8-9F1D921F1D90}" destId="{C930CB3D-3031-47E0-ADB9-71CA98CF6C31}" srcOrd="2" destOrd="0" presId="urn:microsoft.com/office/officeart/2005/8/layout/process3"/>
+    <dgm:cxn modelId="{92C34156-2504-4CDF-94B7-722BDC507A73}" type="presParOf" srcId="{C930CB3D-3031-47E0-ADB9-71CA98CF6C31}" destId="{FD76CD0A-AB84-46CF-A02C-FAB241FB2DE1}" srcOrd="0" destOrd="0" presId="urn:microsoft.com/office/officeart/2005/8/layout/process3"/>
+    <dgm:cxn modelId="{0D69E788-5D31-4440-983D-BE328D88998E}" type="presParOf" srcId="{C930CB3D-3031-47E0-ADB9-71CA98CF6C31}" destId="{9F5C4C2E-8FF3-4406-91AB-EAB07D1B1979}" srcOrd="1" destOrd="0" presId="urn:microsoft.com/office/officeart/2005/8/layout/process3"/>
+    <dgm:cxn modelId="{DCAE2106-145A-4B4B-AD9C-7F3A55F2BCC5}" type="presParOf" srcId="{C930CB3D-3031-47E0-ADB9-71CA98CF6C31}" destId="{85EDB52D-D114-40A6-8C94-B784F6E73FBF}" srcOrd="2" destOrd="0" presId="urn:microsoft.com/office/officeart/2005/8/layout/process3"/>
+    <dgm:cxn modelId="{FA830340-D05C-494C-BCE2-F6EEF1C3E787}" type="presParOf" srcId="{042FB214-D9E4-45A8-81A8-9F1D921F1D90}" destId="{C92655EA-F9BC-4810-8D5B-A5321AABFFF8}" srcOrd="3" destOrd="0" presId="urn:microsoft.com/office/officeart/2005/8/layout/process3"/>
+    <dgm:cxn modelId="{09AD054B-E29F-4C82-9E64-070DE6C7895C}" type="presParOf" srcId="{C92655EA-F9BC-4810-8D5B-A5321AABFFF8}" destId="{1E1F9C64-4C15-43B5-9C79-FF25C4AFF313}" srcOrd="0" destOrd="0" presId="urn:microsoft.com/office/officeart/2005/8/layout/process3"/>
+    <dgm:cxn modelId="{42DDBA8F-111E-4352-B36C-AD532A82F7F8}" type="presParOf" srcId="{042FB214-D9E4-45A8-81A8-9F1D921F1D90}" destId="{13BC6669-CDFF-4307-A0CD-D6A9D549A70E}" srcOrd="4" destOrd="0" presId="urn:microsoft.com/office/officeart/2005/8/layout/process3"/>
+    <dgm:cxn modelId="{E2131123-BA59-4115-AB6E-B42C6E021832}" type="presParOf" srcId="{13BC6669-CDFF-4307-A0CD-D6A9D549A70E}" destId="{7531D712-08E1-4CFD-9F99-5FC357CBF74E}" srcOrd="0" destOrd="0" presId="urn:microsoft.com/office/officeart/2005/8/layout/process3"/>
+    <dgm:cxn modelId="{1D6DAB3A-1159-4BFE-B81A-56235469EF45}" type="presParOf" srcId="{13BC6669-CDFF-4307-A0CD-D6A9D549A70E}" destId="{FF29BB00-53D8-4B85-AC11-2EAAAA084783}" srcOrd="1" destOrd="0" presId="urn:microsoft.com/office/officeart/2005/8/layout/process3"/>
+    <dgm:cxn modelId="{42A7ABA6-ACAD-45B8-879F-4001B7B89B37}" type="presParOf" srcId="{13BC6669-CDFF-4307-A0CD-D6A9D549A70E}" destId="{A3451F05-A3FE-4804-B721-F2F914896671}" srcOrd="2" destOrd="0" presId="urn:microsoft.com/office/officeart/2005/8/layout/process3"/>
+  </dgm:cxnLst>
+  <dgm:bg/>
+  <dgm:whole/>
+  <dgm:extLst>
+    <a:ext uri="http://schemas.microsoft.com/office/drawing/2008/diagram">
+      <dsp:dataModelExt xmlns:dsp="http://schemas.microsoft.com/office/drawing/2008/diagram" relId="rId6" minVer="http://schemas.openxmlformats.org/drawingml/2006/diagram"/>
+    </a:ext>
+  </dgm:extLst>
+</dgm:dataModel>
+</file>
+
+<file path=ppt/diagrams/drawing1.xml><?xml version="1.0" encoding="utf-8"?>
+<dsp:drawing xmlns:dgm="http://schemas.openxmlformats.org/drawingml/2006/diagram" xmlns:dsp="http://schemas.microsoft.com/office/drawing/2008/diagram" xmlns:a="http://schemas.openxmlformats.org/drawingml/2006/main">
+  <dsp:spTree>
+    <dsp:nvGrpSpPr>
+      <dsp:cNvPr id="0" name=""/>
+      <dsp:cNvGrpSpPr/>
+    </dsp:nvGrpSpPr>
+    <dsp:grpSpPr/>
+    <dsp:sp modelId="{89A92D7F-2EC2-4868-A6DD-E8F6D118245B}">
+      <dsp:nvSpPr>
+        <dsp:cNvPr id="0" name=""/>
+        <dsp:cNvSpPr/>
+      </dsp:nvSpPr>
+      <dsp:spPr>
+        <a:xfrm>
+          <a:off x="4707" y="1513728"/>
+          <a:ext cx="2140222" cy="864000"/>
+        </a:xfrm>
+        <a:prstGeom prst="roundRect">
+          <a:avLst>
+            <a:gd name="adj" fmla="val 10000"/>
+          </a:avLst>
+        </a:prstGeom>
+        <a:solidFill>
+          <a:schemeClr val="accent1">
+            <a:hueOff val="0"/>
+            <a:satOff val="0"/>
+            <a:lumOff val="0"/>
+            <a:alphaOff val="0"/>
+          </a:schemeClr>
+        </a:solidFill>
+        <a:ln w="19050" cap="flat" cmpd="sng" algn="ctr">
+          <a:solidFill>
+            <a:schemeClr val="lt1">
+              <a:hueOff val="0"/>
+              <a:satOff val="0"/>
+              <a:lumOff val="0"/>
+              <a:alphaOff val="0"/>
+            </a:schemeClr>
+          </a:solidFill>
+          <a:prstDash val="solid"/>
+          <a:miter lim="800000"/>
+        </a:ln>
+        <a:effectLst/>
+      </dsp:spPr>
+      <dsp:style>
+        <a:lnRef idx="2">
+          <a:scrgbClr r="0" g="0" b="0"/>
+        </a:lnRef>
+        <a:fillRef idx="1">
+          <a:scrgbClr r="0" g="0" b="0"/>
+        </a:fillRef>
+        <a:effectRef idx="0">
+          <a:scrgbClr r="0" g="0" b="0"/>
+        </a:effectRef>
+        <a:fontRef idx="minor">
+          <a:schemeClr val="lt1"/>
+        </a:fontRef>
+      </dsp:style>
+      <dsp:txBody>
+        <a:bodyPr spcFirstLastPara="0" vert="horz" wrap="square" lIns="142240" tIns="142240" rIns="142240" bIns="76200" numCol="1" spcCol="1270" anchor="t" anchorCtr="0">
+          <a:noAutofit/>
+        </a:bodyPr>
+        <a:lstStyle/>
+        <a:p>
+          <a:pPr marL="0" lvl="0" indent="0" algn="l" defTabSz="889000">
+            <a:lnSpc>
+              <a:spcPct val="90000"/>
+            </a:lnSpc>
+            <a:spcBef>
+              <a:spcPct val="0"/>
+            </a:spcBef>
+            <a:spcAft>
+              <a:spcPct val="35000"/>
+            </a:spcAft>
+            <a:buNone/>
+          </a:pPr>
+          <a:r>
+            <a:rPr lang="en-US" sz="2000" kern="1200" dirty="0">
+              <a:latin typeface="Fira Sans" panose="020B0503050000020004" pitchFamily="34" charset="0"/>
+            </a:rPr>
+            <a:t>Genomics</a:t>
+          </a:r>
+          <a:endParaRPr lang="en-GB" sz="2000" kern="1200" dirty="0">
+            <a:latin typeface="Fira Sans" panose="020B0503050000020004" pitchFamily="34" charset="0"/>
+          </a:endParaRPr>
+        </a:p>
+      </dsp:txBody>
+      <dsp:txXfrm>
+        <a:off x="4707" y="1513728"/>
+        <a:ext cx="2140222" cy="576000"/>
+      </dsp:txXfrm>
+    </dsp:sp>
+    <dsp:sp modelId="{6C3F27B8-E7BF-402A-89CF-43870D0760BA}">
+      <dsp:nvSpPr>
+        <dsp:cNvPr id="0" name=""/>
+        <dsp:cNvSpPr/>
+      </dsp:nvSpPr>
+      <dsp:spPr>
+        <a:xfrm>
+          <a:off x="443065" y="2089728"/>
+          <a:ext cx="2140222" cy="1188000"/>
+        </a:xfrm>
+        <a:prstGeom prst="roundRect">
+          <a:avLst>
+            <a:gd name="adj" fmla="val 10000"/>
+          </a:avLst>
+        </a:prstGeom>
+        <a:solidFill>
+          <a:schemeClr val="lt1">
+            <a:alpha val="90000"/>
+            <a:hueOff val="0"/>
+            <a:satOff val="0"/>
+            <a:lumOff val="0"/>
+            <a:alphaOff val="0"/>
+          </a:schemeClr>
+        </a:solidFill>
+        <a:ln w="19050" cap="flat" cmpd="sng" algn="ctr">
+          <a:solidFill>
+            <a:schemeClr val="accent1">
+              <a:hueOff val="0"/>
+              <a:satOff val="0"/>
+              <a:lumOff val="0"/>
+              <a:alphaOff val="0"/>
+            </a:schemeClr>
+          </a:solidFill>
+          <a:prstDash val="solid"/>
+          <a:miter lim="800000"/>
+        </a:ln>
+        <a:effectLst/>
+      </dsp:spPr>
+      <dsp:style>
+        <a:lnRef idx="2">
+          <a:scrgbClr r="0" g="0" b="0"/>
+        </a:lnRef>
+        <a:fillRef idx="1">
+          <a:scrgbClr r="0" g="0" b="0"/>
+        </a:fillRef>
+        <a:effectRef idx="0">
+          <a:scrgbClr r="0" g="0" b="0"/>
+        </a:effectRef>
+        <a:fontRef idx="minor"/>
+      </dsp:style>
+      <dsp:txBody>
+        <a:bodyPr spcFirstLastPara="0" vert="horz" wrap="square" lIns="142240" tIns="142240" rIns="142240" bIns="142240" numCol="1" spcCol="1270" anchor="t" anchorCtr="0">
+          <a:noAutofit/>
+        </a:bodyPr>
+        <a:lstStyle/>
+        <a:p>
+          <a:pPr marL="228600" lvl="1" indent="-228600" algn="l" defTabSz="889000">
+            <a:lnSpc>
+              <a:spcPct val="90000"/>
+            </a:lnSpc>
+            <a:spcBef>
+              <a:spcPct val="0"/>
+            </a:spcBef>
+            <a:spcAft>
+              <a:spcPct val="15000"/>
+            </a:spcAft>
+            <a:buChar char="•"/>
+          </a:pPr>
+          <a:r>
+            <a:rPr lang="en-US" sz="2000" kern="1200" dirty="0">
+              <a:latin typeface="Fira Sans" panose="020B0503050000020004" pitchFamily="34" charset="0"/>
+            </a:rPr>
+            <a:t>DNA Tells what is possible</a:t>
+          </a:r>
+          <a:endParaRPr lang="en-GB" sz="2000" kern="1200" dirty="0">
+            <a:latin typeface="Fira Sans" panose="020B0503050000020004" pitchFamily="34" charset="0"/>
+          </a:endParaRPr>
+        </a:p>
+      </dsp:txBody>
+      <dsp:txXfrm>
+        <a:off x="477860" y="2124523"/>
+        <a:ext cx="2070632" cy="1118410"/>
+      </dsp:txXfrm>
+    </dsp:sp>
+    <dsp:sp modelId="{30D05494-0256-4685-B2E3-3972B43097D8}">
+      <dsp:nvSpPr>
+        <dsp:cNvPr id="0" name=""/>
+        <dsp:cNvSpPr/>
+      </dsp:nvSpPr>
+      <dsp:spPr>
+        <a:xfrm>
+          <a:off x="2469379" y="1535301"/>
+          <a:ext cx="687833" cy="532853"/>
+        </a:xfrm>
+        <a:prstGeom prst="rightArrow">
+          <a:avLst>
+            <a:gd name="adj1" fmla="val 60000"/>
+            <a:gd name="adj2" fmla="val 50000"/>
+          </a:avLst>
+        </a:prstGeom>
+        <a:solidFill>
+          <a:schemeClr val="accent1">
+            <a:tint val="60000"/>
+            <a:hueOff val="0"/>
+            <a:satOff val="0"/>
+            <a:lumOff val="0"/>
+            <a:alphaOff val="0"/>
+          </a:schemeClr>
+        </a:solidFill>
+        <a:ln>
+          <a:noFill/>
+        </a:ln>
+        <a:effectLst/>
+      </dsp:spPr>
+      <dsp:style>
+        <a:lnRef idx="0">
+          <a:scrgbClr r="0" g="0" b="0"/>
+        </a:lnRef>
+        <a:fillRef idx="1">
+          <a:scrgbClr r="0" g="0" b="0"/>
+        </a:fillRef>
+        <a:effectRef idx="0">
+          <a:scrgbClr r="0" g="0" b="0"/>
+        </a:effectRef>
+        <a:fontRef idx="minor">
+          <a:schemeClr val="lt1"/>
+        </a:fontRef>
+      </dsp:style>
+      <dsp:txBody>
+        <a:bodyPr spcFirstLastPara="0" vert="horz" wrap="square" lIns="0" tIns="0" rIns="0" bIns="0" numCol="1" spcCol="1270" anchor="ctr" anchorCtr="0">
+          <a:noAutofit/>
+        </a:bodyPr>
+        <a:lstStyle/>
+        <a:p>
+          <a:pPr marL="0" lvl="0" indent="0" algn="ctr" defTabSz="711200">
+            <a:lnSpc>
+              <a:spcPct val="90000"/>
+            </a:lnSpc>
+            <a:spcBef>
+              <a:spcPct val="0"/>
+            </a:spcBef>
+            <a:spcAft>
+              <a:spcPct val="35000"/>
+            </a:spcAft>
+            <a:buNone/>
+          </a:pPr>
+          <a:endParaRPr lang="en-GB" sz="1600" kern="1200">
+            <a:latin typeface="Fira Sans" panose="020B0503050000020004" pitchFamily="34" charset="0"/>
+          </a:endParaRPr>
+        </a:p>
+      </dsp:txBody>
+      <dsp:txXfrm>
+        <a:off x="2469379" y="1641872"/>
+        <a:ext cx="527977" cy="319711"/>
+      </dsp:txXfrm>
+    </dsp:sp>
+    <dsp:sp modelId="{9F5C4C2E-8FF3-4406-91AB-EAB07D1B1979}">
+      <dsp:nvSpPr>
+        <dsp:cNvPr id="0" name=""/>
+        <dsp:cNvSpPr/>
+      </dsp:nvSpPr>
+      <dsp:spPr>
+        <a:xfrm>
+          <a:off x="3442729" y="1513728"/>
+          <a:ext cx="2140222" cy="864000"/>
+        </a:xfrm>
+        <a:prstGeom prst="roundRect">
+          <a:avLst>
+            <a:gd name="adj" fmla="val 10000"/>
+          </a:avLst>
+        </a:prstGeom>
+        <a:solidFill>
+          <a:schemeClr val="accent1">
+            <a:hueOff val="0"/>
+            <a:satOff val="0"/>
+            <a:lumOff val="0"/>
+            <a:alphaOff val="0"/>
+          </a:schemeClr>
+        </a:solidFill>
+        <a:ln w="19050" cap="flat" cmpd="sng" algn="ctr">
+          <a:solidFill>
+            <a:schemeClr val="lt1">
+              <a:hueOff val="0"/>
+              <a:satOff val="0"/>
+              <a:lumOff val="0"/>
+              <a:alphaOff val="0"/>
+            </a:schemeClr>
+          </a:solidFill>
+          <a:prstDash val="solid"/>
+          <a:miter lim="800000"/>
+        </a:ln>
+        <a:effectLst/>
+      </dsp:spPr>
+      <dsp:style>
+        <a:lnRef idx="2">
+          <a:scrgbClr r="0" g="0" b="0"/>
+        </a:lnRef>
+        <a:fillRef idx="1">
+          <a:scrgbClr r="0" g="0" b="0"/>
+        </a:fillRef>
+        <a:effectRef idx="0">
+          <a:scrgbClr r="0" g="0" b="0"/>
+        </a:effectRef>
+        <a:fontRef idx="minor">
+          <a:schemeClr val="lt1"/>
+        </a:fontRef>
+      </dsp:style>
+      <dsp:txBody>
+        <a:bodyPr spcFirstLastPara="0" vert="horz" wrap="square" lIns="142240" tIns="142240" rIns="142240" bIns="76200" numCol="1" spcCol="1270" anchor="t" anchorCtr="0">
+          <a:noAutofit/>
+        </a:bodyPr>
+        <a:lstStyle/>
+        <a:p>
+          <a:pPr marL="0" lvl="0" indent="0" algn="l" defTabSz="889000">
+            <a:lnSpc>
+              <a:spcPct val="90000"/>
+            </a:lnSpc>
+            <a:spcBef>
+              <a:spcPct val="0"/>
+            </a:spcBef>
+            <a:spcAft>
+              <a:spcPct val="35000"/>
+            </a:spcAft>
+            <a:buNone/>
+          </a:pPr>
+          <a:r>
+            <a:rPr lang="en-US" sz="2000" kern="1200" dirty="0">
+              <a:latin typeface="Fira Sans" panose="020B0503050000020004" pitchFamily="34" charset="0"/>
+            </a:rPr>
+            <a:t>Transcriptomics</a:t>
+          </a:r>
+          <a:endParaRPr lang="en-GB" sz="2000" kern="1200" dirty="0">
+            <a:latin typeface="Fira Sans" panose="020B0503050000020004" pitchFamily="34" charset="0"/>
+          </a:endParaRPr>
+        </a:p>
+      </dsp:txBody>
+      <dsp:txXfrm>
+        <a:off x="3442729" y="1513728"/>
+        <a:ext cx="2140222" cy="576000"/>
+      </dsp:txXfrm>
+    </dsp:sp>
+    <dsp:sp modelId="{85EDB52D-D114-40A6-8C94-B784F6E73FBF}">
+      <dsp:nvSpPr>
+        <dsp:cNvPr id="0" name=""/>
+        <dsp:cNvSpPr/>
+      </dsp:nvSpPr>
+      <dsp:spPr>
+        <a:xfrm>
+          <a:off x="3881088" y="2089728"/>
+          <a:ext cx="2140222" cy="1188000"/>
+        </a:xfrm>
+        <a:prstGeom prst="roundRect">
+          <a:avLst>
+            <a:gd name="adj" fmla="val 10000"/>
+          </a:avLst>
+        </a:prstGeom>
+        <a:solidFill>
+          <a:schemeClr val="lt1">
+            <a:alpha val="90000"/>
+            <a:hueOff val="0"/>
+            <a:satOff val="0"/>
+            <a:lumOff val="0"/>
+            <a:alphaOff val="0"/>
+          </a:schemeClr>
+        </a:solidFill>
+        <a:ln w="19050" cap="flat" cmpd="sng" algn="ctr">
+          <a:solidFill>
+            <a:schemeClr val="accent1">
+              <a:hueOff val="0"/>
+              <a:satOff val="0"/>
+              <a:lumOff val="0"/>
+              <a:alphaOff val="0"/>
+            </a:schemeClr>
+          </a:solidFill>
+          <a:prstDash val="solid"/>
+          <a:miter lim="800000"/>
+        </a:ln>
+        <a:effectLst/>
+      </dsp:spPr>
+      <dsp:style>
+        <a:lnRef idx="2">
+          <a:scrgbClr r="0" g="0" b="0"/>
+        </a:lnRef>
+        <a:fillRef idx="1">
+          <a:scrgbClr r="0" g="0" b="0"/>
+        </a:fillRef>
+        <a:effectRef idx="0">
+          <a:scrgbClr r="0" g="0" b="0"/>
+        </a:effectRef>
+        <a:fontRef idx="minor"/>
+      </dsp:style>
+      <dsp:txBody>
+        <a:bodyPr spcFirstLastPara="0" vert="horz" wrap="square" lIns="142240" tIns="142240" rIns="142240" bIns="142240" numCol="1" spcCol="1270" anchor="t" anchorCtr="0">
+          <a:noAutofit/>
+        </a:bodyPr>
+        <a:lstStyle/>
+        <a:p>
+          <a:pPr marL="228600" lvl="1" indent="-228600" algn="l" defTabSz="889000">
+            <a:lnSpc>
+              <a:spcPct val="90000"/>
+            </a:lnSpc>
+            <a:spcBef>
+              <a:spcPct val="0"/>
+            </a:spcBef>
+            <a:spcAft>
+              <a:spcPct val="15000"/>
+            </a:spcAft>
+            <a:buChar char="•"/>
+          </a:pPr>
+          <a:r>
+            <a:rPr lang="en-US" sz="2000" kern="1200" dirty="0">
+              <a:latin typeface="Fira Sans" panose="020B0503050000020004" pitchFamily="34" charset="0"/>
+            </a:rPr>
+            <a:t>RNA  what is probable</a:t>
+          </a:r>
+          <a:endParaRPr lang="en-GB" sz="2000" kern="1200" dirty="0">
+            <a:latin typeface="Fira Sans" panose="020B0503050000020004" pitchFamily="34" charset="0"/>
+          </a:endParaRPr>
+        </a:p>
+      </dsp:txBody>
+      <dsp:txXfrm>
+        <a:off x="3915883" y="2124523"/>
+        <a:ext cx="2070632" cy="1118410"/>
+      </dsp:txXfrm>
+    </dsp:sp>
+    <dsp:sp modelId="{C92655EA-F9BC-4810-8D5B-A5321AABFFF8}">
+      <dsp:nvSpPr>
+        <dsp:cNvPr id="0" name=""/>
+        <dsp:cNvSpPr/>
+      </dsp:nvSpPr>
+      <dsp:spPr>
+        <a:xfrm>
+          <a:off x="5907401" y="1535301"/>
+          <a:ext cx="687833" cy="532853"/>
+        </a:xfrm>
+        <a:prstGeom prst="rightArrow">
+          <a:avLst>
+            <a:gd name="adj1" fmla="val 60000"/>
+            <a:gd name="adj2" fmla="val 50000"/>
+          </a:avLst>
+        </a:prstGeom>
+        <a:solidFill>
+          <a:schemeClr val="accent1">
+            <a:tint val="60000"/>
+            <a:hueOff val="0"/>
+            <a:satOff val="0"/>
+            <a:lumOff val="0"/>
+            <a:alphaOff val="0"/>
+          </a:schemeClr>
+        </a:solidFill>
+        <a:ln>
+          <a:noFill/>
+        </a:ln>
+        <a:effectLst/>
+      </dsp:spPr>
+      <dsp:style>
+        <a:lnRef idx="0">
+          <a:scrgbClr r="0" g="0" b="0"/>
+        </a:lnRef>
+        <a:fillRef idx="1">
+          <a:scrgbClr r="0" g="0" b="0"/>
+        </a:fillRef>
+        <a:effectRef idx="0">
+          <a:scrgbClr r="0" g="0" b="0"/>
+        </a:effectRef>
+        <a:fontRef idx="minor">
+          <a:schemeClr val="lt1"/>
+        </a:fontRef>
+      </dsp:style>
+      <dsp:txBody>
+        <a:bodyPr spcFirstLastPara="0" vert="horz" wrap="square" lIns="0" tIns="0" rIns="0" bIns="0" numCol="1" spcCol="1270" anchor="ctr" anchorCtr="0">
+          <a:noAutofit/>
+        </a:bodyPr>
+        <a:lstStyle/>
+        <a:p>
+          <a:pPr marL="0" lvl="0" indent="0" algn="ctr" defTabSz="711200">
+            <a:lnSpc>
+              <a:spcPct val="90000"/>
+            </a:lnSpc>
+            <a:spcBef>
+              <a:spcPct val="0"/>
+            </a:spcBef>
+            <a:spcAft>
+              <a:spcPct val="35000"/>
+            </a:spcAft>
+            <a:buNone/>
+          </a:pPr>
+          <a:endParaRPr lang="en-GB" sz="1600" kern="1200">
+            <a:latin typeface="Fira Sans" panose="020B0503050000020004" pitchFamily="34" charset="0"/>
+          </a:endParaRPr>
+        </a:p>
+      </dsp:txBody>
+      <dsp:txXfrm>
+        <a:off x="5907401" y="1641872"/>
+        <a:ext cx="527977" cy="319711"/>
+      </dsp:txXfrm>
+    </dsp:sp>
+    <dsp:sp modelId="{FF29BB00-53D8-4B85-AC11-2EAAAA084783}">
+      <dsp:nvSpPr>
+        <dsp:cNvPr id="0" name=""/>
+        <dsp:cNvSpPr/>
+      </dsp:nvSpPr>
+      <dsp:spPr>
+        <a:xfrm>
+          <a:off x="6880751" y="1513728"/>
+          <a:ext cx="2140222" cy="864000"/>
+        </a:xfrm>
+        <a:prstGeom prst="roundRect">
+          <a:avLst>
+            <a:gd name="adj" fmla="val 10000"/>
+          </a:avLst>
+        </a:prstGeom>
+        <a:solidFill>
+          <a:schemeClr val="accent1">
+            <a:hueOff val="0"/>
+            <a:satOff val="0"/>
+            <a:lumOff val="0"/>
+            <a:alphaOff val="0"/>
+          </a:schemeClr>
+        </a:solidFill>
+        <a:ln w="19050" cap="flat" cmpd="sng" algn="ctr">
+          <a:solidFill>
+            <a:schemeClr val="lt1">
+              <a:hueOff val="0"/>
+              <a:satOff val="0"/>
+              <a:lumOff val="0"/>
+              <a:alphaOff val="0"/>
+            </a:schemeClr>
+          </a:solidFill>
+          <a:prstDash val="solid"/>
+          <a:miter lim="800000"/>
+        </a:ln>
+        <a:effectLst/>
+      </dsp:spPr>
+      <dsp:style>
+        <a:lnRef idx="2">
+          <a:scrgbClr r="0" g="0" b="0"/>
+        </a:lnRef>
+        <a:fillRef idx="1">
+          <a:scrgbClr r="0" g="0" b="0"/>
+        </a:fillRef>
+        <a:effectRef idx="0">
+          <a:scrgbClr r="0" g="0" b="0"/>
+        </a:effectRef>
+        <a:fontRef idx="minor">
+          <a:schemeClr val="lt1"/>
+        </a:fontRef>
+      </dsp:style>
+      <dsp:txBody>
+        <a:bodyPr spcFirstLastPara="0" vert="horz" wrap="square" lIns="142240" tIns="142240" rIns="142240" bIns="76200" numCol="1" spcCol="1270" anchor="t" anchorCtr="0">
+          <a:noAutofit/>
+        </a:bodyPr>
+        <a:lstStyle/>
+        <a:p>
+          <a:pPr marL="0" lvl="0" indent="0" algn="l" defTabSz="889000">
+            <a:lnSpc>
+              <a:spcPct val="90000"/>
+            </a:lnSpc>
+            <a:spcBef>
+              <a:spcPct val="0"/>
+            </a:spcBef>
+            <a:spcAft>
+              <a:spcPct val="35000"/>
+            </a:spcAft>
+            <a:buNone/>
+          </a:pPr>
+          <a:r>
+            <a:rPr lang="en-US" sz="2000" kern="1200" dirty="0">
+              <a:latin typeface="Fira Sans" panose="020B0503050000020004" pitchFamily="34" charset="0"/>
+            </a:rPr>
+            <a:t>Proteomics</a:t>
+          </a:r>
+          <a:endParaRPr lang="en-GB" sz="2000" kern="1200" dirty="0">
+            <a:latin typeface="Fira Sans" panose="020B0503050000020004" pitchFamily="34" charset="0"/>
+          </a:endParaRPr>
+        </a:p>
+      </dsp:txBody>
+      <dsp:txXfrm>
+        <a:off x="6880751" y="1513728"/>
+        <a:ext cx="2140222" cy="576000"/>
+      </dsp:txXfrm>
+    </dsp:sp>
+    <dsp:sp modelId="{A3451F05-A3FE-4804-B721-F2F914896671}">
+      <dsp:nvSpPr>
+        <dsp:cNvPr id="0" name=""/>
+        <dsp:cNvSpPr/>
+      </dsp:nvSpPr>
+      <dsp:spPr>
+        <a:xfrm>
+          <a:off x="7319110" y="2089728"/>
+          <a:ext cx="2140222" cy="1188000"/>
+        </a:xfrm>
+        <a:prstGeom prst="roundRect">
+          <a:avLst>
+            <a:gd name="adj" fmla="val 10000"/>
+          </a:avLst>
+        </a:prstGeom>
+        <a:solidFill>
+          <a:schemeClr val="lt1">
+            <a:alpha val="90000"/>
+            <a:hueOff val="0"/>
+            <a:satOff val="0"/>
+            <a:lumOff val="0"/>
+            <a:alphaOff val="0"/>
+          </a:schemeClr>
+        </a:solidFill>
+        <a:ln w="19050" cap="flat" cmpd="sng" algn="ctr">
+          <a:solidFill>
+            <a:schemeClr val="accent1">
+              <a:hueOff val="0"/>
+              <a:satOff val="0"/>
+              <a:lumOff val="0"/>
+              <a:alphaOff val="0"/>
+            </a:schemeClr>
+          </a:solidFill>
+          <a:prstDash val="solid"/>
+          <a:miter lim="800000"/>
+        </a:ln>
+        <a:effectLst/>
+      </dsp:spPr>
+      <dsp:style>
+        <a:lnRef idx="2">
+          <a:scrgbClr r="0" g="0" b="0"/>
+        </a:lnRef>
+        <a:fillRef idx="1">
+          <a:scrgbClr r="0" g="0" b="0"/>
+        </a:fillRef>
+        <a:effectRef idx="0">
+          <a:scrgbClr r="0" g="0" b="0"/>
+        </a:effectRef>
+        <a:fontRef idx="minor"/>
+      </dsp:style>
+      <dsp:txBody>
+        <a:bodyPr spcFirstLastPara="0" vert="horz" wrap="square" lIns="142240" tIns="142240" rIns="142240" bIns="142240" numCol="1" spcCol="1270" anchor="t" anchorCtr="0">
+          <a:noAutofit/>
+        </a:bodyPr>
+        <a:lstStyle/>
+        <a:p>
+          <a:pPr marL="228600" lvl="1" indent="-228600" algn="l" defTabSz="889000">
+            <a:lnSpc>
+              <a:spcPct val="90000"/>
+            </a:lnSpc>
+            <a:spcBef>
+              <a:spcPct val="0"/>
+            </a:spcBef>
+            <a:spcAft>
+              <a:spcPct val="15000"/>
+            </a:spcAft>
+            <a:buChar char="•"/>
+          </a:pPr>
+          <a:r>
+            <a:rPr lang="en-US" sz="2000" kern="1200" dirty="0">
+              <a:latin typeface="Fira Sans" panose="020B0503050000020004" pitchFamily="34" charset="0"/>
+            </a:rPr>
+            <a:t>Proteins what actually happens</a:t>
+          </a:r>
+          <a:endParaRPr lang="en-GB" sz="2000" kern="1200" dirty="0">
+            <a:latin typeface="Fira Sans" panose="020B0503050000020004" pitchFamily="34" charset="0"/>
+          </a:endParaRPr>
+        </a:p>
+      </dsp:txBody>
+      <dsp:txXfrm>
+        <a:off x="7353905" y="2124523"/>
+        <a:ext cx="2070632" cy="1118410"/>
+      </dsp:txXfrm>
+    </dsp:sp>
+  </dsp:spTree>
+</dsp:drawing>
+</file>
+
+<file path=ppt/diagrams/layout1.xml><?xml version="1.0" encoding="utf-8"?>
+<dgm:layoutDef xmlns:dgm="http://schemas.openxmlformats.org/drawingml/2006/diagram" xmlns:a="http://schemas.openxmlformats.org/drawingml/2006/main" uniqueId="urn:microsoft.com/office/officeart/2005/8/layout/process3">
+  <dgm:title val=""/>
+  <dgm:desc val=""/>
+  <dgm:catLst>
+    <dgm:cat type="process" pri="2000"/>
+  </dgm:catLst>
+  <dgm:sampData>
+    <dgm:dataModel>
+      <dgm:ptLst>
+        <dgm:pt modelId="0" type="doc"/>
+        <dgm:pt modelId="1">
+          <dgm:prSet phldr="1"/>
+        </dgm:pt>
+        <dgm:pt modelId="11">
+          <dgm:prSet phldr="1"/>
+        </dgm:pt>
+        <dgm:pt modelId="2">
+          <dgm:prSet phldr="1"/>
+        </dgm:pt>
+        <dgm:pt modelId="21">
+          <dgm:prSet phldr="1"/>
+        </dgm:pt>
+        <dgm:pt modelId="3">
+          <dgm:prSet phldr="1"/>
+        </dgm:pt>
+        <dgm:pt modelId="31">
+          <dgm:prSet phldr="1"/>
+        </dgm:pt>
+      </dgm:ptLst>
+      <dgm:cxnLst>
+        <dgm:cxn modelId="4" srcId="0" destId="1" srcOrd="0" destOrd="0"/>
+        <dgm:cxn modelId="5" srcId="0" destId="2" srcOrd="1" destOrd="0"/>
+        <dgm:cxn modelId="6" srcId="0" destId="3" srcOrd="3" destOrd="0"/>
+        <dgm:cxn modelId="12" srcId="1" destId="11" srcOrd="0" destOrd="0"/>
+        <dgm:cxn modelId="23" srcId="2" destId="21" srcOrd="0" destOrd="0"/>
+        <dgm:cxn modelId="34" srcId="3" destId="31" srcOrd="0" destOrd="0"/>
+      </dgm:cxnLst>
+      <dgm:bg/>
+      <dgm:whole/>
+    </dgm:dataModel>
+  </dgm:sampData>
+  <dgm:styleData>
+    <dgm:dataModel>
+      <dgm:ptLst>
+        <dgm:pt modelId="0" type="doc"/>
+        <dgm:pt modelId="1">
+          <dgm:prSet phldr="1"/>
+        </dgm:pt>
+        <dgm:pt modelId="11">
+          <dgm:prSet phldr="1"/>
+        </dgm:pt>
+        <dgm:pt modelId="2">
+          <dgm:prSet phldr="1"/>
+        </dgm:pt>
+        <dgm:pt modelId="21">
+          <dgm:prSet phldr="1"/>
+        </dgm:pt>
+      </dgm:ptLst>
+      <dgm:cxnLst>
+        <dgm:cxn modelId="4" srcId="0" destId="1" srcOrd="0" destOrd="0"/>
+        <dgm:cxn modelId="5" srcId="0" destId="2" srcOrd="1" destOrd="0"/>
+        <dgm:cxn modelId="13" srcId="1" destId="11" srcOrd="0" destOrd="0"/>
+        <dgm:cxn modelId="23" srcId="2" destId="21" srcOrd="0" destOrd="0"/>
+      </dgm:cxnLst>
+      <dgm:bg/>
+      <dgm:whole/>
+    </dgm:dataModel>
+  </dgm:styleData>
+  <dgm:clrData>
+    <dgm:dataModel>
+      <dgm:ptLst>
+        <dgm:pt modelId="0" type="doc"/>
+        <dgm:pt modelId="1">
+          <dgm:prSet phldr="1"/>
+        </dgm:pt>
+        <dgm:pt modelId="11">
+          <dgm:prSet phldr="1"/>
+        </dgm:pt>
+        <dgm:pt modelId="2">
+          <dgm:prSet phldr="1"/>
+        </dgm:pt>
+        <dgm:pt modelId="21">
+          <dgm:prSet phldr="1"/>
+        </dgm:pt>
+        <dgm:pt modelId="3">
+          <dgm:prSet phldr="1"/>
+        </dgm:pt>
+        <dgm:pt modelId="31">
+          <dgm:prSet phldr="1"/>
+        </dgm:pt>
+        <dgm:pt modelId="4">
+          <dgm:prSet phldr="1"/>
+        </dgm:pt>
+        <dgm:pt modelId="41">
+          <dgm:prSet phldr="1"/>
+        </dgm:pt>
+      </dgm:ptLst>
+      <dgm:cxnLst>
+        <dgm:cxn modelId="5" srcId="0" destId="1" srcOrd="0" destOrd="0"/>
+        <dgm:cxn modelId="6" srcId="0" destId="2" srcOrd="1" destOrd="0"/>
+        <dgm:cxn modelId="7" srcId="0" destId="3" srcOrd="2" destOrd="0"/>
+        <dgm:cxn modelId="8" srcId="0" destId="4" srcOrd="3" destOrd="0"/>
+        <dgm:cxn modelId="13" srcId="1" destId="11" srcOrd="0" destOrd="0"/>
+        <dgm:cxn modelId="23" srcId="2" destId="21" srcOrd="0" destOrd="0"/>
+        <dgm:cxn modelId="33" srcId="3" destId="31" srcOrd="0" destOrd="0"/>
+        <dgm:cxn modelId="43" srcId="4" destId="41" srcOrd="0" destOrd="0"/>
+      </dgm:cxnLst>
+      <dgm:bg/>
+      <dgm:whole/>
+    </dgm:dataModel>
+  </dgm:clrData>
+  <dgm:layoutNode name="linearFlow">
+    <dgm:varLst>
+      <dgm:dir/>
+      <dgm:animLvl val="lvl"/>
+      <dgm:resizeHandles val="exact"/>
+    </dgm:varLst>
+    <dgm:choose name="Name0">
+      <dgm:if name="Name1" func="var" arg="dir" op="equ" val="norm">
+        <dgm:alg type="lin"/>
+      </dgm:if>
+      <dgm:else name="Name2">
+        <dgm:alg type="lin">
+          <dgm:param type="linDir" val="fromR"/>
+        </dgm:alg>
+      </dgm:else>
+    </dgm:choose>
+    <dgm:shape xmlns:r="http://schemas.openxmlformats.org/officeDocument/2006/relationships" r:blip="">
+      <dgm:adjLst/>
+    </dgm:shape>
+    <dgm:presOf/>
+    <dgm:constrLst>
+      <dgm:constr type="w" for="ch" forName="composite" refType="w"/>
+      <dgm:constr type="w" for="ch" ptType="sibTrans" refType="w" refFor="ch" refForName="composite" fact="0.3333"/>
+      <dgm:constr type="w" for="des" forName="parTx"/>
+      <dgm:constr type="h" for="des" forName="parTx" op="equ"/>
+      <dgm:constr type="h" for="des" forName="parSh" op="equ"/>
+      <dgm:constr type="w" for="des" forName="desTx"/>
+      <dgm:constr type="h" for="des" forName="desTx" op="equ"/>
+      <dgm:constr type="w" for="des" forName="parSh"/>
+      <dgm:constr type="primFontSz" for="des" forName="parTx" val="65"/>
+      <dgm:constr type="secFontSz" for="des" forName="desTx" refType="primFontSz" refFor="des" refForName="parTx" op="equ"/>
+      <dgm:constr type="primFontSz" for="des" forName="connTx" refType="primFontSz" refFor="des" refForName="parTx" fact="0.8"/>
+      <dgm:constr type="primFontSz" for="des" forName="connTx" refType="primFontSz" refFor="des" refForName="parTx" op="lte" fact="0.8"/>
+      <dgm:constr type="h" for="des" forName="parTx" refType="primFontSz" refFor="des" refForName="parTx" fact="0.8"/>
+      <dgm:constr type="h" for="des" forName="parSh" refType="primFontSz" refFor="des" refForName="parTx" fact="1.2"/>
+      <dgm:constr type="h" for="des" forName="desTx" refType="primFontSz" refFor="des" refForName="parTx" fact="1.6"/>
+      <dgm:constr type="h" for="des" forName="parSh" refType="h" refFor="des" refForName="parTx" op="lte" fact="1.5"/>
+      <dgm:constr type="h" for="des" forName="parSh" refType="h" refFor="des" refForName="parTx" op="gte" fact="1.5"/>
+    </dgm:constrLst>
+    <dgm:ruleLst>
+      <dgm:rule type="w" for="ch" forName="composite" val="0" fact="NaN" max="NaN"/>
+      <dgm:rule type="primFontSz" for="des" forName="parTx" val="5" fact="NaN" max="NaN"/>
+    </dgm:ruleLst>
+    <dgm:forEach name="Name3" axis="ch" ptType="node">
+      <dgm:layoutNode name="composite">
+        <dgm:alg type="composite"/>
+        <dgm:shape xmlns:r="http://schemas.openxmlformats.org/officeDocument/2006/relationships" r:blip="">
+          <dgm:adjLst/>
+        </dgm:shape>
+        <dgm:presOf/>
+        <dgm:choose name="Name4">
+          <dgm:if name="Name5" func="var" arg="dir" op="equ" val="norm">
+            <dgm:constrLst>
+              <dgm:constr type="h" refType="w" fact="1000"/>
+              <dgm:constr type="l" for="ch" forName="parTx"/>
+              <dgm:constr type="w" for="ch" forName="parTx" refType="w" fact="0.83"/>
+              <dgm:constr type="t" for="ch" forName="parTx"/>
+              <dgm:constr type="l" for="ch" forName="parSh"/>
+              <dgm:constr type="w" for="ch" forName="parSh" refType="w" refFor="ch" refForName="parTx"/>
+              <dgm:constr type="t" for="ch" forName="parSh"/>
+              <dgm:constr type="l" for="ch" forName="desTx" refType="w" fact="0.17"/>
+              <dgm:constr type="w" for="ch" forName="desTx" refType="w" refFor="ch" refForName="parTx"/>
+              <dgm:constr type="t" for="ch" forName="desTx" refType="h" refFor="ch" refForName="parTx"/>
+            </dgm:constrLst>
+          </dgm:if>
+          <dgm:else name="Name6">
+            <dgm:constrLst>
+              <dgm:constr type="h" refType="w" fact="1000"/>
+              <dgm:constr type="l" for="ch" forName="parTx" refType="w" fact="0.17"/>
+              <dgm:constr type="w" for="ch" forName="parTx" refType="w" fact="0.83"/>
+              <dgm:constr type="t" for="ch" forName="parTx"/>
+              <dgm:constr type="l" for="ch" forName="parSh" refType="w" fact="0.15"/>
+              <dgm:constr type="w" for="ch" forName="parSh" refType="w" refFor="ch" refForName="parTx"/>
+              <dgm:constr type="t" for="ch" forName="parSh"/>
+              <dgm:constr type="l" for="ch" forName="desTx"/>
+              <dgm:constr type="w" for="ch" forName="desTx" refType="w" refFor="ch" refForName="parTx"/>
+              <dgm:constr type="t" for="ch" forName="desTx" refType="h" refFor="ch" refForName="parTx"/>
+            </dgm:constrLst>
+          </dgm:else>
+        </dgm:choose>
+        <dgm:ruleLst>
+          <dgm:rule type="h" val="INF" fact="NaN" max="NaN"/>
+        </dgm:ruleLst>
+        <dgm:layoutNode name="parTx">
+          <dgm:varLst>
+            <dgm:chMax val="0"/>
+            <dgm:chPref val="0"/>
+            <dgm:bulletEnabled val="1"/>
+          </dgm:varLst>
+          <dgm:alg type="tx">
+            <dgm:param type="parTxLTRAlign" val="l"/>
+            <dgm:param type="parTxRTLAlign" val="r"/>
+            <dgm:param type="txAnchorVert" val="t"/>
+          </dgm:alg>
+          <dgm:shape xmlns:r="http://schemas.openxmlformats.org/officeDocument/2006/relationships" type="rect" r:blip="" zOrderOff="1" hideGeom="1">
+            <dgm:adjLst>
+              <dgm:adj idx="1" val="0.1"/>
+            </dgm:adjLst>
+          </dgm:shape>
+          <dgm:presOf axis="self" ptType="node"/>
+          <dgm:constrLst>
+            <dgm:constr type="h" refType="w" op="lte" fact="0.4"/>
+            <dgm:constr type="bMarg" refType="primFontSz" fact="0.3"/>
+            <dgm:constr type="h"/>
+          </dgm:constrLst>
+          <dgm:ruleLst>
+            <dgm:rule type="h" val="INF" fact="NaN" max="NaN"/>
+          </dgm:ruleLst>
+        </dgm:layoutNode>
+        <dgm:layoutNode name="parSh">
+          <dgm:alg type="sp"/>
+          <dgm:shape xmlns:r="http://schemas.openxmlformats.org/officeDocument/2006/relationships" type="roundRect" r:blip="">
+            <dgm:adjLst>
+              <dgm:adj idx="1" val="0.1"/>
+            </dgm:adjLst>
+          </dgm:shape>
+          <dgm:presOf axis="self" ptType="node"/>
+          <dgm:constrLst>
+            <dgm:constr type="h"/>
+          </dgm:constrLst>
+          <dgm:ruleLst/>
+        </dgm:layoutNode>
+        <dgm:layoutNode name="desTx" styleLbl="fgAcc1">
+          <dgm:varLst>
+            <dgm:bulletEnabled val="1"/>
+          </dgm:varLst>
+          <dgm:alg type="tx">
+            <dgm:param type="stBulletLvl" val="1"/>
+          </dgm:alg>
+          <dgm:shape xmlns:r="http://schemas.openxmlformats.org/officeDocument/2006/relationships" type="roundRect" r:blip="">
+            <dgm:adjLst>
+              <dgm:adj idx="1" val="0.1"/>
+            </dgm:adjLst>
+          </dgm:shape>
+          <dgm:presOf axis="des" ptType="node"/>
+          <dgm:constrLst>
+            <dgm:constr type="secFontSz" val="65"/>
+            <dgm:constr type="primFontSz" refType="secFontSz"/>
+            <dgm:constr type="h"/>
+          </dgm:constrLst>
+          <dgm:ruleLst>
+            <dgm:rule type="h" val="INF" fact="NaN" max="NaN"/>
+          </dgm:ruleLst>
+        </dgm:layoutNode>
+      </dgm:layoutNode>
+      <dgm:forEach name="sibTransForEach" axis="followSib" ptType="sibTrans" cnt="1">
+        <dgm:layoutNode name="sibTrans">
+          <dgm:alg type="conn">
+            <dgm:param type="begPts" val="auto"/>
+            <dgm:param type="endPts" val="auto"/>
+            <dgm:param type="srcNode" val="parTx"/>
+            <dgm:param type="dstNode" val="parTx"/>
+          </dgm:alg>
+          <dgm:shape xmlns:r="http://schemas.openxmlformats.org/officeDocument/2006/relationships" type="conn" r:blip="">
+            <dgm:adjLst/>
+          </dgm:shape>
+          <dgm:presOf axis="self"/>
+          <dgm:constrLst>
+            <dgm:constr type="h" refType="w" fact="0.62"/>
+            <dgm:constr type="connDist"/>
+            <dgm:constr type="begPad" refType="connDist" fact="0.25"/>
+            <dgm:constr type="endPad" refType="connDist" fact="0.22"/>
+          </dgm:constrLst>
+          <dgm:ruleLst/>
+          <dgm:layoutNode name="connTx">
+            <dgm:alg type="tx">
+              <dgm:param type="autoTxRot" val="grav"/>
+            </dgm:alg>
+            <dgm:shape xmlns:r="http://schemas.openxmlformats.org/officeDocument/2006/relationships" type="conn" r:blip="" hideGeom="1">
+              <dgm:adjLst/>
+            </dgm:shape>
+            <dgm:presOf axis="self"/>
+            <dgm:constrLst>
+              <dgm:constr type="lMarg"/>
+              <dgm:constr type="rMarg"/>
+              <dgm:constr type="tMarg"/>
+              <dgm:constr type="bMarg"/>
+            </dgm:constrLst>
+            <dgm:ruleLst>
+              <dgm:rule type="primFontSz" val="5" fact="NaN" max="NaN"/>
+            </dgm:ruleLst>
+          </dgm:layoutNode>
+        </dgm:layoutNode>
+      </dgm:forEach>
+    </dgm:forEach>
+  </dgm:layoutNode>
+</dgm:layoutDef>
+</file>
+
+<file path=ppt/diagrams/quickStyle1.xml><?xml version="1.0" encoding="utf-8"?>
+<dgm:styleDef xmlns:dgm="http://schemas.openxmlformats.org/drawingml/2006/diagram" xmlns:a="http://schemas.openxmlformats.org/drawingml/2006/main" uniqueId="urn:microsoft.com/office/officeart/2005/8/quickstyle/simple1">
+  <dgm:title val=""/>
+  <dgm:desc val=""/>
+  <dgm:catLst>
+    <dgm:cat type="simple" pri="10100"/>
+  </dgm:catLst>
+  <dgm:scene3d>
+    <a:camera prst="orthographicFront"/>
+    <a:lightRig rig="threePt" dir="t"/>
+  </dgm:scene3d>
+  <dgm:styleLbl name="node0">
+    <dgm:scene3d>
+      <a:camera prst="orthographicFront"/>
+      <a:lightRig rig="threePt" dir="t"/>
+    </dgm:scene3d>
+    <dgm:sp3d/>
+    <dgm:txPr/>
+    <dgm:style>
+      <a:lnRef idx="2">
+        <a:scrgbClr r="0" g="0" b="0"/>
+      </a:lnRef>
+      <a:fillRef idx="1">
+        <a:scrgbClr r="0" g="0" b="0"/>
+      </a:fillRef>
+      <a:effectRef idx="0">
+        <a:scrgbClr r="0" g="0" b="0"/>
+      </a:effectRef>
+      <a:fontRef idx="minor">
+        <a:schemeClr val="lt1"/>
+      </a:fontRef>
+    </dgm:style>
+  </dgm:styleLbl>
+  <dgm:styleLbl name="lnNode1">
+    <dgm:scene3d>
+      <a:camera prst="orthographicFront"/>
+      <a:lightRig rig="threePt" dir="t"/>
+    </dgm:scene3d>
+    <dgm:sp3d/>
+    <dgm:txPr/>
+    <dgm:style>
+      <a:lnRef idx="2">
+        <a:scrgbClr r="0" g="0" b="0"/>
+      </a:lnRef>
+      <a:fillRef idx="1">
+        <a:scrgbClr r="0" g="0" b="0"/>
+      </a:fillRef>
+      <a:effectRef idx="0">
+        <a:scrgbClr r="0" g="0" b="0"/>
+      </a:effectRef>
+      <a:fontRef idx="minor">
+        <a:schemeClr val="lt1"/>
+      </a:fontRef>
+    </dgm:style>
+  </dgm:styleLbl>
+  <dgm:styleLbl name="vennNode1">
+    <dgm:scene3d>
+      <a:camera prst="orthographicFront"/>
+      <a:lightRig rig="threePt" dir="t"/>
+    </dgm:scene3d>
+    <dgm:sp3d/>
+    <dgm:txPr/>
+    <dgm:style>
+      <a:lnRef idx="2">
+        <a:scrgbClr r="0" g="0" b="0"/>
+      </a:lnRef>
+      <a:fillRef idx="1">
+        <a:scrgbClr r="0" g="0" b="0"/>
+      </a:fillRef>
+      <a:effectRef idx="0">
+        <a:scrgbClr r="0" g="0" b="0"/>
+      </a:effectRef>
+      <a:fontRef idx="minor">
+        <a:schemeClr val="tx1"/>
+      </a:fontRef>
+    </dgm:style>
+  </dgm:styleLbl>
+  <dgm:styleLbl name="alignNode1">
+    <dgm:scene3d>
+      <a:camera prst="orthographicFront"/>
+      <a:lightRig rig="threePt" dir="t"/>
+    </dgm:scene3d>
+    <dgm:sp3d/>
+    <dgm:txPr/>
+    <dgm:style>
+      <a:lnRef idx="2">
+        <a:scrgbClr r="0" g="0" b="0"/>
+      </a:lnRef>
+      <a:fillRef idx="1">
+        <a:scrgbClr r="0" g="0" b="0"/>
+      </a:fillRef>
+      <a:effectRef idx="0">
+        <a:scrgbClr r="0" g="0" b="0"/>
+      </a:effectRef>
+      <a:fontRef idx="minor">
+        <a:schemeClr val="lt1"/>
+      </a:fontRef>
+    </dgm:style>
+  </dgm:styleLbl>
+  <dgm:styleLbl name="node1">
+    <dgm:scene3d>
+      <a:camera prst="orthographicFront"/>
+      <a:lightRig rig="threePt" dir="t"/>
+    </dgm:scene3d>
+    <dgm:sp3d/>
+    <dgm:txPr/>
+    <dgm:style>
+      <a:lnRef idx="2">
+        <a:scrgbClr r="0" g="0" b="0"/>
+      </a:lnRef>
+      <a:fillRef idx="1">
+        <a:scrgbClr r="0" g="0" b="0"/>
+      </a:fillRef>
+      <a:effectRef idx="0">
+        <a:scrgbClr r="0" g="0" b="0"/>
+      </a:effectRef>
+      <a:fontRef idx="minor">
+        <a:schemeClr val="lt1"/>
+      </a:fontRef>
+    </dgm:style>
+  </dgm:styleLbl>
+  <dgm:styleLbl name="node2">
+    <dgm:scene3d>
+      <a:camera prst="orthographicFront"/>
+      <a:lightRig rig="threePt" dir="t"/>
+    </dgm:scene3d>
+    <dgm:sp3d/>
+    <dgm:txPr/>
+    <dgm:style>
+      <a:lnRef idx="2">
+        <a:scrgbClr r="0" g="0" b="0"/>
+      </a:lnRef>
+      <a:fillRef idx="1">
+        <a:scrgbClr r="0" g="0" b="0"/>
+      </a:fillRef>
+      <a:effectRef idx="0">
+        <a:scrgbClr r="0" g="0" b="0"/>
+      </a:effectRef>
+      <a:fontRef idx="minor">
+        <a:schemeClr val="lt1"/>
+      </a:fontRef>
+    </dgm:style>
+  </dgm:styleLbl>
+  <dgm:styleLbl name="node3">
+    <dgm:scene3d>
+      <a:camera prst="orthographicFront"/>
+      <a:lightRig rig="threePt" dir="t"/>
+    </dgm:scene3d>
+    <dgm:sp3d/>
+    <dgm:txPr/>
+    <dgm:style>
+      <a:lnRef idx="2">
+        <a:scrgbClr r="0" g="0" b="0"/>
+      </a:lnRef>
+      <a:fillRef idx="1">
+        <a:scrgbClr r="0" g="0" b="0"/>
+      </a:fillRef>
+      <a:effectRef idx="0">
+        <a:scrgbClr r="0" g="0" b="0"/>
+      </a:effectRef>
+      <a:fontRef idx="minor">
+        <a:schemeClr val="lt1"/>
+      </a:fontRef>
+    </dgm:style>
+  </dgm:styleLbl>
+  <dgm:styleLbl name="node4">
+    <dgm:scene3d>
+      <a:camera prst="orthographicFront"/>
+      <a:lightRig rig="threePt" dir="t"/>
+    </dgm:scene3d>
+    <dgm:sp3d/>
+    <dgm:txPr/>
+    <dgm:style>
+      <a:lnRef idx="2">
+        <a:scrgbClr r="0" g="0" b="0"/>
+      </a:lnRef>
+      <a:fillRef idx="1">
+        <a:scrgbClr r="0" g="0" b="0"/>
+      </a:fillRef>
+      <a:effectRef idx="0">
+        <a:scrgbClr r="0" g="0" b="0"/>
+      </a:effectRef>
+      <a:fontRef idx="minor">
+        <a:schemeClr val="lt1"/>
+      </a:fontRef>
+    </dgm:style>
+  </dgm:styleLbl>
+  <dgm:styleLbl name="fgImgPlace1">
+    <dgm:scene3d>
+      <a:camera prst="orthographicFront"/>
+      <a:lightRig rig="threePt" dir="t"/>
+    </dgm:scene3d>
+    <dgm:sp3d/>
+    <dgm:txPr/>
+    <dgm:style>
+      <a:lnRef idx="2">
+        <a:scrgbClr r="0" g="0" b="0"/>
+      </a:lnRef>
+      <a:fillRef idx="1">
+        <a:scrgbClr r="0" g="0" b="0"/>
+      </a:fillRef>
+      <a:effectRef idx="0">
+        <a:scrgbClr r="0" g="0" b="0"/>
+      </a:effectRef>
+      <a:fontRef idx="minor"/>
+    </dgm:style>
+  </dgm:styleLbl>
+  <dgm:styleLbl name="alignImgPlace1">
+    <dgm:scene3d>
+      <a:camera prst="orthographicFront"/>
+      <a:lightRig rig="threePt" dir="t"/>
+    </dgm:scene3d>
+    <dgm:sp3d/>
+    <dgm:txPr/>
+    <dgm:style>
+      <a:lnRef idx="2">
+        <a:scrgbClr r="0" g="0" b="0"/>
+      </a:lnRef>
+      <a:fillRef idx="1">
+        <a:scrgbClr r="0" g="0" b="0"/>
+      </a:fillRef>
+      <a:effectRef idx="0">
+        <a:scrgbClr r="0" g="0" b="0"/>
+      </a:effectRef>
+      <a:fontRef idx="minor"/>
+    </dgm:style>
+  </dgm:styleLbl>
+  <dgm:styleLbl name="bgImgPlace1">
+    <dgm:scene3d>
+      <a:camera prst="orthographicFront"/>
+      <a:lightRig rig="threePt" dir="t"/>
+    </dgm:scene3d>
+    <dgm:sp3d/>
+    <dgm:txPr/>
+    <dgm:style>
+      <a:lnRef idx="2">
+        <a:scrgbClr r="0" g="0" b="0"/>
+      </a:lnRef>
+      <a:fillRef idx="1">
+        <a:scrgbClr r="0" g="0" b="0"/>
+      </a:fillRef>
+      <a:effectRef idx="0">
+        <a:scrgbClr r="0" g="0" b="0"/>
+      </a:effectRef>
+      <a:fontRef idx="minor"/>
+    </dgm:style>
+  </dgm:styleLbl>
+  <dgm:styleLbl name="sibTrans2D1">
+    <dgm:scene3d>
+      <a:camera prst="orthographicFront"/>
+      <a:lightRig rig="threePt" dir="t"/>
+    </dgm:scene3d>
+    <dgm:sp3d/>
+    <dgm:txPr/>
+    <dgm:style>
+      <a:lnRef idx="0">
+        <a:scrgbClr r="0" g="0" b="0"/>
+      </a:lnRef>
+      <a:fillRef idx="1">
+        <a:scrgbClr r="0" g="0" b="0"/>
+      </a:fillRef>
+      <a:effectRef idx="0">
+        <a:scrgbClr r="0" g="0" b="0"/>
+      </a:effectRef>
+      <a:fontRef idx="minor">
+        <a:schemeClr val="lt1"/>
+      </a:fontRef>
+    </dgm:style>
+  </dgm:styleLbl>
+  <dgm:styleLbl name="fgSibTrans2D1">
+    <dgm:scene3d>
+      <a:camera prst="orthographicFront"/>
+      <a:lightRig rig="threePt" dir="t"/>
+    </dgm:scene3d>
+    <dgm:sp3d/>
+    <dgm:txPr/>
+    <dgm:style>
+      <a:lnRef idx="0">
+        <a:scrgbClr r="0" g="0" b="0"/>
+      </a:lnRef>
+      <a:fillRef idx="1">
+        <a:scrgbClr r="0" g="0" b="0"/>
+      </a:fillRef>
+      <a:effectRef idx="0">
+        <a:scrgbClr r="0" g="0" b="0"/>
+      </a:effectRef>
+      <a:fontRef idx="minor">
+        <a:schemeClr val="lt1"/>
+      </a:fontRef>
+    </dgm:style>
+  </dgm:styleLbl>
+  <dgm:styleLbl name="bgSibTrans2D1">
+    <dgm:scene3d>
+      <a:camera prst="orthographicFront"/>
+      <a:lightRig rig="threePt" dir="t"/>
+    </dgm:scene3d>
+    <dgm:sp3d/>
+    <dgm:txPr/>
+    <dgm:style>
+      <a:lnRef idx="0">
+        <a:scrgbClr r="0" g="0" b="0"/>
+      </a:lnRef>
+      <a:fillRef idx="1">
+        <a:scrgbClr r="0" g="0" b="0"/>
+      </a:fillRef>
+      <a:effectRef idx="0">
+        <a:scrgbClr r="0" g="0" b="0"/>
+      </a:effectRef>
+      <a:fontRef idx="minor">
+        <a:schemeClr val="lt1"/>
+      </a:fontRef>
+    </dgm:style>
+  </dgm:styleLbl>
+  <dgm:styleLbl name="sibTrans1D1">
+    <dgm:scene3d>
+      <a:camera prst="orthographicFront"/>
+      <a:lightRig rig="threePt" dir="t"/>
+    </dgm:scene3d>
+    <dgm:sp3d/>
+    <dgm:txPr/>
+    <dgm:style>
+      <a:lnRef idx="1">
+        <a:scrgbClr r="0" g="0" b="0"/>
+      </a:lnRef>
+      <a:fillRef idx="0">
+        <a:scrgbClr r="0" g="0" b="0"/>
+      </a:fillRef>
+      <a:effectRef idx="0">
+        <a:scrgbClr r="0" g="0" b="0"/>
+      </a:effectRef>
+      <a:fontRef idx="minor"/>
+    </dgm:style>
+  </dgm:styleLbl>
+  <dgm:styleLbl name="callout">
+    <dgm:scene3d>
+      <a:camera prst="orthographicFront"/>
+      <a:lightRig rig="threePt" dir="t"/>
+    </dgm:scene3d>
+    <dgm:sp3d/>
+    <dgm:txPr/>
+    <dgm:style>
+      <a:lnRef idx="2">
+        <a:scrgbClr r="0" g="0" b="0"/>
+      </a:lnRef>
+      <a:fillRef idx="1">
+        <a:scrgbClr r="0" g="0" b="0"/>
+      </a:fillRef>
+      <a:effectRef idx="0">
+        <a:scrgbClr r="0" g="0" b="0"/>
+      </a:effectRef>
+      <a:fontRef idx="minor"/>
+    </dgm:style>
+  </dgm:styleLbl>
+  <dgm:styleLbl name="asst0">
+    <dgm:scene3d>
+      <a:camera prst="orthographicFront"/>
+      <a:lightRig rig="threePt" dir="t"/>
+    </dgm:scene3d>
+    <dgm:sp3d/>
+    <dgm:txPr/>
+    <dgm:style>
+      <a:lnRef idx="2">
+        <a:scrgbClr r="0" g="0" b="0"/>
+      </a:lnRef>
+      <a:fillRef idx="1">
+        <a:scrgbClr r="0" g="0" b="0"/>
+      </a:fillRef>
+      <a:effectRef idx="0">
+        <a:scrgbClr r="0" g="0" b="0"/>
+      </a:effectRef>
+      <a:fontRef idx="minor">
+        <a:schemeClr val="lt1"/>
+      </a:fontRef>
+    </dgm:style>
+  </dgm:styleLbl>
+  <dgm:styleLbl name="asst1">
+    <dgm:scene3d>
+      <a:camera prst="orthographicFront"/>
+      <a:lightRig rig="threePt" dir="t"/>
+    </dgm:scene3d>
+    <dgm:sp3d/>
+    <dgm:txPr/>
+    <dgm:style>
+      <a:lnRef idx="2">
+        <a:scrgbClr r="0" g="0" b="0"/>
+      </a:lnRef>
+      <a:fillRef idx="1">
+        <a:scrgbClr r="0" g="0" b="0"/>
+      </a:fillRef>
+      <a:effectRef idx="0">
+        <a:scrgbClr r="0" g="0" b="0"/>
+      </a:effectRef>
+      <a:fontRef idx="minor">
+        <a:schemeClr val="lt1"/>
+      </a:fontRef>
+    </dgm:style>
+  </dgm:styleLbl>
+  <dgm:styleLbl name="asst2">
+    <dgm:scene3d>
+      <a:camera prst="orthographicFront"/>
+      <a:lightRig rig="threePt" dir="t"/>
+    </dgm:scene3d>
+    <dgm:sp3d/>
+    <dgm:txPr/>
+    <dgm:style>
+      <a:lnRef idx="2">
+        <a:scrgbClr r="0" g="0" b="0"/>
+      </a:lnRef>
+      <a:fillRef idx="1">
+        <a:scrgbClr r="0" g="0" b="0"/>
+      </a:fillRef>
+      <a:effectRef idx="0">
+        <a:scrgbClr r="0" g="0" b="0"/>
+      </a:effectRef>
+      <a:fontRef idx="minor">
+        <a:schemeClr val="lt1"/>
+      </a:fontRef>
+    </dgm:style>
+  </dgm:styleLbl>
+  <dgm:styleLbl name="asst3">
+    <dgm:scene3d>
+      <a:camera prst="orthographicFront"/>
+      <a:lightRig rig="threePt" dir="t"/>
+    </dgm:scene3d>
+    <dgm:sp3d/>
+    <dgm:txPr/>
+    <dgm:style>
+      <a:lnRef idx="2">
+        <a:scrgbClr r="0" g="0" b="0"/>
+      </a:lnRef>
+      <a:fillRef idx="1">
+        <a:scrgbClr r="0" g="0" b="0"/>
+      </a:fillRef>
+      <a:effectRef idx="0">
+        <a:scrgbClr r="0" g="0" b="0"/>
+      </a:effectRef>
+      <a:fontRef idx="minor">
+        <a:schemeClr val="lt1"/>
+      </a:fontRef>
+    </dgm:style>
+  </dgm:styleLbl>
+  <dgm:styleLbl name="asst4">
+    <dgm:scene3d>
+      <a:camera prst="orthographicFront"/>
+      <a:lightRig rig="threePt" dir="t"/>
+    </dgm:scene3d>
+    <dgm:sp3d/>
+    <dgm:txPr/>
+    <dgm:style>
+      <a:lnRef idx="2">
+        <a:scrgbClr r="0" g="0" b="0"/>
+      </a:lnRef>
+      <a:fillRef idx="1">
+        <a:scrgbClr r="0" g="0" b="0"/>
+      </a:fillRef>
+      <a:effectRef idx="0">
+        <a:scrgbClr r="0" g="0" b="0"/>
+      </a:effectRef>
+      <a:fontRef idx="minor">
+        <a:schemeClr val="lt1"/>
+      </a:fontRef>
+    </dgm:style>
+  </dgm:styleLbl>
+  <dgm:styleLbl name="parChTrans2D1">
+    <dgm:scene3d>
+      <a:camera prst="orthographicFront"/>
+      <a:lightRig rig="threePt" dir="t"/>
+    </dgm:scene3d>
+    <dgm:sp3d/>
+    <dgm:txPr/>
+    <dgm:style>
+      <a:lnRef idx="2">
+        <a:scrgbClr r="0" g="0" b="0"/>
+      </a:lnRef>
+      <a:fillRef idx="1">
+        <a:scrgbClr r="0" g="0" b="0"/>
+      </a:fillRef>
+      <a:effectRef idx="0">
+        <a:scrgbClr r="0" g="0" b="0"/>
+      </a:effectRef>
+      <a:fontRef idx="minor">
+        <a:schemeClr val="lt1"/>
+      </a:fontRef>
+    </dgm:style>
+  </dgm:styleLbl>
+  <dgm:styleLbl name="parChTrans2D2">
+    <dgm:scene3d>
+      <a:camera prst="orthographicFront"/>
+      <a:lightRig rig="threePt" dir="t"/>
+    </dgm:scene3d>
+    <dgm:sp3d/>
+    <dgm:txPr/>
+    <dgm:style>
+      <a:lnRef idx="2">
+        <a:scrgbClr r="0" g="0" b="0"/>
+      </a:lnRef>
+      <a:fillRef idx="1">
+        <a:scrgbClr r="0" g="0" b="0"/>
+      </a:fillRef>
+      <a:effectRef idx="0">
+        <a:scrgbClr r="0" g="0" b="0"/>
+      </a:effectRef>
+      <a:fontRef idx="minor">
+        <a:schemeClr val="lt1"/>
+      </a:fontRef>
+    </dgm:style>
+  </dgm:styleLbl>
+  <dgm:styleLbl name="parChTrans2D3">
+    <dgm:scene3d>
+      <a:camera prst="orthographicFront"/>
+      <a:lightRig rig="threePt" dir="t"/>
+    </dgm:scene3d>
+    <dgm:sp3d/>
+    <dgm:txPr/>
+    <dgm:style>
+      <a:lnRef idx="2">
+        <a:scrgbClr r="0" g="0" b="0"/>
+      </a:lnRef>
+      <a:fillRef idx="1">
+        <a:scrgbClr r="0" g="0" b="0"/>
+      </a:fillRef>
+      <a:effectRef idx="0">
+        <a:scrgbClr r="0" g="0" b="0"/>
+      </a:effectRef>
+      <a:fontRef idx="minor">
+        <a:schemeClr val="lt1"/>
+      </a:fontRef>
+    </dgm:style>
+  </dgm:styleLbl>
+  <dgm:styleLbl name="parChTrans2D4">
+    <dgm:scene3d>
+      <a:camera prst="orthographicFront"/>
+      <a:lightRig rig="threePt" dir="t"/>
+    </dgm:scene3d>
+    <dgm:sp3d/>
+    <dgm:txPr/>
+    <dgm:style>
+      <a:lnRef idx="2">
+        <a:scrgbClr r="0" g="0" b="0"/>
+      </a:lnRef>
+      <a:fillRef idx="1">
+        <a:scrgbClr r="0" g="0" b="0"/>
+      </a:fillRef>
+      <a:effectRef idx="0">
+        <a:scrgbClr r="0" g="0" b="0"/>
+      </a:effectRef>
+      <a:fontRef idx="minor">
+        <a:schemeClr val="lt1"/>
+      </a:fontRef>
+    </dgm:style>
+  </dgm:styleLbl>
+  <dgm:styleLbl name="parChTrans1D1">
+    <dgm:scene3d>
+      <a:camera prst="orthographicFront"/>
+      <a:lightRig rig="threePt" dir="t"/>
+    </dgm:scene3d>
+    <dgm:sp3d/>
+    <dgm:txPr/>
+    <dgm:style>
+      <a:lnRef idx="2">
+        <a:scrgbClr r="0" g="0" b="0"/>
+      </a:lnRef>
+      <a:fillRef idx="0">
+        <a:scrgbClr r="0" g="0" b="0"/>
+      </a:fillRef>
+      <a:effectRef idx="0">
+        <a:scrgbClr r="0" g="0" b="0"/>
+      </a:effectRef>
+      <a:fontRef idx="minor"/>
+    </dgm:style>
+  </dgm:styleLbl>
+  <dgm:styleLbl name="parChTrans1D2">
+    <dgm:scene3d>
+      <a:camera prst="orthographicFront"/>
+      <a:lightRig rig="threePt" dir="t"/>
+    </dgm:scene3d>
+    <dgm:sp3d/>
+    <dgm:txPr/>
+    <dgm:style>
+      <a:lnRef idx="2">
+        <a:scrgbClr r="0" g="0" b="0"/>
+      </a:lnRef>
+      <a:fillRef idx="0">
+        <a:scrgbClr r="0" g="0" b="0"/>
+      </a:fillRef>
+      <a:effectRef idx="0">
+        <a:scrgbClr r="0" g="0" b="0"/>
+      </a:effectRef>
+      <a:fontRef idx="minor"/>
+    </dgm:style>
+  </dgm:styleLbl>
+  <dgm:styleLbl name="parChTrans1D3">
+    <dgm:scene3d>
+      <a:camera prst="orthographicFront"/>
+      <a:lightRig rig="threePt" dir="t"/>
+    </dgm:scene3d>
+    <dgm:sp3d/>
+    <dgm:txPr/>
+    <dgm:style>
+      <a:lnRef idx="2">
+        <a:scrgbClr r="0" g="0" b="0"/>
+      </a:lnRef>
+      <a:fillRef idx="0">
+        <a:scrgbClr r="0" g="0" b="0"/>
+      </a:fillRef>
+      <a:effectRef idx="0">
+        <a:scrgbClr r="0" g="0" b="0"/>
+      </a:effectRef>
+      <a:fontRef idx="minor"/>
+    </dgm:style>
+  </dgm:styleLbl>
+  <dgm:styleLbl name="parChTrans1D4">
+    <dgm:scene3d>
+      <a:camera prst="orthographicFront"/>
+      <a:lightRig rig="threePt" dir="t"/>
+    </dgm:scene3d>
+    <dgm:sp3d/>
+    <dgm:txPr/>
+    <dgm:style>
+      <a:lnRef idx="2">
+        <a:scrgbClr r="0" g="0" b="0"/>
+      </a:lnRef>
+      <a:fillRef idx="0">
+        <a:scrgbClr r="0" g="0" b="0"/>
+      </a:fillRef>
+      <a:effectRef idx="0">
+        <a:scrgbClr r="0" g="0" b="0"/>
+      </a:effectRef>
+      <a:fontRef idx="minor"/>
+    </dgm:style>
+  </dgm:styleLbl>
+  <dgm:styleLbl name="fgAcc1">
+    <dgm:scene3d>
+      <a:camera prst="orthographicFront"/>
+      <a:lightRig rig="threePt" dir="t"/>
+    </dgm:scene3d>
+    <dgm:sp3d/>
+    <dgm:txPr/>
+    <dgm:style>
+      <a:lnRef idx="2">
+        <a:scrgbClr r="0" g="0" b="0"/>
+      </a:lnRef>
+      <a:fillRef idx="1">
+        <a:scrgbClr r="0" g="0" b="0"/>
+      </a:fillRef>
+      <a:effectRef idx="0">
+        <a:scrgbClr r="0" g="0" b="0"/>
+      </a:effectRef>
+      <a:fontRef idx="minor"/>
+    </dgm:style>
+  </dgm:styleLbl>
+  <dgm:styleLbl name="conFgAcc1">
+    <dgm:scene3d>
+      <a:camera prst="orthographicFront"/>
+      <a:lightRig rig="threePt" dir="t"/>
+    </dgm:scene3d>
+    <dgm:sp3d/>
+    <dgm:txPr/>
+    <dgm:style>
+      <a:lnRef idx="2">
+        <a:scrgbClr r="0" g="0" b="0"/>
+      </a:lnRef>
+      <a:fillRef idx="1">
+        <a:scrgbClr r="0" g="0" b="0"/>
+      </a:fillRef>
+      <a:effectRef idx="0">
+        <a:scrgbClr r="0" g="0" b="0"/>
+      </a:effectRef>
+      <a:fontRef idx="minor"/>
+    </dgm:style>
+  </dgm:styleLbl>
+  <dgm:styleLbl name="alignAcc1">
+    <dgm:scene3d>
+      <a:camera prst="orthographicFront"/>
+      <a:lightRig rig="threePt" dir="t"/>
+    </dgm:scene3d>
+    <dgm:sp3d/>
+    <dgm:txPr/>
+    <dgm:style>
+      <a:lnRef idx="2">
+        <a:scrgbClr r="0" g="0" b="0"/>
+      </a:lnRef>
+      <a:fillRef idx="1">
+        <a:scrgbClr r="0" g="0" b="0"/>
+      </a:fillRef>
+      <a:effectRef idx="0">
+        <a:scrgbClr r="0" g="0" b="0"/>
+      </a:effectRef>
+      <a:fontRef idx="minor"/>
+    </dgm:style>
+  </dgm:styleLbl>
+  <dgm:styleLbl name="trAlignAcc1">
+    <dgm:scene3d>
+      <a:camera prst="orthographicFront"/>
+      <a:lightRig rig="threePt" dir="t"/>
+    </dgm:scene3d>
+    <dgm:sp3d/>
+    <dgm:txPr/>
+    <dgm:style>
+      <a:lnRef idx="1">
+        <a:scrgbClr r="0" g="0" b="0"/>
+      </a:lnRef>
+      <a:fillRef idx="1">
+        <a:scrgbClr r="0" g="0" b="0"/>
+      </a:fillRef>
+      <a:effectRef idx="0">
+        <a:scrgbClr r="0" g="0" b="0"/>
+      </a:effectRef>
+      <a:fontRef idx="minor"/>
+    </dgm:style>
+  </dgm:styleLbl>
+  <dgm:styleLbl name="bgAcc1">
+    <dgm:scene3d>
+      <a:camera prst="orthographicFront"/>
+      <a:lightRig rig="threePt" dir="t"/>
+    </dgm:scene3d>
+    <dgm:sp3d/>
+    <dgm:txPr/>
+    <dgm:style>
+      <a:lnRef idx="2">
+        <a:scrgbClr r="0" g="0" b="0"/>
+      </a:lnRef>
+      <a:fillRef idx="1">
+        <a:scrgbClr r="0" g="0" b="0"/>
+      </a:fillRef>
+      <a:effectRef idx="0">
+        <a:scrgbClr r="0" g="0" b="0"/>
+      </a:effectRef>
+      <a:fontRef idx="minor"/>
+    </dgm:style>
+  </dgm:styleLbl>
+  <dgm:styleLbl name="solidFgAcc1">
+    <dgm:scene3d>
+      <a:camera prst="orthographicFront"/>
+      <a:lightRig rig="threePt" dir="t"/>
+    </dgm:scene3d>
+    <dgm:sp3d/>
+    <dgm:txPr/>
+    <dgm:style>
+      <a:lnRef idx="2">
+        <a:scrgbClr r="0" g="0" b="0"/>
+      </a:lnRef>
+      <a:fillRef idx="1">
+        <a:scrgbClr r="0" g="0" b="0"/>
+      </a:fillRef>
+      <a:effectRef idx="0">
+        <a:scrgbClr r="0" g="0" b="0"/>
+      </a:effectRef>
+      <a:fontRef idx="minor"/>
+    </dgm:style>
+  </dgm:styleLbl>
+  <dgm:styleLbl name="solidAlignAcc1">
+    <dgm:scene3d>
+      <a:camera prst="orthographicFront"/>
+      <a:lightRig rig="threePt" dir="t"/>
+    </dgm:scene3d>
+    <dgm:sp3d/>
+    <dgm:txPr/>
+    <dgm:style>
+      <a:lnRef idx="2">
+        <a:scrgbClr r="0" g="0" b="0"/>
+      </a:lnRef>
+      <a:fillRef idx="1">
+        <a:scrgbClr r="0" g="0" b="0"/>
+      </a:fillRef>
+      <a:effectRef idx="0">
+        <a:scrgbClr r="0" g="0" b="0"/>
+      </a:effectRef>
+      <a:fontRef idx="minor"/>
+    </dgm:style>
+  </dgm:styleLbl>
+  <dgm:styleLbl name="solidBgAcc1">
+    <dgm:scene3d>
+      <a:camera prst="orthographicFront"/>
+      <a:lightRig rig="threePt" dir="t"/>
+    </dgm:scene3d>
+    <dgm:sp3d/>
+    <dgm:txPr/>
+    <dgm:style>
+      <a:lnRef idx="2">
+        <a:scrgbClr r="0" g="0" b="0"/>
+      </a:lnRef>
+      <a:fillRef idx="1">
+        <a:scrgbClr r="0" g="0" b="0"/>
+      </a:fillRef>
+      <a:effectRef idx="0">
+        <a:scrgbClr r="0" g="0" b="0"/>
+      </a:effectRef>
+      <a:fontRef idx="minor"/>
+    </dgm:style>
+  </dgm:styleLbl>
+  <dgm:styleLbl name="fgAccFollowNode1">
+    <dgm:scene3d>
+      <a:camera prst="orthographicFront"/>
+      <a:lightRig rig="threePt" dir="t"/>
+    </dgm:scene3d>
+    <dgm:sp3d/>
+    <dgm:txPr/>
+    <dgm:style>
+      <a:lnRef idx="2">
+        <a:scrgbClr r="0" g="0" b="0"/>
+      </a:lnRef>
+      <a:fillRef idx="1">
+        <a:scrgbClr r="0" g="0" b="0"/>
+      </a:fillRef>
+      <a:effectRef idx="0">
+        <a:scrgbClr r="0" g="0" b="0"/>
+      </a:effectRef>
+      <a:fontRef idx="minor"/>
+    </dgm:style>
+  </dgm:styleLbl>
+  <dgm:styleLbl name="alignAccFollowNode1">
+    <dgm:scene3d>
+      <a:camera prst="orthographicFront"/>
+      <a:lightRig rig="threePt" dir="t"/>
+    </dgm:scene3d>
+    <dgm:sp3d/>
+    <dgm:txPr/>
+    <dgm:style>
+      <a:lnRef idx="2">
+        <a:scrgbClr r="0" g="0" b="0"/>
+      </a:lnRef>
+      <a:fillRef idx="1">
+        <a:scrgbClr r="0" g="0" b="0"/>
+      </a:fillRef>
+      <a:effectRef idx="0">
+        <a:scrgbClr r="0" g="0" b="0"/>
+      </a:effectRef>
+      <a:fontRef idx="minor"/>
+    </dgm:style>
+  </dgm:styleLbl>
+  <dgm:styleLbl name="bgAccFollowNode1">
+    <dgm:scene3d>
+      <a:camera prst="orthographicFront"/>
+      <a:lightRig rig="threePt" dir="t"/>
+    </dgm:scene3d>
+    <dgm:sp3d/>
+    <dgm:txPr/>
+    <dgm:style>
+      <a:lnRef idx="2">
+        <a:scrgbClr r="0" g="0" b="0"/>
+      </a:lnRef>
+      <a:fillRef idx="1">
+        <a:scrgbClr r="0" g="0" b="0"/>
+      </a:fillRef>
+      <a:effectRef idx="0">
+        <a:scrgbClr r="0" g="0" b="0"/>
+      </a:effectRef>
+      <a:fontRef idx="minor"/>
+    </dgm:style>
+  </dgm:styleLbl>
+  <dgm:styleLbl name="fgAcc0">
+    <dgm:scene3d>
+      <a:camera prst="orthographicFront"/>
+      <a:lightRig rig="threePt" dir="t"/>
+    </dgm:scene3d>
+    <dgm:sp3d/>
+    <dgm:txPr/>
+    <dgm:style>
+      <a:lnRef idx="2">
+        <a:scrgbClr r="0" g="0" b="0"/>
+      </a:lnRef>
+      <a:fillRef idx="1">
+        <a:scrgbClr r="0" g="0" b="0"/>
+      </a:fillRef>
+      <a:effectRef idx="0">
+        <a:scrgbClr r="0" g="0" b="0"/>
+      </a:effectRef>
+      <a:fontRef idx="minor"/>
+    </dgm:style>
+  </dgm:styleLbl>
+  <dgm:styleLbl name="fgAcc2">
+    <dgm:scene3d>
+      <a:camera prst="orthographicFront"/>
+      <a:lightRig rig="threePt" dir="t"/>
+    </dgm:scene3d>
+    <dgm:sp3d/>
+    <dgm:txPr/>
+    <dgm:style>
+      <a:lnRef idx="2">
+        <a:scrgbClr r="0" g="0" b="0"/>
+      </a:lnRef>
+      <a:fillRef idx="1">
+        <a:scrgbClr r="0" g="0" b="0"/>
+      </a:fillRef>
+      <a:effectRef idx="0">
+        <a:scrgbClr r="0" g="0" b="0"/>
+      </a:effectRef>
+      <a:fontRef idx="minor"/>
+    </dgm:style>
+  </dgm:styleLbl>
+  <dgm:styleLbl name="fgAcc3">
+    <dgm:scene3d>
+      <a:camera prst="orthographicFront"/>
+      <a:lightRig rig="threePt" dir="t"/>
+    </dgm:scene3d>
+    <dgm:sp3d/>
+    <dgm:txPr/>
+    <dgm:style>
+      <a:lnRef idx="2">
+        <a:scrgbClr r="0" g="0" b="0"/>
+      </a:lnRef>
+      <a:fillRef idx="1">
+        <a:scrgbClr r="0" g="0" b="0"/>
+      </a:fillRef>
+      <a:effectRef idx="0">
+        <a:scrgbClr r="0" g="0" b="0"/>
+      </a:effectRef>
+      <a:fontRef idx="minor"/>
+    </dgm:style>
+  </dgm:styleLbl>
+  <dgm:styleLbl name="fgAcc4">
+    <dgm:scene3d>
+      <a:camera prst="orthographicFront"/>
+      <a:lightRig rig="threePt" dir="t"/>
+    </dgm:scene3d>
+    <dgm:sp3d/>
+    <dgm:txPr/>
+    <dgm:style>
+      <a:lnRef idx="2">
+        <a:scrgbClr r="0" g="0" b="0"/>
+      </a:lnRef>
+      <a:fillRef idx="1">
+        <a:scrgbClr r="0" g="0" b="0"/>
+      </a:fillRef>
+      <a:effectRef idx="0">
+        <a:scrgbClr r="0" g="0" b="0"/>
+      </a:effectRef>
+      <a:fontRef idx="minor"/>
+    </dgm:style>
+  </dgm:styleLbl>
+  <dgm:styleLbl name="bgShp">
+    <dgm:scene3d>
+      <a:camera prst="orthographicFront"/>
+      <a:lightRig rig="threePt" dir="t"/>
+    </dgm:scene3d>
+    <dgm:sp3d/>
+    <dgm:txPr/>
+    <dgm:style>
+      <a:lnRef idx="0">
+        <a:scrgbClr r="0" g="0" b="0"/>
+      </a:lnRef>
+      <a:fillRef idx="1">
+        <a:scrgbClr r="0" g="0" b="0"/>
+      </a:fillRef>
+      <a:effectRef idx="0">
+        <a:scrgbClr r="0" g="0" b="0"/>
+      </a:effectRef>
+      <a:fontRef idx="minor"/>
+    </dgm:style>
+  </dgm:styleLbl>
+  <dgm:styleLbl name="dkBgShp">
+    <dgm:scene3d>
+      <a:camera prst="orthographicFront"/>
+      <a:lightRig rig="threePt" dir="t"/>
+    </dgm:scene3d>
+    <dgm:sp3d/>
+    <dgm:txPr/>
+    <dgm:style>
+      <a:lnRef idx="0">
+        <a:scrgbClr r="0" g="0" b="0"/>
+      </a:lnRef>
+      <a:fillRef idx="1">
+        <a:scrgbClr r="0" g="0" b="0"/>
+      </a:fillRef>
+      <a:effectRef idx="0">
+        <a:scrgbClr r="0" g="0" b="0"/>
+      </a:effectRef>
+      <a:fontRef idx="minor"/>
+    </dgm:style>
+  </dgm:styleLbl>
+  <dgm:styleLbl name="trBgShp">
+    <dgm:scene3d>
+      <a:camera prst="orthographicFront"/>
+      <a:lightRig rig="threePt" dir="t"/>
+    </dgm:scene3d>
+    <dgm:sp3d/>
+    <dgm:txPr/>
+    <dgm:style>
+      <a:lnRef idx="0">
+        <a:scrgbClr r="0" g="0" b="0"/>
+      </a:lnRef>
+      <a:fillRef idx="1">
+        <a:scrgbClr r="0" g="0" b="0"/>
+      </a:fillRef>
+      <a:effectRef idx="0">
+        <a:scrgbClr r="0" g="0" b="0"/>
+      </a:effectRef>
+      <a:fontRef idx="minor"/>
+    </dgm:style>
+  </dgm:styleLbl>
+  <dgm:styleLbl name="fgShp">
+    <dgm:scene3d>
+      <a:camera prst="orthographicFront"/>
+      <a:lightRig rig="threePt" dir="t"/>
+    </dgm:scene3d>
+    <dgm:sp3d/>
+    <dgm:txPr/>
+    <dgm:style>
+      <a:lnRef idx="2">
+        <a:scrgbClr r="0" g="0" b="0"/>
+      </a:lnRef>
+      <a:fillRef idx="1">
+        <a:scrgbClr r="0" g="0" b="0"/>
+      </a:fillRef>
+      <a:effectRef idx="0">
+        <a:scrgbClr r="0" g="0" b="0"/>
+      </a:effectRef>
+      <a:fontRef idx="minor"/>
+    </dgm:style>
+  </dgm:styleLbl>
+  <dgm:styleLbl name="revTx">
+    <dgm:scene3d>
+      <a:camera prst="orthographicFront"/>
+      <a:lightRig rig="threePt" dir="t"/>
+    </dgm:scene3d>
+    <dgm:sp3d/>
+    <dgm:txPr/>
+    <dgm:style>
+      <a:lnRef idx="0">
+        <a:scrgbClr r="0" g="0" b="0"/>
+      </a:lnRef>
+      <a:fillRef idx="0">
+        <a:scrgbClr r="0" g="0" b="0"/>
+      </a:fillRef>
+      <a:effectRef idx="0">
+        <a:scrgbClr r="0" g="0" b="0"/>
+      </a:effectRef>
+      <a:fontRef idx="minor"/>
+    </dgm:style>
+  </dgm:styleLbl>
+</dgm:styleDef>
 </file>
 
 <file path=ppt/handoutMasters/handoutMaster1.xml><?xml version="1.0" encoding="utf-8"?>
@@ -8390,6 +11576,855 @@
         <p:cNvPr id="1" name="">
           <a:extLst>
             <a:ext uri="{FF2B5EF4-FFF2-40B4-BE49-F238E27FC236}">
+              <a16:creationId xmlns:a16="http://schemas.microsoft.com/office/drawing/2014/main" id="{8BFC47C5-65D4-4090-4226-2FB915F38E49}"/>
+            </a:ext>
+          </a:extLst>
+        </p:cNvPr>
+        <p:cNvGrpSpPr/>
+        <p:nvPr/>
+      </p:nvGrpSpPr>
+      <p:grpSpPr>
+        <a:xfrm>
+          <a:off x="0" y="0"/>
+          <a:ext cx="0" cy="0"/>
+          <a:chOff x="0" y="0"/>
+          <a:chExt cx="0" cy="0"/>
+        </a:xfrm>
+      </p:grpSpPr>
+      <p:grpSp>
+        <p:nvGrpSpPr>
+          <p:cNvPr id="8" name="Group 7">
+            <a:extLst>
+              <a:ext uri="{FF2B5EF4-FFF2-40B4-BE49-F238E27FC236}">
+                <a16:creationId xmlns:a16="http://schemas.microsoft.com/office/drawing/2014/main" id="{0EE0F3E9-BF60-8CD8-5192-3F13EA744A97}"/>
+              </a:ext>
+            </a:extLst>
+          </p:cNvPr>
+          <p:cNvGrpSpPr/>
+          <p:nvPr/>
+        </p:nvGrpSpPr>
+        <p:grpSpPr>
+          <a:xfrm>
+            <a:off x="493776" y="270357"/>
+            <a:ext cx="10735055" cy="4577100"/>
+            <a:chOff x="624077" y="270357"/>
+            <a:chExt cx="10008634" cy="4577100"/>
+          </a:xfrm>
+        </p:grpSpPr>
+        <p:sp>
+          <p:nvSpPr>
+            <p:cNvPr id="3" name="TextBox 2">
+              <a:extLst>
+                <a:ext uri="{FF2B5EF4-FFF2-40B4-BE49-F238E27FC236}">
+                  <a16:creationId xmlns:a16="http://schemas.microsoft.com/office/drawing/2014/main" id="{862E0AB6-1EB1-CE2A-3ACC-C7A0027ED2E8}"/>
+                </a:ext>
+              </a:extLst>
+            </p:cNvPr>
+            <p:cNvSpPr txBox="1"/>
+            <p:nvPr/>
+          </p:nvSpPr>
+          <p:spPr>
+            <a:xfrm>
+              <a:off x="624077" y="1369582"/>
+              <a:ext cx="10008634" cy="3477875"/>
+            </a:xfrm>
+            <a:prstGeom prst="rect">
+              <a:avLst/>
+            </a:prstGeom>
+            <a:noFill/>
+          </p:spPr>
+          <p:txBody>
+            <a:bodyPr wrap="square">
+              <a:spAutoFit/>
+            </a:bodyPr>
+            <a:lstStyle/>
+            <a:p>
+              <a:pPr marL="342900" indent="-342900" algn="l">
+                <a:spcAft>
+                  <a:spcPts val="600"/>
+                </a:spcAft>
+                <a:buAutoNum type="arabicPeriod"/>
+              </a:pPr>
+              <a:r>
+                <a:rPr lang="en-US" b="1" i="0" dirty="0">
+                  <a:solidFill>
+                    <a:srgbClr val="000000"/>
+                  </a:solidFill>
+                  <a:effectLst/>
+                  <a:latin typeface="Fira Sans" panose="020F0502020204030204" pitchFamily="34" charset="0"/>
+                </a:rPr>
+                <a:t>Label-Free Quantification (LFQ)</a:t>
+              </a:r>
+            </a:p>
+            <a:p>
+              <a:pPr marL="800100" lvl="1" indent="-342900">
+                <a:spcAft>
+                  <a:spcPts val="600"/>
+                </a:spcAft>
+                <a:buFont typeface="Arial" panose="020B0604020202020204" pitchFamily="34" charset="0"/>
+                <a:buChar char="•"/>
+              </a:pPr>
+              <a:r>
+                <a:rPr lang="en-US" b="1" i="0" dirty="0">
+                  <a:solidFill>
+                    <a:srgbClr val="000000"/>
+                  </a:solidFill>
+                  <a:effectLst/>
+                  <a:latin typeface="Fira Sans" panose="020F0502020204030204" pitchFamily="34" charset="0"/>
+                </a:rPr>
+                <a:t>Method: </a:t>
+              </a:r>
+              <a:r>
+                <a:rPr lang="en-US" i="0" dirty="0">
+                  <a:solidFill>
+                    <a:srgbClr val="000000"/>
+                  </a:solidFill>
+                  <a:effectLst/>
+                  <a:latin typeface="Fira Sans" panose="020F0502020204030204" pitchFamily="34" charset="0"/>
+                </a:rPr>
+                <a:t>Compares the intensity or abundance of peptide ions in the mass spectra directly between different experimental runs.</a:t>
+              </a:r>
+            </a:p>
+            <a:p>
+              <a:pPr marL="800100" lvl="1" indent="-342900">
+                <a:spcAft>
+                  <a:spcPts val="1200"/>
+                </a:spcAft>
+                <a:buFont typeface="Arial" panose="020B0604020202020204" pitchFamily="34" charset="0"/>
+                <a:buChar char="•"/>
+              </a:pPr>
+              <a:r>
+                <a:rPr lang="en-US" b="1" i="0" dirty="0">
+                  <a:solidFill>
+                    <a:srgbClr val="000000"/>
+                  </a:solidFill>
+                  <a:effectLst/>
+                  <a:latin typeface="Fira Sans" panose="020F0502020204030204" pitchFamily="34" charset="0"/>
+                </a:rPr>
+                <a:t>Pros: </a:t>
+              </a:r>
+              <a:r>
+                <a:rPr lang="en-US" i="0" dirty="0">
+                  <a:solidFill>
+                    <a:srgbClr val="000000"/>
+                  </a:solidFill>
+                  <a:effectLst/>
+                  <a:latin typeface="Fira Sans" panose="020F0502020204030204" pitchFamily="34" charset="0"/>
+                </a:rPr>
+                <a:t>Cost-effective, simple sample preparation.</a:t>
+              </a:r>
+            </a:p>
+            <a:p>
+              <a:pPr marL="342900" indent="-342900">
+                <a:spcAft>
+                  <a:spcPts val="600"/>
+                </a:spcAft>
+                <a:buFont typeface="+mj-lt"/>
+                <a:buAutoNum type="arabicPeriod"/>
+              </a:pPr>
+              <a:r>
+                <a:rPr lang="en-US" b="1" i="0" dirty="0">
+                  <a:solidFill>
+                    <a:srgbClr val="000000"/>
+                  </a:solidFill>
+                  <a:effectLst/>
+                  <a:latin typeface="Fira Sans" panose="020F0502020204030204" pitchFamily="34" charset="0"/>
+                </a:rPr>
+                <a:t>Isotope Labeling Quantification</a:t>
+              </a:r>
+            </a:p>
+            <a:p>
+              <a:pPr marL="800100" lvl="1" indent="-342900">
+                <a:spcAft>
+                  <a:spcPts val="600"/>
+                </a:spcAft>
+                <a:buFont typeface="Arial" panose="020B0604020202020204" pitchFamily="34" charset="0"/>
+                <a:buChar char="•"/>
+              </a:pPr>
+              <a:r>
+                <a:rPr lang="en-US" b="1" i="0" dirty="0">
+                  <a:solidFill>
+                    <a:srgbClr val="000000"/>
+                  </a:solidFill>
+                  <a:effectLst/>
+                  <a:latin typeface="Fira Sans" panose="020F0502020204030204" pitchFamily="34" charset="0"/>
+                </a:rPr>
+                <a:t>Method:</a:t>
+              </a:r>
+              <a:r>
+                <a:rPr lang="en-US" i="0" dirty="0">
+                  <a:solidFill>
+                    <a:srgbClr val="000000"/>
+                  </a:solidFill>
+                  <a:effectLst/>
+                  <a:latin typeface="Fira Sans" panose="020F0502020204030204" pitchFamily="34" charset="0"/>
+                </a:rPr>
+                <a:t> Chemical labels containing stable isotopes are introduced to the peptides, allowing samples to be mixed and run together in the same MS analysis.</a:t>
+              </a:r>
+            </a:p>
+            <a:p>
+              <a:pPr marL="800100" lvl="1" indent="-342900">
+                <a:spcAft>
+                  <a:spcPts val="600"/>
+                </a:spcAft>
+                <a:buFont typeface="Arial" panose="020B0604020202020204" pitchFamily="34" charset="0"/>
+                <a:buChar char="•"/>
+              </a:pPr>
+              <a:r>
+                <a:rPr lang="en-US" b="1" i="0" dirty="0">
+                  <a:solidFill>
+                    <a:srgbClr val="000000"/>
+                  </a:solidFill>
+                  <a:effectLst/>
+                  <a:latin typeface="Fira Sans" panose="020F0502020204030204" pitchFamily="34" charset="0"/>
+                </a:rPr>
+                <a:t>Examples:</a:t>
+              </a:r>
+            </a:p>
+            <a:p>
+              <a:pPr marL="1257300" lvl="2" indent="-342900">
+                <a:spcAft>
+                  <a:spcPts val="600"/>
+                </a:spcAft>
+                <a:buFont typeface="Arial" panose="020B0604020202020204" pitchFamily="34" charset="0"/>
+                <a:buChar char="•"/>
+              </a:pPr>
+              <a:r>
+                <a:rPr lang="en-US" b="1" i="0" dirty="0">
+                  <a:solidFill>
+                    <a:srgbClr val="000000"/>
+                  </a:solidFill>
+                  <a:effectLst/>
+                  <a:latin typeface="Fira Sans" panose="020F0502020204030204" pitchFamily="34" charset="0"/>
+                </a:rPr>
+                <a:t>SILAC</a:t>
+              </a:r>
+              <a:r>
+                <a:rPr lang="en-US" i="0" dirty="0">
+                  <a:solidFill>
+                    <a:srgbClr val="000000"/>
+                  </a:solidFill>
+                  <a:effectLst/>
+                  <a:latin typeface="Fira Sans" panose="020F0502020204030204" pitchFamily="34" charset="0"/>
+                </a:rPr>
+                <a:t> (Stable Isotope Labeling with Amino acids in Cell culture)</a:t>
+              </a:r>
+            </a:p>
+            <a:p>
+              <a:pPr marL="1257300" lvl="2" indent="-342900">
+                <a:spcAft>
+                  <a:spcPts val="600"/>
+                </a:spcAft>
+                <a:buFont typeface="Arial" panose="020B0604020202020204" pitchFamily="34" charset="0"/>
+                <a:buChar char="•"/>
+              </a:pPr>
+              <a:r>
+                <a:rPr lang="en-US" b="1" i="0" dirty="0" err="1">
+                  <a:solidFill>
+                    <a:srgbClr val="000000"/>
+                  </a:solidFill>
+                  <a:effectLst/>
+                  <a:latin typeface="Fira Sans" panose="020F0502020204030204" pitchFamily="34" charset="0"/>
+                </a:rPr>
+                <a:t>iTRAQ</a:t>
+              </a:r>
+              <a:r>
+                <a:rPr lang="en-US" b="1" i="0" dirty="0">
+                  <a:solidFill>
+                    <a:srgbClr val="000000"/>
+                  </a:solidFill>
+                  <a:effectLst/>
+                  <a:latin typeface="Fira Sans" panose="020F0502020204030204" pitchFamily="34" charset="0"/>
+                </a:rPr>
+                <a:t>/TMT </a:t>
+              </a:r>
+              <a:r>
+                <a:rPr lang="en-US" i="0" dirty="0">
+                  <a:solidFill>
+                    <a:srgbClr val="000000"/>
+                  </a:solidFill>
+                  <a:effectLst/>
+                  <a:latin typeface="Fira Sans" panose="020F0502020204030204" pitchFamily="34" charset="0"/>
+                </a:rPr>
+                <a:t>(Isobaric tags for Relative and Absolute Quantification / Tandem Mass Tags)</a:t>
+              </a:r>
+            </a:p>
+          </p:txBody>
+        </p:sp>
+        <p:sp>
+          <p:nvSpPr>
+            <p:cNvPr id="5" name="TextBox 4">
+              <a:extLst>
+                <a:ext uri="{FF2B5EF4-FFF2-40B4-BE49-F238E27FC236}">
+                  <a16:creationId xmlns:a16="http://schemas.microsoft.com/office/drawing/2014/main" id="{D1C9DD9F-09DB-B66E-C8AC-434D20D23BB9}"/>
+                </a:ext>
+              </a:extLst>
+            </p:cNvPr>
+            <p:cNvSpPr txBox="1"/>
+            <p:nvPr/>
+          </p:nvSpPr>
+          <p:spPr>
+            <a:xfrm>
+              <a:off x="624077" y="270357"/>
+              <a:ext cx="9070858" cy="523220"/>
+            </a:xfrm>
+            <a:prstGeom prst="rect">
+              <a:avLst/>
+            </a:prstGeom>
+            <a:noFill/>
+          </p:spPr>
+          <p:txBody>
+            <a:bodyPr wrap="square">
+              <a:spAutoFit/>
+            </a:bodyPr>
+            <a:lstStyle/>
+            <a:p>
+              <a:pPr algn="l">
+                <a:buNone/>
+              </a:pPr>
+              <a:r>
+                <a:rPr lang="en-US" sz="2800" b="0" i="0" dirty="0">
+                  <a:solidFill>
+                    <a:srgbClr val="1A292C"/>
+                  </a:solidFill>
+                  <a:effectLst/>
+                  <a:latin typeface="Fira Sans" panose="020F0502020204030204" pitchFamily="34" charset="0"/>
+                </a:rPr>
+                <a:t>Quantification Strategies</a:t>
+              </a:r>
+            </a:p>
+          </p:txBody>
+        </p:sp>
+      </p:grpSp>
+      <p:sp>
+        <p:nvSpPr>
+          <p:cNvPr id="11" name="TextBox 10">
+            <a:extLst>
+              <a:ext uri="{FF2B5EF4-FFF2-40B4-BE49-F238E27FC236}">
+                <a16:creationId xmlns:a16="http://schemas.microsoft.com/office/drawing/2014/main" id="{44754634-67FB-C5B0-8F93-B1F0CC5D82AE}"/>
+              </a:ext>
+            </a:extLst>
+          </p:cNvPr>
+          <p:cNvSpPr txBox="1"/>
+          <p:nvPr/>
+        </p:nvSpPr>
+        <p:spPr>
+          <a:xfrm>
+            <a:off x="6169152" y="270357"/>
+            <a:ext cx="5222901" cy="672235"/>
+          </a:xfrm>
+          <a:prstGeom prst="rect">
+            <a:avLst/>
+          </a:prstGeom>
+          <a:noFill/>
+        </p:spPr>
+        <p:txBody>
+          <a:bodyPr wrap="square">
+            <a:spAutoFit/>
+          </a:bodyPr>
+          <a:lstStyle/>
+          <a:p>
+            <a:pPr algn="l">
+              <a:lnSpc>
+                <a:spcPct val="150000"/>
+              </a:lnSpc>
+              <a:buNone/>
+            </a:pPr>
+            <a:endParaRPr lang="en-US" sz="2800" b="0" i="0" dirty="0">
+              <a:solidFill>
+                <a:srgbClr val="1A292C"/>
+              </a:solidFill>
+              <a:effectLst/>
+              <a:latin typeface="Fira Sans" panose="020F0502020204030204" pitchFamily="34" charset="0"/>
+            </a:endParaRPr>
+          </a:p>
+        </p:txBody>
+      </p:sp>
+    </p:spTree>
+    <p:extLst>
+      <p:ext uri="{BB962C8B-B14F-4D97-AF65-F5344CB8AC3E}">
+        <p14:creationId xmlns:p14="http://schemas.microsoft.com/office/powerpoint/2010/main" val="941778037"/>
+      </p:ext>
+    </p:extLst>
+  </p:cSld>
+  <p:clrMapOvr>
+    <a:masterClrMapping/>
+  </p:clrMapOvr>
+</p:sld>
+</file>
+
+<file path=ppt/slides/slide11.xml><?xml version="1.0" encoding="utf-8"?>
+<p:sld xmlns:a="http://schemas.openxmlformats.org/drawingml/2006/main" xmlns:r="http://schemas.openxmlformats.org/officeDocument/2006/relationships" xmlns:p="http://schemas.openxmlformats.org/presentationml/2006/main">
+  <p:cSld>
+    <p:spTree>
+      <p:nvGrpSpPr>
+        <p:cNvPr id="1" name="">
+          <a:extLst>
+            <a:ext uri="{FF2B5EF4-FFF2-40B4-BE49-F238E27FC236}">
+              <a16:creationId xmlns:a16="http://schemas.microsoft.com/office/drawing/2014/main" id="{9779DAC0-AA6C-FA77-4C28-5E7AC94408A6}"/>
+            </a:ext>
+          </a:extLst>
+        </p:cNvPr>
+        <p:cNvGrpSpPr/>
+        <p:nvPr/>
+      </p:nvGrpSpPr>
+      <p:grpSpPr>
+        <a:xfrm>
+          <a:off x="0" y="0"/>
+          <a:ext cx="0" cy="0"/>
+          <a:chOff x="0" y="0"/>
+          <a:chExt cx="0" cy="0"/>
+        </a:xfrm>
+      </p:grpSpPr>
+      <p:grpSp>
+        <p:nvGrpSpPr>
+          <p:cNvPr id="8" name="Group 7">
+            <a:extLst>
+              <a:ext uri="{FF2B5EF4-FFF2-40B4-BE49-F238E27FC236}">
+                <a16:creationId xmlns:a16="http://schemas.microsoft.com/office/drawing/2014/main" id="{23BFE538-4796-357A-3143-3AF456FF7ED1}"/>
+              </a:ext>
+            </a:extLst>
+          </p:cNvPr>
+          <p:cNvGrpSpPr/>
+          <p:nvPr/>
+        </p:nvGrpSpPr>
+        <p:grpSpPr>
+          <a:xfrm>
+            <a:off x="493776" y="270357"/>
+            <a:ext cx="10735055" cy="5131098"/>
+            <a:chOff x="624077" y="270357"/>
+            <a:chExt cx="10008634" cy="5131098"/>
+          </a:xfrm>
+        </p:grpSpPr>
+        <p:sp>
+          <p:nvSpPr>
+            <p:cNvPr id="3" name="TextBox 2">
+              <a:extLst>
+                <a:ext uri="{FF2B5EF4-FFF2-40B4-BE49-F238E27FC236}">
+                  <a16:creationId xmlns:a16="http://schemas.microsoft.com/office/drawing/2014/main" id="{4D19F7DA-9679-C9E9-1372-E04CF428EEDA}"/>
+                </a:ext>
+              </a:extLst>
+            </p:cNvPr>
+            <p:cNvSpPr txBox="1"/>
+            <p:nvPr/>
+          </p:nvSpPr>
+          <p:spPr>
+            <a:xfrm>
+              <a:off x="624077" y="1369582"/>
+              <a:ext cx="10008634" cy="4031873"/>
+            </a:xfrm>
+            <a:prstGeom prst="rect">
+              <a:avLst/>
+            </a:prstGeom>
+            <a:noFill/>
+          </p:spPr>
+          <p:txBody>
+            <a:bodyPr wrap="square">
+              <a:spAutoFit/>
+            </a:bodyPr>
+            <a:lstStyle/>
+            <a:p>
+              <a:pPr marL="342900" indent="-342900" algn="l">
+                <a:spcAft>
+                  <a:spcPts val="600"/>
+                </a:spcAft>
+                <a:buAutoNum type="arabicPeriod"/>
+              </a:pPr>
+              <a:r>
+                <a:rPr lang="en-US" b="1" i="0" dirty="0">
+                  <a:solidFill>
+                    <a:srgbClr val="000000"/>
+                  </a:solidFill>
+                  <a:effectLst/>
+                  <a:latin typeface="Fira Sans" panose="020F0502020204030204" pitchFamily="34" charset="0"/>
+                </a:rPr>
+                <a:t>Biomarker Discovery</a:t>
+              </a:r>
+            </a:p>
+            <a:p>
+              <a:pPr marL="800100" lvl="1" indent="-342900">
+                <a:spcAft>
+                  <a:spcPts val="600"/>
+                </a:spcAft>
+                <a:buFont typeface="Arial" panose="020B0604020202020204" pitchFamily="34" charset="0"/>
+                <a:buChar char="•"/>
+              </a:pPr>
+              <a:r>
+                <a:rPr lang="en-US" i="0" dirty="0">
+                  <a:solidFill>
+                    <a:srgbClr val="000000"/>
+                  </a:solidFill>
+                  <a:effectLst/>
+                  <a:latin typeface="Fira Sans" panose="020F0502020204030204" pitchFamily="34" charset="0"/>
+                </a:rPr>
+                <a:t>Identifying proteins whose abundance or modification state is altered in disease (e.g., cancer, neurodegeneration) for early </a:t>
+              </a:r>
+              <a:r>
+                <a:rPr lang="en-US" b="1" i="0" dirty="0">
+                  <a:solidFill>
+                    <a:srgbClr val="000000"/>
+                  </a:solidFill>
+                  <a:effectLst/>
+                  <a:latin typeface="Fira Sans" panose="020F0502020204030204" pitchFamily="34" charset="0"/>
+                </a:rPr>
+                <a:t>diagnosis</a:t>
+              </a:r>
+              <a:r>
+                <a:rPr lang="en-US" i="0" dirty="0">
+                  <a:solidFill>
+                    <a:srgbClr val="000000"/>
+                  </a:solidFill>
+                  <a:effectLst/>
+                  <a:latin typeface="Fira Sans" panose="020F0502020204030204" pitchFamily="34" charset="0"/>
+                </a:rPr>
+                <a:t> and </a:t>
+              </a:r>
+              <a:r>
+                <a:rPr lang="en-US" b="1" i="0" dirty="0">
+                  <a:solidFill>
+                    <a:srgbClr val="000000"/>
+                  </a:solidFill>
+                  <a:effectLst/>
+                  <a:latin typeface="Fira Sans" panose="020F0502020204030204" pitchFamily="34" charset="0"/>
+                </a:rPr>
+                <a:t>prognosis</a:t>
+              </a:r>
+              <a:r>
+                <a:rPr lang="en-US" i="0" dirty="0">
+                  <a:solidFill>
+                    <a:srgbClr val="000000"/>
+                  </a:solidFill>
+                  <a:effectLst/>
+                  <a:latin typeface="Fira Sans" panose="020F0502020204030204" pitchFamily="34" charset="0"/>
+                </a:rPr>
+                <a:t>.</a:t>
+              </a:r>
+            </a:p>
+            <a:p>
+              <a:pPr marL="342900" indent="-342900">
+                <a:spcAft>
+                  <a:spcPts val="600"/>
+                </a:spcAft>
+                <a:buFont typeface="+mj-lt"/>
+                <a:buAutoNum type="arabicPeriod"/>
+              </a:pPr>
+              <a:r>
+                <a:rPr lang="en-US" b="1" i="0" dirty="0">
+                  <a:solidFill>
+                    <a:srgbClr val="000000"/>
+                  </a:solidFill>
+                  <a:effectLst/>
+                  <a:latin typeface="Fira Sans" panose="020F0502020204030204" pitchFamily="34" charset="0"/>
+                </a:rPr>
+                <a:t>Drug Target Identification</a:t>
+              </a:r>
+            </a:p>
+            <a:p>
+              <a:pPr marL="800100" lvl="1" indent="-342900">
+                <a:spcAft>
+                  <a:spcPts val="600"/>
+                </a:spcAft>
+                <a:buFont typeface="Arial" panose="020B0604020202020204" pitchFamily="34" charset="0"/>
+                <a:buChar char="•"/>
+              </a:pPr>
+              <a:r>
+                <a:rPr lang="en-US" i="0" dirty="0">
+                  <a:solidFill>
+                    <a:srgbClr val="000000"/>
+                  </a:solidFill>
+                  <a:effectLst/>
+                  <a:latin typeface="Fira Sans" panose="020F0502020204030204" pitchFamily="34" charset="0"/>
+                </a:rPr>
+                <a:t>Mapping out cellular signaling pathways to find key proteins whose activity can be modulated by pharmaceuticals.</a:t>
+              </a:r>
+            </a:p>
+            <a:p>
+              <a:pPr marL="800100" lvl="1" indent="-342900">
+                <a:spcAft>
+                  <a:spcPts val="600"/>
+                </a:spcAft>
+                <a:buFont typeface="Arial" panose="020B0604020202020204" pitchFamily="34" charset="0"/>
+                <a:buChar char="•"/>
+              </a:pPr>
+              <a:r>
+                <a:rPr lang="en-US" i="0" dirty="0">
+                  <a:solidFill>
+                    <a:srgbClr val="000000"/>
+                  </a:solidFill>
+                  <a:effectLst/>
+                  <a:latin typeface="Fira Sans" panose="020F0502020204030204" pitchFamily="34" charset="0"/>
+                </a:rPr>
+                <a:t>Understanding the </a:t>
+              </a:r>
+              <a:r>
+                <a:rPr lang="en-US" b="1" i="0" dirty="0">
+                  <a:solidFill>
+                    <a:srgbClr val="000000"/>
+                  </a:solidFill>
+                  <a:effectLst/>
+                  <a:latin typeface="Fira Sans" panose="020F0502020204030204" pitchFamily="34" charset="0"/>
+                </a:rPr>
+                <a:t>mechanism of action </a:t>
+              </a:r>
+              <a:r>
+                <a:rPr lang="en-US" i="0" dirty="0">
+                  <a:solidFill>
+                    <a:srgbClr val="000000"/>
+                  </a:solidFill>
+                  <a:effectLst/>
+                  <a:latin typeface="Fira Sans" panose="020F0502020204030204" pitchFamily="34" charset="0"/>
+                </a:rPr>
+                <a:t>and </a:t>
+              </a:r>
+              <a:r>
+                <a:rPr lang="en-US" b="1" i="0" dirty="0">
+                  <a:solidFill>
+                    <a:srgbClr val="000000"/>
+                  </a:solidFill>
+                  <a:effectLst/>
+                  <a:latin typeface="Fira Sans" panose="020F0502020204030204" pitchFamily="34" charset="0"/>
+                </a:rPr>
+                <a:t>toxicity</a:t>
+              </a:r>
+              <a:r>
+                <a:rPr lang="en-US" i="0" dirty="0">
+                  <a:solidFill>
+                    <a:srgbClr val="000000"/>
+                  </a:solidFill>
+                  <a:effectLst/>
+                  <a:latin typeface="Fira Sans" panose="020F0502020204030204" pitchFamily="34" charset="0"/>
+                </a:rPr>
+                <a:t> of new drug candidates.</a:t>
+              </a:r>
+            </a:p>
+            <a:p>
+              <a:pPr marL="342900" indent="-342900">
+                <a:spcAft>
+                  <a:spcPts val="600"/>
+                </a:spcAft>
+                <a:buFont typeface="+mj-lt"/>
+                <a:buAutoNum type="arabicPeriod"/>
+              </a:pPr>
+              <a:r>
+                <a:rPr lang="en-US" b="1" i="0" dirty="0">
+                  <a:solidFill>
+                    <a:srgbClr val="000000"/>
+                  </a:solidFill>
+                  <a:effectLst/>
+                  <a:latin typeface="Fira Sans" panose="020F0502020204030204" pitchFamily="34" charset="0"/>
+                </a:rPr>
+                <a:t>Personalized Medicine</a:t>
+              </a:r>
+            </a:p>
+            <a:p>
+              <a:pPr marL="800100" lvl="1" indent="-342900">
+                <a:spcAft>
+                  <a:spcPts val="600"/>
+                </a:spcAft>
+                <a:buFont typeface="Arial" panose="020B0604020202020204" pitchFamily="34" charset="0"/>
+                <a:buChar char="•"/>
+              </a:pPr>
+              <a:r>
+                <a:rPr lang="en-US" i="0" dirty="0">
+                  <a:solidFill>
+                    <a:srgbClr val="000000"/>
+                  </a:solidFill>
+                  <a:effectLst/>
+                  <a:latin typeface="Fira Sans" panose="020F0502020204030204" pitchFamily="34" charset="0"/>
+                </a:rPr>
+                <a:t>Analyzing individual patient proteomes to predict drug response and tailor treatment. </a:t>
+              </a:r>
+            </a:p>
+            <a:p>
+              <a:pPr marL="342900" indent="-342900">
+                <a:spcAft>
+                  <a:spcPts val="600"/>
+                </a:spcAft>
+                <a:buFont typeface="+mj-lt"/>
+                <a:buAutoNum type="arabicPeriod"/>
+              </a:pPr>
+              <a:r>
+                <a:rPr lang="en-US" b="1" i="0" dirty="0">
+                  <a:solidFill>
+                    <a:srgbClr val="000000"/>
+                  </a:solidFill>
+                  <a:effectLst/>
+                  <a:latin typeface="Fira Sans" panose="020F0502020204030204" pitchFamily="34" charset="0"/>
+                </a:rPr>
+                <a:t>Post-Translational Modification (PTM) Analysis</a:t>
+              </a:r>
+            </a:p>
+            <a:p>
+              <a:pPr marL="800100" lvl="1" indent="-342900">
+                <a:spcAft>
+                  <a:spcPts val="600"/>
+                </a:spcAft>
+                <a:buFont typeface="Arial" panose="020B0604020202020204" pitchFamily="34" charset="0"/>
+                <a:buChar char="•"/>
+              </a:pPr>
+              <a:r>
+                <a:rPr lang="en-US" i="0" dirty="0">
+                  <a:solidFill>
+                    <a:srgbClr val="000000"/>
+                  </a:solidFill>
+                  <a:effectLst/>
+                  <a:latin typeface="Fira Sans" panose="020F0502020204030204" pitchFamily="34" charset="0"/>
+                </a:rPr>
+                <a:t>Studying modifications like </a:t>
+              </a:r>
+              <a:r>
+                <a:rPr lang="en-US" b="1" i="0" dirty="0">
+                  <a:solidFill>
+                    <a:srgbClr val="000000"/>
+                  </a:solidFill>
+                  <a:effectLst/>
+                  <a:latin typeface="Fira Sans" panose="020F0502020204030204" pitchFamily="34" charset="0"/>
+                </a:rPr>
+                <a:t>phosphorylation, glycosylation</a:t>
+              </a:r>
+              <a:r>
+                <a:rPr lang="en-US" i="0" dirty="0">
+                  <a:solidFill>
+                    <a:srgbClr val="000000"/>
+                  </a:solidFill>
+                  <a:effectLst/>
+                  <a:latin typeface="Fira Sans" panose="020F0502020204030204" pitchFamily="34" charset="0"/>
+                </a:rPr>
+                <a:t>, and </a:t>
+              </a:r>
+              <a:r>
+                <a:rPr lang="en-US" b="1" i="0" dirty="0">
+                  <a:solidFill>
+                    <a:srgbClr val="000000"/>
+                  </a:solidFill>
+                  <a:effectLst/>
+                  <a:latin typeface="Fira Sans" panose="020F0502020204030204" pitchFamily="34" charset="0"/>
+                </a:rPr>
+                <a:t>ubiquitination</a:t>
+              </a:r>
+              <a:r>
+                <a:rPr lang="en-US" i="0" dirty="0">
+                  <a:solidFill>
+                    <a:srgbClr val="000000"/>
+                  </a:solidFill>
+                  <a:effectLst/>
+                  <a:latin typeface="Fira Sans" panose="020F0502020204030204" pitchFamily="34" charset="0"/>
+                </a:rPr>
+                <a:t> that regulate protein activity and signaling.</a:t>
+              </a:r>
+            </a:p>
+          </p:txBody>
+        </p:sp>
+        <p:sp>
+          <p:nvSpPr>
+            <p:cNvPr id="5" name="TextBox 4">
+              <a:extLst>
+                <a:ext uri="{FF2B5EF4-FFF2-40B4-BE49-F238E27FC236}">
+                  <a16:creationId xmlns:a16="http://schemas.microsoft.com/office/drawing/2014/main" id="{6B312436-E6BD-EC34-4770-72A74AB15F01}"/>
+                </a:ext>
+              </a:extLst>
+            </p:cNvPr>
+            <p:cNvSpPr txBox="1"/>
+            <p:nvPr/>
+          </p:nvSpPr>
+          <p:spPr>
+            <a:xfrm>
+              <a:off x="624077" y="270357"/>
+              <a:ext cx="9070858" cy="523220"/>
+            </a:xfrm>
+            <a:prstGeom prst="rect">
+              <a:avLst/>
+            </a:prstGeom>
+            <a:noFill/>
+          </p:spPr>
+          <p:txBody>
+            <a:bodyPr wrap="square">
+              <a:spAutoFit/>
+            </a:bodyPr>
+            <a:lstStyle/>
+            <a:p>
+              <a:pPr algn="l">
+                <a:buNone/>
+              </a:pPr>
+              <a:r>
+                <a:rPr lang="en-US" sz="2800" b="0" i="0" dirty="0">
+                  <a:solidFill>
+                    <a:srgbClr val="1A292C"/>
+                  </a:solidFill>
+                  <a:effectLst/>
+                  <a:latin typeface="Fira Sans" panose="020F0502020204030204" pitchFamily="34" charset="0"/>
+                </a:rPr>
+                <a:t>Applications of Proteomics</a:t>
+              </a:r>
+            </a:p>
+          </p:txBody>
+        </p:sp>
+      </p:grpSp>
+      <p:sp>
+        <p:nvSpPr>
+          <p:cNvPr id="11" name="TextBox 10">
+            <a:extLst>
+              <a:ext uri="{FF2B5EF4-FFF2-40B4-BE49-F238E27FC236}">
+                <a16:creationId xmlns:a16="http://schemas.microsoft.com/office/drawing/2014/main" id="{0D2FD6CB-8169-3874-02C4-25D556DF4C6C}"/>
+              </a:ext>
+            </a:extLst>
+          </p:cNvPr>
+          <p:cNvSpPr txBox="1"/>
+          <p:nvPr/>
+        </p:nvSpPr>
+        <p:spPr>
+          <a:xfrm>
+            <a:off x="6169152" y="270357"/>
+            <a:ext cx="5222901" cy="672235"/>
+          </a:xfrm>
+          <a:prstGeom prst="rect">
+            <a:avLst/>
+          </a:prstGeom>
+          <a:noFill/>
+        </p:spPr>
+        <p:txBody>
+          <a:bodyPr wrap="square">
+            <a:spAutoFit/>
+          </a:bodyPr>
+          <a:lstStyle/>
+          <a:p>
+            <a:pPr algn="l">
+              <a:lnSpc>
+                <a:spcPct val="150000"/>
+              </a:lnSpc>
+              <a:buNone/>
+            </a:pPr>
+            <a:endParaRPr lang="en-US" sz="2800" b="0" i="0" dirty="0">
+              <a:solidFill>
+                <a:srgbClr val="1A292C"/>
+              </a:solidFill>
+              <a:effectLst/>
+              <a:latin typeface="Fira Sans" panose="020F0502020204030204" pitchFamily="34" charset="0"/>
+            </a:endParaRPr>
+          </a:p>
+        </p:txBody>
+      </p:sp>
+    </p:spTree>
+    <p:extLst>
+      <p:ext uri="{BB962C8B-B14F-4D97-AF65-F5344CB8AC3E}">
+        <p14:creationId xmlns:p14="http://schemas.microsoft.com/office/powerpoint/2010/main" val="2794929612"/>
+      </p:ext>
+    </p:extLst>
+  </p:cSld>
+  <p:clrMapOvr>
+    <a:masterClrMapping/>
+  </p:clrMapOvr>
+</p:sld>
+</file>
+
+<file path=ppt/slides/slide12.xml><?xml version="1.0" encoding="utf-8"?>
+<p:sld xmlns:a="http://schemas.openxmlformats.org/drawingml/2006/main" xmlns:r="http://schemas.openxmlformats.org/officeDocument/2006/relationships" xmlns:p="http://schemas.openxmlformats.org/presentationml/2006/main">
+  <p:cSld>
+    <p:spTree>
+      <p:nvGrpSpPr>
+        <p:cNvPr id="1" name="">
+          <a:extLst>
+            <a:ext uri="{FF2B5EF4-FFF2-40B4-BE49-F238E27FC236}">
               <a16:creationId xmlns:a16="http://schemas.microsoft.com/office/drawing/2014/main" id="{FE9E40F3-4B6A-65E1-1A7F-58CA6C6CD996}"/>
             </a:ext>
           </a:extLst>
@@ -8901,7 +12936,7 @@
 </p:sld>
 </file>
 
-<file path=ppt/slides/slide11.xml><?xml version="1.0" encoding="utf-8"?>
+<file path=ppt/slides/slide13.xml><?xml version="1.0" encoding="utf-8"?>
 <p:sld xmlns:a="http://schemas.openxmlformats.org/drawingml/2006/main" xmlns:r="http://schemas.openxmlformats.org/officeDocument/2006/relationships" xmlns:p="http://schemas.openxmlformats.org/presentationml/2006/main">
   <p:cSld>
     <p:spTree>
@@ -9526,7 +13561,7 @@
 </p:sld>
 </file>
 
-<file path=ppt/slides/slide12.xml><?xml version="1.0" encoding="utf-8"?>
+<file path=ppt/slides/slide14.xml><?xml version="1.0" encoding="utf-8"?>
 <p:sld xmlns:a="http://schemas.openxmlformats.org/drawingml/2006/main" xmlns:r="http://schemas.openxmlformats.org/officeDocument/2006/relationships" xmlns:p="http://schemas.openxmlformats.org/presentationml/2006/main">
   <p:cSld>
     <p:spTree>
@@ -9990,7 +14025,7 @@
 </p:sld>
 </file>
 
-<file path=ppt/slides/slide13.xml><?xml version="1.0" encoding="utf-8"?>
+<file path=ppt/slides/slide15.xml><?xml version="1.0" encoding="utf-8"?>
 <p:sld xmlns:a="http://schemas.openxmlformats.org/drawingml/2006/main" xmlns:r="http://schemas.openxmlformats.org/officeDocument/2006/relationships" xmlns:p="http://schemas.openxmlformats.org/presentationml/2006/main">
   <p:cSld>
     <p:spTree>
@@ -10485,7 +14520,7 @@
 </p:sld>
 </file>
 
-<file path=ppt/slides/slide14.xml><?xml version="1.0" encoding="utf-8"?>
+<file path=ppt/slides/slide16.xml><?xml version="1.0" encoding="utf-8"?>
 <p:sld xmlns:a="http://schemas.openxmlformats.org/drawingml/2006/main" xmlns:r="http://schemas.openxmlformats.org/officeDocument/2006/relationships" xmlns:p="http://schemas.openxmlformats.org/presentationml/2006/main">
   <p:cSld>
     <p:spTree>
@@ -10972,7 +15007,7 @@
 </p:sld>
 </file>
 
-<file path=ppt/slides/slide15.xml><?xml version="1.0" encoding="utf-8"?>
+<file path=ppt/slides/slide17.xml><?xml version="1.0" encoding="utf-8"?>
 <p:sld xmlns:a="http://schemas.openxmlformats.org/drawingml/2006/main" xmlns:r="http://schemas.openxmlformats.org/officeDocument/2006/relationships" xmlns:p="http://schemas.openxmlformats.org/presentationml/2006/main">
   <p:cSld>
     <p:spTree>
@@ -11341,7 +15376,7 @@
 </p:sld>
 </file>
 
-<file path=ppt/slides/slide16.xml><?xml version="1.0" encoding="utf-8"?>
+<file path=ppt/slides/slide18.xml><?xml version="1.0" encoding="utf-8"?>
 <p:sld xmlns:a="http://schemas.openxmlformats.org/drawingml/2006/main" xmlns:r="http://schemas.openxmlformats.org/officeDocument/2006/relationships" xmlns:p="http://schemas.openxmlformats.org/presentationml/2006/main">
   <p:cSld>
     <p:spTree>
@@ -12491,10 +16526,162 @@
       </p:sp>
       <p:graphicFrame>
         <p:nvGraphicFramePr>
+          <p:cNvPr id="17" name="Diagram 16">
+            <a:extLst>
+              <a:ext uri="{FF2B5EF4-FFF2-40B4-BE49-F238E27FC236}">
+                <a16:creationId xmlns:a16="http://schemas.microsoft.com/office/drawing/2014/main" id="{EF42C7BF-A724-9CFA-E87A-63682ECFBEEA}"/>
+              </a:ext>
+            </a:extLst>
+          </p:cNvPr>
+          <p:cNvGraphicFramePr/>
+          <p:nvPr>
+            <p:extLst>
+              <p:ext uri="{D42A27DB-BD31-4B8C-83A1-F6EECF244321}">
+                <p14:modId xmlns:p14="http://schemas.microsoft.com/office/powerpoint/2010/main" val="1855781231"/>
+              </p:ext>
+            </p:extLst>
+          </p:nvPr>
+        </p:nvGraphicFramePr>
+        <p:xfrm>
+          <a:off x="758952" y="1289305"/>
+          <a:ext cx="9464040" cy="4791456"/>
+        </p:xfrm>
+        <a:graphic>
+          <a:graphicData uri="http://schemas.openxmlformats.org/drawingml/2006/diagram">
+            <dgm:relIds xmlns:dgm="http://schemas.openxmlformats.org/drawingml/2006/diagram" xmlns:r="http://schemas.openxmlformats.org/officeDocument/2006/relationships" r:dm="rId2" r:lo="rId3" r:qs="rId4" r:cs="rId5"/>
+          </a:graphicData>
+        </a:graphic>
+      </p:graphicFrame>
+    </p:spTree>
+    <p:extLst>
+      <p:ext uri="{BB962C8B-B14F-4D97-AF65-F5344CB8AC3E}">
+        <p14:creationId xmlns:p14="http://schemas.microsoft.com/office/powerpoint/2010/main" val="67591872"/>
+      </p:ext>
+    </p:extLst>
+  </p:cSld>
+  <p:clrMapOvr>
+    <a:masterClrMapping/>
+  </p:clrMapOvr>
+</p:sld>
+</file>
+
+<file path=ppt/slides/slide4.xml><?xml version="1.0" encoding="utf-8"?>
+<p:sld xmlns:a="http://schemas.openxmlformats.org/drawingml/2006/main" xmlns:r="http://schemas.openxmlformats.org/officeDocument/2006/relationships" xmlns:p="http://schemas.openxmlformats.org/presentationml/2006/main">
+  <p:cSld>
+    <p:spTree>
+      <p:nvGrpSpPr>
+        <p:cNvPr id="1" name="">
+          <a:extLst>
+            <a:ext uri="{FF2B5EF4-FFF2-40B4-BE49-F238E27FC236}">
+              <a16:creationId xmlns:a16="http://schemas.microsoft.com/office/drawing/2014/main" id="{1B531D11-4662-77BC-1E54-B26B3144876A}"/>
+            </a:ext>
+          </a:extLst>
+        </p:cNvPr>
+        <p:cNvGrpSpPr/>
+        <p:nvPr/>
+      </p:nvGrpSpPr>
+      <p:grpSpPr>
+        <a:xfrm>
+          <a:off x="0" y="0"/>
+          <a:ext cx="0" cy="0"/>
+          <a:chOff x="0" y="0"/>
+          <a:chExt cx="0" cy="0"/>
+        </a:xfrm>
+      </p:grpSpPr>
+      <p:sp>
+        <p:nvSpPr>
+          <p:cNvPr id="5" name="TextBox 4">
+            <a:extLst>
+              <a:ext uri="{FF2B5EF4-FFF2-40B4-BE49-F238E27FC236}">
+                <a16:creationId xmlns:a16="http://schemas.microsoft.com/office/drawing/2014/main" id="{88087569-FEBB-15FA-0402-00BD8259AC40}"/>
+              </a:ext>
+            </a:extLst>
+          </p:cNvPr>
+          <p:cNvSpPr txBox="1"/>
+          <p:nvPr/>
+        </p:nvSpPr>
+        <p:spPr>
+          <a:xfrm>
+            <a:off x="493776" y="270357"/>
+            <a:ext cx="8366759" cy="523220"/>
+          </a:xfrm>
+          <a:prstGeom prst="rect">
+            <a:avLst/>
+          </a:prstGeom>
+          <a:noFill/>
+        </p:spPr>
+        <p:txBody>
+          <a:bodyPr wrap="square">
+            <a:spAutoFit/>
+          </a:bodyPr>
+          <a:lstStyle/>
+          <a:p>
+            <a:pPr algn="l">
+              <a:buNone/>
+            </a:pPr>
+            <a:r>
+              <a:rPr lang="en-US" sz="2800" b="0" i="0" dirty="0">
+                <a:solidFill>
+                  <a:srgbClr val="1A292C"/>
+                </a:solidFill>
+                <a:effectLst/>
+                <a:latin typeface="Fira Sans" panose="020F0502020204030204" pitchFamily="34" charset="0"/>
+              </a:rPr>
+              <a:t>Why Study Proteins? (The Complexity Gap)</a:t>
+            </a:r>
+          </a:p>
+        </p:txBody>
+      </p:sp>
+      <p:sp>
+        <p:nvSpPr>
+          <p:cNvPr id="11" name="TextBox 10">
+            <a:extLst>
+              <a:ext uri="{FF2B5EF4-FFF2-40B4-BE49-F238E27FC236}">
+                <a16:creationId xmlns:a16="http://schemas.microsoft.com/office/drawing/2014/main" id="{7B77B539-2E42-9FE4-A98E-0ADFEC6DB7E1}"/>
+              </a:ext>
+            </a:extLst>
+          </p:cNvPr>
+          <p:cNvSpPr txBox="1"/>
+          <p:nvPr/>
+        </p:nvSpPr>
+        <p:spPr>
+          <a:xfrm>
+            <a:off x="6169152" y="270357"/>
+            <a:ext cx="5222901" cy="672235"/>
+          </a:xfrm>
+          <a:prstGeom prst="rect">
+            <a:avLst/>
+          </a:prstGeom>
+          <a:noFill/>
+        </p:spPr>
+        <p:txBody>
+          <a:bodyPr wrap="square">
+            <a:spAutoFit/>
+          </a:bodyPr>
+          <a:lstStyle/>
+          <a:p>
+            <a:pPr algn="l">
+              <a:lnSpc>
+                <a:spcPct val="150000"/>
+              </a:lnSpc>
+              <a:buNone/>
+            </a:pPr>
+            <a:endParaRPr lang="en-US" sz="2800" b="0" i="0" dirty="0">
+              <a:solidFill>
+                <a:srgbClr val="1A292C"/>
+              </a:solidFill>
+              <a:effectLst/>
+              <a:latin typeface="Fira Sans" panose="020F0502020204030204" pitchFamily="34" charset="0"/>
+            </a:endParaRPr>
+          </a:p>
+        </p:txBody>
+      </p:sp>
+      <p:graphicFrame>
+        <p:nvGraphicFramePr>
           <p:cNvPr id="13" name="Table 12">
             <a:extLst>
               <a:ext uri="{FF2B5EF4-FFF2-40B4-BE49-F238E27FC236}">
-                <a16:creationId xmlns:a16="http://schemas.microsoft.com/office/drawing/2014/main" id="{6FE75EC5-CD74-CF0B-58DA-55AAD68850CA}"/>
+                <a16:creationId xmlns:a16="http://schemas.microsoft.com/office/drawing/2014/main" id="{BAA8EFB0-210E-15BF-2003-FC8EAE99FF3D}"/>
               </a:ext>
             </a:extLst>
           </p:cNvPr>
@@ -12504,14 +16691,14 @@
           <p:nvPr>
             <p:extLst>
               <p:ext uri="{D42A27DB-BD31-4B8C-83A1-F6EECF244321}">
-                <p14:modId xmlns:p14="http://schemas.microsoft.com/office/powerpoint/2010/main" val="3687336058"/>
+                <p14:modId xmlns:p14="http://schemas.microsoft.com/office/powerpoint/2010/main" val="2211377966"/>
               </p:ext>
             </p:extLst>
           </p:nvPr>
         </p:nvGraphicFramePr>
         <p:xfrm>
           <a:off x="838200" y="1216152"/>
-          <a:ext cx="10783824" cy="4263421"/>
+          <a:ext cx="10783824" cy="4498848"/>
         </p:xfrm>
         <a:graphic>
           <a:graphicData uri="http://schemas.openxmlformats.org/drawingml/2006/table">
@@ -13089,7 +17276,7 @@
                         <a:buNone/>
                       </a:pPr>
                       <a:r>
-                        <a:rPr lang="en-GB" sz="1600" b="1">
+                        <a:rPr lang="en-GB" sz="1600" b="1" dirty="0">
                           <a:solidFill>
                             <a:srgbClr val="1B1C1D"/>
                           </a:solidFill>
@@ -13098,7 +17285,7 @@
                         </a:rPr>
                         <a:t>Extremely Complex</a:t>
                       </a:r>
-                      <a:endParaRPr lang="en-GB" sz="1600">
+                      <a:endParaRPr lang="en-GB" sz="1600" dirty="0">
                         <a:solidFill>
                           <a:srgbClr val="1B1C1D"/>
                         </a:solidFill>
@@ -13357,7 +17544,7 @@
                   </a:ext>
                 </a:extLst>
               </a:tr>
-              <a:tr h="1802065">
+              <a:tr h="2037492">
                 <a:tc>
                   <a:txBody>
                     <a:bodyPr/>
@@ -13434,7 +17621,7 @@
                         <a:buNone/>
                       </a:pPr>
                       <a:r>
-                        <a:rPr lang="en-US" sz="1600">
+                        <a:rPr lang="en-US" sz="1600" dirty="0">
                           <a:solidFill>
                             <a:srgbClr val="1B1C1D"/>
                           </a:solidFill>
@@ -13565,12 +17752,91 @@
           </a:graphicData>
         </a:graphic>
       </p:graphicFrame>
+    </p:spTree>
+    <p:extLst>
+      <p:ext uri="{BB962C8B-B14F-4D97-AF65-F5344CB8AC3E}">
+        <p14:creationId xmlns:p14="http://schemas.microsoft.com/office/powerpoint/2010/main" val="1066661505"/>
+      </p:ext>
+    </p:extLst>
+  </p:cSld>
+  <p:clrMapOvr>
+    <a:masterClrMapping/>
+  </p:clrMapOvr>
+</p:sld>
+</file>
+
+<file path=ppt/slides/slide5.xml><?xml version="1.0" encoding="utf-8"?>
+<p:sld xmlns:a="http://schemas.openxmlformats.org/drawingml/2006/main" xmlns:r="http://schemas.openxmlformats.org/officeDocument/2006/relationships" xmlns:p="http://schemas.openxmlformats.org/presentationml/2006/main">
+  <p:cSld>
+    <p:spTree>
+      <p:nvGrpSpPr>
+        <p:cNvPr id="1" name="">
+          <a:extLst>
+            <a:ext uri="{FF2B5EF4-FFF2-40B4-BE49-F238E27FC236}">
+              <a16:creationId xmlns:a16="http://schemas.microsoft.com/office/drawing/2014/main" id="{7ECA5AB3-623D-28B6-2FE1-0292DB6DB5B5}"/>
+            </a:ext>
+          </a:extLst>
+        </p:cNvPr>
+        <p:cNvGrpSpPr/>
+        <p:nvPr/>
+      </p:nvGrpSpPr>
+      <p:grpSpPr>
+        <a:xfrm>
+          <a:off x="0" y="0"/>
+          <a:ext cx="0" cy="0"/>
+          <a:chOff x="0" y="0"/>
+          <a:chExt cx="0" cy="0"/>
+        </a:xfrm>
+      </p:grpSpPr>
+      <p:cxnSp>
+        <p:nvCxnSpPr>
+          <p:cNvPr id="40" name="Straight Connector 39">
+            <a:extLst>
+              <a:ext uri="{FF2B5EF4-FFF2-40B4-BE49-F238E27FC236}">
+                <a16:creationId xmlns:a16="http://schemas.microsoft.com/office/drawing/2014/main" id="{5B266964-57C8-3F4D-5E80-9698C64D9FA8}"/>
+              </a:ext>
+            </a:extLst>
+          </p:cNvPr>
+          <p:cNvCxnSpPr>
+            <a:cxnSpLocks/>
+            <a:stCxn id="25" idx="2"/>
+            <a:endCxn id="36" idx="0"/>
+          </p:cNvCxnSpPr>
+          <p:nvPr/>
+        </p:nvCxnSpPr>
+        <p:spPr>
+          <a:xfrm>
+            <a:off x="5433060" y="2523364"/>
+            <a:ext cx="0" cy="2947370"/>
+          </a:xfrm>
+          <a:prstGeom prst="line">
+            <a:avLst/>
+          </a:prstGeom>
+          <a:ln>
+            <a:prstDash val="dash"/>
+          </a:ln>
+        </p:spPr>
+        <p:style>
+          <a:lnRef idx="2">
+            <a:schemeClr val="dk1"/>
+          </a:lnRef>
+          <a:fillRef idx="0">
+            <a:schemeClr val="dk1"/>
+          </a:fillRef>
+          <a:effectRef idx="1">
+            <a:schemeClr val="dk1"/>
+          </a:effectRef>
+          <a:fontRef idx="minor">
+            <a:schemeClr val="tx1"/>
+          </a:fontRef>
+        </p:style>
+      </p:cxnSp>
       <p:sp>
         <p:nvSpPr>
-          <p:cNvPr id="15" name="TextBox 14">
+          <p:cNvPr id="5" name="TextBox 4">
             <a:extLst>
               <a:ext uri="{FF2B5EF4-FFF2-40B4-BE49-F238E27FC236}">
-                <a16:creationId xmlns:a16="http://schemas.microsoft.com/office/drawing/2014/main" id="{CC296230-7B02-0362-935C-F4E8DF9C9187}"/>
+                <a16:creationId xmlns:a16="http://schemas.microsoft.com/office/drawing/2014/main" id="{DB6AB14F-CDC9-AAB5-D32C-C07D6FA43E3E}"/>
               </a:ext>
             </a:extLst>
           </p:cNvPr>
@@ -13579,7 +17845,101 @@
         </p:nvSpPr>
         <p:spPr>
           <a:xfrm>
-            <a:off x="493776" y="5739574"/>
+            <a:off x="493776" y="270357"/>
+            <a:ext cx="9381744" cy="523220"/>
+          </a:xfrm>
+          <a:prstGeom prst="rect">
+            <a:avLst/>
+          </a:prstGeom>
+          <a:noFill/>
+        </p:spPr>
+        <p:txBody>
+          <a:bodyPr wrap="square">
+            <a:spAutoFit/>
+          </a:bodyPr>
+          <a:lstStyle/>
+          <a:p>
+            <a:pPr algn="l">
+              <a:buNone/>
+            </a:pPr>
+            <a:r>
+              <a:rPr lang="en-US" sz="2800" dirty="0">
+                <a:solidFill>
+                  <a:srgbClr val="1A292C"/>
+                </a:solidFill>
+                <a:latin typeface="Fira Sans" panose="020F0502020204030204" pitchFamily="34" charset="0"/>
+              </a:rPr>
+              <a:t>Protein Complexity: From Gene to Functional Proteome</a:t>
+            </a:r>
+            <a:endParaRPr lang="en-US" sz="2800" b="0" i="0" dirty="0">
+              <a:solidFill>
+                <a:srgbClr val="1A292C"/>
+              </a:solidFill>
+              <a:effectLst/>
+              <a:latin typeface="Fira Sans" panose="020F0502020204030204" pitchFamily="34" charset="0"/>
+            </a:endParaRPr>
+          </a:p>
+        </p:txBody>
+      </p:sp>
+      <p:sp>
+        <p:nvSpPr>
+          <p:cNvPr id="11" name="TextBox 10">
+            <a:extLst>
+              <a:ext uri="{FF2B5EF4-FFF2-40B4-BE49-F238E27FC236}">
+                <a16:creationId xmlns:a16="http://schemas.microsoft.com/office/drawing/2014/main" id="{3DA01F04-35D8-2F06-7500-006819AB1C6A}"/>
+              </a:ext>
+            </a:extLst>
+          </p:cNvPr>
+          <p:cNvSpPr txBox="1"/>
+          <p:nvPr/>
+        </p:nvSpPr>
+        <p:spPr>
+          <a:xfrm>
+            <a:off x="6169152" y="270357"/>
+            <a:ext cx="5222901" cy="672235"/>
+          </a:xfrm>
+          <a:prstGeom prst="rect">
+            <a:avLst/>
+          </a:prstGeom>
+          <a:noFill/>
+        </p:spPr>
+        <p:txBody>
+          <a:bodyPr wrap="square">
+            <a:spAutoFit/>
+          </a:bodyPr>
+          <a:lstStyle/>
+          <a:p>
+            <a:pPr algn="l">
+              <a:lnSpc>
+                <a:spcPct val="150000"/>
+              </a:lnSpc>
+              <a:buNone/>
+            </a:pPr>
+            <a:endParaRPr lang="en-US" sz="2800" b="0" i="0" dirty="0">
+              <a:solidFill>
+                <a:srgbClr val="1A292C"/>
+              </a:solidFill>
+              <a:effectLst/>
+              <a:latin typeface="Fira Sans" panose="020F0502020204030204" pitchFamily="34" charset="0"/>
+            </a:endParaRPr>
+          </a:p>
+        </p:txBody>
+      </p:sp>
+      <p:sp>
+        <p:nvSpPr>
+          <p:cNvPr id="15" name="TextBox 14">
+            <a:extLst>
+              <a:ext uri="{FF2B5EF4-FFF2-40B4-BE49-F238E27FC236}">
+                <a16:creationId xmlns:a16="http://schemas.microsoft.com/office/drawing/2014/main" id="{2CC93CC6-5DBC-6B6C-765E-ABA55CE33B23}"/>
+              </a:ext>
+            </a:extLst>
+          </p:cNvPr>
+          <p:cNvSpPr txBox="1"/>
+          <p:nvPr/>
+        </p:nvSpPr>
+        <p:spPr>
+          <a:xfrm>
+            <a:off x="493776" y="5946202"/>
             <a:ext cx="9747504" cy="402995"/>
           </a:xfrm>
           <a:prstGeom prst="rect">
@@ -13655,10 +18015,1333 @@
           </a:p>
         </p:txBody>
       </p:sp>
+      <p:grpSp>
+        <p:nvGrpSpPr>
+          <p:cNvPr id="18" name="Group 17">
+            <a:extLst>
+              <a:ext uri="{FF2B5EF4-FFF2-40B4-BE49-F238E27FC236}">
+                <a16:creationId xmlns:a16="http://schemas.microsoft.com/office/drawing/2014/main" id="{57252B45-29D7-E73D-3DEC-99F1968A0D8A}"/>
+              </a:ext>
+            </a:extLst>
+          </p:cNvPr>
+          <p:cNvGrpSpPr/>
+          <p:nvPr/>
+        </p:nvGrpSpPr>
+        <p:grpSpPr>
+          <a:xfrm>
+            <a:off x="621792" y="1014984"/>
+            <a:ext cx="1472184" cy="2623249"/>
+            <a:chOff x="621792" y="1014984"/>
+            <a:chExt cx="1472184" cy="2623249"/>
+          </a:xfrm>
+        </p:grpSpPr>
+        <p:sp>
+          <p:nvSpPr>
+            <p:cNvPr id="2" name="Rectangle 1">
+              <a:extLst>
+                <a:ext uri="{FF2B5EF4-FFF2-40B4-BE49-F238E27FC236}">
+                  <a16:creationId xmlns:a16="http://schemas.microsoft.com/office/drawing/2014/main" id="{47C4C178-FEFA-49FE-47E6-9077CD5B82DA}"/>
+                </a:ext>
+              </a:extLst>
+            </p:cNvPr>
+            <p:cNvSpPr/>
+            <p:nvPr/>
+          </p:nvSpPr>
+          <p:spPr>
+            <a:xfrm>
+              <a:off x="621792" y="1014984"/>
+              <a:ext cx="1472184" cy="523220"/>
+            </a:xfrm>
+            <a:prstGeom prst="rect">
+              <a:avLst/>
+            </a:prstGeom>
+            <a:solidFill>
+              <a:srgbClr val="6666FF"/>
+            </a:solidFill>
+            <a:ln>
+              <a:noFill/>
+            </a:ln>
+          </p:spPr>
+          <p:style>
+            <a:lnRef idx="2">
+              <a:schemeClr val="accent1">
+                <a:shade val="15000"/>
+              </a:schemeClr>
+            </a:lnRef>
+            <a:fillRef idx="1">
+              <a:schemeClr val="accent1"/>
+            </a:fillRef>
+            <a:effectRef idx="0">
+              <a:schemeClr val="accent1"/>
+            </a:effectRef>
+            <a:fontRef idx="minor">
+              <a:schemeClr val="lt1"/>
+            </a:fontRef>
+          </p:style>
+          <p:txBody>
+            <a:bodyPr rtlCol="0" anchor="ctr"/>
+            <a:lstStyle/>
+            <a:p>
+              <a:pPr algn="ctr"/>
+              <a:r>
+                <a:rPr lang="en-US" sz="1400" dirty="0">
+                  <a:latin typeface="Fira Sans" panose="020B0503050000020004" pitchFamily="34" charset="0"/>
+                </a:rPr>
+                <a:t>Genomics</a:t>
+              </a:r>
+              <a:endParaRPr lang="en-GB" sz="1400" dirty="0">
+                <a:latin typeface="Fira Sans" panose="020B0503050000020004" pitchFamily="34" charset="0"/>
+              </a:endParaRPr>
+            </a:p>
+          </p:txBody>
+        </p:sp>
+        <p:sp>
+          <p:nvSpPr>
+            <p:cNvPr id="3" name="Rectangle 2">
+              <a:extLst>
+                <a:ext uri="{FF2B5EF4-FFF2-40B4-BE49-F238E27FC236}">
+                  <a16:creationId xmlns:a16="http://schemas.microsoft.com/office/drawing/2014/main" id="{A71A5758-A215-03C2-53D0-6C2A8CDBC08E}"/>
+                </a:ext>
+              </a:extLst>
+            </p:cNvPr>
+            <p:cNvSpPr/>
+            <p:nvPr/>
+          </p:nvSpPr>
+          <p:spPr>
+            <a:xfrm>
+              <a:off x="621792" y="1999488"/>
+              <a:ext cx="1472184" cy="523220"/>
+            </a:xfrm>
+            <a:prstGeom prst="rect">
+              <a:avLst/>
+            </a:prstGeom>
+            <a:solidFill>
+              <a:srgbClr val="6666FF"/>
+            </a:solidFill>
+            <a:ln>
+              <a:noFill/>
+            </a:ln>
+          </p:spPr>
+          <p:style>
+            <a:lnRef idx="2">
+              <a:schemeClr val="accent1">
+                <a:shade val="15000"/>
+              </a:schemeClr>
+            </a:lnRef>
+            <a:fillRef idx="1">
+              <a:schemeClr val="accent1"/>
+            </a:fillRef>
+            <a:effectRef idx="0">
+              <a:schemeClr val="accent1"/>
+            </a:effectRef>
+            <a:fontRef idx="minor">
+              <a:schemeClr val="lt1"/>
+            </a:fontRef>
+          </p:style>
+          <p:txBody>
+            <a:bodyPr rtlCol="0" anchor="ctr"/>
+            <a:lstStyle/>
+            <a:p>
+              <a:pPr algn="ctr"/>
+              <a:r>
+                <a:rPr lang="en-US" sz="1400" dirty="0">
+                  <a:latin typeface="Fira Sans" panose="020B0503050000020004" pitchFamily="34" charset="0"/>
+                </a:rPr>
+                <a:t>DNA Level</a:t>
+              </a:r>
+              <a:endParaRPr lang="en-GB" sz="1400" dirty="0">
+                <a:latin typeface="Fira Sans" panose="020B0503050000020004" pitchFamily="34" charset="0"/>
+              </a:endParaRPr>
+            </a:p>
+          </p:txBody>
+        </p:sp>
+        <p:sp>
+          <p:nvSpPr>
+            <p:cNvPr id="4" name="Rectangle 3">
+              <a:extLst>
+                <a:ext uri="{FF2B5EF4-FFF2-40B4-BE49-F238E27FC236}">
+                  <a16:creationId xmlns:a16="http://schemas.microsoft.com/office/drawing/2014/main" id="{7FC753A5-040F-4C89-2307-562B4C11AC71}"/>
+                </a:ext>
+              </a:extLst>
+            </p:cNvPr>
+            <p:cNvSpPr/>
+            <p:nvPr/>
+          </p:nvSpPr>
+          <p:spPr>
+            <a:xfrm>
+              <a:off x="621792" y="3115013"/>
+              <a:ext cx="1472184" cy="523220"/>
+            </a:xfrm>
+            <a:prstGeom prst="rect">
+              <a:avLst/>
+            </a:prstGeom>
+            <a:solidFill>
+              <a:srgbClr val="6666FF"/>
+            </a:solidFill>
+            <a:ln>
+              <a:noFill/>
+            </a:ln>
+          </p:spPr>
+          <p:style>
+            <a:lnRef idx="2">
+              <a:schemeClr val="accent1">
+                <a:shade val="15000"/>
+              </a:schemeClr>
+            </a:lnRef>
+            <a:fillRef idx="1">
+              <a:schemeClr val="accent1"/>
+            </a:fillRef>
+            <a:effectRef idx="0">
+              <a:schemeClr val="accent1"/>
+            </a:effectRef>
+            <a:fontRef idx="minor">
+              <a:schemeClr val="lt1"/>
+            </a:fontRef>
+          </p:style>
+          <p:txBody>
+            <a:bodyPr rtlCol="0" anchor="ctr"/>
+            <a:lstStyle/>
+            <a:p>
+              <a:pPr algn="ctr"/>
+              <a:r>
+                <a:rPr lang="en-US" sz="1400" dirty="0">
+                  <a:latin typeface="Fira Sans" panose="020B0503050000020004" pitchFamily="34" charset="0"/>
+                </a:rPr>
+                <a:t>~20,000 Genes </a:t>
+              </a:r>
+              <a:r>
+                <a:rPr lang="en-US" sz="1200" dirty="0">
+                  <a:latin typeface="Fira Sans" panose="020B0503050000020004" pitchFamily="34" charset="0"/>
+                </a:rPr>
+                <a:t>Statics Blueprint</a:t>
+              </a:r>
+              <a:endParaRPr lang="en-GB" sz="1400" dirty="0">
+                <a:latin typeface="Fira Sans" panose="020B0503050000020004" pitchFamily="34" charset="0"/>
+              </a:endParaRPr>
+            </a:p>
+          </p:txBody>
+        </p:sp>
+      </p:grpSp>
+      <p:grpSp>
+        <p:nvGrpSpPr>
+          <p:cNvPr id="19" name="Group 18">
+            <a:extLst>
+              <a:ext uri="{FF2B5EF4-FFF2-40B4-BE49-F238E27FC236}">
+                <a16:creationId xmlns:a16="http://schemas.microsoft.com/office/drawing/2014/main" id="{1D1953E4-268F-9059-F4D3-0C182BFCEE48}"/>
+              </a:ext>
+            </a:extLst>
+          </p:cNvPr>
+          <p:cNvGrpSpPr/>
+          <p:nvPr/>
+        </p:nvGrpSpPr>
+        <p:grpSpPr>
+          <a:xfrm>
+            <a:off x="2703576" y="1015640"/>
+            <a:ext cx="1472184" cy="2623249"/>
+            <a:chOff x="621792" y="1014984"/>
+            <a:chExt cx="1472184" cy="2623249"/>
+          </a:xfrm>
+          <a:solidFill>
+            <a:srgbClr val="FFFF00"/>
+          </a:solidFill>
+        </p:grpSpPr>
+        <p:sp>
+          <p:nvSpPr>
+            <p:cNvPr id="20" name="Rectangle 19">
+              <a:extLst>
+                <a:ext uri="{FF2B5EF4-FFF2-40B4-BE49-F238E27FC236}">
+                  <a16:creationId xmlns:a16="http://schemas.microsoft.com/office/drawing/2014/main" id="{AFCAF340-225D-DC4D-E7D4-28957A33C7BC}"/>
+                </a:ext>
+              </a:extLst>
+            </p:cNvPr>
+            <p:cNvSpPr/>
+            <p:nvPr/>
+          </p:nvSpPr>
+          <p:spPr>
+            <a:xfrm>
+              <a:off x="621792" y="1014984"/>
+              <a:ext cx="1472184" cy="523220"/>
+            </a:xfrm>
+            <a:prstGeom prst="rect">
+              <a:avLst/>
+            </a:prstGeom>
+            <a:grpFill/>
+            <a:ln>
+              <a:noFill/>
+            </a:ln>
+          </p:spPr>
+          <p:style>
+            <a:lnRef idx="2">
+              <a:schemeClr val="accent1">
+                <a:shade val="15000"/>
+              </a:schemeClr>
+            </a:lnRef>
+            <a:fillRef idx="1">
+              <a:schemeClr val="accent1"/>
+            </a:fillRef>
+            <a:effectRef idx="0">
+              <a:schemeClr val="accent1"/>
+            </a:effectRef>
+            <a:fontRef idx="minor">
+              <a:schemeClr val="lt1"/>
+            </a:fontRef>
+          </p:style>
+          <p:txBody>
+            <a:bodyPr rtlCol="0" anchor="ctr"/>
+            <a:lstStyle/>
+            <a:p>
+              <a:pPr algn="ctr"/>
+              <a:r>
+                <a:rPr lang="en-US" sz="1200" dirty="0">
+                  <a:solidFill>
+                    <a:schemeClr val="tx1"/>
+                  </a:solidFill>
+                  <a:latin typeface="Fira Sans" panose="020B0503050000020004" pitchFamily="34" charset="0"/>
+                </a:rPr>
+                <a:t>Transcriptomics</a:t>
+              </a:r>
+              <a:endParaRPr lang="en-GB" sz="1200" dirty="0">
+                <a:solidFill>
+                  <a:schemeClr val="tx1"/>
+                </a:solidFill>
+                <a:latin typeface="Fira Sans" panose="020B0503050000020004" pitchFamily="34" charset="0"/>
+              </a:endParaRPr>
+            </a:p>
+          </p:txBody>
+        </p:sp>
+        <p:sp>
+          <p:nvSpPr>
+            <p:cNvPr id="21" name="Rectangle 20">
+              <a:extLst>
+                <a:ext uri="{FF2B5EF4-FFF2-40B4-BE49-F238E27FC236}">
+                  <a16:creationId xmlns:a16="http://schemas.microsoft.com/office/drawing/2014/main" id="{3CF3705F-06AE-DC16-762C-E6EAB327FB4B}"/>
+                </a:ext>
+              </a:extLst>
+            </p:cNvPr>
+            <p:cNvSpPr/>
+            <p:nvPr/>
+          </p:nvSpPr>
+          <p:spPr>
+            <a:xfrm>
+              <a:off x="621792" y="1999488"/>
+              <a:ext cx="1472184" cy="523220"/>
+            </a:xfrm>
+            <a:prstGeom prst="rect">
+              <a:avLst/>
+            </a:prstGeom>
+            <a:grpFill/>
+            <a:ln>
+              <a:noFill/>
+            </a:ln>
+          </p:spPr>
+          <p:style>
+            <a:lnRef idx="2">
+              <a:schemeClr val="accent1">
+                <a:shade val="15000"/>
+              </a:schemeClr>
+            </a:lnRef>
+            <a:fillRef idx="1">
+              <a:schemeClr val="accent1"/>
+            </a:fillRef>
+            <a:effectRef idx="0">
+              <a:schemeClr val="accent1"/>
+            </a:effectRef>
+            <a:fontRef idx="minor">
+              <a:schemeClr val="lt1"/>
+            </a:fontRef>
+          </p:style>
+          <p:txBody>
+            <a:bodyPr rtlCol="0" anchor="ctr"/>
+            <a:lstStyle/>
+            <a:p>
+              <a:pPr algn="ctr"/>
+              <a:r>
+                <a:rPr lang="en-US" sz="1200" dirty="0">
+                  <a:solidFill>
+                    <a:schemeClr val="tx1"/>
+                  </a:solidFill>
+                  <a:latin typeface="Fira Sans" panose="020B0503050000020004" pitchFamily="34" charset="0"/>
+                </a:rPr>
+                <a:t>RNA Level</a:t>
+              </a:r>
+              <a:endParaRPr lang="en-GB" sz="1200" dirty="0">
+                <a:solidFill>
+                  <a:schemeClr val="tx1"/>
+                </a:solidFill>
+                <a:latin typeface="Fira Sans" panose="020B0503050000020004" pitchFamily="34" charset="0"/>
+              </a:endParaRPr>
+            </a:p>
+          </p:txBody>
+        </p:sp>
+        <p:sp>
+          <p:nvSpPr>
+            <p:cNvPr id="22" name="Rectangle 21">
+              <a:extLst>
+                <a:ext uri="{FF2B5EF4-FFF2-40B4-BE49-F238E27FC236}">
+                  <a16:creationId xmlns:a16="http://schemas.microsoft.com/office/drawing/2014/main" id="{2C190223-F207-61C5-1B95-A28636BDD1B1}"/>
+                </a:ext>
+              </a:extLst>
+            </p:cNvPr>
+            <p:cNvSpPr/>
+            <p:nvPr/>
+          </p:nvSpPr>
+          <p:spPr>
+            <a:xfrm>
+              <a:off x="621792" y="3115013"/>
+              <a:ext cx="1472184" cy="523220"/>
+            </a:xfrm>
+            <a:prstGeom prst="rect">
+              <a:avLst/>
+            </a:prstGeom>
+            <a:grpFill/>
+            <a:ln>
+              <a:noFill/>
+            </a:ln>
+          </p:spPr>
+          <p:style>
+            <a:lnRef idx="2">
+              <a:schemeClr val="accent1">
+                <a:shade val="15000"/>
+              </a:schemeClr>
+            </a:lnRef>
+            <a:fillRef idx="1">
+              <a:schemeClr val="accent1"/>
+            </a:fillRef>
+            <a:effectRef idx="0">
+              <a:schemeClr val="accent1"/>
+            </a:effectRef>
+            <a:fontRef idx="minor">
+              <a:schemeClr val="lt1"/>
+            </a:fontRef>
+          </p:style>
+          <p:txBody>
+            <a:bodyPr rtlCol="0" anchor="ctr"/>
+            <a:lstStyle/>
+            <a:p>
+              <a:pPr algn="ctr"/>
+              <a:r>
+                <a:rPr lang="en-US" sz="1200" dirty="0">
+                  <a:solidFill>
+                    <a:schemeClr val="tx1"/>
+                  </a:solidFill>
+                  <a:latin typeface="Fira Sans" panose="020B0503050000020004" pitchFamily="34" charset="0"/>
+                </a:rPr>
+                <a:t>~100,000 Transcripts </a:t>
+              </a:r>
+              <a:r>
+                <a:rPr lang="en-US" sz="1100" dirty="0">
+                  <a:solidFill>
+                    <a:schemeClr val="tx1"/>
+                  </a:solidFill>
+                  <a:latin typeface="Fira Sans" panose="020B0503050000020004" pitchFamily="34" charset="0"/>
+                </a:rPr>
+                <a:t>Dynamic Expression</a:t>
+              </a:r>
+              <a:endParaRPr lang="en-GB" sz="1200" dirty="0">
+                <a:solidFill>
+                  <a:schemeClr val="tx1"/>
+                </a:solidFill>
+                <a:latin typeface="Fira Sans" panose="020B0503050000020004" pitchFamily="34" charset="0"/>
+              </a:endParaRPr>
+            </a:p>
+          </p:txBody>
+        </p:sp>
+      </p:grpSp>
+      <p:sp>
+        <p:nvSpPr>
+          <p:cNvPr id="24" name="Rectangle 23">
+            <a:extLst>
+              <a:ext uri="{FF2B5EF4-FFF2-40B4-BE49-F238E27FC236}">
+                <a16:creationId xmlns:a16="http://schemas.microsoft.com/office/drawing/2014/main" id="{4FFF9393-38E5-E068-D7FA-933C0930A794}"/>
+              </a:ext>
+            </a:extLst>
+          </p:cNvPr>
+          <p:cNvSpPr/>
+          <p:nvPr/>
+        </p:nvSpPr>
+        <p:spPr>
+          <a:xfrm>
+            <a:off x="4696968" y="1015640"/>
+            <a:ext cx="1472184" cy="523220"/>
+          </a:xfrm>
+          <a:prstGeom prst="rect">
+            <a:avLst/>
+          </a:prstGeom>
+          <a:solidFill>
+            <a:srgbClr val="CCFF66"/>
+          </a:solidFill>
+          <a:ln>
+            <a:noFill/>
+          </a:ln>
+        </p:spPr>
+        <p:style>
+          <a:lnRef idx="2">
+            <a:schemeClr val="accent1">
+              <a:shade val="15000"/>
+            </a:schemeClr>
+          </a:lnRef>
+          <a:fillRef idx="1">
+            <a:schemeClr val="accent1"/>
+          </a:fillRef>
+          <a:effectRef idx="0">
+            <a:schemeClr val="accent1"/>
+          </a:effectRef>
+          <a:fontRef idx="minor">
+            <a:schemeClr val="lt1"/>
+          </a:fontRef>
+        </p:style>
+        <p:txBody>
+          <a:bodyPr rtlCol="0" anchor="ctr"/>
+          <a:lstStyle/>
+          <a:p>
+            <a:pPr algn="ctr"/>
+            <a:r>
+              <a:rPr lang="en-US" sz="1400" dirty="0">
+                <a:solidFill>
+                  <a:schemeClr val="tx1"/>
+                </a:solidFill>
+                <a:latin typeface="Fira Sans" panose="020B0503050000020004" pitchFamily="34" charset="0"/>
+              </a:rPr>
+              <a:t>Proteomics</a:t>
+            </a:r>
+            <a:endParaRPr lang="en-GB" sz="1400" dirty="0">
+              <a:solidFill>
+                <a:schemeClr val="tx1"/>
+              </a:solidFill>
+              <a:latin typeface="Fira Sans" panose="020B0503050000020004" pitchFamily="34" charset="0"/>
+            </a:endParaRPr>
+          </a:p>
+        </p:txBody>
+      </p:sp>
+      <p:sp>
+        <p:nvSpPr>
+          <p:cNvPr id="25" name="Rectangle 24">
+            <a:extLst>
+              <a:ext uri="{FF2B5EF4-FFF2-40B4-BE49-F238E27FC236}">
+                <a16:creationId xmlns:a16="http://schemas.microsoft.com/office/drawing/2014/main" id="{8E0C36CA-490C-9395-796E-33D727C9CD02}"/>
+              </a:ext>
+            </a:extLst>
+          </p:cNvPr>
+          <p:cNvSpPr/>
+          <p:nvPr/>
+        </p:nvSpPr>
+        <p:spPr>
+          <a:xfrm>
+            <a:off x="4696968" y="2000144"/>
+            <a:ext cx="1472184" cy="523220"/>
+          </a:xfrm>
+          <a:prstGeom prst="rect">
+            <a:avLst/>
+          </a:prstGeom>
+          <a:solidFill>
+            <a:srgbClr val="CCFF66"/>
+          </a:solidFill>
+          <a:ln>
+            <a:noFill/>
+          </a:ln>
+        </p:spPr>
+        <p:style>
+          <a:lnRef idx="2">
+            <a:schemeClr val="accent1">
+              <a:shade val="15000"/>
+            </a:schemeClr>
+          </a:lnRef>
+          <a:fillRef idx="1">
+            <a:schemeClr val="accent1"/>
+          </a:fillRef>
+          <a:effectRef idx="0">
+            <a:schemeClr val="accent1"/>
+          </a:effectRef>
+          <a:fontRef idx="minor">
+            <a:schemeClr val="lt1"/>
+          </a:fontRef>
+        </p:style>
+        <p:txBody>
+          <a:bodyPr rtlCol="0" anchor="ctr"/>
+          <a:lstStyle/>
+          <a:p>
+            <a:pPr algn="ctr"/>
+            <a:r>
+              <a:rPr lang="en-US" sz="1400" dirty="0">
+                <a:solidFill>
+                  <a:schemeClr val="tx1"/>
+                </a:solidFill>
+                <a:latin typeface="Fira Sans" panose="020B0503050000020004" pitchFamily="34" charset="0"/>
+              </a:rPr>
+              <a:t>Protein Level</a:t>
+            </a:r>
+            <a:endParaRPr lang="en-GB" sz="1400" dirty="0">
+              <a:solidFill>
+                <a:schemeClr val="tx1"/>
+              </a:solidFill>
+              <a:latin typeface="Fira Sans" panose="020B0503050000020004" pitchFamily="34" charset="0"/>
+            </a:endParaRPr>
+          </a:p>
+        </p:txBody>
+      </p:sp>
+      <p:sp>
+        <p:nvSpPr>
+          <p:cNvPr id="26" name="Rectangle 25">
+            <a:extLst>
+              <a:ext uri="{FF2B5EF4-FFF2-40B4-BE49-F238E27FC236}">
+                <a16:creationId xmlns:a16="http://schemas.microsoft.com/office/drawing/2014/main" id="{7B4B4D78-1386-1F96-AC6A-388D5CE3C258}"/>
+              </a:ext>
+            </a:extLst>
+          </p:cNvPr>
+          <p:cNvSpPr/>
+          <p:nvPr/>
+        </p:nvSpPr>
+        <p:spPr>
+          <a:xfrm>
+            <a:off x="4696968" y="3115669"/>
+            <a:ext cx="1472184" cy="523220"/>
+          </a:xfrm>
+          <a:prstGeom prst="rect">
+            <a:avLst/>
+          </a:prstGeom>
+          <a:solidFill>
+            <a:srgbClr val="FFFF00"/>
+          </a:solidFill>
+          <a:ln>
+            <a:noFill/>
+          </a:ln>
+        </p:spPr>
+        <p:style>
+          <a:lnRef idx="2">
+            <a:schemeClr val="accent1">
+              <a:shade val="15000"/>
+            </a:schemeClr>
+          </a:lnRef>
+          <a:fillRef idx="1">
+            <a:schemeClr val="accent1"/>
+          </a:fillRef>
+          <a:effectRef idx="0">
+            <a:schemeClr val="accent1"/>
+          </a:effectRef>
+          <a:fontRef idx="minor">
+            <a:schemeClr val="lt1"/>
+          </a:fontRef>
+        </p:style>
+        <p:txBody>
+          <a:bodyPr rtlCol="0" anchor="ctr"/>
+          <a:lstStyle/>
+          <a:p>
+            <a:pPr algn="ctr"/>
+            <a:r>
+              <a:rPr lang="en-US" sz="1200" dirty="0">
+                <a:solidFill>
+                  <a:schemeClr val="tx1"/>
+                </a:solidFill>
+                <a:latin typeface="Fira Sans" panose="020B0503050000020004" pitchFamily="34" charset="0"/>
+              </a:rPr>
+              <a:t>&gt;1,000,000 species </a:t>
+            </a:r>
+            <a:r>
+              <a:rPr lang="en-US" sz="1100" dirty="0">
+                <a:solidFill>
+                  <a:schemeClr val="tx1"/>
+                </a:solidFill>
+                <a:latin typeface="Fira Sans" panose="020B0503050000020004" pitchFamily="34" charset="0"/>
+              </a:rPr>
+              <a:t>Functional diversity</a:t>
+            </a:r>
+            <a:endParaRPr lang="en-GB" sz="1400" dirty="0">
+              <a:solidFill>
+                <a:schemeClr val="tx1"/>
+              </a:solidFill>
+              <a:latin typeface="Fira Sans" panose="020B0503050000020004" pitchFamily="34" charset="0"/>
+            </a:endParaRPr>
+          </a:p>
+        </p:txBody>
+      </p:sp>
+      <p:grpSp>
+        <p:nvGrpSpPr>
+          <p:cNvPr id="27" name="Group 26">
+            <a:extLst>
+              <a:ext uri="{FF2B5EF4-FFF2-40B4-BE49-F238E27FC236}">
+                <a16:creationId xmlns:a16="http://schemas.microsoft.com/office/drawing/2014/main" id="{4C96D40C-87D9-5CAD-AD17-4D1DB9400760}"/>
+              </a:ext>
+            </a:extLst>
+          </p:cNvPr>
+          <p:cNvGrpSpPr/>
+          <p:nvPr/>
+        </p:nvGrpSpPr>
+        <p:grpSpPr>
+          <a:xfrm>
+            <a:off x="6690360" y="1014984"/>
+            <a:ext cx="1472184" cy="3042279"/>
+            <a:chOff x="621792" y="1014984"/>
+            <a:chExt cx="1472184" cy="3042279"/>
+          </a:xfrm>
+          <a:solidFill>
+            <a:srgbClr val="CC99FF"/>
+          </a:solidFill>
+        </p:grpSpPr>
+        <p:sp>
+          <p:nvSpPr>
+            <p:cNvPr id="28" name="Rectangle 27">
+              <a:extLst>
+                <a:ext uri="{FF2B5EF4-FFF2-40B4-BE49-F238E27FC236}">
+                  <a16:creationId xmlns:a16="http://schemas.microsoft.com/office/drawing/2014/main" id="{B3E226D7-5828-721C-62FD-7C7D5C3D018E}"/>
+                </a:ext>
+              </a:extLst>
+            </p:cNvPr>
+            <p:cNvSpPr/>
+            <p:nvPr/>
+          </p:nvSpPr>
+          <p:spPr>
+            <a:xfrm>
+              <a:off x="621792" y="1014984"/>
+              <a:ext cx="1472184" cy="523220"/>
+            </a:xfrm>
+            <a:prstGeom prst="rect">
+              <a:avLst/>
+            </a:prstGeom>
+            <a:grpFill/>
+            <a:ln>
+              <a:noFill/>
+            </a:ln>
+          </p:spPr>
+          <p:style>
+            <a:lnRef idx="2">
+              <a:schemeClr val="accent1">
+                <a:shade val="15000"/>
+              </a:schemeClr>
+            </a:lnRef>
+            <a:fillRef idx="1">
+              <a:schemeClr val="accent1"/>
+            </a:fillRef>
+            <a:effectRef idx="0">
+              <a:schemeClr val="accent1"/>
+            </a:effectRef>
+            <a:fontRef idx="minor">
+              <a:schemeClr val="lt1"/>
+            </a:fontRef>
+          </p:style>
+          <p:txBody>
+            <a:bodyPr rtlCol="0" anchor="ctr"/>
+            <a:lstStyle/>
+            <a:p>
+              <a:pPr algn="ctr"/>
+              <a:r>
+                <a:rPr lang="en-US" sz="1100" dirty="0">
+                  <a:solidFill>
+                    <a:schemeClr val="tx1"/>
+                  </a:solidFill>
+                  <a:latin typeface="Fira Sans" panose="020B0503050000020004" pitchFamily="34" charset="0"/>
+                </a:rPr>
+                <a:t>Functional Outcome</a:t>
+              </a:r>
+              <a:endParaRPr lang="en-GB" sz="1100" dirty="0">
+                <a:solidFill>
+                  <a:schemeClr val="tx1"/>
+                </a:solidFill>
+                <a:latin typeface="Fira Sans" panose="020B0503050000020004" pitchFamily="34" charset="0"/>
+              </a:endParaRPr>
+            </a:p>
+          </p:txBody>
+        </p:sp>
+        <p:sp>
+          <p:nvSpPr>
+            <p:cNvPr id="29" name="Rectangle 28">
+              <a:extLst>
+                <a:ext uri="{FF2B5EF4-FFF2-40B4-BE49-F238E27FC236}">
+                  <a16:creationId xmlns:a16="http://schemas.microsoft.com/office/drawing/2014/main" id="{887D15A5-D267-A81C-1325-DE7ED02169B5}"/>
+                </a:ext>
+              </a:extLst>
+            </p:cNvPr>
+            <p:cNvSpPr/>
+            <p:nvPr/>
+          </p:nvSpPr>
+          <p:spPr>
+            <a:xfrm>
+              <a:off x="621792" y="1999488"/>
+              <a:ext cx="1472184" cy="523220"/>
+            </a:xfrm>
+            <a:prstGeom prst="rect">
+              <a:avLst/>
+            </a:prstGeom>
+            <a:grpFill/>
+            <a:ln>
+              <a:noFill/>
+            </a:ln>
+          </p:spPr>
+          <p:style>
+            <a:lnRef idx="2">
+              <a:schemeClr val="accent1">
+                <a:shade val="15000"/>
+              </a:schemeClr>
+            </a:lnRef>
+            <a:fillRef idx="1">
+              <a:schemeClr val="accent1"/>
+            </a:fillRef>
+            <a:effectRef idx="0">
+              <a:schemeClr val="accent1"/>
+            </a:effectRef>
+            <a:fontRef idx="minor">
+              <a:schemeClr val="lt1"/>
+            </a:fontRef>
+          </p:style>
+          <p:txBody>
+            <a:bodyPr rtlCol="0" anchor="ctr"/>
+            <a:lstStyle/>
+            <a:p>
+              <a:pPr algn="ctr"/>
+              <a:r>
+                <a:rPr lang="en-US" sz="1100" dirty="0">
+                  <a:solidFill>
+                    <a:schemeClr val="tx1"/>
+                  </a:solidFill>
+                  <a:latin typeface="Fira Sans" panose="020B0503050000020004" pitchFamily="34" charset="0"/>
+                </a:rPr>
+                <a:t>Biological Function</a:t>
+              </a:r>
+              <a:endParaRPr lang="en-GB" sz="1100" dirty="0">
+                <a:solidFill>
+                  <a:schemeClr val="tx1"/>
+                </a:solidFill>
+                <a:latin typeface="Fira Sans" panose="020B0503050000020004" pitchFamily="34" charset="0"/>
+              </a:endParaRPr>
+            </a:p>
+          </p:txBody>
+        </p:sp>
+        <p:sp>
+          <p:nvSpPr>
+            <p:cNvPr id="30" name="Rectangle 29">
+              <a:extLst>
+                <a:ext uri="{FF2B5EF4-FFF2-40B4-BE49-F238E27FC236}">
+                  <a16:creationId xmlns:a16="http://schemas.microsoft.com/office/drawing/2014/main" id="{FE23E30E-0B2C-8F3C-EA55-84863B2A0A0D}"/>
+                </a:ext>
+              </a:extLst>
+            </p:cNvPr>
+            <p:cNvSpPr/>
+            <p:nvPr/>
+          </p:nvSpPr>
+          <p:spPr>
+            <a:xfrm>
+              <a:off x="621792" y="3115012"/>
+              <a:ext cx="1472184" cy="942251"/>
+            </a:xfrm>
+            <a:prstGeom prst="rect">
+              <a:avLst/>
+            </a:prstGeom>
+            <a:grpFill/>
+            <a:ln>
+              <a:noFill/>
+            </a:ln>
+          </p:spPr>
+          <p:style>
+            <a:lnRef idx="2">
+              <a:schemeClr val="accent1">
+                <a:shade val="15000"/>
+              </a:schemeClr>
+            </a:lnRef>
+            <a:fillRef idx="1">
+              <a:schemeClr val="accent1"/>
+            </a:fillRef>
+            <a:effectRef idx="0">
+              <a:schemeClr val="accent1"/>
+            </a:effectRef>
+            <a:fontRef idx="minor">
+              <a:schemeClr val="lt1"/>
+            </a:fontRef>
+          </p:style>
+          <p:txBody>
+            <a:bodyPr rtlCol="0" anchor="ctr"/>
+            <a:lstStyle/>
+            <a:p>
+              <a:pPr algn="ctr"/>
+              <a:r>
+                <a:rPr lang="en-US" sz="1100" dirty="0">
+                  <a:solidFill>
+                    <a:schemeClr val="tx1"/>
+                  </a:solidFill>
+                  <a:latin typeface="Fira Sans" panose="020B0503050000020004" pitchFamily="34" charset="0"/>
+                </a:rPr>
+                <a:t>Enzymatic activity </a:t>
+              </a:r>
+            </a:p>
+            <a:p>
+              <a:pPr algn="ctr"/>
+              <a:r>
+                <a:rPr lang="en-US" sz="1100" dirty="0">
+                  <a:solidFill>
+                    <a:schemeClr val="tx1"/>
+                  </a:solidFill>
+                  <a:latin typeface="Fira Sans" panose="020B0503050000020004" pitchFamily="34" charset="0"/>
+                </a:rPr>
+                <a:t>Signaling Pathways</a:t>
+              </a:r>
+            </a:p>
+            <a:p>
+              <a:pPr algn="ctr"/>
+              <a:r>
+                <a:rPr lang="en-US" sz="1100" dirty="0">
+                  <a:solidFill>
+                    <a:schemeClr val="tx1"/>
+                  </a:solidFill>
+                  <a:latin typeface="Fira Sans" panose="020B0503050000020004" pitchFamily="34" charset="0"/>
+                </a:rPr>
+                <a:t>Structure support</a:t>
+              </a:r>
+            </a:p>
+            <a:p>
+              <a:pPr algn="ctr"/>
+              <a:r>
+                <a:rPr lang="en-US" sz="1100" dirty="0">
+                  <a:solidFill>
+                    <a:schemeClr val="tx1"/>
+                  </a:solidFill>
+                  <a:latin typeface="Fira Sans" panose="020B0503050000020004" pitchFamily="34" charset="0"/>
+                </a:rPr>
+                <a:t>Cellular regulation</a:t>
+              </a:r>
+              <a:endParaRPr lang="en-GB" sz="1100" dirty="0">
+                <a:solidFill>
+                  <a:schemeClr val="tx1"/>
+                </a:solidFill>
+                <a:latin typeface="Fira Sans" panose="020B0503050000020004" pitchFamily="34" charset="0"/>
+              </a:endParaRPr>
+            </a:p>
+          </p:txBody>
+        </p:sp>
+      </p:grpSp>
+      <p:cxnSp>
+        <p:nvCxnSpPr>
+          <p:cNvPr id="32" name="Straight Arrow Connector 31">
+            <a:extLst>
+              <a:ext uri="{FF2B5EF4-FFF2-40B4-BE49-F238E27FC236}">
+                <a16:creationId xmlns:a16="http://schemas.microsoft.com/office/drawing/2014/main" id="{E53C8B5C-9F47-59E7-F2B4-2965E901DB50}"/>
+              </a:ext>
+            </a:extLst>
+          </p:cNvPr>
+          <p:cNvCxnSpPr/>
+          <p:nvPr/>
+        </p:nvCxnSpPr>
+        <p:spPr>
+          <a:xfrm>
+            <a:off x="420624" y="2798064"/>
+            <a:ext cx="8979408" cy="0"/>
+          </a:xfrm>
+          <a:prstGeom prst="straightConnector1">
+            <a:avLst/>
+          </a:prstGeom>
+          <a:ln w="38100">
+            <a:tailEnd type="triangle"/>
+          </a:ln>
+        </p:spPr>
+        <p:style>
+          <a:lnRef idx="2">
+            <a:schemeClr val="dk1"/>
+          </a:lnRef>
+          <a:fillRef idx="0">
+            <a:schemeClr val="dk1"/>
+          </a:fillRef>
+          <a:effectRef idx="1">
+            <a:schemeClr val="dk1"/>
+          </a:effectRef>
+          <a:fontRef idx="minor">
+            <a:schemeClr val="tx1"/>
+          </a:fontRef>
+        </p:style>
+      </p:cxnSp>
+      <p:sp>
+        <p:nvSpPr>
+          <p:cNvPr id="33" name="Rectangle 32">
+            <a:extLst>
+              <a:ext uri="{FF2B5EF4-FFF2-40B4-BE49-F238E27FC236}">
+                <a16:creationId xmlns:a16="http://schemas.microsoft.com/office/drawing/2014/main" id="{42161A6A-F7FD-1DCC-3744-B5D390DB5950}"/>
+              </a:ext>
+            </a:extLst>
+          </p:cNvPr>
+          <p:cNvSpPr/>
+          <p:nvPr/>
+        </p:nvSpPr>
+        <p:spPr>
+          <a:xfrm>
+            <a:off x="4696968" y="4445237"/>
+            <a:ext cx="1472184" cy="371627"/>
+          </a:xfrm>
+          <a:prstGeom prst="rect">
+            <a:avLst/>
+          </a:prstGeom>
+          <a:solidFill>
+            <a:srgbClr val="FFFF00"/>
+          </a:solidFill>
+          <a:ln>
+            <a:noFill/>
+          </a:ln>
+        </p:spPr>
+        <p:style>
+          <a:lnRef idx="2">
+            <a:schemeClr val="accent1">
+              <a:shade val="15000"/>
+            </a:schemeClr>
+          </a:lnRef>
+          <a:fillRef idx="1">
+            <a:schemeClr val="accent1"/>
+          </a:fillRef>
+          <a:effectRef idx="0">
+            <a:schemeClr val="accent1"/>
+          </a:effectRef>
+          <a:fontRef idx="minor">
+            <a:schemeClr val="lt1"/>
+          </a:fontRef>
+        </p:style>
+        <p:txBody>
+          <a:bodyPr rtlCol="0" anchor="ctr"/>
+          <a:lstStyle/>
+          <a:p>
+            <a:pPr algn="ctr"/>
+            <a:r>
+              <a:rPr lang="en-US" sz="1200" dirty="0">
+                <a:solidFill>
+                  <a:schemeClr val="tx1"/>
+                </a:solidFill>
+                <a:latin typeface="Fira Sans" panose="020B0503050000020004" pitchFamily="34" charset="0"/>
+              </a:rPr>
+              <a:t>Post-Translational Modifications</a:t>
+            </a:r>
+            <a:endParaRPr lang="en-GB" sz="1400" dirty="0">
+              <a:solidFill>
+                <a:schemeClr val="tx1"/>
+              </a:solidFill>
+              <a:latin typeface="Fira Sans" panose="020B0503050000020004" pitchFamily="34" charset="0"/>
+            </a:endParaRPr>
+          </a:p>
+        </p:txBody>
+      </p:sp>
+      <p:sp>
+        <p:nvSpPr>
+          <p:cNvPr id="34" name="Rectangle 33">
+            <a:extLst>
+              <a:ext uri="{FF2B5EF4-FFF2-40B4-BE49-F238E27FC236}">
+                <a16:creationId xmlns:a16="http://schemas.microsoft.com/office/drawing/2014/main" id="{B00F5D23-B27A-FE8E-CADC-6DF731360712}"/>
+              </a:ext>
+            </a:extLst>
+          </p:cNvPr>
+          <p:cNvSpPr/>
+          <p:nvPr/>
+        </p:nvSpPr>
+        <p:spPr>
+          <a:xfrm>
+            <a:off x="4696968" y="3932488"/>
+            <a:ext cx="1472184" cy="371627"/>
+          </a:xfrm>
+          <a:prstGeom prst="rect">
+            <a:avLst/>
+          </a:prstGeom>
+          <a:solidFill>
+            <a:srgbClr val="FFFF00"/>
+          </a:solidFill>
+          <a:ln>
+            <a:noFill/>
+          </a:ln>
+        </p:spPr>
+        <p:style>
+          <a:lnRef idx="2">
+            <a:schemeClr val="accent1">
+              <a:shade val="15000"/>
+            </a:schemeClr>
+          </a:lnRef>
+          <a:fillRef idx="1">
+            <a:schemeClr val="accent1"/>
+          </a:fillRef>
+          <a:effectRef idx="0">
+            <a:schemeClr val="accent1"/>
+          </a:effectRef>
+          <a:fontRef idx="minor">
+            <a:schemeClr val="lt1"/>
+          </a:fontRef>
+        </p:style>
+        <p:txBody>
+          <a:bodyPr rtlCol="0" anchor="ctr"/>
+          <a:lstStyle/>
+          <a:p>
+            <a:pPr algn="ctr"/>
+            <a:r>
+              <a:rPr lang="en-US" sz="1100" dirty="0">
+                <a:solidFill>
+                  <a:schemeClr val="tx1"/>
+                </a:solidFill>
+                <a:latin typeface="Fira Sans" panose="020B0503050000020004" pitchFamily="34" charset="0"/>
+              </a:rPr>
+              <a:t>Folding &amp; Structure</a:t>
+            </a:r>
+            <a:endParaRPr lang="en-GB" sz="1200" dirty="0">
+              <a:solidFill>
+                <a:schemeClr val="tx1"/>
+              </a:solidFill>
+              <a:latin typeface="Fira Sans" panose="020B0503050000020004" pitchFamily="34" charset="0"/>
+            </a:endParaRPr>
+          </a:p>
+        </p:txBody>
+      </p:sp>
+      <p:sp>
+        <p:nvSpPr>
+          <p:cNvPr id="35" name="Rectangle 34">
+            <a:extLst>
+              <a:ext uri="{FF2B5EF4-FFF2-40B4-BE49-F238E27FC236}">
+                <a16:creationId xmlns:a16="http://schemas.microsoft.com/office/drawing/2014/main" id="{E72F5892-793A-BC1D-0CA8-82ED582DA7D0}"/>
+              </a:ext>
+            </a:extLst>
+          </p:cNvPr>
+          <p:cNvSpPr/>
+          <p:nvPr/>
+        </p:nvSpPr>
+        <p:spPr>
+          <a:xfrm>
+            <a:off x="4696968" y="4957986"/>
+            <a:ext cx="1472184" cy="371627"/>
+          </a:xfrm>
+          <a:prstGeom prst="rect">
+            <a:avLst/>
+          </a:prstGeom>
+          <a:solidFill>
+            <a:srgbClr val="FFFF00"/>
+          </a:solidFill>
+          <a:ln>
+            <a:noFill/>
+          </a:ln>
+        </p:spPr>
+        <p:style>
+          <a:lnRef idx="2">
+            <a:schemeClr val="accent1">
+              <a:shade val="15000"/>
+            </a:schemeClr>
+          </a:lnRef>
+          <a:fillRef idx="1">
+            <a:schemeClr val="accent1"/>
+          </a:fillRef>
+          <a:effectRef idx="0">
+            <a:schemeClr val="accent1"/>
+          </a:effectRef>
+          <a:fontRef idx="minor">
+            <a:schemeClr val="lt1"/>
+          </a:fontRef>
+        </p:style>
+        <p:txBody>
+          <a:bodyPr rtlCol="0" anchor="ctr"/>
+          <a:lstStyle/>
+          <a:p>
+            <a:pPr algn="ctr"/>
+            <a:r>
+              <a:rPr lang="en-US" sz="1200" dirty="0">
+                <a:solidFill>
+                  <a:schemeClr val="tx1"/>
+                </a:solidFill>
+                <a:latin typeface="Fira Sans" panose="020B0503050000020004" pitchFamily="34" charset="0"/>
+              </a:rPr>
+              <a:t>Protein Complex Formation</a:t>
+            </a:r>
+            <a:endParaRPr lang="en-GB" sz="1400" dirty="0">
+              <a:solidFill>
+                <a:schemeClr val="tx1"/>
+              </a:solidFill>
+              <a:latin typeface="Fira Sans" panose="020B0503050000020004" pitchFamily="34" charset="0"/>
+            </a:endParaRPr>
+          </a:p>
+        </p:txBody>
+      </p:sp>
+      <p:sp>
+        <p:nvSpPr>
+          <p:cNvPr id="36" name="Rectangle 35">
+            <a:extLst>
+              <a:ext uri="{FF2B5EF4-FFF2-40B4-BE49-F238E27FC236}">
+                <a16:creationId xmlns:a16="http://schemas.microsoft.com/office/drawing/2014/main" id="{0894C332-861A-4AAE-75FF-8F834CCC1853}"/>
+              </a:ext>
+            </a:extLst>
+          </p:cNvPr>
+          <p:cNvSpPr/>
+          <p:nvPr/>
+        </p:nvSpPr>
+        <p:spPr>
+          <a:xfrm>
+            <a:off x="4696968" y="5470734"/>
+            <a:ext cx="1472184" cy="371626"/>
+          </a:xfrm>
+          <a:prstGeom prst="rect">
+            <a:avLst/>
+          </a:prstGeom>
+          <a:solidFill>
+            <a:srgbClr val="FFFF00"/>
+          </a:solidFill>
+          <a:ln>
+            <a:noFill/>
+          </a:ln>
+        </p:spPr>
+        <p:style>
+          <a:lnRef idx="2">
+            <a:schemeClr val="accent1">
+              <a:shade val="15000"/>
+            </a:schemeClr>
+          </a:lnRef>
+          <a:fillRef idx="1">
+            <a:schemeClr val="accent1"/>
+          </a:fillRef>
+          <a:effectRef idx="0">
+            <a:schemeClr val="accent1"/>
+          </a:effectRef>
+          <a:fontRef idx="minor">
+            <a:schemeClr val="lt1"/>
+          </a:fontRef>
+        </p:style>
+        <p:txBody>
+          <a:bodyPr rtlCol="0" anchor="ctr"/>
+          <a:lstStyle/>
+          <a:p>
+            <a:pPr algn="ctr"/>
+            <a:r>
+              <a:rPr lang="en-US" sz="1200" dirty="0">
+                <a:solidFill>
+                  <a:schemeClr val="tx1"/>
+                </a:solidFill>
+                <a:latin typeface="Fira Sans" panose="020B0503050000020004" pitchFamily="34" charset="0"/>
+              </a:rPr>
+              <a:t>Cellular Localization</a:t>
+            </a:r>
+            <a:endParaRPr lang="en-GB" sz="1400" dirty="0">
+              <a:solidFill>
+                <a:schemeClr val="tx1"/>
+              </a:solidFill>
+              <a:latin typeface="Fira Sans" panose="020B0503050000020004" pitchFamily="34" charset="0"/>
+            </a:endParaRPr>
+          </a:p>
+        </p:txBody>
+      </p:sp>
+      <p:cxnSp>
+        <p:nvCxnSpPr>
+          <p:cNvPr id="38" name="Straight Connector 37">
+            <a:extLst>
+              <a:ext uri="{FF2B5EF4-FFF2-40B4-BE49-F238E27FC236}">
+                <a16:creationId xmlns:a16="http://schemas.microsoft.com/office/drawing/2014/main" id="{9CDF0BBD-4458-45ED-BBC3-766C3B614DF1}"/>
+              </a:ext>
+            </a:extLst>
+          </p:cNvPr>
+          <p:cNvCxnSpPr>
+            <a:cxnSpLocks/>
+            <a:stCxn id="3" idx="2"/>
+            <a:endCxn id="4" idx="0"/>
+          </p:cNvCxnSpPr>
+          <p:nvPr/>
+        </p:nvCxnSpPr>
+        <p:spPr>
+          <a:xfrm>
+            <a:off x="1357884" y="2522708"/>
+            <a:ext cx="0" cy="592305"/>
+          </a:xfrm>
+          <a:prstGeom prst="line">
+            <a:avLst/>
+          </a:prstGeom>
+          <a:ln>
+            <a:prstDash val="dash"/>
+          </a:ln>
+        </p:spPr>
+        <p:style>
+          <a:lnRef idx="2">
+            <a:schemeClr val="dk1"/>
+          </a:lnRef>
+          <a:fillRef idx="0">
+            <a:schemeClr val="dk1"/>
+          </a:fillRef>
+          <a:effectRef idx="1">
+            <a:schemeClr val="dk1"/>
+          </a:effectRef>
+          <a:fontRef idx="minor">
+            <a:schemeClr val="tx1"/>
+          </a:fontRef>
+        </p:style>
+      </p:cxnSp>
+      <p:cxnSp>
+        <p:nvCxnSpPr>
+          <p:cNvPr id="39" name="Straight Connector 38">
+            <a:extLst>
+              <a:ext uri="{FF2B5EF4-FFF2-40B4-BE49-F238E27FC236}">
+                <a16:creationId xmlns:a16="http://schemas.microsoft.com/office/drawing/2014/main" id="{E1952713-E696-4CB1-2FDE-7F09CA1CAF8D}"/>
+              </a:ext>
+            </a:extLst>
+          </p:cNvPr>
+          <p:cNvCxnSpPr>
+            <a:cxnSpLocks/>
+            <a:stCxn id="21" idx="2"/>
+            <a:endCxn id="22" idx="0"/>
+          </p:cNvCxnSpPr>
+          <p:nvPr/>
+        </p:nvCxnSpPr>
+        <p:spPr>
+          <a:xfrm>
+            <a:off x="3439668" y="2523364"/>
+            <a:ext cx="0" cy="592305"/>
+          </a:xfrm>
+          <a:prstGeom prst="line">
+            <a:avLst/>
+          </a:prstGeom>
+          <a:ln>
+            <a:prstDash val="dash"/>
+          </a:ln>
+        </p:spPr>
+        <p:style>
+          <a:lnRef idx="2">
+            <a:schemeClr val="dk1"/>
+          </a:lnRef>
+          <a:fillRef idx="0">
+            <a:schemeClr val="dk1"/>
+          </a:fillRef>
+          <a:effectRef idx="1">
+            <a:schemeClr val="dk1"/>
+          </a:effectRef>
+          <a:fontRef idx="minor">
+            <a:schemeClr val="tx1"/>
+          </a:fontRef>
+        </p:style>
+      </p:cxnSp>
+      <p:cxnSp>
+        <p:nvCxnSpPr>
+          <p:cNvPr id="43" name="Straight Connector 42">
+            <a:extLst>
+              <a:ext uri="{FF2B5EF4-FFF2-40B4-BE49-F238E27FC236}">
+                <a16:creationId xmlns:a16="http://schemas.microsoft.com/office/drawing/2014/main" id="{EC9DB188-204F-B99D-9A0C-0780B7FF9742}"/>
+              </a:ext>
+            </a:extLst>
+          </p:cNvPr>
+          <p:cNvCxnSpPr>
+            <a:cxnSpLocks/>
+            <a:stCxn id="29" idx="2"/>
+            <a:endCxn id="30" idx="0"/>
+          </p:cNvCxnSpPr>
+          <p:nvPr/>
+        </p:nvCxnSpPr>
+        <p:spPr>
+          <a:xfrm>
+            <a:off x="7426452" y="2522708"/>
+            <a:ext cx="0" cy="592304"/>
+          </a:xfrm>
+          <a:prstGeom prst="line">
+            <a:avLst/>
+          </a:prstGeom>
+          <a:ln>
+            <a:prstDash val="dash"/>
+          </a:ln>
+        </p:spPr>
+        <p:style>
+          <a:lnRef idx="2">
+            <a:schemeClr val="dk1"/>
+          </a:lnRef>
+          <a:fillRef idx="0">
+            <a:schemeClr val="dk1"/>
+          </a:fillRef>
+          <a:effectRef idx="1">
+            <a:schemeClr val="dk1"/>
+          </a:effectRef>
+          <a:fontRef idx="minor">
+            <a:schemeClr val="tx1"/>
+          </a:fontRef>
+        </p:style>
+      </p:cxnSp>
     </p:spTree>
     <p:extLst>
       <p:ext uri="{BB962C8B-B14F-4D97-AF65-F5344CB8AC3E}">
-        <p14:creationId xmlns:p14="http://schemas.microsoft.com/office/powerpoint/2010/main" val="67591872"/>
+        <p14:creationId xmlns:p14="http://schemas.microsoft.com/office/powerpoint/2010/main" val="2030697439"/>
       </p:ext>
     </p:extLst>
   </p:cSld>
@@ -13668,7 +19351,7 @@
 </p:sld>
 </file>
 
-<file path=ppt/slides/slide4.xml><?xml version="1.0" encoding="utf-8"?>
+<file path=ppt/slides/slide6.xml><?xml version="1.0" encoding="utf-8"?>
 <p:sld xmlns:a="http://schemas.openxmlformats.org/drawingml/2006/main" xmlns:r="http://schemas.openxmlformats.org/officeDocument/2006/relationships" xmlns:p="http://schemas.openxmlformats.org/presentationml/2006/main">
   <p:cSld>
     <p:spTree>
@@ -14142,7 +19825,7 @@
 </p:sld>
 </file>
 
-<file path=ppt/slides/slide5.xml><?xml version="1.0" encoding="utf-8"?>
+<file path=ppt/slides/slide7.xml><?xml version="1.0" encoding="utf-8"?>
 <p:sld xmlns:a="http://schemas.openxmlformats.org/drawingml/2006/main" xmlns:r="http://schemas.openxmlformats.org/officeDocument/2006/relationships" xmlns:p="http://schemas.openxmlformats.org/presentationml/2006/main">
   <p:cSld>
     <p:spTree>
@@ -14553,7 +20236,7 @@
 </p:sld>
 </file>
 
-<file path=ppt/slides/slide6.xml><?xml version="1.0" encoding="utf-8"?>
+<file path=ppt/slides/slide8.xml><?xml version="1.0" encoding="utf-8"?>
 <p:sld xmlns:a="http://schemas.openxmlformats.org/drawingml/2006/main" xmlns:r="http://schemas.openxmlformats.org/officeDocument/2006/relationships" xmlns:p="http://schemas.openxmlformats.org/presentationml/2006/main">
   <p:cSld>
     <p:spTree>
@@ -15048,7 +20731,7 @@
 </p:sld>
 </file>
 
-<file path=ppt/slides/slide7.xml><?xml version="1.0" encoding="utf-8"?>
+<file path=ppt/slides/slide9.xml><?xml version="1.0" encoding="utf-8"?>
 <p:sld xmlns:a="http://schemas.openxmlformats.org/drawingml/2006/main" xmlns:r="http://schemas.openxmlformats.org/officeDocument/2006/relationships" xmlns:p="http://schemas.openxmlformats.org/presentationml/2006/main">
   <p:cSld>
     <p:spTree>
@@ -15475,855 +21158,6 @@
     <p:extLst>
       <p:ext uri="{BB962C8B-B14F-4D97-AF65-F5344CB8AC3E}">
         <p14:creationId xmlns:p14="http://schemas.microsoft.com/office/powerpoint/2010/main" val="1575532986"/>
-      </p:ext>
-    </p:extLst>
-  </p:cSld>
-  <p:clrMapOvr>
-    <a:masterClrMapping/>
-  </p:clrMapOvr>
-</p:sld>
-</file>
-
-<file path=ppt/slides/slide8.xml><?xml version="1.0" encoding="utf-8"?>
-<p:sld xmlns:a="http://schemas.openxmlformats.org/drawingml/2006/main" xmlns:r="http://schemas.openxmlformats.org/officeDocument/2006/relationships" xmlns:p="http://schemas.openxmlformats.org/presentationml/2006/main">
-  <p:cSld>
-    <p:spTree>
-      <p:nvGrpSpPr>
-        <p:cNvPr id="1" name="">
-          <a:extLst>
-            <a:ext uri="{FF2B5EF4-FFF2-40B4-BE49-F238E27FC236}">
-              <a16:creationId xmlns:a16="http://schemas.microsoft.com/office/drawing/2014/main" id="{8BFC47C5-65D4-4090-4226-2FB915F38E49}"/>
-            </a:ext>
-          </a:extLst>
-        </p:cNvPr>
-        <p:cNvGrpSpPr/>
-        <p:nvPr/>
-      </p:nvGrpSpPr>
-      <p:grpSpPr>
-        <a:xfrm>
-          <a:off x="0" y="0"/>
-          <a:ext cx="0" cy="0"/>
-          <a:chOff x="0" y="0"/>
-          <a:chExt cx="0" cy="0"/>
-        </a:xfrm>
-      </p:grpSpPr>
-      <p:grpSp>
-        <p:nvGrpSpPr>
-          <p:cNvPr id="8" name="Group 7">
-            <a:extLst>
-              <a:ext uri="{FF2B5EF4-FFF2-40B4-BE49-F238E27FC236}">
-                <a16:creationId xmlns:a16="http://schemas.microsoft.com/office/drawing/2014/main" id="{0EE0F3E9-BF60-8CD8-5192-3F13EA744A97}"/>
-              </a:ext>
-            </a:extLst>
-          </p:cNvPr>
-          <p:cNvGrpSpPr/>
-          <p:nvPr/>
-        </p:nvGrpSpPr>
-        <p:grpSpPr>
-          <a:xfrm>
-            <a:off x="493776" y="270357"/>
-            <a:ext cx="10735055" cy="4577100"/>
-            <a:chOff x="624077" y="270357"/>
-            <a:chExt cx="10008634" cy="4577100"/>
-          </a:xfrm>
-        </p:grpSpPr>
-        <p:sp>
-          <p:nvSpPr>
-            <p:cNvPr id="3" name="TextBox 2">
-              <a:extLst>
-                <a:ext uri="{FF2B5EF4-FFF2-40B4-BE49-F238E27FC236}">
-                  <a16:creationId xmlns:a16="http://schemas.microsoft.com/office/drawing/2014/main" id="{862E0AB6-1EB1-CE2A-3ACC-C7A0027ED2E8}"/>
-                </a:ext>
-              </a:extLst>
-            </p:cNvPr>
-            <p:cNvSpPr txBox="1"/>
-            <p:nvPr/>
-          </p:nvSpPr>
-          <p:spPr>
-            <a:xfrm>
-              <a:off x="624077" y="1369582"/>
-              <a:ext cx="10008634" cy="3477875"/>
-            </a:xfrm>
-            <a:prstGeom prst="rect">
-              <a:avLst/>
-            </a:prstGeom>
-            <a:noFill/>
-          </p:spPr>
-          <p:txBody>
-            <a:bodyPr wrap="square">
-              <a:spAutoFit/>
-            </a:bodyPr>
-            <a:lstStyle/>
-            <a:p>
-              <a:pPr marL="342900" indent="-342900" algn="l">
-                <a:spcAft>
-                  <a:spcPts val="600"/>
-                </a:spcAft>
-                <a:buAutoNum type="arabicPeriod"/>
-              </a:pPr>
-              <a:r>
-                <a:rPr lang="en-US" b="1" i="0" dirty="0">
-                  <a:solidFill>
-                    <a:srgbClr val="000000"/>
-                  </a:solidFill>
-                  <a:effectLst/>
-                  <a:latin typeface="Fira Sans" panose="020F0502020204030204" pitchFamily="34" charset="0"/>
-                </a:rPr>
-                <a:t>Label-Free Quantification (LFQ)</a:t>
-              </a:r>
-            </a:p>
-            <a:p>
-              <a:pPr marL="800100" lvl="1" indent="-342900">
-                <a:spcAft>
-                  <a:spcPts val="600"/>
-                </a:spcAft>
-                <a:buFont typeface="Arial" panose="020B0604020202020204" pitchFamily="34" charset="0"/>
-                <a:buChar char="•"/>
-              </a:pPr>
-              <a:r>
-                <a:rPr lang="en-US" b="1" i="0" dirty="0">
-                  <a:solidFill>
-                    <a:srgbClr val="000000"/>
-                  </a:solidFill>
-                  <a:effectLst/>
-                  <a:latin typeface="Fira Sans" panose="020F0502020204030204" pitchFamily="34" charset="0"/>
-                </a:rPr>
-                <a:t>Method: </a:t>
-              </a:r>
-              <a:r>
-                <a:rPr lang="en-US" i="0" dirty="0">
-                  <a:solidFill>
-                    <a:srgbClr val="000000"/>
-                  </a:solidFill>
-                  <a:effectLst/>
-                  <a:latin typeface="Fira Sans" panose="020F0502020204030204" pitchFamily="34" charset="0"/>
-                </a:rPr>
-                <a:t>Compares the intensity or abundance of peptide ions in the mass spectra directly between different experimental runs.</a:t>
-              </a:r>
-            </a:p>
-            <a:p>
-              <a:pPr marL="800100" lvl="1" indent="-342900">
-                <a:spcAft>
-                  <a:spcPts val="1200"/>
-                </a:spcAft>
-                <a:buFont typeface="Arial" panose="020B0604020202020204" pitchFamily="34" charset="0"/>
-                <a:buChar char="•"/>
-              </a:pPr>
-              <a:r>
-                <a:rPr lang="en-US" b="1" i="0" dirty="0">
-                  <a:solidFill>
-                    <a:srgbClr val="000000"/>
-                  </a:solidFill>
-                  <a:effectLst/>
-                  <a:latin typeface="Fira Sans" panose="020F0502020204030204" pitchFamily="34" charset="0"/>
-                </a:rPr>
-                <a:t>Pros: </a:t>
-              </a:r>
-              <a:r>
-                <a:rPr lang="en-US" i="0" dirty="0">
-                  <a:solidFill>
-                    <a:srgbClr val="000000"/>
-                  </a:solidFill>
-                  <a:effectLst/>
-                  <a:latin typeface="Fira Sans" panose="020F0502020204030204" pitchFamily="34" charset="0"/>
-                </a:rPr>
-                <a:t>Cost-effective, simple sample preparation.</a:t>
-              </a:r>
-            </a:p>
-            <a:p>
-              <a:pPr marL="342900" indent="-342900">
-                <a:spcAft>
-                  <a:spcPts val="600"/>
-                </a:spcAft>
-                <a:buFont typeface="+mj-lt"/>
-                <a:buAutoNum type="arabicPeriod"/>
-              </a:pPr>
-              <a:r>
-                <a:rPr lang="en-US" b="1" i="0" dirty="0">
-                  <a:solidFill>
-                    <a:srgbClr val="000000"/>
-                  </a:solidFill>
-                  <a:effectLst/>
-                  <a:latin typeface="Fira Sans" panose="020F0502020204030204" pitchFamily="34" charset="0"/>
-                </a:rPr>
-                <a:t>Isotope Labeling Quantification</a:t>
-              </a:r>
-            </a:p>
-            <a:p>
-              <a:pPr marL="800100" lvl="1" indent="-342900">
-                <a:spcAft>
-                  <a:spcPts val="600"/>
-                </a:spcAft>
-                <a:buFont typeface="Arial" panose="020B0604020202020204" pitchFamily="34" charset="0"/>
-                <a:buChar char="•"/>
-              </a:pPr>
-              <a:r>
-                <a:rPr lang="en-US" b="1" i="0" dirty="0">
-                  <a:solidFill>
-                    <a:srgbClr val="000000"/>
-                  </a:solidFill>
-                  <a:effectLst/>
-                  <a:latin typeface="Fira Sans" panose="020F0502020204030204" pitchFamily="34" charset="0"/>
-                </a:rPr>
-                <a:t>Method:</a:t>
-              </a:r>
-              <a:r>
-                <a:rPr lang="en-US" i="0" dirty="0">
-                  <a:solidFill>
-                    <a:srgbClr val="000000"/>
-                  </a:solidFill>
-                  <a:effectLst/>
-                  <a:latin typeface="Fira Sans" panose="020F0502020204030204" pitchFamily="34" charset="0"/>
-                </a:rPr>
-                <a:t> Chemical labels containing stable isotopes are introduced to the peptides, allowing samples to be mixed and run together in the same MS analysis.</a:t>
-              </a:r>
-            </a:p>
-            <a:p>
-              <a:pPr marL="800100" lvl="1" indent="-342900">
-                <a:spcAft>
-                  <a:spcPts val="600"/>
-                </a:spcAft>
-                <a:buFont typeface="Arial" panose="020B0604020202020204" pitchFamily="34" charset="0"/>
-                <a:buChar char="•"/>
-              </a:pPr>
-              <a:r>
-                <a:rPr lang="en-US" b="1" i="0" dirty="0">
-                  <a:solidFill>
-                    <a:srgbClr val="000000"/>
-                  </a:solidFill>
-                  <a:effectLst/>
-                  <a:latin typeface="Fira Sans" panose="020F0502020204030204" pitchFamily="34" charset="0"/>
-                </a:rPr>
-                <a:t>Examples:</a:t>
-              </a:r>
-            </a:p>
-            <a:p>
-              <a:pPr marL="1257300" lvl="2" indent="-342900">
-                <a:spcAft>
-                  <a:spcPts val="600"/>
-                </a:spcAft>
-                <a:buFont typeface="Arial" panose="020B0604020202020204" pitchFamily="34" charset="0"/>
-                <a:buChar char="•"/>
-              </a:pPr>
-              <a:r>
-                <a:rPr lang="en-US" b="1" i="0" dirty="0">
-                  <a:solidFill>
-                    <a:srgbClr val="000000"/>
-                  </a:solidFill>
-                  <a:effectLst/>
-                  <a:latin typeface="Fira Sans" panose="020F0502020204030204" pitchFamily="34" charset="0"/>
-                </a:rPr>
-                <a:t>SILAC</a:t>
-              </a:r>
-              <a:r>
-                <a:rPr lang="en-US" i="0" dirty="0">
-                  <a:solidFill>
-                    <a:srgbClr val="000000"/>
-                  </a:solidFill>
-                  <a:effectLst/>
-                  <a:latin typeface="Fira Sans" panose="020F0502020204030204" pitchFamily="34" charset="0"/>
-                </a:rPr>
-                <a:t> (Stable Isotope Labeling with Amino acids in Cell culture)</a:t>
-              </a:r>
-            </a:p>
-            <a:p>
-              <a:pPr marL="1257300" lvl="2" indent="-342900">
-                <a:spcAft>
-                  <a:spcPts val="600"/>
-                </a:spcAft>
-                <a:buFont typeface="Arial" panose="020B0604020202020204" pitchFamily="34" charset="0"/>
-                <a:buChar char="•"/>
-              </a:pPr>
-              <a:r>
-                <a:rPr lang="en-US" b="1" i="0" dirty="0" err="1">
-                  <a:solidFill>
-                    <a:srgbClr val="000000"/>
-                  </a:solidFill>
-                  <a:effectLst/>
-                  <a:latin typeface="Fira Sans" panose="020F0502020204030204" pitchFamily="34" charset="0"/>
-                </a:rPr>
-                <a:t>iTRAQ</a:t>
-              </a:r>
-              <a:r>
-                <a:rPr lang="en-US" b="1" i="0" dirty="0">
-                  <a:solidFill>
-                    <a:srgbClr val="000000"/>
-                  </a:solidFill>
-                  <a:effectLst/>
-                  <a:latin typeface="Fira Sans" panose="020F0502020204030204" pitchFamily="34" charset="0"/>
-                </a:rPr>
-                <a:t>/TMT </a:t>
-              </a:r>
-              <a:r>
-                <a:rPr lang="en-US" i="0" dirty="0">
-                  <a:solidFill>
-                    <a:srgbClr val="000000"/>
-                  </a:solidFill>
-                  <a:effectLst/>
-                  <a:latin typeface="Fira Sans" panose="020F0502020204030204" pitchFamily="34" charset="0"/>
-                </a:rPr>
-                <a:t>(Isobaric tags for Relative and Absolute Quantification / Tandem Mass Tags)</a:t>
-              </a:r>
-            </a:p>
-          </p:txBody>
-        </p:sp>
-        <p:sp>
-          <p:nvSpPr>
-            <p:cNvPr id="5" name="TextBox 4">
-              <a:extLst>
-                <a:ext uri="{FF2B5EF4-FFF2-40B4-BE49-F238E27FC236}">
-                  <a16:creationId xmlns:a16="http://schemas.microsoft.com/office/drawing/2014/main" id="{D1C9DD9F-09DB-B66E-C8AC-434D20D23BB9}"/>
-                </a:ext>
-              </a:extLst>
-            </p:cNvPr>
-            <p:cNvSpPr txBox="1"/>
-            <p:nvPr/>
-          </p:nvSpPr>
-          <p:spPr>
-            <a:xfrm>
-              <a:off x="624077" y="270357"/>
-              <a:ext cx="9070858" cy="523220"/>
-            </a:xfrm>
-            <a:prstGeom prst="rect">
-              <a:avLst/>
-            </a:prstGeom>
-            <a:noFill/>
-          </p:spPr>
-          <p:txBody>
-            <a:bodyPr wrap="square">
-              <a:spAutoFit/>
-            </a:bodyPr>
-            <a:lstStyle/>
-            <a:p>
-              <a:pPr algn="l">
-                <a:buNone/>
-              </a:pPr>
-              <a:r>
-                <a:rPr lang="en-US" sz="2800" b="0" i="0" dirty="0">
-                  <a:solidFill>
-                    <a:srgbClr val="1A292C"/>
-                  </a:solidFill>
-                  <a:effectLst/>
-                  <a:latin typeface="Fira Sans" panose="020F0502020204030204" pitchFamily="34" charset="0"/>
-                </a:rPr>
-                <a:t>Quantification Strategies</a:t>
-              </a:r>
-            </a:p>
-          </p:txBody>
-        </p:sp>
-      </p:grpSp>
-      <p:sp>
-        <p:nvSpPr>
-          <p:cNvPr id="11" name="TextBox 10">
-            <a:extLst>
-              <a:ext uri="{FF2B5EF4-FFF2-40B4-BE49-F238E27FC236}">
-                <a16:creationId xmlns:a16="http://schemas.microsoft.com/office/drawing/2014/main" id="{44754634-67FB-C5B0-8F93-B1F0CC5D82AE}"/>
-              </a:ext>
-            </a:extLst>
-          </p:cNvPr>
-          <p:cNvSpPr txBox="1"/>
-          <p:nvPr/>
-        </p:nvSpPr>
-        <p:spPr>
-          <a:xfrm>
-            <a:off x="6169152" y="270357"/>
-            <a:ext cx="5222901" cy="672235"/>
-          </a:xfrm>
-          <a:prstGeom prst="rect">
-            <a:avLst/>
-          </a:prstGeom>
-          <a:noFill/>
-        </p:spPr>
-        <p:txBody>
-          <a:bodyPr wrap="square">
-            <a:spAutoFit/>
-          </a:bodyPr>
-          <a:lstStyle/>
-          <a:p>
-            <a:pPr algn="l">
-              <a:lnSpc>
-                <a:spcPct val="150000"/>
-              </a:lnSpc>
-              <a:buNone/>
-            </a:pPr>
-            <a:endParaRPr lang="en-US" sz="2800" b="0" i="0" dirty="0">
-              <a:solidFill>
-                <a:srgbClr val="1A292C"/>
-              </a:solidFill>
-              <a:effectLst/>
-              <a:latin typeface="Fira Sans" panose="020F0502020204030204" pitchFamily="34" charset="0"/>
-            </a:endParaRPr>
-          </a:p>
-        </p:txBody>
-      </p:sp>
-    </p:spTree>
-    <p:extLst>
-      <p:ext uri="{BB962C8B-B14F-4D97-AF65-F5344CB8AC3E}">
-        <p14:creationId xmlns:p14="http://schemas.microsoft.com/office/powerpoint/2010/main" val="941778037"/>
-      </p:ext>
-    </p:extLst>
-  </p:cSld>
-  <p:clrMapOvr>
-    <a:masterClrMapping/>
-  </p:clrMapOvr>
-</p:sld>
-</file>
-
-<file path=ppt/slides/slide9.xml><?xml version="1.0" encoding="utf-8"?>
-<p:sld xmlns:a="http://schemas.openxmlformats.org/drawingml/2006/main" xmlns:r="http://schemas.openxmlformats.org/officeDocument/2006/relationships" xmlns:p="http://schemas.openxmlformats.org/presentationml/2006/main">
-  <p:cSld>
-    <p:spTree>
-      <p:nvGrpSpPr>
-        <p:cNvPr id="1" name="">
-          <a:extLst>
-            <a:ext uri="{FF2B5EF4-FFF2-40B4-BE49-F238E27FC236}">
-              <a16:creationId xmlns:a16="http://schemas.microsoft.com/office/drawing/2014/main" id="{9779DAC0-AA6C-FA77-4C28-5E7AC94408A6}"/>
-            </a:ext>
-          </a:extLst>
-        </p:cNvPr>
-        <p:cNvGrpSpPr/>
-        <p:nvPr/>
-      </p:nvGrpSpPr>
-      <p:grpSpPr>
-        <a:xfrm>
-          <a:off x="0" y="0"/>
-          <a:ext cx="0" cy="0"/>
-          <a:chOff x="0" y="0"/>
-          <a:chExt cx="0" cy="0"/>
-        </a:xfrm>
-      </p:grpSpPr>
-      <p:grpSp>
-        <p:nvGrpSpPr>
-          <p:cNvPr id="8" name="Group 7">
-            <a:extLst>
-              <a:ext uri="{FF2B5EF4-FFF2-40B4-BE49-F238E27FC236}">
-                <a16:creationId xmlns:a16="http://schemas.microsoft.com/office/drawing/2014/main" id="{23BFE538-4796-357A-3143-3AF456FF7ED1}"/>
-              </a:ext>
-            </a:extLst>
-          </p:cNvPr>
-          <p:cNvGrpSpPr/>
-          <p:nvPr/>
-        </p:nvGrpSpPr>
-        <p:grpSpPr>
-          <a:xfrm>
-            <a:off x="493776" y="270357"/>
-            <a:ext cx="10735055" cy="5131098"/>
-            <a:chOff x="624077" y="270357"/>
-            <a:chExt cx="10008634" cy="5131098"/>
-          </a:xfrm>
-        </p:grpSpPr>
-        <p:sp>
-          <p:nvSpPr>
-            <p:cNvPr id="3" name="TextBox 2">
-              <a:extLst>
-                <a:ext uri="{FF2B5EF4-FFF2-40B4-BE49-F238E27FC236}">
-                  <a16:creationId xmlns:a16="http://schemas.microsoft.com/office/drawing/2014/main" id="{4D19F7DA-9679-C9E9-1372-E04CF428EEDA}"/>
-                </a:ext>
-              </a:extLst>
-            </p:cNvPr>
-            <p:cNvSpPr txBox="1"/>
-            <p:nvPr/>
-          </p:nvSpPr>
-          <p:spPr>
-            <a:xfrm>
-              <a:off x="624077" y="1369582"/>
-              <a:ext cx="10008634" cy="4031873"/>
-            </a:xfrm>
-            <a:prstGeom prst="rect">
-              <a:avLst/>
-            </a:prstGeom>
-            <a:noFill/>
-          </p:spPr>
-          <p:txBody>
-            <a:bodyPr wrap="square">
-              <a:spAutoFit/>
-            </a:bodyPr>
-            <a:lstStyle/>
-            <a:p>
-              <a:pPr marL="342900" indent="-342900" algn="l">
-                <a:spcAft>
-                  <a:spcPts val="600"/>
-                </a:spcAft>
-                <a:buAutoNum type="arabicPeriod"/>
-              </a:pPr>
-              <a:r>
-                <a:rPr lang="en-US" b="1" i="0" dirty="0">
-                  <a:solidFill>
-                    <a:srgbClr val="000000"/>
-                  </a:solidFill>
-                  <a:effectLst/>
-                  <a:latin typeface="Fira Sans" panose="020F0502020204030204" pitchFamily="34" charset="0"/>
-                </a:rPr>
-                <a:t>Biomarker Discovery</a:t>
-              </a:r>
-            </a:p>
-            <a:p>
-              <a:pPr marL="800100" lvl="1" indent="-342900">
-                <a:spcAft>
-                  <a:spcPts val="600"/>
-                </a:spcAft>
-                <a:buFont typeface="Arial" panose="020B0604020202020204" pitchFamily="34" charset="0"/>
-                <a:buChar char="•"/>
-              </a:pPr>
-              <a:r>
-                <a:rPr lang="en-US" i="0" dirty="0">
-                  <a:solidFill>
-                    <a:srgbClr val="000000"/>
-                  </a:solidFill>
-                  <a:effectLst/>
-                  <a:latin typeface="Fira Sans" panose="020F0502020204030204" pitchFamily="34" charset="0"/>
-                </a:rPr>
-                <a:t>Identifying proteins whose abundance or modification state is altered in disease (e.g., cancer, neurodegeneration) for early </a:t>
-              </a:r>
-              <a:r>
-                <a:rPr lang="en-US" b="1" i="0" dirty="0">
-                  <a:solidFill>
-                    <a:srgbClr val="000000"/>
-                  </a:solidFill>
-                  <a:effectLst/>
-                  <a:latin typeface="Fira Sans" panose="020F0502020204030204" pitchFamily="34" charset="0"/>
-                </a:rPr>
-                <a:t>diagnosis</a:t>
-              </a:r>
-              <a:r>
-                <a:rPr lang="en-US" i="0" dirty="0">
-                  <a:solidFill>
-                    <a:srgbClr val="000000"/>
-                  </a:solidFill>
-                  <a:effectLst/>
-                  <a:latin typeface="Fira Sans" panose="020F0502020204030204" pitchFamily="34" charset="0"/>
-                </a:rPr>
-                <a:t> and </a:t>
-              </a:r>
-              <a:r>
-                <a:rPr lang="en-US" b="1" i="0" dirty="0">
-                  <a:solidFill>
-                    <a:srgbClr val="000000"/>
-                  </a:solidFill>
-                  <a:effectLst/>
-                  <a:latin typeface="Fira Sans" panose="020F0502020204030204" pitchFamily="34" charset="0"/>
-                </a:rPr>
-                <a:t>prognosis</a:t>
-              </a:r>
-              <a:r>
-                <a:rPr lang="en-US" i="0" dirty="0">
-                  <a:solidFill>
-                    <a:srgbClr val="000000"/>
-                  </a:solidFill>
-                  <a:effectLst/>
-                  <a:latin typeface="Fira Sans" panose="020F0502020204030204" pitchFamily="34" charset="0"/>
-                </a:rPr>
-                <a:t>.</a:t>
-              </a:r>
-            </a:p>
-            <a:p>
-              <a:pPr marL="342900" indent="-342900">
-                <a:spcAft>
-                  <a:spcPts val="600"/>
-                </a:spcAft>
-                <a:buFont typeface="+mj-lt"/>
-                <a:buAutoNum type="arabicPeriod"/>
-              </a:pPr>
-              <a:r>
-                <a:rPr lang="en-US" b="1" i="0" dirty="0">
-                  <a:solidFill>
-                    <a:srgbClr val="000000"/>
-                  </a:solidFill>
-                  <a:effectLst/>
-                  <a:latin typeface="Fira Sans" panose="020F0502020204030204" pitchFamily="34" charset="0"/>
-                </a:rPr>
-                <a:t>Drug Target Identification</a:t>
-              </a:r>
-            </a:p>
-            <a:p>
-              <a:pPr marL="800100" lvl="1" indent="-342900">
-                <a:spcAft>
-                  <a:spcPts val="600"/>
-                </a:spcAft>
-                <a:buFont typeface="Arial" panose="020B0604020202020204" pitchFamily="34" charset="0"/>
-                <a:buChar char="•"/>
-              </a:pPr>
-              <a:r>
-                <a:rPr lang="en-US" i="0" dirty="0">
-                  <a:solidFill>
-                    <a:srgbClr val="000000"/>
-                  </a:solidFill>
-                  <a:effectLst/>
-                  <a:latin typeface="Fira Sans" panose="020F0502020204030204" pitchFamily="34" charset="0"/>
-                </a:rPr>
-                <a:t>Mapping out cellular signaling pathways to find key proteins whose activity can be modulated by pharmaceuticals.</a:t>
-              </a:r>
-            </a:p>
-            <a:p>
-              <a:pPr marL="800100" lvl="1" indent="-342900">
-                <a:spcAft>
-                  <a:spcPts val="600"/>
-                </a:spcAft>
-                <a:buFont typeface="Arial" panose="020B0604020202020204" pitchFamily="34" charset="0"/>
-                <a:buChar char="•"/>
-              </a:pPr>
-              <a:r>
-                <a:rPr lang="en-US" i="0" dirty="0">
-                  <a:solidFill>
-                    <a:srgbClr val="000000"/>
-                  </a:solidFill>
-                  <a:effectLst/>
-                  <a:latin typeface="Fira Sans" panose="020F0502020204030204" pitchFamily="34" charset="0"/>
-                </a:rPr>
-                <a:t>Understanding the </a:t>
-              </a:r>
-              <a:r>
-                <a:rPr lang="en-US" b="1" i="0" dirty="0">
-                  <a:solidFill>
-                    <a:srgbClr val="000000"/>
-                  </a:solidFill>
-                  <a:effectLst/>
-                  <a:latin typeface="Fira Sans" panose="020F0502020204030204" pitchFamily="34" charset="0"/>
-                </a:rPr>
-                <a:t>mechanism of action </a:t>
-              </a:r>
-              <a:r>
-                <a:rPr lang="en-US" i="0" dirty="0">
-                  <a:solidFill>
-                    <a:srgbClr val="000000"/>
-                  </a:solidFill>
-                  <a:effectLst/>
-                  <a:latin typeface="Fira Sans" panose="020F0502020204030204" pitchFamily="34" charset="0"/>
-                </a:rPr>
-                <a:t>and </a:t>
-              </a:r>
-              <a:r>
-                <a:rPr lang="en-US" b="1" i="0" dirty="0">
-                  <a:solidFill>
-                    <a:srgbClr val="000000"/>
-                  </a:solidFill>
-                  <a:effectLst/>
-                  <a:latin typeface="Fira Sans" panose="020F0502020204030204" pitchFamily="34" charset="0"/>
-                </a:rPr>
-                <a:t>toxicity</a:t>
-              </a:r>
-              <a:r>
-                <a:rPr lang="en-US" i="0" dirty="0">
-                  <a:solidFill>
-                    <a:srgbClr val="000000"/>
-                  </a:solidFill>
-                  <a:effectLst/>
-                  <a:latin typeface="Fira Sans" panose="020F0502020204030204" pitchFamily="34" charset="0"/>
-                </a:rPr>
-                <a:t> of new drug candidates.</a:t>
-              </a:r>
-            </a:p>
-            <a:p>
-              <a:pPr marL="342900" indent="-342900">
-                <a:spcAft>
-                  <a:spcPts val="600"/>
-                </a:spcAft>
-                <a:buFont typeface="+mj-lt"/>
-                <a:buAutoNum type="arabicPeriod"/>
-              </a:pPr>
-              <a:r>
-                <a:rPr lang="en-US" b="1" i="0" dirty="0">
-                  <a:solidFill>
-                    <a:srgbClr val="000000"/>
-                  </a:solidFill>
-                  <a:effectLst/>
-                  <a:latin typeface="Fira Sans" panose="020F0502020204030204" pitchFamily="34" charset="0"/>
-                </a:rPr>
-                <a:t>Personalized Medicine</a:t>
-              </a:r>
-            </a:p>
-            <a:p>
-              <a:pPr marL="800100" lvl="1" indent="-342900">
-                <a:spcAft>
-                  <a:spcPts val="600"/>
-                </a:spcAft>
-                <a:buFont typeface="Arial" panose="020B0604020202020204" pitchFamily="34" charset="0"/>
-                <a:buChar char="•"/>
-              </a:pPr>
-              <a:r>
-                <a:rPr lang="en-US" i="0" dirty="0">
-                  <a:solidFill>
-                    <a:srgbClr val="000000"/>
-                  </a:solidFill>
-                  <a:effectLst/>
-                  <a:latin typeface="Fira Sans" panose="020F0502020204030204" pitchFamily="34" charset="0"/>
-                </a:rPr>
-                <a:t>Analyzing individual patient proteomes to predict drug response and tailor treatment. </a:t>
-              </a:r>
-            </a:p>
-            <a:p>
-              <a:pPr marL="342900" indent="-342900">
-                <a:spcAft>
-                  <a:spcPts val="600"/>
-                </a:spcAft>
-                <a:buFont typeface="+mj-lt"/>
-                <a:buAutoNum type="arabicPeriod"/>
-              </a:pPr>
-              <a:r>
-                <a:rPr lang="en-US" b="1" i="0" dirty="0">
-                  <a:solidFill>
-                    <a:srgbClr val="000000"/>
-                  </a:solidFill>
-                  <a:effectLst/>
-                  <a:latin typeface="Fira Sans" panose="020F0502020204030204" pitchFamily="34" charset="0"/>
-                </a:rPr>
-                <a:t>Post-Translational Modification (PTM) Analysis</a:t>
-              </a:r>
-            </a:p>
-            <a:p>
-              <a:pPr marL="800100" lvl="1" indent="-342900">
-                <a:spcAft>
-                  <a:spcPts val="600"/>
-                </a:spcAft>
-                <a:buFont typeface="Arial" panose="020B0604020202020204" pitchFamily="34" charset="0"/>
-                <a:buChar char="•"/>
-              </a:pPr>
-              <a:r>
-                <a:rPr lang="en-US" i="0" dirty="0">
-                  <a:solidFill>
-                    <a:srgbClr val="000000"/>
-                  </a:solidFill>
-                  <a:effectLst/>
-                  <a:latin typeface="Fira Sans" panose="020F0502020204030204" pitchFamily="34" charset="0"/>
-                </a:rPr>
-                <a:t>Studying modifications like </a:t>
-              </a:r>
-              <a:r>
-                <a:rPr lang="en-US" b="1" i="0" dirty="0">
-                  <a:solidFill>
-                    <a:srgbClr val="000000"/>
-                  </a:solidFill>
-                  <a:effectLst/>
-                  <a:latin typeface="Fira Sans" panose="020F0502020204030204" pitchFamily="34" charset="0"/>
-                </a:rPr>
-                <a:t>phosphorylation, glycosylation</a:t>
-              </a:r>
-              <a:r>
-                <a:rPr lang="en-US" i="0" dirty="0">
-                  <a:solidFill>
-                    <a:srgbClr val="000000"/>
-                  </a:solidFill>
-                  <a:effectLst/>
-                  <a:latin typeface="Fira Sans" panose="020F0502020204030204" pitchFamily="34" charset="0"/>
-                </a:rPr>
-                <a:t>, and </a:t>
-              </a:r>
-              <a:r>
-                <a:rPr lang="en-US" b="1" i="0" dirty="0">
-                  <a:solidFill>
-                    <a:srgbClr val="000000"/>
-                  </a:solidFill>
-                  <a:effectLst/>
-                  <a:latin typeface="Fira Sans" panose="020F0502020204030204" pitchFamily="34" charset="0"/>
-                </a:rPr>
-                <a:t>ubiquitination</a:t>
-              </a:r>
-              <a:r>
-                <a:rPr lang="en-US" i="0" dirty="0">
-                  <a:solidFill>
-                    <a:srgbClr val="000000"/>
-                  </a:solidFill>
-                  <a:effectLst/>
-                  <a:latin typeface="Fira Sans" panose="020F0502020204030204" pitchFamily="34" charset="0"/>
-                </a:rPr>
-                <a:t> that regulate protein activity and signaling.</a:t>
-              </a:r>
-            </a:p>
-          </p:txBody>
-        </p:sp>
-        <p:sp>
-          <p:nvSpPr>
-            <p:cNvPr id="5" name="TextBox 4">
-              <a:extLst>
-                <a:ext uri="{FF2B5EF4-FFF2-40B4-BE49-F238E27FC236}">
-                  <a16:creationId xmlns:a16="http://schemas.microsoft.com/office/drawing/2014/main" id="{6B312436-E6BD-EC34-4770-72A74AB15F01}"/>
-                </a:ext>
-              </a:extLst>
-            </p:cNvPr>
-            <p:cNvSpPr txBox="1"/>
-            <p:nvPr/>
-          </p:nvSpPr>
-          <p:spPr>
-            <a:xfrm>
-              <a:off x="624077" y="270357"/>
-              <a:ext cx="9070858" cy="523220"/>
-            </a:xfrm>
-            <a:prstGeom prst="rect">
-              <a:avLst/>
-            </a:prstGeom>
-            <a:noFill/>
-          </p:spPr>
-          <p:txBody>
-            <a:bodyPr wrap="square">
-              <a:spAutoFit/>
-            </a:bodyPr>
-            <a:lstStyle/>
-            <a:p>
-              <a:pPr algn="l">
-                <a:buNone/>
-              </a:pPr>
-              <a:r>
-                <a:rPr lang="en-US" sz="2800" b="0" i="0" dirty="0">
-                  <a:solidFill>
-                    <a:srgbClr val="1A292C"/>
-                  </a:solidFill>
-                  <a:effectLst/>
-                  <a:latin typeface="Fira Sans" panose="020F0502020204030204" pitchFamily="34" charset="0"/>
-                </a:rPr>
-                <a:t>Applications of Proteomics</a:t>
-              </a:r>
-            </a:p>
-          </p:txBody>
-        </p:sp>
-      </p:grpSp>
-      <p:sp>
-        <p:nvSpPr>
-          <p:cNvPr id="11" name="TextBox 10">
-            <a:extLst>
-              <a:ext uri="{FF2B5EF4-FFF2-40B4-BE49-F238E27FC236}">
-                <a16:creationId xmlns:a16="http://schemas.microsoft.com/office/drawing/2014/main" id="{0D2FD6CB-8169-3874-02C4-25D556DF4C6C}"/>
-              </a:ext>
-            </a:extLst>
-          </p:cNvPr>
-          <p:cNvSpPr txBox="1"/>
-          <p:nvPr/>
-        </p:nvSpPr>
-        <p:spPr>
-          <a:xfrm>
-            <a:off x="6169152" y="270357"/>
-            <a:ext cx="5222901" cy="672235"/>
-          </a:xfrm>
-          <a:prstGeom prst="rect">
-            <a:avLst/>
-          </a:prstGeom>
-          <a:noFill/>
-        </p:spPr>
-        <p:txBody>
-          <a:bodyPr wrap="square">
-            <a:spAutoFit/>
-          </a:bodyPr>
-          <a:lstStyle/>
-          <a:p>
-            <a:pPr algn="l">
-              <a:lnSpc>
-                <a:spcPct val="150000"/>
-              </a:lnSpc>
-              <a:buNone/>
-            </a:pPr>
-            <a:endParaRPr lang="en-US" sz="2800" b="0" i="0" dirty="0">
-              <a:solidFill>
-                <a:srgbClr val="1A292C"/>
-              </a:solidFill>
-              <a:effectLst/>
-              <a:latin typeface="Fira Sans" panose="020F0502020204030204" pitchFamily="34" charset="0"/>
-            </a:endParaRPr>
-          </a:p>
-        </p:txBody>
-      </p:sp>
-    </p:spTree>
-    <p:extLst>
-      <p:ext uri="{BB962C8B-B14F-4D97-AF65-F5344CB8AC3E}">
-        <p14:creationId xmlns:p14="http://schemas.microsoft.com/office/powerpoint/2010/main" val="2794929612"/>
       </p:ext>
     </p:extLst>
   </p:cSld>

--- a/inst/r4proteomics_slides.pptx
+++ b/inst/r4proteomics_slides.pptx
@@ -6,7 +6,7 @@
     <p:sldMasterId id="2147483685" r:id="rId2"/>
   </p:sldMasterIdLst>
   <p:handoutMasterIdLst>
-    <p:handoutMasterId r:id="rId21"/>
+    <p:handoutMasterId r:id="rId23"/>
   </p:handoutMasterIdLst>
   <p:sldIdLst>
     <p:sldId id="256" r:id="rId3"/>
@@ -22,11 +22,13 @@
     <p:sldId id="276" r:id="rId13"/>
     <p:sldId id="277" r:id="rId14"/>
     <p:sldId id="257" r:id="rId15"/>
-    <p:sldId id="262" r:id="rId16"/>
-    <p:sldId id="258" r:id="rId17"/>
-    <p:sldId id="263" r:id="rId18"/>
-    <p:sldId id="264" r:id="rId19"/>
-    <p:sldId id="266" r:id="rId20"/>
+    <p:sldId id="280" r:id="rId16"/>
+    <p:sldId id="281" r:id="rId17"/>
+    <p:sldId id="262" r:id="rId18"/>
+    <p:sldId id="258" r:id="rId19"/>
+    <p:sldId id="263" r:id="rId20"/>
+    <p:sldId id="264" r:id="rId21"/>
+    <p:sldId id="266" r:id="rId22"/>
   </p:sldIdLst>
   <p:sldSz cx="12192000" cy="6858000"/>
   <p:notesSz cx="6858000" cy="9144000"/>
@@ -151,6 +153,8 @@
         <p14:section name="Why R for Proteomics?" id="{BE54181E-1A31-4CBB-9345-522D443F5CD2}">
           <p14:sldIdLst>
             <p14:sldId id="257"/>
+            <p14:sldId id="280"/>
+            <p14:sldId id="281"/>
           </p14:sldIdLst>
         </p14:section>
         <p14:section name="Day 1" id="{DDFC6817-248C-4506-BF7B-72F113843825}">
@@ -3477,7 +3481,7 @@
           <a:p>
             <a:fld id="{8026D668-90A6-4547-97E8-9A0A42296A1B}" type="datetimeFigureOut">
               <a:rPr lang="en-GB" smtClean="0"/>
-              <a:t>20/11/2025</a:t>
+              <a:t>24/11/2025</a:t>
             </a:fld>
             <a:endParaRPr lang="en-GB"/>
           </a:p>
@@ -3735,7 +3739,7 @@
           <a:p>
             <a:fld id="{3B761CF2-C4C9-4DEE-8992-FAB361DB7BD4}" type="datetimeFigureOut">
               <a:rPr lang="en-GB" smtClean="0"/>
-              <a:t>20/11/2025</a:t>
+              <a:t>24/11/2025</a:t>
             </a:fld>
             <a:endParaRPr lang="en-GB"/>
           </a:p>
@@ -3933,7 +3937,7 @@
           <a:p>
             <a:fld id="{3B761CF2-C4C9-4DEE-8992-FAB361DB7BD4}" type="datetimeFigureOut">
               <a:rPr lang="en-GB" smtClean="0"/>
-              <a:t>20/11/2025</a:t>
+              <a:t>24/11/2025</a:t>
             </a:fld>
             <a:endParaRPr lang="en-GB"/>
           </a:p>
@@ -4141,7 +4145,7 @@
           <a:p>
             <a:fld id="{3B761CF2-C4C9-4DEE-8992-FAB361DB7BD4}" type="datetimeFigureOut">
               <a:rPr lang="en-GB" smtClean="0"/>
-              <a:t>20/11/2025</a:t>
+              <a:t>24/11/2025</a:t>
             </a:fld>
             <a:endParaRPr lang="en-GB"/>
           </a:p>
@@ -4345,7 +4349,7 @@
           <a:p>
             <a:fld id="{033ADCF0-A78D-4AB5-8D9E-D2EFF7703854}" type="datetimeFigureOut">
               <a:rPr lang="en-GB" smtClean="0"/>
-              <a:t>20/11/2025</a:t>
+              <a:t>24/11/2025</a:t>
             </a:fld>
             <a:endParaRPr lang="en-GB"/>
           </a:p>
@@ -4519,7 +4523,7 @@
           <a:p>
             <a:fld id="{033ADCF0-A78D-4AB5-8D9E-D2EFF7703854}" type="datetimeFigureOut">
               <a:rPr lang="en-GB" smtClean="0"/>
-              <a:t>20/11/2025</a:t>
+              <a:t>24/11/2025</a:t>
             </a:fld>
             <a:endParaRPr lang="en-GB"/>
           </a:p>
@@ -4769,7 +4773,7 @@
           <a:p>
             <a:fld id="{033ADCF0-A78D-4AB5-8D9E-D2EFF7703854}" type="datetimeFigureOut">
               <a:rPr lang="en-GB" smtClean="0"/>
-              <a:t>20/11/2025</a:t>
+              <a:t>24/11/2025</a:t>
             </a:fld>
             <a:endParaRPr lang="en-GB"/>
           </a:p>
@@ -5005,7 +5009,7 @@
           <a:p>
             <a:fld id="{033ADCF0-A78D-4AB5-8D9E-D2EFF7703854}" type="datetimeFigureOut">
               <a:rPr lang="en-GB" smtClean="0"/>
-              <a:t>20/11/2025</a:t>
+              <a:t>24/11/2025</a:t>
             </a:fld>
             <a:endParaRPr lang="en-GB"/>
           </a:p>
@@ -5376,7 +5380,7 @@
           <a:p>
             <a:fld id="{033ADCF0-A78D-4AB5-8D9E-D2EFF7703854}" type="datetimeFigureOut">
               <a:rPr lang="en-GB" smtClean="0"/>
-              <a:t>20/11/2025</a:t>
+              <a:t>24/11/2025</a:t>
             </a:fld>
             <a:endParaRPr lang="en-GB"/>
           </a:p>
@@ -5498,7 +5502,7 @@
           <a:p>
             <a:fld id="{033ADCF0-A78D-4AB5-8D9E-D2EFF7703854}" type="datetimeFigureOut">
               <a:rPr lang="en-GB" smtClean="0"/>
-              <a:t>20/11/2025</a:t>
+              <a:t>24/11/2025</a:t>
             </a:fld>
             <a:endParaRPr lang="en-GB"/>
           </a:p>
@@ -5597,7 +5601,7 @@
           <a:p>
             <a:fld id="{033ADCF0-A78D-4AB5-8D9E-D2EFF7703854}" type="datetimeFigureOut">
               <a:rPr lang="en-GB" smtClean="0"/>
-              <a:t>20/11/2025</a:t>
+              <a:t>24/11/2025</a:t>
             </a:fld>
             <a:endParaRPr lang="en-GB"/>
           </a:p>
@@ -5894,7 +5898,7 @@
           <a:p>
             <a:fld id="{033ADCF0-A78D-4AB5-8D9E-D2EFF7703854}" type="datetimeFigureOut">
               <a:rPr lang="en-GB" smtClean="0"/>
-              <a:t>20/11/2025</a:t>
+              <a:t>24/11/2025</a:t>
             </a:fld>
             <a:endParaRPr lang="en-GB"/>
           </a:p>
@@ -6100,7 +6104,7 @@
           <a:p>
             <a:fld id="{3B761CF2-C4C9-4DEE-8992-FAB361DB7BD4}" type="datetimeFigureOut">
               <a:rPr lang="en-GB" smtClean="0"/>
-              <a:t>20/11/2025</a:t>
+              <a:t>24/11/2025</a:t>
             </a:fld>
             <a:endParaRPr lang="en-GB"/>
           </a:p>
@@ -6369,7 +6373,7 @@
           <a:p>
             <a:fld id="{033ADCF0-A78D-4AB5-8D9E-D2EFF7703854}" type="datetimeFigureOut">
               <a:rPr lang="en-GB" smtClean="0"/>
-              <a:t>20/11/2025</a:t>
+              <a:t>24/11/2025</a:t>
             </a:fld>
             <a:endParaRPr lang="en-GB"/>
           </a:p>
@@ -6559,7 +6563,7 @@
           <a:p>
             <a:fld id="{033ADCF0-A78D-4AB5-8D9E-D2EFF7703854}" type="datetimeFigureOut">
               <a:rPr lang="en-GB" smtClean="0"/>
-              <a:t>20/11/2025</a:t>
+              <a:t>24/11/2025</a:t>
             </a:fld>
             <a:endParaRPr lang="en-GB"/>
           </a:p>
@@ -6739,7 +6743,7 @@
           <a:p>
             <a:fld id="{033ADCF0-A78D-4AB5-8D9E-D2EFF7703854}" type="datetimeFigureOut">
               <a:rPr lang="en-GB" smtClean="0"/>
-              <a:t>20/11/2025</a:t>
+              <a:t>24/11/2025</a:t>
             </a:fld>
             <a:endParaRPr lang="en-GB"/>
           </a:p>
@@ -6868,7 +6872,7 @@
           <a:p>
             <a:fld id="{033ADCF0-A78D-4AB5-8D9E-D2EFF7703854}" type="datetimeFigureOut">
               <a:rPr lang="en-GB" smtClean="0"/>
-              <a:t>20/11/2025</a:t>
+              <a:t>24/11/2025</a:t>
             </a:fld>
             <a:endParaRPr lang="en-GB"/>
           </a:p>
@@ -7147,7 +7151,7 @@
           <a:p>
             <a:fld id="{3B761CF2-C4C9-4DEE-8992-FAB361DB7BD4}" type="datetimeFigureOut">
               <a:rPr lang="en-GB" smtClean="0"/>
-              <a:t>20/11/2025</a:t>
+              <a:t>24/11/2025</a:t>
             </a:fld>
             <a:endParaRPr lang="en-GB"/>
           </a:p>
@@ -7412,7 +7416,7 @@
           <a:p>
             <a:fld id="{3B761CF2-C4C9-4DEE-8992-FAB361DB7BD4}" type="datetimeFigureOut">
               <a:rPr lang="en-GB" smtClean="0"/>
-              <a:t>20/11/2025</a:t>
+              <a:t>24/11/2025</a:t>
             </a:fld>
             <a:endParaRPr lang="en-GB"/>
           </a:p>
@@ -7824,7 +7828,7 @@
           <a:p>
             <a:fld id="{3B761CF2-C4C9-4DEE-8992-FAB361DB7BD4}" type="datetimeFigureOut">
               <a:rPr lang="en-GB" smtClean="0"/>
-              <a:t>20/11/2025</a:t>
+              <a:t>24/11/2025</a:t>
             </a:fld>
             <a:endParaRPr lang="en-GB"/>
           </a:p>
@@ -7965,7 +7969,7 @@
           <a:p>
             <a:fld id="{3B761CF2-C4C9-4DEE-8992-FAB361DB7BD4}" type="datetimeFigureOut">
               <a:rPr lang="en-GB" smtClean="0"/>
-              <a:t>20/11/2025</a:t>
+              <a:t>24/11/2025</a:t>
             </a:fld>
             <a:endParaRPr lang="en-GB"/>
           </a:p>
@@ -8078,7 +8082,7 @@
           <a:p>
             <a:fld id="{3B761CF2-C4C9-4DEE-8992-FAB361DB7BD4}" type="datetimeFigureOut">
               <a:rPr lang="en-GB" smtClean="0"/>
-              <a:t>20/11/2025</a:t>
+              <a:t>24/11/2025</a:t>
             </a:fld>
             <a:endParaRPr lang="en-GB"/>
           </a:p>
@@ -8389,7 +8393,7 @@
           <a:p>
             <a:fld id="{3B761CF2-C4C9-4DEE-8992-FAB361DB7BD4}" type="datetimeFigureOut">
               <a:rPr lang="en-GB" smtClean="0"/>
-              <a:t>20/11/2025</a:t>
+              <a:t>24/11/2025</a:t>
             </a:fld>
             <a:endParaRPr lang="en-GB"/>
           </a:p>
@@ -8677,7 +8681,7 @@
           <a:p>
             <a:fld id="{3B761CF2-C4C9-4DEE-8992-FAB361DB7BD4}" type="datetimeFigureOut">
               <a:rPr lang="en-GB" smtClean="0"/>
-              <a:t>20/11/2025</a:t>
+              <a:t>24/11/2025</a:t>
             </a:fld>
             <a:endParaRPr lang="en-GB"/>
           </a:p>
@@ -8918,7 +8922,7 @@
           <a:p>
             <a:fld id="{3B761CF2-C4C9-4DEE-8992-FAB361DB7BD4}" type="datetimeFigureOut">
               <a:rPr lang="en-GB" smtClean="0"/>
-              <a:t>20/11/2025</a:t>
+              <a:t>24/11/2025</a:t>
             </a:fld>
             <a:endParaRPr lang="en-GB"/>
           </a:p>
@@ -9486,7 +9490,7 @@
           <a:p>
             <a:fld id="{3B761CF2-C4C9-4DEE-8992-FAB361DB7BD4}" type="datetimeFigureOut">
               <a:rPr lang="en-GB" smtClean="0"/>
-              <a:t>20/11/2025</a:t>
+              <a:t>24/11/2025</a:t>
             </a:fld>
             <a:endParaRPr lang="en-GB"/>
           </a:p>
@@ -13566,6 +13570,547 @@
   <p:cSld>
     <p:spTree>
       <p:nvGrpSpPr>
+        <p:cNvPr id="1" name="">
+          <a:extLst>
+            <a:ext uri="{FF2B5EF4-FFF2-40B4-BE49-F238E27FC236}">
+              <a16:creationId xmlns:a16="http://schemas.microsoft.com/office/drawing/2014/main" id="{2FE14F9A-73B0-E0AA-10BA-F0316F77E9AE}"/>
+            </a:ext>
+          </a:extLst>
+        </p:cNvPr>
+        <p:cNvGrpSpPr/>
+        <p:nvPr/>
+      </p:nvGrpSpPr>
+      <p:grpSpPr>
+        <a:xfrm>
+          <a:off x="0" y="0"/>
+          <a:ext cx="0" cy="0"/>
+          <a:chOff x="0" y="0"/>
+          <a:chExt cx="0" cy="0"/>
+        </a:xfrm>
+      </p:grpSpPr>
+      <p:sp>
+        <p:nvSpPr>
+          <p:cNvPr id="5" name="TextBox 4">
+            <a:extLst>
+              <a:ext uri="{FF2B5EF4-FFF2-40B4-BE49-F238E27FC236}">
+                <a16:creationId xmlns:a16="http://schemas.microsoft.com/office/drawing/2014/main" id="{3BD69BAD-7D9F-7F49-C33D-6B1D5498720A}"/>
+              </a:ext>
+            </a:extLst>
+          </p:cNvPr>
+          <p:cNvSpPr txBox="1"/>
+          <p:nvPr/>
+        </p:nvSpPr>
+        <p:spPr>
+          <a:xfrm>
+            <a:off x="493776" y="270357"/>
+            <a:ext cx="6848855" cy="672235"/>
+          </a:xfrm>
+          <a:prstGeom prst="rect">
+            <a:avLst/>
+          </a:prstGeom>
+          <a:noFill/>
+        </p:spPr>
+        <p:txBody>
+          <a:bodyPr wrap="square">
+            <a:spAutoFit/>
+          </a:bodyPr>
+          <a:lstStyle/>
+          <a:p>
+            <a:pPr algn="l">
+              <a:lnSpc>
+                <a:spcPct val="150000"/>
+              </a:lnSpc>
+              <a:buNone/>
+            </a:pPr>
+            <a:r>
+              <a:rPr lang="en-US" sz="2800" b="0" i="0" dirty="0">
+                <a:solidFill>
+                  <a:srgbClr val="1A292C"/>
+                </a:solidFill>
+                <a:effectLst/>
+                <a:latin typeface="Fira Sans" panose="020F0502020204030204" pitchFamily="34" charset="0"/>
+              </a:rPr>
+              <a:t>Bioinformatics methods &amp; visualizations</a:t>
+            </a:r>
+          </a:p>
+        </p:txBody>
+      </p:sp>
+      <p:pic>
+        <p:nvPicPr>
+          <p:cNvPr id="1026" name="Picture 2" descr="Proteomic and metabolomic data analysis - Genevia Technologies">
+            <a:extLst>
+              <a:ext uri="{FF2B5EF4-FFF2-40B4-BE49-F238E27FC236}">
+                <a16:creationId xmlns:a16="http://schemas.microsoft.com/office/drawing/2014/main" id="{4BFDCA59-BAF7-B6F1-71BC-56A03BBB60BD}"/>
+              </a:ext>
+            </a:extLst>
+          </p:cNvPr>
+          <p:cNvPicPr>
+            <a:picLocks noChangeAspect="1" noChangeArrowheads="1"/>
+          </p:cNvPicPr>
+          <p:nvPr/>
+        </p:nvPicPr>
+        <p:blipFill>
+          <a:blip r:embed="rId2">
+            <a:extLst>
+              <a:ext uri="{28A0092B-C50C-407E-A947-70E740481C1C}">
+                <a14:useLocalDpi xmlns:a14="http://schemas.microsoft.com/office/drawing/2010/main" val="0"/>
+              </a:ext>
+            </a:extLst>
+          </a:blip>
+          <a:srcRect/>
+          <a:stretch>
+            <a:fillRect/>
+          </a:stretch>
+        </p:blipFill>
+        <p:spPr bwMode="auto">
+          <a:xfrm>
+            <a:off x="420624" y="980189"/>
+            <a:ext cx="5886831" cy="5474943"/>
+          </a:xfrm>
+          <a:prstGeom prst="rect">
+            <a:avLst/>
+          </a:prstGeom>
+          <a:noFill/>
+          <a:extLst>
+            <a:ext uri="{909E8E84-426E-40DD-AFC4-6F175D3DCCD1}">
+              <a14:hiddenFill xmlns:a14="http://schemas.microsoft.com/office/drawing/2010/main">
+                <a:solidFill>
+                  <a:srgbClr val="FFFFFF"/>
+                </a:solidFill>
+              </a14:hiddenFill>
+            </a:ext>
+          </a:extLst>
+        </p:spPr>
+      </p:pic>
+      <p:sp>
+        <p:nvSpPr>
+          <p:cNvPr id="7" name="TextBox 6">
+            <a:extLst>
+              <a:ext uri="{FF2B5EF4-FFF2-40B4-BE49-F238E27FC236}">
+                <a16:creationId xmlns:a16="http://schemas.microsoft.com/office/drawing/2014/main" id="{BB57DF62-B94A-C791-3904-ACF2DE09E7AB}"/>
+              </a:ext>
+            </a:extLst>
+          </p:cNvPr>
+          <p:cNvSpPr txBox="1"/>
+          <p:nvPr/>
+        </p:nvSpPr>
+        <p:spPr>
+          <a:xfrm>
+            <a:off x="2478024" y="6231119"/>
+            <a:ext cx="3169729" cy="169277"/>
+          </a:xfrm>
+          <a:prstGeom prst="rect">
+            <a:avLst/>
+          </a:prstGeom>
+          <a:noFill/>
+        </p:spPr>
+        <p:txBody>
+          <a:bodyPr wrap="square">
+            <a:spAutoFit/>
+          </a:bodyPr>
+          <a:lstStyle/>
+          <a:p>
+            <a:r>
+              <a:rPr lang="en-GB" sz="500" dirty="0"/>
+              <a:t>https://geneviatechnologies.com/bioinformatics-analyses/proteomic-and-metabolomic-data-analysis/</a:t>
+            </a:r>
+          </a:p>
+        </p:txBody>
+      </p:sp>
+      <p:grpSp>
+        <p:nvGrpSpPr>
+          <p:cNvPr id="18" name="Group 17">
+            <a:extLst>
+              <a:ext uri="{FF2B5EF4-FFF2-40B4-BE49-F238E27FC236}">
+                <a16:creationId xmlns:a16="http://schemas.microsoft.com/office/drawing/2014/main" id="{A44917E0-65F0-C9D4-64AE-ED7CE1D3E654}"/>
+              </a:ext>
+            </a:extLst>
+          </p:cNvPr>
+          <p:cNvGrpSpPr/>
+          <p:nvPr/>
+        </p:nvGrpSpPr>
+        <p:grpSpPr>
+          <a:xfrm>
+            <a:off x="6096000" y="1170432"/>
+            <a:ext cx="5068633" cy="5060687"/>
+            <a:chOff x="6532054" y="1102369"/>
+            <a:chExt cx="5068633" cy="5060687"/>
+          </a:xfrm>
+        </p:grpSpPr>
+        <p:sp>
+          <p:nvSpPr>
+            <p:cNvPr id="12" name="Right Brace 11">
+              <a:extLst>
+                <a:ext uri="{FF2B5EF4-FFF2-40B4-BE49-F238E27FC236}">
+                  <a16:creationId xmlns:a16="http://schemas.microsoft.com/office/drawing/2014/main" id="{9D2BCAD5-7563-FEC7-88FB-89834A5BE3C3}"/>
+                </a:ext>
+              </a:extLst>
+            </p:cNvPr>
+            <p:cNvSpPr/>
+            <p:nvPr/>
+          </p:nvSpPr>
+          <p:spPr>
+            <a:xfrm>
+              <a:off x="6532054" y="1102369"/>
+              <a:ext cx="2057400" cy="5060687"/>
+            </a:xfrm>
+            <a:prstGeom prst="rightBrace">
+              <a:avLst>
+                <a:gd name="adj1" fmla="val 35000"/>
+                <a:gd name="adj2" fmla="val 50000"/>
+              </a:avLst>
+            </a:prstGeom>
+          </p:spPr>
+          <p:style>
+            <a:lnRef idx="2">
+              <a:schemeClr val="accent1"/>
+            </a:lnRef>
+            <a:fillRef idx="0">
+              <a:schemeClr val="accent1"/>
+            </a:fillRef>
+            <a:effectRef idx="1">
+              <a:schemeClr val="accent1"/>
+            </a:effectRef>
+            <a:fontRef idx="minor">
+              <a:schemeClr val="tx1"/>
+            </a:fontRef>
+          </p:style>
+          <p:txBody>
+            <a:bodyPr rtlCol="0" anchor="ctr"/>
+            <a:lstStyle/>
+            <a:p>
+              <a:pPr algn="ctr"/>
+              <a:endParaRPr lang="en-GB"/>
+            </a:p>
+          </p:txBody>
+        </p:sp>
+        <p:pic>
+          <p:nvPicPr>
+            <p:cNvPr id="15" name="Picture 14">
+              <a:extLst>
+                <a:ext uri="{FF2B5EF4-FFF2-40B4-BE49-F238E27FC236}">
+                  <a16:creationId xmlns:a16="http://schemas.microsoft.com/office/drawing/2014/main" id="{D8D98A71-295A-F06E-C661-9ECB84E1F4BC}"/>
+                </a:ext>
+              </a:extLst>
+            </p:cNvPr>
+            <p:cNvPicPr>
+              <a:picLocks noChangeAspect="1"/>
+            </p:cNvPicPr>
+            <p:nvPr/>
+          </p:nvPicPr>
+          <p:blipFill>
+            <a:blip r:embed="rId3"/>
+            <a:stretch>
+              <a:fillRect/>
+            </a:stretch>
+          </p:blipFill>
+          <p:spPr>
+            <a:xfrm>
+              <a:off x="8814053" y="2665243"/>
+              <a:ext cx="2716399" cy="2104834"/>
+            </a:xfrm>
+            <a:prstGeom prst="rect">
+              <a:avLst/>
+            </a:prstGeom>
+          </p:spPr>
+        </p:pic>
+        <p:sp>
+          <p:nvSpPr>
+            <p:cNvPr id="17" name="TextBox 16">
+              <a:extLst>
+                <a:ext uri="{FF2B5EF4-FFF2-40B4-BE49-F238E27FC236}">
+                  <a16:creationId xmlns:a16="http://schemas.microsoft.com/office/drawing/2014/main" id="{A6A48D0E-4F96-869C-97A4-4B2C41107523}"/>
+                </a:ext>
+              </a:extLst>
+            </p:cNvPr>
+            <p:cNvSpPr txBox="1"/>
+            <p:nvPr/>
+          </p:nvSpPr>
+          <p:spPr>
+            <a:xfrm>
+              <a:off x="8814053" y="5038343"/>
+              <a:ext cx="2786634" cy="369332"/>
+            </a:xfrm>
+            <a:prstGeom prst="rect">
+              <a:avLst/>
+            </a:prstGeom>
+            <a:noFill/>
+          </p:spPr>
+          <p:txBody>
+            <a:bodyPr wrap="square">
+              <a:spAutoFit/>
+            </a:bodyPr>
+            <a:lstStyle/>
+            <a:p>
+              <a:r>
+                <a:rPr lang="en-GB" b="1" i="0" dirty="0">
+                  <a:solidFill>
+                    <a:srgbClr val="0A0A0A"/>
+                  </a:solidFill>
+                  <a:effectLst/>
+                  <a:latin typeface="Google Sans"/>
+                </a:rPr>
+                <a:t>R (programming language)</a:t>
+              </a:r>
+              <a:endParaRPr lang="en-GB" dirty="0"/>
+            </a:p>
+          </p:txBody>
+        </p:sp>
+      </p:grpSp>
+    </p:spTree>
+    <p:extLst>
+      <p:ext uri="{BB962C8B-B14F-4D97-AF65-F5344CB8AC3E}">
+        <p14:creationId xmlns:p14="http://schemas.microsoft.com/office/powerpoint/2010/main" val="2692090801"/>
+      </p:ext>
+    </p:extLst>
+  </p:cSld>
+  <p:clrMapOvr>
+    <a:masterClrMapping/>
+  </p:clrMapOvr>
+  <p:timing>
+    <p:tnLst>
+      <p:par>
+        <p:cTn id="1" dur="indefinite" restart="never" nodeType="tmRoot">
+          <p:childTnLst>
+            <p:seq concurrent="1" nextAc="seek">
+              <p:cTn id="2" dur="indefinite" nodeType="mainSeq">
+                <p:childTnLst>
+                  <p:par>
+                    <p:cTn id="3" fill="hold">
+                      <p:stCondLst>
+                        <p:cond delay="indefinite"/>
+                      </p:stCondLst>
+                      <p:childTnLst>
+                        <p:par>
+                          <p:cTn id="4" fill="hold">
+                            <p:stCondLst>
+                              <p:cond delay="0"/>
+                            </p:stCondLst>
+                            <p:childTnLst>
+                              <p:par>
+                                <p:cTn id="5" presetID="16" presetClass="entr" presetSubtype="21" fill="hold" nodeType="clickEffect">
+                                  <p:stCondLst>
+                                    <p:cond delay="0"/>
+                                  </p:stCondLst>
+                                  <p:childTnLst>
+                                    <p:set>
+                                      <p:cBhvr>
+                                        <p:cTn id="6" dur="1" fill="hold">
+                                          <p:stCondLst>
+                                            <p:cond delay="0"/>
+                                          </p:stCondLst>
+                                        </p:cTn>
+                                        <p:tgtEl>
+                                          <p:spTgt spid="18"/>
+                                        </p:tgtEl>
+                                        <p:attrNameLst>
+                                          <p:attrName>style.visibility</p:attrName>
+                                        </p:attrNameLst>
+                                      </p:cBhvr>
+                                      <p:to>
+                                        <p:strVal val="visible"/>
+                                      </p:to>
+                                    </p:set>
+                                    <p:animEffect transition="in" filter="barn(inVertical)">
+                                      <p:cBhvr>
+                                        <p:cTn id="7" dur="500"/>
+                                        <p:tgtEl>
+                                          <p:spTgt spid="18"/>
+                                        </p:tgtEl>
+                                      </p:cBhvr>
+                                    </p:animEffect>
+                                  </p:childTnLst>
+                                </p:cTn>
+                              </p:par>
+                            </p:childTnLst>
+                          </p:cTn>
+                        </p:par>
+                      </p:childTnLst>
+                    </p:cTn>
+                  </p:par>
+                </p:childTnLst>
+              </p:cTn>
+              <p:prevCondLst>
+                <p:cond evt="onPrev" delay="0">
+                  <p:tgtEl>
+                    <p:sldTgt/>
+                  </p:tgtEl>
+                </p:cond>
+              </p:prevCondLst>
+              <p:nextCondLst>
+                <p:cond evt="onNext" delay="0">
+                  <p:tgtEl>
+                    <p:sldTgt/>
+                  </p:tgtEl>
+                </p:cond>
+              </p:nextCondLst>
+            </p:seq>
+          </p:childTnLst>
+        </p:cTn>
+      </p:par>
+    </p:tnLst>
+  </p:timing>
+</p:sld>
+</file>
+
+<file path=ppt/slides/slide15.xml><?xml version="1.0" encoding="utf-8"?>
+<p:sld xmlns:a="http://schemas.openxmlformats.org/drawingml/2006/main" xmlns:r="http://schemas.openxmlformats.org/officeDocument/2006/relationships" xmlns:p="http://schemas.openxmlformats.org/presentationml/2006/main">
+  <p:cSld>
+    <p:spTree>
+      <p:nvGrpSpPr>
+        <p:cNvPr id="1" name="">
+          <a:extLst>
+            <a:ext uri="{FF2B5EF4-FFF2-40B4-BE49-F238E27FC236}">
+              <a16:creationId xmlns:a16="http://schemas.microsoft.com/office/drawing/2014/main" id="{AF69EF47-7F38-9B38-36F2-6CA7C528049A}"/>
+            </a:ext>
+          </a:extLst>
+        </p:cNvPr>
+        <p:cNvGrpSpPr/>
+        <p:nvPr/>
+      </p:nvGrpSpPr>
+      <p:grpSpPr>
+        <a:xfrm>
+          <a:off x="0" y="0"/>
+          <a:ext cx="0" cy="0"/>
+          <a:chOff x="0" y="0"/>
+          <a:chExt cx="0" cy="0"/>
+        </a:xfrm>
+      </p:grpSpPr>
+      <p:sp>
+        <p:nvSpPr>
+          <p:cNvPr id="5" name="TextBox 4">
+            <a:extLst>
+              <a:ext uri="{FF2B5EF4-FFF2-40B4-BE49-F238E27FC236}">
+                <a16:creationId xmlns:a16="http://schemas.microsoft.com/office/drawing/2014/main" id="{F608F327-5CE3-F64B-DC5E-10A3B772AA06}"/>
+              </a:ext>
+            </a:extLst>
+          </p:cNvPr>
+          <p:cNvSpPr txBox="1"/>
+          <p:nvPr/>
+        </p:nvSpPr>
+        <p:spPr>
+          <a:xfrm>
+            <a:off x="493777" y="270357"/>
+            <a:ext cx="5529072" cy="672235"/>
+          </a:xfrm>
+          <a:prstGeom prst="rect">
+            <a:avLst/>
+          </a:prstGeom>
+          <a:noFill/>
+        </p:spPr>
+        <p:txBody>
+          <a:bodyPr wrap="square">
+            <a:spAutoFit/>
+          </a:bodyPr>
+          <a:lstStyle/>
+          <a:p>
+            <a:pPr algn="l">
+              <a:lnSpc>
+                <a:spcPct val="150000"/>
+              </a:lnSpc>
+              <a:buNone/>
+            </a:pPr>
+            <a:r>
+              <a:rPr lang="en-US" sz="2800" b="0" i="0" dirty="0">
+                <a:solidFill>
+                  <a:srgbClr val="1A292C"/>
+                </a:solidFill>
+                <a:effectLst/>
+                <a:latin typeface="Fira Sans" panose="020F0502020204030204" pitchFamily="34" charset="0"/>
+              </a:rPr>
+              <a:t>R, </a:t>
+            </a:r>
+            <a:r>
+              <a:rPr lang="en-US" sz="2800" b="0" i="0" dirty="0" err="1">
+                <a:solidFill>
+                  <a:srgbClr val="1A292C"/>
+                </a:solidFill>
+                <a:effectLst/>
+                <a:latin typeface="Fira Sans" panose="020F0502020204030204" pitchFamily="34" charset="0"/>
+              </a:rPr>
+              <a:t>Rstudio</a:t>
+            </a:r>
+            <a:r>
+              <a:rPr lang="en-US" sz="2800" b="0" i="0" dirty="0">
+                <a:solidFill>
+                  <a:srgbClr val="1A292C"/>
+                </a:solidFill>
+                <a:effectLst/>
+                <a:latin typeface="Fira Sans" panose="020F0502020204030204" pitchFamily="34" charset="0"/>
+              </a:rPr>
+              <a:t>, </a:t>
+            </a:r>
+            <a:r>
+              <a:rPr lang="en-US" sz="2800" b="0" i="0" dirty="0" err="1">
+                <a:solidFill>
+                  <a:srgbClr val="1A292C"/>
+                </a:solidFill>
+                <a:effectLst/>
+                <a:latin typeface="Fira Sans" panose="020F0502020204030204" pitchFamily="34" charset="0"/>
+              </a:rPr>
+              <a:t>Tidyverse</a:t>
+            </a:r>
+            <a:r>
+              <a:rPr lang="en-US" sz="2800" b="0" i="0" dirty="0">
+                <a:solidFill>
+                  <a:srgbClr val="1A292C"/>
+                </a:solidFill>
+                <a:effectLst/>
+                <a:latin typeface="Fira Sans" panose="020F0502020204030204" pitchFamily="34" charset="0"/>
+              </a:rPr>
+              <a:t>, Notebooks</a:t>
+            </a:r>
+          </a:p>
+        </p:txBody>
+      </p:sp>
+      <p:pic>
+        <p:nvPicPr>
+          <p:cNvPr id="4" name="Picture 3">
+            <a:extLst>
+              <a:ext uri="{FF2B5EF4-FFF2-40B4-BE49-F238E27FC236}">
+                <a16:creationId xmlns:a16="http://schemas.microsoft.com/office/drawing/2014/main" id="{F402A226-0998-B400-7B85-AE3FC07EC31A}"/>
+              </a:ext>
+            </a:extLst>
+          </p:cNvPr>
+          <p:cNvPicPr>
+            <a:picLocks noChangeAspect="1"/>
+          </p:cNvPicPr>
+          <p:nvPr/>
+        </p:nvPicPr>
+        <p:blipFill>
+          <a:blip r:embed="rId2"/>
+          <a:stretch>
+            <a:fillRect/>
+          </a:stretch>
+        </p:blipFill>
+        <p:spPr>
+          <a:xfrm>
+            <a:off x="1216151" y="1638252"/>
+            <a:ext cx="7897599" cy="4671107"/>
+          </a:xfrm>
+          <a:prstGeom prst="rect">
+            <a:avLst/>
+          </a:prstGeom>
+        </p:spPr>
+      </p:pic>
+    </p:spTree>
+    <p:extLst>
+      <p:ext uri="{BB962C8B-B14F-4D97-AF65-F5344CB8AC3E}">
+        <p14:creationId xmlns:p14="http://schemas.microsoft.com/office/powerpoint/2010/main" val="3871315345"/>
+      </p:ext>
+    </p:extLst>
+  </p:cSld>
+  <p:clrMapOvr>
+    <a:masterClrMapping/>
+  </p:clrMapOvr>
+</p:sld>
+</file>
+
+<file path=ppt/slides/slide16.xml><?xml version="1.0" encoding="utf-8"?>
+<p:sld xmlns:a="http://schemas.openxmlformats.org/drawingml/2006/main" xmlns:r="http://schemas.openxmlformats.org/officeDocument/2006/relationships" xmlns:p="http://schemas.openxmlformats.org/presentationml/2006/main">
+  <p:cSld>
+    <p:spTree>
+      <p:nvGrpSpPr>
         <p:cNvPr id="1" name=""/>
         <p:cNvGrpSpPr/>
         <p:nvPr/>
@@ -14025,7 +14570,7 @@
 </p:sld>
 </file>
 
-<file path=ppt/slides/slide15.xml><?xml version="1.0" encoding="utf-8"?>
+<file path=ppt/slides/slide17.xml><?xml version="1.0" encoding="utf-8"?>
 <p:sld xmlns:a="http://schemas.openxmlformats.org/drawingml/2006/main" xmlns:r="http://schemas.openxmlformats.org/officeDocument/2006/relationships" xmlns:p="http://schemas.openxmlformats.org/presentationml/2006/main">
   <p:cSld>
     <p:spTree>
@@ -14520,7 +15065,7 @@
 </p:sld>
 </file>
 
-<file path=ppt/slides/slide16.xml><?xml version="1.0" encoding="utf-8"?>
+<file path=ppt/slides/slide18.xml><?xml version="1.0" encoding="utf-8"?>
 <p:sld xmlns:a="http://schemas.openxmlformats.org/drawingml/2006/main" xmlns:r="http://schemas.openxmlformats.org/officeDocument/2006/relationships" xmlns:p="http://schemas.openxmlformats.org/presentationml/2006/main">
   <p:cSld>
     <p:spTree>
@@ -15007,7 +15552,7 @@
 </p:sld>
 </file>
 
-<file path=ppt/slides/slide17.xml><?xml version="1.0" encoding="utf-8"?>
+<file path=ppt/slides/slide19.xml><?xml version="1.0" encoding="utf-8"?>
 <p:sld xmlns:a="http://schemas.openxmlformats.org/drawingml/2006/main" xmlns:r="http://schemas.openxmlformats.org/officeDocument/2006/relationships" xmlns:p="http://schemas.openxmlformats.org/presentationml/2006/main">
   <p:cSld>
     <p:spTree>
@@ -15367,498 +15912,6 @@
     <p:extLst>
       <p:ext uri="{BB962C8B-B14F-4D97-AF65-F5344CB8AC3E}">
         <p14:creationId xmlns:p14="http://schemas.microsoft.com/office/powerpoint/2010/main" val="2175383292"/>
-      </p:ext>
-    </p:extLst>
-  </p:cSld>
-  <p:clrMapOvr>
-    <a:masterClrMapping/>
-  </p:clrMapOvr>
-</p:sld>
-</file>
-
-<file path=ppt/slides/slide18.xml><?xml version="1.0" encoding="utf-8"?>
-<p:sld xmlns:a="http://schemas.openxmlformats.org/drawingml/2006/main" xmlns:r="http://schemas.openxmlformats.org/officeDocument/2006/relationships" xmlns:p="http://schemas.openxmlformats.org/presentationml/2006/main">
-  <p:cSld>
-    <p:spTree>
-      <p:nvGrpSpPr>
-        <p:cNvPr id="1" name="">
-          <a:extLst>
-            <a:ext uri="{FF2B5EF4-FFF2-40B4-BE49-F238E27FC236}">
-              <a16:creationId xmlns:a16="http://schemas.microsoft.com/office/drawing/2014/main" id="{7BE73B58-32F8-5A8B-62B2-B2EA29E1E6D3}"/>
-            </a:ext>
-          </a:extLst>
-        </p:cNvPr>
-        <p:cNvGrpSpPr/>
-        <p:nvPr/>
-      </p:nvGrpSpPr>
-      <p:grpSpPr>
-        <a:xfrm>
-          <a:off x="0" y="0"/>
-          <a:ext cx="0" cy="0"/>
-          <a:chOff x="0" y="0"/>
-          <a:chExt cx="0" cy="0"/>
-        </a:xfrm>
-      </p:grpSpPr>
-      <p:grpSp>
-        <p:nvGrpSpPr>
-          <p:cNvPr id="4" name="Group 3">
-            <a:extLst>
-              <a:ext uri="{FF2B5EF4-FFF2-40B4-BE49-F238E27FC236}">
-                <a16:creationId xmlns:a16="http://schemas.microsoft.com/office/drawing/2014/main" id="{65856232-84D3-1727-8C54-CBB27D4D50E8}"/>
-              </a:ext>
-            </a:extLst>
-          </p:cNvPr>
-          <p:cNvGrpSpPr/>
-          <p:nvPr/>
-        </p:nvGrpSpPr>
-        <p:grpSpPr>
-          <a:xfrm>
-            <a:off x="493777" y="270357"/>
-            <a:ext cx="5529072" cy="5677914"/>
-            <a:chOff x="624078" y="270357"/>
-            <a:chExt cx="5154930" cy="5677914"/>
-          </a:xfrm>
-        </p:grpSpPr>
-        <p:sp>
-          <p:nvSpPr>
-            <p:cNvPr id="5" name="TextBox 4">
-              <a:extLst>
-                <a:ext uri="{FF2B5EF4-FFF2-40B4-BE49-F238E27FC236}">
-                  <a16:creationId xmlns:a16="http://schemas.microsoft.com/office/drawing/2014/main" id="{91A67873-3E2F-11B9-25B3-69B32E10E0AC}"/>
-                </a:ext>
-              </a:extLst>
-            </p:cNvPr>
-            <p:cNvSpPr txBox="1"/>
-            <p:nvPr/>
-          </p:nvSpPr>
-          <p:spPr>
-            <a:xfrm>
-              <a:off x="624078" y="1369582"/>
-              <a:ext cx="5154930" cy="4578689"/>
-            </a:xfrm>
-            <a:prstGeom prst="rect">
-              <a:avLst/>
-            </a:prstGeom>
-            <a:noFill/>
-          </p:spPr>
-          <p:txBody>
-            <a:bodyPr wrap="square">
-              <a:spAutoFit/>
-            </a:bodyPr>
-            <a:lstStyle/>
-            <a:p>
-              <a:pPr algn="l">
-                <a:lnSpc>
-                  <a:spcPct val="150000"/>
-                </a:lnSpc>
-                <a:buNone/>
-              </a:pPr>
-              <a:r>
-                <a:rPr lang="en-GB" b="1" i="0" dirty="0">
-                  <a:solidFill>
-                    <a:srgbClr val="212529"/>
-                  </a:solidFill>
-                  <a:effectLst/>
-                  <a:latin typeface="Fira Sans" panose="020B0503050000020004" pitchFamily="34" charset="0"/>
-                </a:rPr>
-                <a:t>Modules</a:t>
-              </a:r>
-            </a:p>
-            <a:p>
-              <a:pPr marL="285750" indent="-285750" algn="l">
-                <a:lnSpc>
-                  <a:spcPct val="150000"/>
-                </a:lnSpc>
-                <a:buFont typeface="Wingdings" panose="05000000000000000000" pitchFamily="2" charset="2"/>
-                <a:buChar char="q"/>
-              </a:pPr>
-              <a:r>
-                <a:rPr lang="en-GB" b="0" i="0" dirty="0">
-                  <a:solidFill>
-                    <a:srgbClr val="212529"/>
-                  </a:solidFill>
-                  <a:effectLst/>
-                  <a:latin typeface="Fira Sans" panose="020B0503050000020004" pitchFamily="34" charset="0"/>
-                </a:rPr>
-                <a:t>Full Analysis Pipeline</a:t>
-              </a:r>
-            </a:p>
-            <a:p>
-              <a:pPr marL="285750" indent="-182880" algn="l">
-                <a:lnSpc>
-                  <a:spcPct val="150000"/>
-                </a:lnSpc>
-                <a:buFont typeface="Arial" panose="020B0604020202020204" pitchFamily="34" charset="0"/>
-                <a:buChar char="•"/>
-              </a:pPr>
-              <a:r>
-                <a:rPr lang="en-GB" sz="1600" b="0" i="0" dirty="0">
-                  <a:solidFill>
-                    <a:srgbClr val="212529"/>
-                  </a:solidFill>
-                  <a:effectLst/>
-                  <a:latin typeface="Fira Sans" panose="020B0503050000020004" pitchFamily="34" charset="0"/>
-                </a:rPr>
-                <a:t>From QC → normalization → DE → functional → longitudinal (if relevant).</a:t>
-              </a:r>
-              <a:br>
-                <a:rPr lang="en-GB" b="0" i="0" dirty="0">
-                  <a:solidFill>
-                    <a:srgbClr val="212529"/>
-                  </a:solidFill>
-                  <a:effectLst/>
-                  <a:latin typeface="Fira Sans" panose="020B0503050000020004" pitchFamily="34" charset="0"/>
-                </a:rPr>
-              </a:br>
-              <a:r>
-                <a:rPr lang="en-GB" sz="1200" b="0" i="0" dirty="0">
-                  <a:solidFill>
-                    <a:srgbClr val="212529"/>
-                  </a:solidFill>
-                  <a:effectLst/>
-                  <a:latin typeface="Fira Sans" panose="020B0503050000020004" pitchFamily="34" charset="0"/>
-                </a:rPr>
-                <a:t>Run through all steps on a provided dataset (or participants’ data).</a:t>
-              </a:r>
-            </a:p>
-            <a:p>
-              <a:pPr marL="285750" indent="-285750" algn="l">
-                <a:lnSpc>
-                  <a:spcPct val="150000"/>
-                </a:lnSpc>
-                <a:buFont typeface="Wingdings" panose="05000000000000000000" pitchFamily="2" charset="2"/>
-                <a:buChar char="q"/>
-              </a:pPr>
-              <a:r>
-                <a:rPr lang="en-GB" b="0" i="0" dirty="0">
-                  <a:solidFill>
-                    <a:srgbClr val="212529"/>
-                  </a:solidFill>
-                  <a:effectLst/>
-                  <a:latin typeface="Fira Sans" panose="020B0503050000020004" pitchFamily="34" charset="0"/>
-                </a:rPr>
-                <a:t>Group Discussion &amp; Interpretation</a:t>
-              </a:r>
-            </a:p>
-            <a:p>
-              <a:pPr marL="285750" indent="-182880" algn="l">
-                <a:lnSpc>
-                  <a:spcPct val="150000"/>
-                </a:lnSpc>
-                <a:buFont typeface="Arial" panose="020B0604020202020204" pitchFamily="34" charset="0"/>
-                <a:buChar char="•"/>
-              </a:pPr>
-              <a:r>
-                <a:rPr lang="en-GB" sz="1600" b="0" i="0" dirty="0">
-                  <a:solidFill>
-                    <a:srgbClr val="212529"/>
-                  </a:solidFill>
-                  <a:effectLst/>
-                  <a:latin typeface="Fira Sans" panose="020B0503050000020004" pitchFamily="34" charset="0"/>
-                </a:rPr>
-                <a:t>Interpret results, compare across participants, discuss limitations, challenges, possible variations.</a:t>
-              </a:r>
-            </a:p>
-            <a:p>
-              <a:pPr marL="285750" indent="-285750" algn="l">
-                <a:lnSpc>
-                  <a:spcPct val="150000"/>
-                </a:lnSpc>
-                <a:buFont typeface="Wingdings" panose="05000000000000000000" pitchFamily="2" charset="2"/>
-                <a:buChar char="q"/>
-              </a:pPr>
-              <a:r>
-                <a:rPr lang="en-GB" b="0" i="0" dirty="0">
-                  <a:solidFill>
-                    <a:srgbClr val="212529"/>
-                  </a:solidFill>
-                  <a:effectLst/>
-                  <a:latin typeface="Fira Sans" panose="020B0503050000020004" pitchFamily="34" charset="0"/>
-                </a:rPr>
-                <a:t>Presentation &amp; Reporting</a:t>
-              </a:r>
-            </a:p>
-            <a:p>
-              <a:pPr marL="285750" indent="-182880" algn="l">
-                <a:lnSpc>
-                  <a:spcPct val="150000"/>
-                </a:lnSpc>
-                <a:buFont typeface="Arial" panose="020B0604020202020204" pitchFamily="34" charset="0"/>
-                <a:buChar char="•"/>
-              </a:pPr>
-              <a:r>
-                <a:rPr lang="en-GB" sz="1600" b="0" i="0" dirty="0">
-                  <a:solidFill>
-                    <a:srgbClr val="212529"/>
-                  </a:solidFill>
-                  <a:effectLst/>
-                  <a:latin typeface="Fira Sans" panose="020B0503050000020004" pitchFamily="34" charset="0"/>
-                </a:rPr>
-                <a:t>Generate basic report/graphics (ggplot2), integrate into R Markdown / html / PDF.</a:t>
-              </a:r>
-              <a:br>
-                <a:rPr lang="en-GB" sz="1600" b="0" i="0" dirty="0">
-                  <a:solidFill>
-                    <a:srgbClr val="212529"/>
-                  </a:solidFill>
-                  <a:effectLst/>
-                  <a:latin typeface="Fira Sans" panose="020B0503050000020004" pitchFamily="34" charset="0"/>
-                </a:rPr>
-              </a:br>
-              <a:r>
-                <a:rPr lang="en-GB" sz="1600" b="0" i="0" dirty="0">
-                  <a:solidFill>
-                    <a:srgbClr val="212529"/>
-                  </a:solidFill>
-                  <a:effectLst/>
-                  <a:latin typeface="Fira Sans" panose="020B0503050000020004" pitchFamily="34" charset="0"/>
-                </a:rPr>
-                <a:t>Provide guidance for next steps.</a:t>
-              </a:r>
-            </a:p>
-          </p:txBody>
-        </p:sp>
-        <p:sp>
-          <p:nvSpPr>
-            <p:cNvPr id="6" name="TextBox 5">
-              <a:extLst>
-                <a:ext uri="{FF2B5EF4-FFF2-40B4-BE49-F238E27FC236}">
-                  <a16:creationId xmlns:a16="http://schemas.microsoft.com/office/drawing/2014/main" id="{5182F423-B178-6D5E-07FE-6572830A50C3}"/>
-                </a:ext>
-              </a:extLst>
-            </p:cNvPr>
-            <p:cNvSpPr txBox="1"/>
-            <p:nvPr/>
-          </p:nvSpPr>
-          <p:spPr>
-            <a:xfrm>
-              <a:off x="624078" y="270357"/>
-              <a:ext cx="5154930" cy="465064"/>
-            </a:xfrm>
-            <a:prstGeom prst="rect">
-              <a:avLst/>
-            </a:prstGeom>
-            <a:noFill/>
-          </p:spPr>
-          <p:txBody>
-            <a:bodyPr wrap="square">
-              <a:spAutoFit/>
-            </a:bodyPr>
-            <a:lstStyle/>
-            <a:p>
-              <a:pPr>
-                <a:lnSpc>
-                  <a:spcPct val="150000"/>
-                </a:lnSpc>
-              </a:pPr>
-              <a:r>
-                <a:rPr lang="en-GB" b="1" u="sng" dirty="0">
-                  <a:latin typeface="Fira Sans" panose="020B0503050000020004" pitchFamily="34" charset="0"/>
-                  <a:hlinkClick r:id="rId2" action="ppaction://hlinkfile"/>
-                </a:rPr>
-                <a:t>Application on Real Data</a:t>
-              </a:r>
-              <a:endParaRPr lang="en-US" sz="4400" b="0" i="0" dirty="0">
-                <a:solidFill>
-                  <a:srgbClr val="1A292C"/>
-                </a:solidFill>
-                <a:effectLst/>
-                <a:latin typeface="Fira Sans" panose="020B0503050000020004" pitchFamily="34" charset="0"/>
-              </a:endParaRPr>
-            </a:p>
-          </p:txBody>
-        </p:sp>
-      </p:grpSp>
-      <p:grpSp>
-        <p:nvGrpSpPr>
-          <p:cNvPr id="7" name="Group 6">
-            <a:extLst>
-              <a:ext uri="{FF2B5EF4-FFF2-40B4-BE49-F238E27FC236}">
-                <a16:creationId xmlns:a16="http://schemas.microsoft.com/office/drawing/2014/main" id="{45B53B61-64C3-6CF1-C7B7-04EA0D82DD1D}"/>
-              </a:ext>
-            </a:extLst>
-          </p:cNvPr>
-          <p:cNvGrpSpPr/>
-          <p:nvPr/>
-        </p:nvGrpSpPr>
-        <p:grpSpPr>
-          <a:xfrm>
-            <a:off x="6169152" y="270357"/>
-            <a:ext cx="5946648" cy="2808924"/>
-            <a:chOff x="624078" y="270357"/>
-            <a:chExt cx="5869258" cy="2808924"/>
-          </a:xfrm>
-        </p:grpSpPr>
-        <p:sp>
-          <p:nvSpPr>
-            <p:cNvPr id="8" name="TextBox 7">
-              <a:extLst>
-                <a:ext uri="{FF2B5EF4-FFF2-40B4-BE49-F238E27FC236}">
-                  <a16:creationId xmlns:a16="http://schemas.microsoft.com/office/drawing/2014/main" id="{1BA4D673-2AFB-8626-2E84-D6A4F1C1E624}"/>
-                </a:ext>
-              </a:extLst>
-            </p:cNvPr>
-            <p:cNvSpPr txBox="1"/>
-            <p:nvPr/>
-          </p:nvSpPr>
-          <p:spPr>
-            <a:xfrm>
-              <a:off x="624078" y="1369582"/>
-              <a:ext cx="5869258" cy="1709699"/>
-            </a:xfrm>
-            <a:prstGeom prst="rect">
-              <a:avLst/>
-            </a:prstGeom>
-            <a:noFill/>
-          </p:spPr>
-          <p:txBody>
-            <a:bodyPr wrap="square">
-              <a:spAutoFit/>
-            </a:bodyPr>
-            <a:lstStyle/>
-            <a:p>
-              <a:pPr>
-                <a:lnSpc>
-                  <a:spcPct val="150000"/>
-                </a:lnSpc>
-              </a:pPr>
-              <a:r>
-                <a:rPr lang="en-GB" dirty="0">
-                  <a:latin typeface="Fira Sans" panose="020B0503050000020004" pitchFamily="34" charset="0"/>
-                </a:rPr>
-                <a:t>Today you learned:</a:t>
-              </a:r>
-            </a:p>
-            <a:p>
-              <a:pPr>
-                <a:lnSpc>
-                  <a:spcPct val="150000"/>
-                </a:lnSpc>
-              </a:pPr>
-              <a:r>
-                <a:rPr lang="en-GB" dirty="0">
-                  <a:latin typeface="Fira Sans" panose="020B0503050000020004" pitchFamily="34" charset="0"/>
-                </a:rPr>
-                <a:t>✓ </a:t>
-              </a:r>
-              <a:r>
-                <a:rPr lang="en-US" dirty="0">
-                  <a:latin typeface="Fira Sans" panose="020B0503050000020004" pitchFamily="34" charset="0"/>
-                </a:rPr>
-                <a:t>Apply full workflow to real or internal dataset</a:t>
-              </a:r>
-            </a:p>
-            <a:p>
-              <a:pPr>
-                <a:lnSpc>
-                  <a:spcPct val="150000"/>
-                </a:lnSpc>
-              </a:pPr>
-              <a:r>
-                <a:rPr lang="en-GB" dirty="0">
-                  <a:latin typeface="Fira Sans" panose="020B0503050000020004" pitchFamily="34" charset="0"/>
-                </a:rPr>
-                <a:t>✓ </a:t>
-              </a:r>
-              <a:r>
-                <a:rPr lang="en-US" dirty="0">
-                  <a:latin typeface="Fira Sans" panose="020B0503050000020004" pitchFamily="34" charset="0"/>
-                </a:rPr>
-                <a:t>Interpret results in biological context</a:t>
-              </a:r>
-            </a:p>
-            <a:p>
-              <a:pPr>
-                <a:lnSpc>
-                  <a:spcPct val="150000"/>
-                </a:lnSpc>
-              </a:pPr>
-              <a:r>
-                <a:rPr lang="en-GB" dirty="0">
-                  <a:latin typeface="Fira Sans" panose="020B0503050000020004" pitchFamily="34" charset="0"/>
-                </a:rPr>
-                <a:t>✓ </a:t>
-              </a:r>
-              <a:r>
-                <a:rPr lang="en-US" dirty="0">
-                  <a:latin typeface="Fira Sans" panose="020B0503050000020004" pitchFamily="34" charset="0"/>
-                </a:rPr>
-                <a:t>Troubleshoot and discuss</a:t>
-              </a:r>
-            </a:p>
-          </p:txBody>
-        </p:sp>
-        <p:sp>
-          <p:nvSpPr>
-            <p:cNvPr id="9" name="TextBox 8">
-              <a:extLst>
-                <a:ext uri="{FF2B5EF4-FFF2-40B4-BE49-F238E27FC236}">
-                  <a16:creationId xmlns:a16="http://schemas.microsoft.com/office/drawing/2014/main" id="{70FB6393-4146-87E5-C61E-159BF2FED89A}"/>
-                </a:ext>
-              </a:extLst>
-            </p:cNvPr>
-            <p:cNvSpPr txBox="1"/>
-            <p:nvPr/>
-          </p:nvSpPr>
-          <p:spPr>
-            <a:xfrm>
-              <a:off x="624078" y="270357"/>
-              <a:ext cx="5154930" cy="672235"/>
-            </a:xfrm>
-            <a:prstGeom prst="rect">
-              <a:avLst/>
-            </a:prstGeom>
-            <a:noFill/>
-          </p:spPr>
-          <p:txBody>
-            <a:bodyPr wrap="square">
-              <a:spAutoFit/>
-            </a:bodyPr>
-            <a:lstStyle/>
-            <a:p>
-              <a:pPr algn="l">
-                <a:lnSpc>
-                  <a:spcPct val="150000"/>
-                </a:lnSpc>
-                <a:buNone/>
-              </a:pPr>
-              <a:r>
-                <a:rPr lang="en-US" sz="2800" b="0" i="0" dirty="0">
-                  <a:solidFill>
-                    <a:srgbClr val="1A292C"/>
-                  </a:solidFill>
-                  <a:effectLst/>
-                  <a:latin typeface="Fira Sans" panose="020B0503050000020004" pitchFamily="34" charset="0"/>
-                </a:rPr>
-                <a:t>Day </a:t>
-              </a:r>
-              <a:r>
-                <a:rPr lang="en-US" sz="2800" dirty="0">
-                  <a:solidFill>
-                    <a:srgbClr val="1A292C"/>
-                  </a:solidFill>
-                  <a:latin typeface="Fira Sans" panose="020B0503050000020004" pitchFamily="34" charset="0"/>
-                </a:rPr>
-                <a:t>5</a:t>
-              </a:r>
-              <a:r>
-                <a:rPr lang="en-US" sz="2800" b="0" i="0" dirty="0">
-                  <a:solidFill>
-                    <a:srgbClr val="1A292C"/>
-                  </a:solidFill>
-                  <a:effectLst/>
-                  <a:latin typeface="Fira Sans" panose="020B0503050000020004" pitchFamily="34" charset="0"/>
-                </a:rPr>
-                <a:t> Summary</a:t>
-              </a:r>
-            </a:p>
-          </p:txBody>
-        </p:sp>
-      </p:grpSp>
-    </p:spTree>
-    <p:extLst>
-      <p:ext uri="{BB962C8B-B14F-4D97-AF65-F5344CB8AC3E}">
-        <p14:creationId xmlns:p14="http://schemas.microsoft.com/office/powerpoint/2010/main" val="1977686079"/>
       </p:ext>
     </p:extLst>
   </p:cSld>
@@ -16404,6 +16457,498 @@
     <p:extLst>
       <p:ext uri="{BB962C8B-B14F-4D97-AF65-F5344CB8AC3E}">
         <p14:creationId xmlns:p14="http://schemas.microsoft.com/office/powerpoint/2010/main" val="1928302665"/>
+      </p:ext>
+    </p:extLst>
+  </p:cSld>
+  <p:clrMapOvr>
+    <a:masterClrMapping/>
+  </p:clrMapOvr>
+</p:sld>
+</file>
+
+<file path=ppt/slides/slide20.xml><?xml version="1.0" encoding="utf-8"?>
+<p:sld xmlns:a="http://schemas.openxmlformats.org/drawingml/2006/main" xmlns:r="http://schemas.openxmlformats.org/officeDocument/2006/relationships" xmlns:p="http://schemas.openxmlformats.org/presentationml/2006/main">
+  <p:cSld>
+    <p:spTree>
+      <p:nvGrpSpPr>
+        <p:cNvPr id="1" name="">
+          <a:extLst>
+            <a:ext uri="{FF2B5EF4-FFF2-40B4-BE49-F238E27FC236}">
+              <a16:creationId xmlns:a16="http://schemas.microsoft.com/office/drawing/2014/main" id="{7BE73B58-32F8-5A8B-62B2-B2EA29E1E6D3}"/>
+            </a:ext>
+          </a:extLst>
+        </p:cNvPr>
+        <p:cNvGrpSpPr/>
+        <p:nvPr/>
+      </p:nvGrpSpPr>
+      <p:grpSpPr>
+        <a:xfrm>
+          <a:off x="0" y="0"/>
+          <a:ext cx="0" cy="0"/>
+          <a:chOff x="0" y="0"/>
+          <a:chExt cx="0" cy="0"/>
+        </a:xfrm>
+      </p:grpSpPr>
+      <p:grpSp>
+        <p:nvGrpSpPr>
+          <p:cNvPr id="4" name="Group 3">
+            <a:extLst>
+              <a:ext uri="{FF2B5EF4-FFF2-40B4-BE49-F238E27FC236}">
+                <a16:creationId xmlns:a16="http://schemas.microsoft.com/office/drawing/2014/main" id="{65856232-84D3-1727-8C54-CBB27D4D50E8}"/>
+              </a:ext>
+            </a:extLst>
+          </p:cNvPr>
+          <p:cNvGrpSpPr/>
+          <p:nvPr/>
+        </p:nvGrpSpPr>
+        <p:grpSpPr>
+          <a:xfrm>
+            <a:off x="493777" y="270357"/>
+            <a:ext cx="5529072" cy="5677914"/>
+            <a:chOff x="624078" y="270357"/>
+            <a:chExt cx="5154930" cy="5677914"/>
+          </a:xfrm>
+        </p:grpSpPr>
+        <p:sp>
+          <p:nvSpPr>
+            <p:cNvPr id="5" name="TextBox 4">
+              <a:extLst>
+                <a:ext uri="{FF2B5EF4-FFF2-40B4-BE49-F238E27FC236}">
+                  <a16:creationId xmlns:a16="http://schemas.microsoft.com/office/drawing/2014/main" id="{91A67873-3E2F-11B9-25B3-69B32E10E0AC}"/>
+                </a:ext>
+              </a:extLst>
+            </p:cNvPr>
+            <p:cNvSpPr txBox="1"/>
+            <p:nvPr/>
+          </p:nvSpPr>
+          <p:spPr>
+            <a:xfrm>
+              <a:off x="624078" y="1369582"/>
+              <a:ext cx="5154930" cy="4578689"/>
+            </a:xfrm>
+            <a:prstGeom prst="rect">
+              <a:avLst/>
+            </a:prstGeom>
+            <a:noFill/>
+          </p:spPr>
+          <p:txBody>
+            <a:bodyPr wrap="square">
+              <a:spAutoFit/>
+            </a:bodyPr>
+            <a:lstStyle/>
+            <a:p>
+              <a:pPr algn="l">
+                <a:lnSpc>
+                  <a:spcPct val="150000"/>
+                </a:lnSpc>
+                <a:buNone/>
+              </a:pPr>
+              <a:r>
+                <a:rPr lang="en-GB" b="1" i="0" dirty="0">
+                  <a:solidFill>
+                    <a:srgbClr val="212529"/>
+                  </a:solidFill>
+                  <a:effectLst/>
+                  <a:latin typeface="Fira Sans" panose="020B0503050000020004" pitchFamily="34" charset="0"/>
+                </a:rPr>
+                <a:t>Modules</a:t>
+              </a:r>
+            </a:p>
+            <a:p>
+              <a:pPr marL="285750" indent="-285750" algn="l">
+                <a:lnSpc>
+                  <a:spcPct val="150000"/>
+                </a:lnSpc>
+                <a:buFont typeface="Wingdings" panose="05000000000000000000" pitchFamily="2" charset="2"/>
+                <a:buChar char="q"/>
+              </a:pPr>
+              <a:r>
+                <a:rPr lang="en-GB" b="0" i="0" dirty="0">
+                  <a:solidFill>
+                    <a:srgbClr val="212529"/>
+                  </a:solidFill>
+                  <a:effectLst/>
+                  <a:latin typeface="Fira Sans" panose="020B0503050000020004" pitchFamily="34" charset="0"/>
+                </a:rPr>
+                <a:t>Full Analysis Pipeline</a:t>
+              </a:r>
+            </a:p>
+            <a:p>
+              <a:pPr marL="285750" indent="-182880" algn="l">
+                <a:lnSpc>
+                  <a:spcPct val="150000"/>
+                </a:lnSpc>
+                <a:buFont typeface="Arial" panose="020B0604020202020204" pitchFamily="34" charset="0"/>
+                <a:buChar char="•"/>
+              </a:pPr>
+              <a:r>
+                <a:rPr lang="en-GB" sz="1600" b="0" i="0" dirty="0">
+                  <a:solidFill>
+                    <a:srgbClr val="212529"/>
+                  </a:solidFill>
+                  <a:effectLst/>
+                  <a:latin typeface="Fira Sans" panose="020B0503050000020004" pitchFamily="34" charset="0"/>
+                </a:rPr>
+                <a:t>From QC → normalization → DE → functional → longitudinal (if relevant).</a:t>
+              </a:r>
+              <a:br>
+                <a:rPr lang="en-GB" b="0" i="0" dirty="0">
+                  <a:solidFill>
+                    <a:srgbClr val="212529"/>
+                  </a:solidFill>
+                  <a:effectLst/>
+                  <a:latin typeface="Fira Sans" panose="020B0503050000020004" pitchFamily="34" charset="0"/>
+                </a:rPr>
+              </a:br>
+              <a:r>
+                <a:rPr lang="en-GB" sz="1200" b="0" i="0" dirty="0">
+                  <a:solidFill>
+                    <a:srgbClr val="212529"/>
+                  </a:solidFill>
+                  <a:effectLst/>
+                  <a:latin typeface="Fira Sans" panose="020B0503050000020004" pitchFamily="34" charset="0"/>
+                </a:rPr>
+                <a:t>Run through all steps on a provided dataset (or participants’ data).</a:t>
+              </a:r>
+            </a:p>
+            <a:p>
+              <a:pPr marL="285750" indent="-285750" algn="l">
+                <a:lnSpc>
+                  <a:spcPct val="150000"/>
+                </a:lnSpc>
+                <a:buFont typeface="Wingdings" panose="05000000000000000000" pitchFamily="2" charset="2"/>
+                <a:buChar char="q"/>
+              </a:pPr>
+              <a:r>
+                <a:rPr lang="en-GB" b="0" i="0" dirty="0">
+                  <a:solidFill>
+                    <a:srgbClr val="212529"/>
+                  </a:solidFill>
+                  <a:effectLst/>
+                  <a:latin typeface="Fira Sans" panose="020B0503050000020004" pitchFamily="34" charset="0"/>
+                </a:rPr>
+                <a:t>Group Discussion &amp; Interpretation</a:t>
+              </a:r>
+            </a:p>
+            <a:p>
+              <a:pPr marL="285750" indent="-182880" algn="l">
+                <a:lnSpc>
+                  <a:spcPct val="150000"/>
+                </a:lnSpc>
+                <a:buFont typeface="Arial" panose="020B0604020202020204" pitchFamily="34" charset="0"/>
+                <a:buChar char="•"/>
+              </a:pPr>
+              <a:r>
+                <a:rPr lang="en-GB" sz="1600" b="0" i="0" dirty="0">
+                  <a:solidFill>
+                    <a:srgbClr val="212529"/>
+                  </a:solidFill>
+                  <a:effectLst/>
+                  <a:latin typeface="Fira Sans" panose="020B0503050000020004" pitchFamily="34" charset="0"/>
+                </a:rPr>
+                <a:t>Interpret results, compare across participants, discuss limitations, challenges, possible variations.</a:t>
+              </a:r>
+            </a:p>
+            <a:p>
+              <a:pPr marL="285750" indent="-285750" algn="l">
+                <a:lnSpc>
+                  <a:spcPct val="150000"/>
+                </a:lnSpc>
+                <a:buFont typeface="Wingdings" panose="05000000000000000000" pitchFamily="2" charset="2"/>
+                <a:buChar char="q"/>
+              </a:pPr>
+              <a:r>
+                <a:rPr lang="en-GB" b="0" i="0" dirty="0">
+                  <a:solidFill>
+                    <a:srgbClr val="212529"/>
+                  </a:solidFill>
+                  <a:effectLst/>
+                  <a:latin typeface="Fira Sans" panose="020B0503050000020004" pitchFamily="34" charset="0"/>
+                </a:rPr>
+                <a:t>Presentation &amp; Reporting</a:t>
+              </a:r>
+            </a:p>
+            <a:p>
+              <a:pPr marL="285750" indent="-182880" algn="l">
+                <a:lnSpc>
+                  <a:spcPct val="150000"/>
+                </a:lnSpc>
+                <a:buFont typeface="Arial" panose="020B0604020202020204" pitchFamily="34" charset="0"/>
+                <a:buChar char="•"/>
+              </a:pPr>
+              <a:r>
+                <a:rPr lang="en-GB" sz="1600" b="0" i="0" dirty="0">
+                  <a:solidFill>
+                    <a:srgbClr val="212529"/>
+                  </a:solidFill>
+                  <a:effectLst/>
+                  <a:latin typeface="Fira Sans" panose="020B0503050000020004" pitchFamily="34" charset="0"/>
+                </a:rPr>
+                <a:t>Generate basic report/graphics (ggplot2), integrate into R Markdown / html / PDF.</a:t>
+              </a:r>
+              <a:br>
+                <a:rPr lang="en-GB" sz="1600" b="0" i="0" dirty="0">
+                  <a:solidFill>
+                    <a:srgbClr val="212529"/>
+                  </a:solidFill>
+                  <a:effectLst/>
+                  <a:latin typeface="Fira Sans" panose="020B0503050000020004" pitchFamily="34" charset="0"/>
+                </a:rPr>
+              </a:br>
+              <a:r>
+                <a:rPr lang="en-GB" sz="1600" b="0" i="0" dirty="0">
+                  <a:solidFill>
+                    <a:srgbClr val="212529"/>
+                  </a:solidFill>
+                  <a:effectLst/>
+                  <a:latin typeface="Fira Sans" panose="020B0503050000020004" pitchFamily="34" charset="0"/>
+                </a:rPr>
+                <a:t>Provide guidance for next steps.</a:t>
+              </a:r>
+            </a:p>
+          </p:txBody>
+        </p:sp>
+        <p:sp>
+          <p:nvSpPr>
+            <p:cNvPr id="6" name="TextBox 5">
+              <a:extLst>
+                <a:ext uri="{FF2B5EF4-FFF2-40B4-BE49-F238E27FC236}">
+                  <a16:creationId xmlns:a16="http://schemas.microsoft.com/office/drawing/2014/main" id="{5182F423-B178-6D5E-07FE-6572830A50C3}"/>
+                </a:ext>
+              </a:extLst>
+            </p:cNvPr>
+            <p:cNvSpPr txBox="1"/>
+            <p:nvPr/>
+          </p:nvSpPr>
+          <p:spPr>
+            <a:xfrm>
+              <a:off x="624078" y="270357"/>
+              <a:ext cx="5154930" cy="465064"/>
+            </a:xfrm>
+            <a:prstGeom prst="rect">
+              <a:avLst/>
+            </a:prstGeom>
+            <a:noFill/>
+          </p:spPr>
+          <p:txBody>
+            <a:bodyPr wrap="square">
+              <a:spAutoFit/>
+            </a:bodyPr>
+            <a:lstStyle/>
+            <a:p>
+              <a:pPr>
+                <a:lnSpc>
+                  <a:spcPct val="150000"/>
+                </a:lnSpc>
+              </a:pPr>
+              <a:r>
+                <a:rPr lang="en-GB" b="1" u="sng" dirty="0">
+                  <a:latin typeface="Fira Sans" panose="020B0503050000020004" pitchFamily="34" charset="0"/>
+                  <a:hlinkClick r:id="rId2" action="ppaction://hlinkfile"/>
+                </a:rPr>
+                <a:t>Application on Real Data</a:t>
+              </a:r>
+              <a:endParaRPr lang="en-US" sz="4400" b="0" i="0" dirty="0">
+                <a:solidFill>
+                  <a:srgbClr val="1A292C"/>
+                </a:solidFill>
+                <a:effectLst/>
+                <a:latin typeface="Fira Sans" panose="020B0503050000020004" pitchFamily="34" charset="0"/>
+              </a:endParaRPr>
+            </a:p>
+          </p:txBody>
+        </p:sp>
+      </p:grpSp>
+      <p:grpSp>
+        <p:nvGrpSpPr>
+          <p:cNvPr id="7" name="Group 6">
+            <a:extLst>
+              <a:ext uri="{FF2B5EF4-FFF2-40B4-BE49-F238E27FC236}">
+                <a16:creationId xmlns:a16="http://schemas.microsoft.com/office/drawing/2014/main" id="{45B53B61-64C3-6CF1-C7B7-04EA0D82DD1D}"/>
+              </a:ext>
+            </a:extLst>
+          </p:cNvPr>
+          <p:cNvGrpSpPr/>
+          <p:nvPr/>
+        </p:nvGrpSpPr>
+        <p:grpSpPr>
+          <a:xfrm>
+            <a:off x="6169152" y="270357"/>
+            <a:ext cx="5946648" cy="2808924"/>
+            <a:chOff x="624078" y="270357"/>
+            <a:chExt cx="5869258" cy="2808924"/>
+          </a:xfrm>
+        </p:grpSpPr>
+        <p:sp>
+          <p:nvSpPr>
+            <p:cNvPr id="8" name="TextBox 7">
+              <a:extLst>
+                <a:ext uri="{FF2B5EF4-FFF2-40B4-BE49-F238E27FC236}">
+                  <a16:creationId xmlns:a16="http://schemas.microsoft.com/office/drawing/2014/main" id="{1BA4D673-2AFB-8626-2E84-D6A4F1C1E624}"/>
+                </a:ext>
+              </a:extLst>
+            </p:cNvPr>
+            <p:cNvSpPr txBox="1"/>
+            <p:nvPr/>
+          </p:nvSpPr>
+          <p:spPr>
+            <a:xfrm>
+              <a:off x="624078" y="1369582"/>
+              <a:ext cx="5869258" cy="1709699"/>
+            </a:xfrm>
+            <a:prstGeom prst="rect">
+              <a:avLst/>
+            </a:prstGeom>
+            <a:noFill/>
+          </p:spPr>
+          <p:txBody>
+            <a:bodyPr wrap="square">
+              <a:spAutoFit/>
+            </a:bodyPr>
+            <a:lstStyle/>
+            <a:p>
+              <a:pPr>
+                <a:lnSpc>
+                  <a:spcPct val="150000"/>
+                </a:lnSpc>
+              </a:pPr>
+              <a:r>
+                <a:rPr lang="en-GB" dirty="0">
+                  <a:latin typeface="Fira Sans" panose="020B0503050000020004" pitchFamily="34" charset="0"/>
+                </a:rPr>
+                <a:t>Today you learned:</a:t>
+              </a:r>
+            </a:p>
+            <a:p>
+              <a:pPr>
+                <a:lnSpc>
+                  <a:spcPct val="150000"/>
+                </a:lnSpc>
+              </a:pPr>
+              <a:r>
+                <a:rPr lang="en-GB" dirty="0">
+                  <a:latin typeface="Fira Sans" panose="020B0503050000020004" pitchFamily="34" charset="0"/>
+                </a:rPr>
+                <a:t>✓ </a:t>
+              </a:r>
+              <a:r>
+                <a:rPr lang="en-US" dirty="0">
+                  <a:latin typeface="Fira Sans" panose="020B0503050000020004" pitchFamily="34" charset="0"/>
+                </a:rPr>
+                <a:t>Apply full workflow to real or internal dataset</a:t>
+              </a:r>
+            </a:p>
+            <a:p>
+              <a:pPr>
+                <a:lnSpc>
+                  <a:spcPct val="150000"/>
+                </a:lnSpc>
+              </a:pPr>
+              <a:r>
+                <a:rPr lang="en-GB" dirty="0">
+                  <a:latin typeface="Fira Sans" panose="020B0503050000020004" pitchFamily="34" charset="0"/>
+                </a:rPr>
+                <a:t>✓ </a:t>
+              </a:r>
+              <a:r>
+                <a:rPr lang="en-US" dirty="0">
+                  <a:latin typeface="Fira Sans" panose="020B0503050000020004" pitchFamily="34" charset="0"/>
+                </a:rPr>
+                <a:t>Interpret results in biological context</a:t>
+              </a:r>
+            </a:p>
+            <a:p>
+              <a:pPr>
+                <a:lnSpc>
+                  <a:spcPct val="150000"/>
+                </a:lnSpc>
+              </a:pPr>
+              <a:r>
+                <a:rPr lang="en-GB" dirty="0">
+                  <a:latin typeface="Fira Sans" panose="020B0503050000020004" pitchFamily="34" charset="0"/>
+                </a:rPr>
+                <a:t>✓ </a:t>
+              </a:r>
+              <a:r>
+                <a:rPr lang="en-US" dirty="0">
+                  <a:latin typeface="Fira Sans" panose="020B0503050000020004" pitchFamily="34" charset="0"/>
+                </a:rPr>
+                <a:t>Troubleshoot and discuss</a:t>
+              </a:r>
+            </a:p>
+          </p:txBody>
+        </p:sp>
+        <p:sp>
+          <p:nvSpPr>
+            <p:cNvPr id="9" name="TextBox 8">
+              <a:extLst>
+                <a:ext uri="{FF2B5EF4-FFF2-40B4-BE49-F238E27FC236}">
+                  <a16:creationId xmlns:a16="http://schemas.microsoft.com/office/drawing/2014/main" id="{70FB6393-4146-87E5-C61E-159BF2FED89A}"/>
+                </a:ext>
+              </a:extLst>
+            </p:cNvPr>
+            <p:cNvSpPr txBox="1"/>
+            <p:nvPr/>
+          </p:nvSpPr>
+          <p:spPr>
+            <a:xfrm>
+              <a:off x="624078" y="270357"/>
+              <a:ext cx="5154930" cy="672235"/>
+            </a:xfrm>
+            <a:prstGeom prst="rect">
+              <a:avLst/>
+            </a:prstGeom>
+            <a:noFill/>
+          </p:spPr>
+          <p:txBody>
+            <a:bodyPr wrap="square">
+              <a:spAutoFit/>
+            </a:bodyPr>
+            <a:lstStyle/>
+            <a:p>
+              <a:pPr algn="l">
+                <a:lnSpc>
+                  <a:spcPct val="150000"/>
+                </a:lnSpc>
+                <a:buNone/>
+              </a:pPr>
+              <a:r>
+                <a:rPr lang="en-US" sz="2800" b="0" i="0" dirty="0">
+                  <a:solidFill>
+                    <a:srgbClr val="1A292C"/>
+                  </a:solidFill>
+                  <a:effectLst/>
+                  <a:latin typeface="Fira Sans" panose="020B0503050000020004" pitchFamily="34" charset="0"/>
+                </a:rPr>
+                <a:t>Day </a:t>
+              </a:r>
+              <a:r>
+                <a:rPr lang="en-US" sz="2800" dirty="0">
+                  <a:solidFill>
+                    <a:srgbClr val="1A292C"/>
+                  </a:solidFill>
+                  <a:latin typeface="Fira Sans" panose="020B0503050000020004" pitchFamily="34" charset="0"/>
+                </a:rPr>
+                <a:t>5</a:t>
+              </a:r>
+              <a:r>
+                <a:rPr lang="en-US" sz="2800" b="0" i="0" dirty="0">
+                  <a:solidFill>
+                    <a:srgbClr val="1A292C"/>
+                  </a:solidFill>
+                  <a:effectLst/>
+                  <a:latin typeface="Fira Sans" panose="020B0503050000020004" pitchFamily="34" charset="0"/>
+                </a:rPr>
+                <a:t> Summary</a:t>
+              </a:r>
+            </a:p>
+          </p:txBody>
+        </p:sp>
+      </p:grpSp>
+    </p:spTree>
+    <p:extLst>
+      <p:ext uri="{BB962C8B-B14F-4D97-AF65-F5344CB8AC3E}">
+        <p14:creationId xmlns:p14="http://schemas.microsoft.com/office/powerpoint/2010/main" val="1977686079"/>
       </p:ext>
     </p:extLst>
   </p:cSld>

--- a/inst/r4proteomics_slides.pptx
+++ b/inst/r4proteomics_slides.pptx
@@ -3481,7 +3481,7 @@
           <a:p>
             <a:fld id="{8026D668-90A6-4547-97E8-9A0A42296A1B}" type="datetimeFigureOut">
               <a:rPr lang="en-GB" smtClean="0"/>
-              <a:t>24/11/2025</a:t>
+              <a:t>25/11/2025</a:t>
             </a:fld>
             <a:endParaRPr lang="en-GB"/>
           </a:p>
@@ -3739,7 +3739,7 @@
           <a:p>
             <a:fld id="{3B761CF2-C4C9-4DEE-8992-FAB361DB7BD4}" type="datetimeFigureOut">
               <a:rPr lang="en-GB" smtClean="0"/>
-              <a:t>24/11/2025</a:t>
+              <a:t>25/11/2025</a:t>
             </a:fld>
             <a:endParaRPr lang="en-GB"/>
           </a:p>
@@ -3937,7 +3937,7 @@
           <a:p>
             <a:fld id="{3B761CF2-C4C9-4DEE-8992-FAB361DB7BD4}" type="datetimeFigureOut">
               <a:rPr lang="en-GB" smtClean="0"/>
-              <a:t>24/11/2025</a:t>
+              <a:t>25/11/2025</a:t>
             </a:fld>
             <a:endParaRPr lang="en-GB"/>
           </a:p>
@@ -4145,7 +4145,7 @@
           <a:p>
             <a:fld id="{3B761CF2-C4C9-4DEE-8992-FAB361DB7BD4}" type="datetimeFigureOut">
               <a:rPr lang="en-GB" smtClean="0"/>
-              <a:t>24/11/2025</a:t>
+              <a:t>25/11/2025</a:t>
             </a:fld>
             <a:endParaRPr lang="en-GB"/>
           </a:p>
@@ -4349,7 +4349,7 @@
           <a:p>
             <a:fld id="{033ADCF0-A78D-4AB5-8D9E-D2EFF7703854}" type="datetimeFigureOut">
               <a:rPr lang="en-GB" smtClean="0"/>
-              <a:t>24/11/2025</a:t>
+              <a:t>25/11/2025</a:t>
             </a:fld>
             <a:endParaRPr lang="en-GB"/>
           </a:p>
@@ -4523,7 +4523,7 @@
           <a:p>
             <a:fld id="{033ADCF0-A78D-4AB5-8D9E-D2EFF7703854}" type="datetimeFigureOut">
               <a:rPr lang="en-GB" smtClean="0"/>
-              <a:t>24/11/2025</a:t>
+              <a:t>25/11/2025</a:t>
             </a:fld>
             <a:endParaRPr lang="en-GB"/>
           </a:p>
@@ -4773,7 +4773,7 @@
           <a:p>
             <a:fld id="{033ADCF0-A78D-4AB5-8D9E-D2EFF7703854}" type="datetimeFigureOut">
               <a:rPr lang="en-GB" smtClean="0"/>
-              <a:t>24/11/2025</a:t>
+              <a:t>25/11/2025</a:t>
             </a:fld>
             <a:endParaRPr lang="en-GB"/>
           </a:p>
@@ -5009,7 +5009,7 @@
           <a:p>
             <a:fld id="{033ADCF0-A78D-4AB5-8D9E-D2EFF7703854}" type="datetimeFigureOut">
               <a:rPr lang="en-GB" smtClean="0"/>
-              <a:t>24/11/2025</a:t>
+              <a:t>25/11/2025</a:t>
             </a:fld>
             <a:endParaRPr lang="en-GB"/>
           </a:p>
@@ -5380,7 +5380,7 @@
           <a:p>
             <a:fld id="{033ADCF0-A78D-4AB5-8D9E-D2EFF7703854}" type="datetimeFigureOut">
               <a:rPr lang="en-GB" smtClean="0"/>
-              <a:t>24/11/2025</a:t>
+              <a:t>25/11/2025</a:t>
             </a:fld>
             <a:endParaRPr lang="en-GB"/>
           </a:p>
@@ -5502,7 +5502,7 @@
           <a:p>
             <a:fld id="{033ADCF0-A78D-4AB5-8D9E-D2EFF7703854}" type="datetimeFigureOut">
               <a:rPr lang="en-GB" smtClean="0"/>
-              <a:t>24/11/2025</a:t>
+              <a:t>25/11/2025</a:t>
             </a:fld>
             <a:endParaRPr lang="en-GB"/>
           </a:p>
@@ -5601,7 +5601,7 @@
           <a:p>
             <a:fld id="{033ADCF0-A78D-4AB5-8D9E-D2EFF7703854}" type="datetimeFigureOut">
               <a:rPr lang="en-GB" smtClean="0"/>
-              <a:t>24/11/2025</a:t>
+              <a:t>25/11/2025</a:t>
             </a:fld>
             <a:endParaRPr lang="en-GB"/>
           </a:p>
@@ -5898,7 +5898,7 @@
           <a:p>
             <a:fld id="{033ADCF0-A78D-4AB5-8D9E-D2EFF7703854}" type="datetimeFigureOut">
               <a:rPr lang="en-GB" smtClean="0"/>
-              <a:t>24/11/2025</a:t>
+              <a:t>25/11/2025</a:t>
             </a:fld>
             <a:endParaRPr lang="en-GB"/>
           </a:p>
@@ -6104,7 +6104,7 @@
           <a:p>
             <a:fld id="{3B761CF2-C4C9-4DEE-8992-FAB361DB7BD4}" type="datetimeFigureOut">
               <a:rPr lang="en-GB" smtClean="0"/>
-              <a:t>24/11/2025</a:t>
+              <a:t>25/11/2025</a:t>
             </a:fld>
             <a:endParaRPr lang="en-GB"/>
           </a:p>
@@ -6373,7 +6373,7 @@
           <a:p>
             <a:fld id="{033ADCF0-A78D-4AB5-8D9E-D2EFF7703854}" type="datetimeFigureOut">
               <a:rPr lang="en-GB" smtClean="0"/>
-              <a:t>24/11/2025</a:t>
+              <a:t>25/11/2025</a:t>
             </a:fld>
             <a:endParaRPr lang="en-GB"/>
           </a:p>
@@ -6563,7 +6563,7 @@
           <a:p>
             <a:fld id="{033ADCF0-A78D-4AB5-8D9E-D2EFF7703854}" type="datetimeFigureOut">
               <a:rPr lang="en-GB" smtClean="0"/>
-              <a:t>24/11/2025</a:t>
+              <a:t>25/11/2025</a:t>
             </a:fld>
             <a:endParaRPr lang="en-GB"/>
           </a:p>
@@ -6743,7 +6743,7 @@
           <a:p>
             <a:fld id="{033ADCF0-A78D-4AB5-8D9E-D2EFF7703854}" type="datetimeFigureOut">
               <a:rPr lang="en-GB" smtClean="0"/>
-              <a:t>24/11/2025</a:t>
+              <a:t>25/11/2025</a:t>
             </a:fld>
             <a:endParaRPr lang="en-GB"/>
           </a:p>
@@ -6872,7 +6872,7 @@
           <a:p>
             <a:fld id="{033ADCF0-A78D-4AB5-8D9E-D2EFF7703854}" type="datetimeFigureOut">
               <a:rPr lang="en-GB" smtClean="0"/>
-              <a:t>24/11/2025</a:t>
+              <a:t>25/11/2025</a:t>
             </a:fld>
             <a:endParaRPr lang="en-GB"/>
           </a:p>
@@ -7151,7 +7151,7 @@
           <a:p>
             <a:fld id="{3B761CF2-C4C9-4DEE-8992-FAB361DB7BD4}" type="datetimeFigureOut">
               <a:rPr lang="en-GB" smtClean="0"/>
-              <a:t>24/11/2025</a:t>
+              <a:t>25/11/2025</a:t>
             </a:fld>
             <a:endParaRPr lang="en-GB"/>
           </a:p>
@@ -7416,7 +7416,7 @@
           <a:p>
             <a:fld id="{3B761CF2-C4C9-4DEE-8992-FAB361DB7BD4}" type="datetimeFigureOut">
               <a:rPr lang="en-GB" smtClean="0"/>
-              <a:t>24/11/2025</a:t>
+              <a:t>25/11/2025</a:t>
             </a:fld>
             <a:endParaRPr lang="en-GB"/>
           </a:p>
@@ -7828,7 +7828,7 @@
           <a:p>
             <a:fld id="{3B761CF2-C4C9-4DEE-8992-FAB361DB7BD4}" type="datetimeFigureOut">
               <a:rPr lang="en-GB" smtClean="0"/>
-              <a:t>24/11/2025</a:t>
+              <a:t>25/11/2025</a:t>
             </a:fld>
             <a:endParaRPr lang="en-GB"/>
           </a:p>
@@ -7969,7 +7969,7 @@
           <a:p>
             <a:fld id="{3B761CF2-C4C9-4DEE-8992-FAB361DB7BD4}" type="datetimeFigureOut">
               <a:rPr lang="en-GB" smtClean="0"/>
-              <a:t>24/11/2025</a:t>
+              <a:t>25/11/2025</a:t>
             </a:fld>
             <a:endParaRPr lang="en-GB"/>
           </a:p>
@@ -8082,7 +8082,7 @@
           <a:p>
             <a:fld id="{3B761CF2-C4C9-4DEE-8992-FAB361DB7BD4}" type="datetimeFigureOut">
               <a:rPr lang="en-GB" smtClean="0"/>
-              <a:t>24/11/2025</a:t>
+              <a:t>25/11/2025</a:t>
             </a:fld>
             <a:endParaRPr lang="en-GB"/>
           </a:p>
@@ -8393,7 +8393,7 @@
           <a:p>
             <a:fld id="{3B761CF2-C4C9-4DEE-8992-FAB361DB7BD4}" type="datetimeFigureOut">
               <a:rPr lang="en-GB" smtClean="0"/>
-              <a:t>24/11/2025</a:t>
+              <a:t>25/11/2025</a:t>
             </a:fld>
             <a:endParaRPr lang="en-GB"/>
           </a:p>
@@ -8681,7 +8681,7 @@
           <a:p>
             <a:fld id="{3B761CF2-C4C9-4DEE-8992-FAB361DB7BD4}" type="datetimeFigureOut">
               <a:rPr lang="en-GB" smtClean="0"/>
-              <a:t>24/11/2025</a:t>
+              <a:t>25/11/2025</a:t>
             </a:fld>
             <a:endParaRPr lang="en-GB"/>
           </a:p>
@@ -8922,7 +8922,7 @@
           <a:p>
             <a:fld id="{3B761CF2-C4C9-4DEE-8992-FAB361DB7BD4}" type="datetimeFigureOut">
               <a:rPr lang="en-GB" smtClean="0"/>
-              <a:t>24/11/2025</a:t>
+              <a:t>25/11/2025</a:t>
             </a:fld>
             <a:endParaRPr lang="en-GB"/>
           </a:p>
@@ -9490,7 +9490,7 @@
           <a:p>
             <a:fld id="{3B761CF2-C4C9-4DEE-8992-FAB361DB7BD4}" type="datetimeFigureOut">
               <a:rPr lang="en-GB" smtClean="0"/>
-              <a:t>24/11/2025</a:t>
+              <a:t>25/11/2025</a:t>
             </a:fld>
             <a:endParaRPr lang="en-GB"/>
           </a:p>
@@ -11573,7 +11573,7 @@
 </file>
 
 <file path=ppt/slides/slide10.xml><?xml version="1.0" encoding="utf-8"?>
-<p:sld xmlns:a="http://schemas.openxmlformats.org/drawingml/2006/main" xmlns:r="http://schemas.openxmlformats.org/officeDocument/2006/relationships" xmlns:p="http://schemas.openxmlformats.org/presentationml/2006/main">
+<p:sld xmlns:a="http://schemas.openxmlformats.org/drawingml/2006/main" xmlns:r="http://schemas.openxmlformats.org/officeDocument/2006/relationships" xmlns:p="http://schemas.openxmlformats.org/presentationml/2006/main" show="0">
   <p:cSld>
     <p:spTree>
       <p:nvGrpSpPr>
@@ -14250,9 +14250,14 @@
               </a:pPr>
               <a:r>
                 <a:rPr lang="en-US" dirty="0">
+                  <a:solidFill>
+                    <a:schemeClr val="bg2">
+                      <a:lumMod val="50000"/>
+                    </a:schemeClr>
+                  </a:solidFill>
                   <a:latin typeface="Fira Sans" panose="020B0503050000020004" pitchFamily="34" charset="0"/>
                 </a:rPr>
-                <a:t>Module 4: Importing and exploring data</a:t>
+                <a:t>Module 4: Importing and exploring data?</a:t>
               </a:r>
             </a:p>
             <a:p>
@@ -14265,11 +14270,43 @@
               </a:pPr>
               <a:r>
                 <a:rPr lang="en-US" dirty="0">
+                  <a:solidFill>
+                    <a:schemeClr val="bg2">
+                      <a:lumMod val="50000"/>
+                    </a:schemeClr>
+                  </a:solidFill>
                   <a:latin typeface="Fira Sans" panose="020B0503050000020004" pitchFamily="34" charset="0"/>
                 </a:rPr>
-                <a:t>Module 5: Data Wrangling with `tidyverse`</a:t>
+                <a:t>Module 5: Data Wrangling with `</a:t>
+              </a:r>
+              <a:r>
+                <a:rPr lang="en-US" dirty="0" err="1">
+                  <a:solidFill>
+                    <a:schemeClr val="bg2">
+                      <a:lumMod val="50000"/>
+                    </a:schemeClr>
+                  </a:solidFill>
+                  <a:latin typeface="Fira Sans" panose="020B0503050000020004" pitchFamily="34" charset="0"/>
+                </a:rPr>
+                <a:t>tidyverse</a:t>
+              </a:r>
+              <a:r>
+                <a:rPr lang="en-US" dirty="0">
+                  <a:solidFill>
+                    <a:schemeClr val="bg2">
+                      <a:lumMod val="50000"/>
+                    </a:schemeClr>
+                  </a:solidFill>
+                  <a:latin typeface="Fira Sans" panose="020B0503050000020004" pitchFamily="34" charset="0"/>
+                </a:rPr>
+                <a:t>`?</a:t>
               </a:r>
               <a:endParaRPr lang="en-GB" dirty="0">
+                <a:solidFill>
+                  <a:schemeClr val="bg2">
+                    <a:lumMod val="50000"/>
+                  </a:schemeClr>
+                </a:solidFill>
                 <a:latin typeface="Fira Sans" panose="020B0503050000020004" pitchFamily="34" charset="0"/>
               </a:endParaRPr>
             </a:p>
@@ -14348,9 +14385,9 @@
         <p:grpSpPr>
           <a:xfrm>
             <a:off x="6169152" y="270357"/>
-            <a:ext cx="5946648" cy="4470917"/>
+            <a:ext cx="5946648" cy="4888339"/>
             <a:chOff x="624078" y="270357"/>
-            <a:chExt cx="5869258" cy="4470917"/>
+            <a:chExt cx="5869258" cy="4888339"/>
           </a:xfrm>
         </p:grpSpPr>
         <p:sp>
@@ -14368,7 +14405,7 @@
           <p:spPr>
             <a:xfrm>
               <a:off x="624078" y="1369582"/>
-              <a:ext cx="5869258" cy="3371692"/>
+              <a:ext cx="5869258" cy="3789114"/>
             </a:xfrm>
             <a:prstGeom prst="rect">
               <a:avLst/>
@@ -14501,10 +14538,43 @@
                 <a:buChar char="•"/>
               </a:pPr>
               <a:r>
+                <a:rPr lang="en-GB" b="1" dirty="0">
+                  <a:solidFill>
+                    <a:srgbClr val="FF0000"/>
+                  </a:solidFill>
+                  <a:latin typeface="Fira Sans" panose="020B0503050000020004" pitchFamily="34" charset="0"/>
+                </a:rPr>
+                <a:t>TODO</a:t>
+              </a:r>
+              <a:r>
                 <a:rPr lang="en-GB" dirty="0">
                   <a:latin typeface="Fira Sans" panose="020B0503050000020004" pitchFamily="34" charset="0"/>
                 </a:rPr>
-                <a:t>✓ Importing and exploring data</a:t>
+                <a:t> Visualizations/Graphs/Plots/..</a:t>
+              </a:r>
+            </a:p>
+            <a:p>
+              <a:pPr marL="285750" indent="-285750">
+                <a:lnSpc>
+                  <a:spcPct val="150000"/>
+                </a:lnSpc>
+                <a:buFont typeface="Arial" panose="020B0604020202020204" pitchFamily="34" charset="0"/>
+                <a:buChar char="•"/>
+              </a:pPr>
+              <a:r>
+                <a:rPr lang="en-GB" b="1" dirty="0">
+                  <a:solidFill>
+                    <a:srgbClr val="FF0000"/>
+                  </a:solidFill>
+                  <a:latin typeface="Fira Sans" panose="020B0503050000020004" pitchFamily="34" charset="0"/>
+                </a:rPr>
+                <a:t>TODO</a:t>
+              </a:r>
+              <a:r>
+                <a:rPr lang="en-GB" dirty="0">
+                  <a:latin typeface="Fira Sans" panose="020B0503050000020004" pitchFamily="34" charset="0"/>
+                </a:rPr>
+                <a:t> Importing and exploring data</a:t>
               </a:r>
             </a:p>
           </p:txBody>
@@ -15922,7 +15992,7 @@
 </file>
 
 <file path=ppt/slides/slide2.xml><?xml version="1.0" encoding="utf-8"?>
-<p:sld xmlns:a="http://schemas.openxmlformats.org/drawingml/2006/main" xmlns:r="http://schemas.openxmlformats.org/officeDocument/2006/relationships" xmlns:p="http://schemas.openxmlformats.org/presentationml/2006/main">
+<p:sld xmlns:a="http://schemas.openxmlformats.org/drawingml/2006/main" xmlns:r="http://schemas.openxmlformats.org/officeDocument/2006/relationships" xmlns:p="http://schemas.openxmlformats.org/presentationml/2006/main" show="0">
   <p:cSld>
     <p:spTree>
       <p:nvGrpSpPr>
@@ -16959,7 +17029,7 @@
 </file>
 
 <file path=ppt/slides/slide3.xml><?xml version="1.0" encoding="utf-8"?>
-<p:sld xmlns:a="http://schemas.openxmlformats.org/drawingml/2006/main" xmlns:r="http://schemas.openxmlformats.org/officeDocument/2006/relationships" xmlns:p="http://schemas.openxmlformats.org/presentationml/2006/main">
+<p:sld xmlns:a="http://schemas.openxmlformats.org/drawingml/2006/main" xmlns:r="http://schemas.openxmlformats.org/officeDocument/2006/relationships" xmlns:p="http://schemas.openxmlformats.org/presentationml/2006/main" show="0">
   <p:cSld>
     <p:spTree>
       <p:nvGrpSpPr>
@@ -17111,7 +17181,7 @@
 </file>
 
 <file path=ppt/slides/slide4.xml><?xml version="1.0" encoding="utf-8"?>
-<p:sld xmlns:a="http://schemas.openxmlformats.org/drawingml/2006/main" xmlns:r="http://schemas.openxmlformats.org/officeDocument/2006/relationships" xmlns:p="http://schemas.openxmlformats.org/presentationml/2006/main">
+<p:sld xmlns:a="http://schemas.openxmlformats.org/drawingml/2006/main" xmlns:r="http://schemas.openxmlformats.org/officeDocument/2006/relationships" xmlns:p="http://schemas.openxmlformats.org/presentationml/2006/main" show="0">
   <p:cSld>
     <p:spTree>
       <p:nvGrpSpPr>
@@ -18311,7 +18381,7 @@
 </file>
 
 <file path=ppt/slides/slide5.xml><?xml version="1.0" encoding="utf-8"?>
-<p:sld xmlns:a="http://schemas.openxmlformats.org/drawingml/2006/main" xmlns:r="http://schemas.openxmlformats.org/officeDocument/2006/relationships" xmlns:p="http://schemas.openxmlformats.org/presentationml/2006/main">
+<p:sld xmlns:a="http://schemas.openxmlformats.org/drawingml/2006/main" xmlns:r="http://schemas.openxmlformats.org/officeDocument/2006/relationships" xmlns:p="http://schemas.openxmlformats.org/presentationml/2006/main" show="0">
   <p:cSld>
     <p:spTree>
       <p:nvGrpSpPr>
@@ -19897,7 +19967,7 @@
 </file>
 
 <file path=ppt/slides/slide6.xml><?xml version="1.0" encoding="utf-8"?>
-<p:sld xmlns:a="http://schemas.openxmlformats.org/drawingml/2006/main" xmlns:r="http://schemas.openxmlformats.org/officeDocument/2006/relationships" xmlns:p="http://schemas.openxmlformats.org/presentationml/2006/main">
+<p:sld xmlns:a="http://schemas.openxmlformats.org/drawingml/2006/main" xmlns:r="http://schemas.openxmlformats.org/officeDocument/2006/relationships" xmlns:p="http://schemas.openxmlformats.org/presentationml/2006/main" show="0">
   <p:cSld>
     <p:spTree>
       <p:nvGrpSpPr>
@@ -20371,7 +20441,7 @@
 </file>
 
 <file path=ppt/slides/slide7.xml><?xml version="1.0" encoding="utf-8"?>
-<p:sld xmlns:a="http://schemas.openxmlformats.org/drawingml/2006/main" xmlns:r="http://schemas.openxmlformats.org/officeDocument/2006/relationships" xmlns:p="http://schemas.openxmlformats.org/presentationml/2006/main">
+<p:sld xmlns:a="http://schemas.openxmlformats.org/drawingml/2006/main" xmlns:r="http://schemas.openxmlformats.org/officeDocument/2006/relationships" xmlns:p="http://schemas.openxmlformats.org/presentationml/2006/main" show="0">
   <p:cSld>
     <p:spTree>
       <p:nvGrpSpPr>
@@ -20782,7 +20852,7 @@
 </file>
 
 <file path=ppt/slides/slide8.xml><?xml version="1.0" encoding="utf-8"?>
-<p:sld xmlns:a="http://schemas.openxmlformats.org/drawingml/2006/main" xmlns:r="http://schemas.openxmlformats.org/officeDocument/2006/relationships" xmlns:p="http://schemas.openxmlformats.org/presentationml/2006/main">
+<p:sld xmlns:a="http://schemas.openxmlformats.org/drawingml/2006/main" xmlns:r="http://schemas.openxmlformats.org/officeDocument/2006/relationships" xmlns:p="http://schemas.openxmlformats.org/presentationml/2006/main" show="0">
   <p:cSld>
     <p:spTree>
       <p:nvGrpSpPr>
@@ -21277,7 +21347,7 @@
 </file>
 
 <file path=ppt/slides/slide9.xml><?xml version="1.0" encoding="utf-8"?>
-<p:sld xmlns:a="http://schemas.openxmlformats.org/drawingml/2006/main" xmlns:r="http://schemas.openxmlformats.org/officeDocument/2006/relationships" xmlns:p="http://schemas.openxmlformats.org/presentationml/2006/main">
+<p:sld xmlns:a="http://schemas.openxmlformats.org/drawingml/2006/main" xmlns:r="http://schemas.openxmlformats.org/officeDocument/2006/relationships" xmlns:p="http://schemas.openxmlformats.org/presentationml/2006/main" show="0">
   <p:cSld>
     <p:spTree>
       <p:nvGrpSpPr>
